--- a/Cyril/Diapositives/Projet Théléton REVUE 2.pptx
+++ b/Cyril/Diapositives/Projet Théléton REVUE 2.pptx
@@ -5,7 +5,7 @@
     <p:sldMasterId id="2147483660" r:id="rId1"/>
   </p:sldMasterIdLst>
   <p:notesMasterIdLst>
-    <p:notesMasterId r:id="rId28"/>
+    <p:notesMasterId r:id="rId30"/>
   </p:notesMasterIdLst>
   <p:sldIdLst>
     <p:sldId id="266" r:id="rId2"/>
@@ -15,25 +15,27 @@
     <p:sldId id="284" r:id="rId6"/>
     <p:sldId id="285" r:id="rId7"/>
     <p:sldId id="258" r:id="rId8"/>
-    <p:sldId id="274" r:id="rId9"/>
-    <p:sldId id="289" r:id="rId10"/>
-    <p:sldId id="273" r:id="rId11"/>
-    <p:sldId id="272" r:id="rId12"/>
-    <p:sldId id="277" r:id="rId13"/>
-    <p:sldId id="279" r:id="rId14"/>
-    <p:sldId id="278" r:id="rId15"/>
-    <p:sldId id="280" r:id="rId16"/>
-    <p:sldId id="281" r:id="rId17"/>
-    <p:sldId id="286" r:id="rId18"/>
-    <p:sldId id="263" r:id="rId19"/>
-    <p:sldId id="268" r:id="rId20"/>
-    <p:sldId id="264" r:id="rId21"/>
-    <p:sldId id="265" r:id="rId22"/>
-    <p:sldId id="282" r:id="rId23"/>
-    <p:sldId id="288" r:id="rId24"/>
-    <p:sldId id="283" r:id="rId25"/>
-    <p:sldId id="275" r:id="rId26"/>
-    <p:sldId id="287" r:id="rId27"/>
+    <p:sldId id="290" r:id="rId9"/>
+    <p:sldId id="274" r:id="rId10"/>
+    <p:sldId id="289" r:id="rId11"/>
+    <p:sldId id="273" r:id="rId12"/>
+    <p:sldId id="272" r:id="rId13"/>
+    <p:sldId id="277" r:id="rId14"/>
+    <p:sldId id="279" r:id="rId15"/>
+    <p:sldId id="278" r:id="rId16"/>
+    <p:sldId id="280" r:id="rId17"/>
+    <p:sldId id="281" r:id="rId18"/>
+    <p:sldId id="286" r:id="rId19"/>
+    <p:sldId id="263" r:id="rId20"/>
+    <p:sldId id="291" r:id="rId21"/>
+    <p:sldId id="268" r:id="rId22"/>
+    <p:sldId id="264" r:id="rId23"/>
+    <p:sldId id="265" r:id="rId24"/>
+    <p:sldId id="282" r:id="rId25"/>
+    <p:sldId id="288" r:id="rId26"/>
+    <p:sldId id="283" r:id="rId27"/>
+    <p:sldId id="275" r:id="rId28"/>
+    <p:sldId id="287" r:id="rId29"/>
   </p:sldIdLst>
   <p:sldSz cx="12192000" cy="6858000"/>
   <p:notesSz cx="6858000" cy="9144000"/>
@@ -225,7 +227,7 @@
           <a:p>
             <a:fld id="{C6B1AD4F-F5E1-44BF-B2CE-5CC53752312E}" type="datetimeFigureOut">
               <a:rPr lang="fr-FR" smtClean="0"/>
-              <a:t>11/03/2020</a:t>
+              <a:t>12/03/2020</a:t>
             </a:fld>
             <a:endParaRPr lang="fr-FR"/>
           </a:p>
@@ -557,7 +559,7 @@
           <a:p>
             <a:fld id="{0EE03F40-5359-45BD-BFB3-41D3E922B839}" type="slidenum">
               <a:rPr lang="fr-FR" smtClean="0"/>
-              <a:t>18</a:t>
+              <a:t>19</a:t>
             </a:fld>
             <a:endParaRPr lang="fr-FR"/>
           </a:p>
@@ -641,7 +643,7 @@
           <a:p>
             <a:fld id="{0EE03F40-5359-45BD-BFB3-41D3E922B839}" type="slidenum">
               <a:rPr lang="fr-FR" smtClean="0"/>
-              <a:t>19</a:t>
+              <a:t>21</a:t>
             </a:fld>
             <a:endParaRPr lang="fr-FR"/>
           </a:p>
@@ -1382,7 +1384,7 @@
           <a:p>
             <a:fld id="{121086B6-4785-4B02-B45F-69E8EC48AF10}" type="datetime1">
               <a:rPr lang="en-US" smtClean="0"/>
-              <a:t>3/11/2020</a:t>
+              <a:t>3/12/2020</a:t>
             </a:fld>
             <a:endParaRPr lang="en-US" dirty="0"/>
           </a:p>
@@ -1634,7 +1636,7 @@
           <a:p>
             <a:fld id="{23970309-B0F5-496A-AF01-C4F7D7127607}" type="datetime1">
               <a:rPr lang="en-US" smtClean="0"/>
-              <a:t>3/11/2020</a:t>
+              <a:t>3/12/2020</a:t>
             </a:fld>
             <a:endParaRPr lang="en-US" dirty="0"/>
           </a:p>
@@ -1949,7 +1951,7 @@
           <a:p>
             <a:fld id="{BD5A6555-B09D-4DF3-9E24-F95073C0E3C5}" type="datetime1">
               <a:rPr lang="en-US" smtClean="0"/>
-              <a:t>3/11/2020</a:t>
+              <a:t>3/12/2020</a:t>
             </a:fld>
             <a:endParaRPr lang="en-US" dirty="0"/>
           </a:p>
@@ -2291,7 +2293,7 @@
           <a:p>
             <a:fld id="{2718A8E1-1FCB-4D1F-B5F8-40754BB1A44B}" type="datetime1">
               <a:rPr lang="en-US" smtClean="0"/>
-              <a:t>3/11/2020</a:t>
+              <a:t>3/12/2020</a:t>
             </a:fld>
             <a:endParaRPr lang="en-US" dirty="0"/>
           </a:p>
@@ -2606,7 +2608,7 @@
           <a:p>
             <a:fld id="{373D0532-6397-4639-8901-FD8E130F9E79}" type="datetime1">
               <a:rPr lang="en-US" smtClean="0"/>
-              <a:t>3/11/2020</a:t>
+              <a:t>3/12/2020</a:t>
             </a:fld>
             <a:endParaRPr lang="en-US" dirty="0"/>
           </a:p>
@@ -3000,7 +3002,7 @@
           <a:p>
             <a:fld id="{06DAD8E1-DFBA-4FAC-A724-8EA9950C9948}" type="datetime1">
               <a:rPr lang="en-US" smtClean="0"/>
-              <a:t>3/11/2020</a:t>
+              <a:t>3/12/2020</a:t>
             </a:fld>
             <a:endParaRPr lang="en-US" dirty="0"/>
           </a:p>
@@ -3171,7 +3173,7 @@
           <a:p>
             <a:fld id="{6BE363D7-C59B-4AE0-9D13-3E581A6403A6}" type="datetime1">
               <a:rPr lang="en-US" smtClean="0"/>
-              <a:t>3/11/2020</a:t>
+              <a:t>3/12/2020</a:t>
             </a:fld>
             <a:endParaRPr lang="en-US" dirty="0"/>
           </a:p>
@@ -3351,7 +3353,7 @@
           <a:p>
             <a:fld id="{A4B56314-D09A-4343-94DD-6E21C843D93C}" type="datetime1">
               <a:rPr lang="en-US" smtClean="0"/>
-              <a:t>3/11/2020</a:t>
+              <a:t>3/12/2020</a:t>
             </a:fld>
             <a:endParaRPr lang="en-US" dirty="0"/>
           </a:p>
@@ -3528,7 +3530,7 @@
           <a:p>
             <a:fld id="{311F89E6-8346-407F-8976-74A6E6BC9C69}" type="datetime1">
               <a:rPr lang="en-US" smtClean="0"/>
-              <a:t>3/11/2020</a:t>
+              <a:t>3/12/2020</a:t>
             </a:fld>
             <a:endParaRPr lang="en-US" dirty="0"/>
           </a:p>
@@ -3776,7 +3778,7 @@
           <a:p>
             <a:fld id="{F0CAE4E6-96AB-47D8-84F8-C8DEF4A89FA1}" type="datetime1">
               <a:rPr lang="en-US" smtClean="0"/>
-              <a:t>3/11/2020</a:t>
+              <a:t>3/12/2020</a:t>
             </a:fld>
             <a:endParaRPr lang="en-US" dirty="0"/>
           </a:p>
@@ -4009,7 +4011,7 @@
           <a:p>
             <a:fld id="{C74EB724-3B24-4FAF-B85F-8349CE767A12}" type="datetime1">
               <a:rPr lang="en-US" smtClean="0"/>
-              <a:t>3/11/2020</a:t>
+              <a:t>3/12/2020</a:t>
             </a:fld>
             <a:endParaRPr lang="en-US" dirty="0"/>
           </a:p>
@@ -4383,7 +4385,7 @@
           <a:p>
             <a:fld id="{C6E29C2D-42A1-4ACC-8E10-E8732F70073F}" type="datetime1">
               <a:rPr lang="en-US" smtClean="0"/>
-              <a:t>3/11/2020</a:t>
+              <a:t>3/12/2020</a:t>
             </a:fld>
             <a:endParaRPr lang="en-US" dirty="0"/>
           </a:p>
@@ -4507,7 +4509,7 @@
           <a:p>
             <a:fld id="{CAE62921-F2F1-4662-8022-A6B0A50BAE48}" type="datetime1">
               <a:rPr lang="en-US" smtClean="0"/>
-              <a:t>3/11/2020</a:t>
+              <a:t>3/12/2020</a:t>
             </a:fld>
             <a:endParaRPr lang="en-US" dirty="0"/>
           </a:p>
@@ -4603,7 +4605,7 @@
           <a:p>
             <a:fld id="{0BBF48E3-595E-4DAE-88AA-4F167A64EEC9}" type="datetime1">
               <a:rPr lang="en-US" smtClean="0"/>
-              <a:t>3/11/2020</a:t>
+              <a:t>3/12/2020</a:t>
             </a:fld>
             <a:endParaRPr lang="en-US" dirty="0"/>
           </a:p>
@@ -4859,7 +4861,7 @@
           <a:p>
             <a:fld id="{46970350-80C1-41CC-A2C2-E8482DBD7CDF}" type="datetime1">
               <a:rPr lang="en-US" smtClean="0"/>
-              <a:t>3/11/2020</a:t>
+              <a:t>3/12/2020</a:t>
             </a:fld>
             <a:endParaRPr lang="en-US" dirty="0"/>
           </a:p>
@@ -5122,7 +5124,7 @@
           <a:p>
             <a:fld id="{AB97C547-5076-4761-9061-295AB8CD0FD5}" type="datetime1">
               <a:rPr lang="en-US" smtClean="0"/>
-              <a:t>3/11/2020</a:t>
+              <a:t>3/12/2020</a:t>
             </a:fld>
             <a:endParaRPr lang="en-US" dirty="0"/>
           </a:p>
@@ -5866,7 +5868,7 @@
           <a:p>
             <a:fld id="{4BC6ADAC-2FE0-4598-B64E-CE0503A9DF00}" type="datetime1">
               <a:rPr lang="en-US" smtClean="0"/>
-              <a:t>3/11/2020</a:t>
+              <a:t>3/12/2020</a:t>
             </a:fld>
             <a:endParaRPr lang="en-US" dirty="0"/>
           </a:p>
@@ -7889,7 +7891,7 @@
           <p:cNvPr id="2" name="Titre 1">
             <a:extLst>
               <a:ext uri="{FF2B5EF4-FFF2-40B4-BE49-F238E27FC236}">
-                <a16:creationId xmlns:a16="http://schemas.microsoft.com/office/drawing/2014/main" id="{53FD9546-A9DC-44BB-8E2E-1DB691F7B233}"/>
+                <a16:creationId xmlns:a16="http://schemas.microsoft.com/office/drawing/2014/main" id="{B6090E45-0338-490F-A7CB-9A396C31BDA9}"/>
               </a:ext>
             </a:extLst>
           </p:cNvPr>
@@ -7900,29 +7902,56 @@
             <p:ph type="title"/>
           </p:nvPr>
         </p:nvSpPr>
+        <p:spPr/>
+        <p:txBody>
+          <a:bodyPr/>
+          <a:lstStyle/>
+          <a:p>
+            <a:r>
+              <a:rPr lang="fr-FR" dirty="0"/>
+              <a:t>Diagramme de séquence</a:t>
+            </a:r>
+          </a:p>
+        </p:txBody>
+      </p:sp>
+      <p:pic>
+        <p:nvPicPr>
+          <p:cNvPr id="5" name="Espace réservé du contenu 4">
+            <a:extLst>
+              <a:ext uri="{FF2B5EF4-FFF2-40B4-BE49-F238E27FC236}">
+                <a16:creationId xmlns:a16="http://schemas.microsoft.com/office/drawing/2014/main" id="{6B529675-99F3-419C-98D2-20E373726325}"/>
+              </a:ext>
+            </a:extLst>
+          </p:cNvPr>
+          <p:cNvPicPr>
+            <a:picLocks noGrp="1" noChangeAspect="1"/>
+          </p:cNvPicPr>
+          <p:nvPr>
+            <p:ph idx="1"/>
+          </p:nvPr>
+        </p:nvPicPr>
+        <p:blipFill>
+          <a:blip r:embed="rId2"/>
+          <a:stretch>
+            <a:fillRect/>
+          </a:stretch>
+        </p:blipFill>
         <p:spPr>
           <a:xfrm>
-            <a:off x="235159" y="278269"/>
-            <a:ext cx="6470441" cy="1320800"/>
+            <a:off x="1358625" y="2160588"/>
+            <a:ext cx="7234787" cy="3881437"/>
           </a:xfrm>
+          <a:prstGeom prst="rect">
+            <a:avLst/>
+          </a:prstGeom>
         </p:spPr>
-        <p:txBody>
-          <a:bodyPr/>
-          <a:lstStyle/>
-          <a:p>
-            <a:r>
-              <a:rPr lang="fr-FR" dirty="0"/>
-              <a:t>Présentation des pages web</a:t>
-            </a:r>
-          </a:p>
-        </p:txBody>
-      </p:sp>
+      </p:pic>
       <p:sp>
         <p:nvSpPr>
           <p:cNvPr id="4" name="Espace réservé du numéro de diapositive 3">
             <a:extLst>
               <a:ext uri="{FF2B5EF4-FFF2-40B4-BE49-F238E27FC236}">
-                <a16:creationId xmlns:a16="http://schemas.microsoft.com/office/drawing/2014/main" id="{5C09830D-8E41-4DEC-B5AF-B50169DC9DAC}"/>
+                <a16:creationId xmlns:a16="http://schemas.microsoft.com/office/drawing/2014/main" id="{51C27953-2B2B-465D-A934-4E56C3122A79}"/>
               </a:ext>
             </a:extLst>
           </p:cNvPr>
@@ -7942,6 +7971,99 @@
               <a:rPr lang="en-US" smtClean="0"/>
               <a:pPr/>
               <a:t>10</a:t>
+            </a:fld>
+            <a:endParaRPr lang="en-US" dirty="0"/>
+          </a:p>
+        </p:txBody>
+      </p:sp>
+    </p:spTree>
+    <p:extLst>
+      <p:ext uri="{BB962C8B-B14F-4D97-AF65-F5344CB8AC3E}">
+        <p14:creationId xmlns:p14="http://schemas.microsoft.com/office/powerpoint/2010/main" val="349222349"/>
+      </p:ext>
+    </p:extLst>
+  </p:cSld>
+  <p:clrMapOvr>
+    <a:masterClrMapping/>
+  </p:clrMapOvr>
+</p:sld>
+</file>
+
+<file path=ppt/slides/slide11.xml><?xml version="1.0" encoding="utf-8"?>
+<p:sld xmlns:a="http://schemas.openxmlformats.org/drawingml/2006/main" xmlns:r="http://schemas.openxmlformats.org/officeDocument/2006/relationships" xmlns:p="http://schemas.openxmlformats.org/presentationml/2006/main">
+  <p:cSld>
+    <p:spTree>
+      <p:nvGrpSpPr>
+        <p:cNvPr id="1" name=""/>
+        <p:cNvGrpSpPr/>
+        <p:nvPr/>
+      </p:nvGrpSpPr>
+      <p:grpSpPr>
+        <a:xfrm>
+          <a:off x="0" y="0"/>
+          <a:ext cx="0" cy="0"/>
+          <a:chOff x="0" y="0"/>
+          <a:chExt cx="0" cy="0"/>
+        </a:xfrm>
+      </p:grpSpPr>
+      <p:sp>
+        <p:nvSpPr>
+          <p:cNvPr id="2" name="Titre 1">
+            <a:extLst>
+              <a:ext uri="{FF2B5EF4-FFF2-40B4-BE49-F238E27FC236}">
+                <a16:creationId xmlns:a16="http://schemas.microsoft.com/office/drawing/2014/main" id="{53FD9546-A9DC-44BB-8E2E-1DB691F7B233}"/>
+              </a:ext>
+            </a:extLst>
+          </p:cNvPr>
+          <p:cNvSpPr>
+            <a:spLocks noGrp="1"/>
+          </p:cNvSpPr>
+          <p:nvPr>
+            <p:ph type="title"/>
+          </p:nvPr>
+        </p:nvSpPr>
+        <p:spPr>
+          <a:xfrm>
+            <a:off x="235159" y="278269"/>
+            <a:ext cx="6470441" cy="1320800"/>
+          </a:xfrm>
+        </p:spPr>
+        <p:txBody>
+          <a:bodyPr/>
+          <a:lstStyle/>
+          <a:p>
+            <a:r>
+              <a:rPr lang="fr-FR" dirty="0"/>
+              <a:t>Présentation des pages web</a:t>
+            </a:r>
+          </a:p>
+        </p:txBody>
+      </p:sp>
+      <p:sp>
+        <p:nvSpPr>
+          <p:cNvPr id="4" name="Espace réservé du numéro de diapositive 3">
+            <a:extLst>
+              <a:ext uri="{FF2B5EF4-FFF2-40B4-BE49-F238E27FC236}">
+                <a16:creationId xmlns:a16="http://schemas.microsoft.com/office/drawing/2014/main" id="{5C09830D-8E41-4DEC-B5AF-B50169DC9DAC}"/>
+              </a:ext>
+            </a:extLst>
+          </p:cNvPr>
+          <p:cNvSpPr>
+            <a:spLocks noGrp="1"/>
+          </p:cNvSpPr>
+          <p:nvPr>
+            <p:ph type="sldNum" sz="quarter" idx="12"/>
+          </p:nvPr>
+        </p:nvSpPr>
+        <p:spPr/>
+        <p:txBody>
+          <a:bodyPr/>
+          <a:lstStyle/>
+          <a:p>
+            <a:fld id="{D57F1E4F-1CFF-5643-939E-217C01CDF565}" type="slidenum">
+              <a:rPr lang="en-US" smtClean="0"/>
+              <a:pPr/>
+              <a:t>11</a:t>
             </a:fld>
             <a:endParaRPr lang="en-US" dirty="0"/>
           </a:p>
@@ -9616,7 +9738,7 @@
 </p:sld>
 </file>
 
-<file path=ppt/slides/slide11.xml><?xml version="1.0" encoding="utf-8"?>
+<file path=ppt/slides/slide12.xml><?xml version="1.0" encoding="utf-8"?>
 <p:sld xmlns:a="http://schemas.openxmlformats.org/drawingml/2006/main" xmlns:r="http://schemas.openxmlformats.org/officeDocument/2006/relationships" xmlns:p="http://schemas.openxmlformats.org/presentationml/2006/main">
   <p:cSld>
     <p:spTree>
@@ -9690,7 +9812,7 @@
             <a:fld id="{D57F1E4F-1CFF-5643-939E-217C01CDF565}" type="slidenum">
               <a:rPr lang="en-US" smtClean="0"/>
               <a:pPr/>
-              <a:t>11</a:t>
+              <a:t>12</a:t>
             </a:fld>
             <a:endParaRPr lang="en-US" dirty="0"/>
           </a:p>
@@ -11164,7 +11286,7 @@
 </p:sld>
 </file>
 
-<file path=ppt/slides/slide12.xml><?xml version="1.0" encoding="utf-8"?>
+<file path=ppt/slides/slide13.xml><?xml version="1.0" encoding="utf-8"?>
 <p:sld xmlns:a="http://schemas.openxmlformats.org/drawingml/2006/main" xmlns:r="http://schemas.openxmlformats.org/officeDocument/2006/relationships" xmlns:p="http://schemas.openxmlformats.org/presentationml/2006/main">
   <p:cSld>
     <p:bg>
@@ -12738,7 +12860,7 @@
                   <a:spcPts val="600"/>
                 </a:spcAft>
               </a:pPr>
-              <a:t>12</a:t>
+              <a:t>13</a:t>
             </a:fld>
             <a:endParaRPr lang="en-US">
               <a:solidFill>
@@ -14109,7 +14231,7 @@
 </p:sld>
 </file>
 
-<file path=ppt/slides/slide13.xml><?xml version="1.0" encoding="utf-8"?>
+<file path=ppt/slides/slide14.xml><?xml version="1.0" encoding="utf-8"?>
 <p:sld xmlns:a="http://schemas.openxmlformats.org/drawingml/2006/main" xmlns:r="http://schemas.openxmlformats.org/officeDocument/2006/relationships" xmlns:p="http://schemas.openxmlformats.org/presentationml/2006/main">
   <p:cSld>
     <p:bg>
@@ -15653,7 +15775,7 @@
                   <a:spcPts val="600"/>
                 </a:spcAft>
               </a:pPr>
-              <a:t>13</a:t>
+              <a:t>14</a:t>
             </a:fld>
             <a:endParaRPr lang="en-US">
               <a:solidFill>
@@ -17079,7 +17201,7 @@
 </p:sld>
 </file>
 
-<file path=ppt/slides/slide14.xml><?xml version="1.0" encoding="utf-8"?>
+<file path=ppt/slides/slide15.xml><?xml version="1.0" encoding="utf-8"?>
 <p:sld xmlns:a="http://schemas.openxmlformats.org/drawingml/2006/main" xmlns:r="http://schemas.openxmlformats.org/officeDocument/2006/relationships" xmlns:p="http://schemas.openxmlformats.org/presentationml/2006/main">
   <p:cSld>
     <p:bg>
@@ -18623,7 +18745,7 @@
                   <a:spcPts val="600"/>
                 </a:spcAft>
               </a:pPr>
-              <a:t>14</a:t>
+              <a:t>15</a:t>
             </a:fld>
             <a:endParaRPr lang="en-US">
               <a:solidFill>
@@ -20049,7 +20171,7 @@
 </p:sld>
 </file>
 
-<file path=ppt/slides/slide15.xml><?xml version="1.0" encoding="utf-8"?>
+<file path=ppt/slides/slide16.xml><?xml version="1.0" encoding="utf-8"?>
 <p:sld xmlns:a="http://schemas.openxmlformats.org/drawingml/2006/main" xmlns:r="http://schemas.openxmlformats.org/officeDocument/2006/relationships" xmlns:p="http://schemas.openxmlformats.org/presentationml/2006/main">
   <p:cSld>
     <p:bg>
@@ -21593,7 +21715,7 @@
                   <a:spcPts val="600"/>
                 </a:spcAft>
               </a:pPr>
-              <a:t>15</a:t>
+              <a:t>16</a:t>
             </a:fld>
             <a:endParaRPr lang="en-US">
               <a:solidFill>
@@ -23019,7 +23141,7 @@
 </p:sld>
 </file>
 
-<file path=ppt/slides/slide16.xml><?xml version="1.0" encoding="utf-8"?>
+<file path=ppt/slides/slide17.xml><?xml version="1.0" encoding="utf-8"?>
 <p:sld xmlns:a="http://schemas.openxmlformats.org/drawingml/2006/main" xmlns:r="http://schemas.openxmlformats.org/officeDocument/2006/relationships" xmlns:p="http://schemas.openxmlformats.org/presentationml/2006/main">
   <p:cSld>
     <p:spTree>
@@ -23088,7 +23210,7 @@
             <a:fld id="{D57F1E4F-1CFF-5643-939E-217C01CDF565}" type="slidenum">
               <a:rPr lang="en-US" smtClean="0"/>
               <a:pPr/>
-              <a:t>16</a:t>
+              <a:t>17</a:t>
             </a:fld>
             <a:endParaRPr lang="en-US" dirty="0"/>
           </a:p>
@@ -24449,7 +24571,7 @@
 </p:sld>
 </file>
 
-<file path=ppt/slides/slide17.xml><?xml version="1.0" encoding="utf-8"?>
+<file path=ppt/slides/slide18.xml><?xml version="1.0" encoding="utf-8"?>
 <p:sld xmlns:a="http://schemas.openxmlformats.org/drawingml/2006/main" xmlns:r="http://schemas.openxmlformats.org/officeDocument/2006/relationships" xmlns:p="http://schemas.openxmlformats.org/presentationml/2006/main">
   <p:cSld>
     <p:spTree>
@@ -24543,7 +24665,7 @@
             <a:fld id="{D57F1E4F-1CFF-5643-939E-217C01CDF565}" type="slidenum">
               <a:rPr lang="en-US" smtClean="0"/>
               <a:pPr/>
-              <a:t>17</a:t>
+              <a:t>18</a:t>
             </a:fld>
             <a:endParaRPr lang="en-US" dirty="0"/>
           </a:p>
@@ -25902,7 +26024,7 @@
 </p:sld>
 </file>
 
-<file path=ppt/slides/slide18.xml><?xml version="1.0" encoding="utf-8"?>
+<file path=ppt/slides/slide19.xml><?xml version="1.0" encoding="utf-8"?>
 <p:sld xmlns:a="http://schemas.openxmlformats.org/drawingml/2006/main" xmlns:r="http://schemas.openxmlformats.org/officeDocument/2006/relationships" xmlns:p="http://schemas.openxmlformats.org/presentationml/2006/main">
   <p:cSld>
     <p:bg>
@@ -26141,7 +26263,7 @@
             <a:fld id="{D57F1E4F-1CFF-5643-939E-217C01CDF565}" type="slidenum">
               <a:rPr lang="en-US" smtClean="0"/>
               <a:pPr/>
-              <a:t>18</a:t>
+              <a:t>19</a:t>
             </a:fld>
             <a:endParaRPr lang="en-US" dirty="0"/>
           </a:p>
@@ -27535,1806 +27657,6 @@
     <p:extLst>
       <p:ext uri="{BB962C8B-B14F-4D97-AF65-F5344CB8AC3E}">
         <p14:creationId xmlns:p14="http://schemas.microsoft.com/office/powerpoint/2010/main" val="67745971"/>
-      </p:ext>
-    </p:extLst>
-  </p:cSld>
-  <p:clrMapOvr>
-    <a:masterClrMapping/>
-  </p:clrMapOvr>
-  <mc:AlternateContent xmlns:mc="http://schemas.openxmlformats.org/markup-compatibility/2006" xmlns:p159="http://schemas.microsoft.com/office/powerpoint/2015/09/main">
-    <mc:Choice Requires="p159">
-      <p:transition xmlns:p14="http://schemas.microsoft.com/office/powerpoint/2010/main" spd="slow" p14:dur="2000">
-        <p159:morph option="byObject"/>
-      </p:transition>
-    </mc:Choice>
-    <mc:Fallback xmlns="">
-      <p:transition spd="slow">
-        <p:fade/>
-      </p:transition>
-    </mc:Fallback>
-  </mc:AlternateContent>
-</p:sld>
-</file>
-
-<file path=ppt/slides/slide19.xml><?xml version="1.0" encoding="utf-8"?>
-<p:sld xmlns:a="http://schemas.openxmlformats.org/drawingml/2006/main" xmlns:r="http://schemas.openxmlformats.org/officeDocument/2006/relationships" xmlns:p="http://schemas.openxmlformats.org/presentationml/2006/main">
-  <p:cSld>
-    <p:spTree>
-      <p:nvGrpSpPr>
-        <p:cNvPr id="1" name=""/>
-        <p:cNvGrpSpPr/>
-        <p:nvPr/>
-      </p:nvGrpSpPr>
-      <p:grpSpPr>
-        <a:xfrm>
-          <a:off x="0" y="0"/>
-          <a:ext cx="0" cy="0"/>
-          <a:chOff x="0" y="0"/>
-          <a:chExt cx="0" cy="0"/>
-        </a:xfrm>
-      </p:grpSpPr>
-      <p:sp>
-        <p:nvSpPr>
-          <p:cNvPr id="3" name="Espace réservé du contenu 2">
-            <a:extLst>
-              <a:ext uri="{FF2B5EF4-FFF2-40B4-BE49-F238E27FC236}">
-                <a16:creationId xmlns:a16="http://schemas.microsoft.com/office/drawing/2014/main" id="{7AF902F3-9937-4DB7-AC73-46E736BF1E98}"/>
-              </a:ext>
-            </a:extLst>
-          </p:cNvPr>
-          <p:cNvSpPr>
-            <a:spLocks noGrp="1"/>
-          </p:cNvSpPr>
-          <p:nvPr>
-            <p:ph idx="1"/>
-          </p:nvPr>
-        </p:nvSpPr>
-        <p:spPr>
-          <a:xfrm>
-            <a:off x="677333" y="2160589"/>
-            <a:ext cx="3458439" cy="3880773"/>
-          </a:xfrm>
-        </p:spPr>
-        <p:txBody>
-          <a:bodyPr/>
-          <a:lstStyle/>
-          <a:p>
-            <a:pPr marL="0" indent="0">
-              <a:buNone/>
-            </a:pPr>
-            <a:r>
-              <a:rPr lang="fr-FR" sz="2000" u="sng" dirty="0"/>
-              <a:t>Connexion des composants :</a:t>
-            </a:r>
-          </a:p>
-          <a:p>
-            <a:pPr marL="0" indent="0">
-              <a:buNone/>
-            </a:pPr>
-            <a:endParaRPr lang="fr-FR" sz="2000" u="sng" dirty="0"/>
-          </a:p>
-          <a:p>
-            <a:r>
-              <a:rPr lang="fr-FR" dirty="0"/>
-              <a:t>Câbler les composants sur l'Arduino.</a:t>
-            </a:r>
-          </a:p>
-          <a:p>
-            <a:r>
-              <a:rPr lang="fr-FR" dirty="0"/>
-              <a:t>Coder le programme de connexion en langage Arduino avec les librairies correspondantes.</a:t>
-            </a:r>
-          </a:p>
-        </p:txBody>
-      </p:sp>
-      <p:pic>
-        <p:nvPicPr>
-          <p:cNvPr id="7" name="Picture 2" descr="Image associée">
-            <a:extLst>
-              <a:ext uri="{FF2B5EF4-FFF2-40B4-BE49-F238E27FC236}">
-                <a16:creationId xmlns:a16="http://schemas.microsoft.com/office/drawing/2014/main" id="{B23DB64B-9248-4262-BD92-EE7F6FE67D5E}"/>
-              </a:ext>
-            </a:extLst>
-          </p:cNvPr>
-          <p:cNvPicPr>
-            <a:picLocks noChangeAspect="1" noChangeArrowheads="1"/>
-          </p:cNvPicPr>
-          <p:nvPr/>
-        </p:nvPicPr>
-        <p:blipFill rotWithShape="1">
-          <a:blip r:embed="rId3">
-            <a:extLst>
-              <a:ext uri="{28A0092B-C50C-407E-A947-70E740481C1C}">
-                <a14:useLocalDpi xmlns:a14="http://schemas.microsoft.com/office/drawing/2010/main" val="0"/>
-              </a:ext>
-            </a:extLst>
-          </a:blip>
-          <a:srcRect l="18677" r="15441"/>
-          <a:stretch/>
-        </p:blipFill>
-        <p:spPr bwMode="auto">
-          <a:xfrm>
-            <a:off x="143436" y="143435"/>
-            <a:ext cx="2269635" cy="609600"/>
-          </a:xfrm>
-          <a:prstGeom prst="rect">
-            <a:avLst/>
-          </a:prstGeom>
-          <a:noFill/>
-          <a:extLst>
-            <a:ext uri="{909E8E84-426E-40DD-AFC4-6F175D3DCCD1}">
-              <a14:hiddenFill xmlns:a14="http://schemas.microsoft.com/office/drawing/2010/main">
-                <a:solidFill>
-                  <a:srgbClr val="FFFFFF"/>
-                </a:solidFill>
-              </a14:hiddenFill>
-            </a:ext>
-          </a:extLst>
-        </p:spPr>
-      </p:pic>
-      <p:sp>
-        <p:nvSpPr>
-          <p:cNvPr id="8" name="Espace réservé du contenu 2">
-            <a:extLst>
-              <a:ext uri="{FF2B5EF4-FFF2-40B4-BE49-F238E27FC236}">
-                <a16:creationId xmlns:a16="http://schemas.microsoft.com/office/drawing/2014/main" id="{989E1277-11F9-412A-948F-626C83E2E89F}"/>
-              </a:ext>
-            </a:extLst>
-          </p:cNvPr>
-          <p:cNvSpPr txBox="1">
-            <a:spLocks/>
-          </p:cNvSpPr>
-          <p:nvPr/>
-        </p:nvSpPr>
-        <p:spPr>
-          <a:xfrm>
-            <a:off x="5150063" y="2072104"/>
-            <a:ext cx="4329497" cy="3880773"/>
-          </a:xfrm>
-          <a:prstGeom prst="rect">
-            <a:avLst/>
-          </a:prstGeom>
-        </p:spPr>
-        <p:txBody>
-          <a:bodyPr vert="horz" lIns="91440" tIns="45720" rIns="91440" bIns="45720" rtlCol="0">
-            <a:normAutofit/>
-          </a:bodyPr>
-          <a:lstStyle>
-            <a:lvl1pPr marL="342900" indent="-342900" algn="l" defTabSz="457200" rtl="0" eaLnBrk="1" latinLnBrk="0" hangingPunct="1">
-              <a:spcBef>
-                <a:spcPts val="1000"/>
-              </a:spcBef>
-              <a:spcAft>
-                <a:spcPts val="0"/>
-              </a:spcAft>
-              <a:buClr>
-                <a:schemeClr val="accent1"/>
-              </a:buClr>
-              <a:buSzPct val="80000"/>
-              <a:buFont typeface="Wingdings 3" charset="2"/>
-              <a:buChar char=""/>
-              <a:defRPr sz="1800" kern="1200">
-                <a:solidFill>
-                  <a:schemeClr val="tx1">
-                    <a:lumMod val="75000"/>
-                    <a:lumOff val="25000"/>
-                  </a:schemeClr>
-                </a:solidFill>
-                <a:latin typeface="+mn-lt"/>
-                <a:ea typeface="+mn-ea"/>
-                <a:cs typeface="+mn-cs"/>
-              </a:defRPr>
-            </a:lvl1pPr>
-            <a:lvl2pPr marL="742950" indent="-285750" algn="l" defTabSz="457200" rtl="0" eaLnBrk="1" latinLnBrk="0" hangingPunct="1">
-              <a:spcBef>
-                <a:spcPts val="1000"/>
-              </a:spcBef>
-              <a:spcAft>
-                <a:spcPts val="0"/>
-              </a:spcAft>
-              <a:buClr>
-                <a:schemeClr val="accent1"/>
-              </a:buClr>
-              <a:buSzPct val="80000"/>
-              <a:buFont typeface="Wingdings 3" charset="2"/>
-              <a:buChar char=""/>
-              <a:defRPr sz="1600" kern="1200">
-                <a:solidFill>
-                  <a:schemeClr val="tx1">
-                    <a:lumMod val="75000"/>
-                    <a:lumOff val="25000"/>
-                  </a:schemeClr>
-                </a:solidFill>
-                <a:latin typeface="+mn-lt"/>
-                <a:ea typeface="+mn-ea"/>
-                <a:cs typeface="+mn-cs"/>
-              </a:defRPr>
-            </a:lvl2pPr>
-            <a:lvl3pPr marL="1143000" indent="-228600" algn="l" defTabSz="457200" rtl="0" eaLnBrk="1" latinLnBrk="0" hangingPunct="1">
-              <a:spcBef>
-                <a:spcPts val="1000"/>
-              </a:spcBef>
-              <a:spcAft>
-                <a:spcPts val="0"/>
-              </a:spcAft>
-              <a:buClr>
-                <a:schemeClr val="accent1"/>
-              </a:buClr>
-              <a:buSzPct val="80000"/>
-              <a:buFont typeface="Wingdings 3" charset="2"/>
-              <a:buChar char=""/>
-              <a:defRPr sz="1400" kern="1200">
-                <a:solidFill>
-                  <a:schemeClr val="tx1">
-                    <a:lumMod val="75000"/>
-                    <a:lumOff val="25000"/>
-                  </a:schemeClr>
-                </a:solidFill>
-                <a:latin typeface="+mn-lt"/>
-                <a:ea typeface="+mn-ea"/>
-                <a:cs typeface="+mn-cs"/>
-              </a:defRPr>
-            </a:lvl3pPr>
-            <a:lvl4pPr marL="1600200" indent="-228600" algn="l" defTabSz="457200" rtl="0" eaLnBrk="1" latinLnBrk="0" hangingPunct="1">
-              <a:spcBef>
-                <a:spcPts val="1000"/>
-              </a:spcBef>
-              <a:spcAft>
-                <a:spcPts val="0"/>
-              </a:spcAft>
-              <a:buClr>
-                <a:schemeClr val="accent1"/>
-              </a:buClr>
-              <a:buSzPct val="80000"/>
-              <a:buFont typeface="Wingdings 3" charset="2"/>
-              <a:buChar char=""/>
-              <a:defRPr sz="1200" kern="1200">
-                <a:solidFill>
-                  <a:schemeClr val="tx1">
-                    <a:lumMod val="75000"/>
-                    <a:lumOff val="25000"/>
-                  </a:schemeClr>
-                </a:solidFill>
-                <a:latin typeface="+mn-lt"/>
-                <a:ea typeface="+mn-ea"/>
-                <a:cs typeface="+mn-cs"/>
-              </a:defRPr>
-            </a:lvl4pPr>
-            <a:lvl5pPr marL="2057400" indent="-228600" algn="l" defTabSz="457200" rtl="0" eaLnBrk="1" latinLnBrk="0" hangingPunct="1">
-              <a:spcBef>
-                <a:spcPts val="1000"/>
-              </a:spcBef>
-              <a:spcAft>
-                <a:spcPts val="0"/>
-              </a:spcAft>
-              <a:buClr>
-                <a:schemeClr val="accent1"/>
-              </a:buClr>
-              <a:buSzPct val="80000"/>
-              <a:buFont typeface="Wingdings 3" charset="2"/>
-              <a:buChar char=""/>
-              <a:defRPr sz="1200" kern="1200">
-                <a:solidFill>
-                  <a:schemeClr val="tx1">
-                    <a:lumMod val="75000"/>
-                    <a:lumOff val="25000"/>
-                  </a:schemeClr>
-                </a:solidFill>
-                <a:latin typeface="+mn-lt"/>
-                <a:ea typeface="+mn-ea"/>
-                <a:cs typeface="+mn-cs"/>
-              </a:defRPr>
-            </a:lvl5pPr>
-            <a:lvl6pPr marL="2514600" indent="-228600" algn="l" defTabSz="457200" rtl="0" eaLnBrk="1" latinLnBrk="0" hangingPunct="1">
-              <a:spcBef>
-                <a:spcPts val="1000"/>
-              </a:spcBef>
-              <a:spcAft>
-                <a:spcPts val="0"/>
-              </a:spcAft>
-              <a:buClr>
-                <a:schemeClr val="accent1"/>
-              </a:buClr>
-              <a:buSzPct val="80000"/>
-              <a:buFont typeface="Wingdings 3" charset="2"/>
-              <a:buChar char=""/>
-              <a:defRPr sz="1200" kern="1200">
-                <a:solidFill>
-                  <a:schemeClr val="tx1">
-                    <a:lumMod val="75000"/>
-                    <a:lumOff val="25000"/>
-                  </a:schemeClr>
-                </a:solidFill>
-                <a:latin typeface="+mn-lt"/>
-                <a:ea typeface="+mn-ea"/>
-                <a:cs typeface="+mn-cs"/>
-              </a:defRPr>
-            </a:lvl6pPr>
-            <a:lvl7pPr marL="2971800" indent="-228600" algn="l" defTabSz="457200" rtl="0" eaLnBrk="1" latinLnBrk="0" hangingPunct="1">
-              <a:spcBef>
-                <a:spcPts val="1000"/>
-              </a:spcBef>
-              <a:spcAft>
-                <a:spcPts val="0"/>
-              </a:spcAft>
-              <a:buClr>
-                <a:schemeClr val="accent1"/>
-              </a:buClr>
-              <a:buSzPct val="80000"/>
-              <a:buFont typeface="Wingdings 3" charset="2"/>
-              <a:buChar char=""/>
-              <a:defRPr sz="1200" kern="1200">
-                <a:solidFill>
-                  <a:schemeClr val="tx1">
-                    <a:lumMod val="75000"/>
-                    <a:lumOff val="25000"/>
-                  </a:schemeClr>
-                </a:solidFill>
-                <a:latin typeface="+mn-lt"/>
-                <a:ea typeface="+mn-ea"/>
-                <a:cs typeface="+mn-cs"/>
-              </a:defRPr>
-            </a:lvl7pPr>
-            <a:lvl8pPr marL="3429000" indent="-228600" algn="l" defTabSz="457200" rtl="0" eaLnBrk="1" latinLnBrk="0" hangingPunct="1">
-              <a:spcBef>
-                <a:spcPts val="1000"/>
-              </a:spcBef>
-              <a:spcAft>
-                <a:spcPts val="0"/>
-              </a:spcAft>
-              <a:buClr>
-                <a:schemeClr val="accent1"/>
-              </a:buClr>
-              <a:buSzPct val="80000"/>
-              <a:buFont typeface="Wingdings 3" charset="2"/>
-              <a:buChar char=""/>
-              <a:defRPr sz="1200" kern="1200">
-                <a:solidFill>
-                  <a:schemeClr val="tx1">
-                    <a:lumMod val="75000"/>
-                    <a:lumOff val="25000"/>
-                  </a:schemeClr>
-                </a:solidFill>
-                <a:latin typeface="+mn-lt"/>
-                <a:ea typeface="+mn-ea"/>
-                <a:cs typeface="+mn-cs"/>
-              </a:defRPr>
-            </a:lvl8pPr>
-            <a:lvl9pPr marL="3886200" indent="-228600" algn="l" defTabSz="457200" rtl="0" eaLnBrk="1" latinLnBrk="0" hangingPunct="1">
-              <a:spcBef>
-                <a:spcPts val="1000"/>
-              </a:spcBef>
-              <a:spcAft>
-                <a:spcPts val="0"/>
-              </a:spcAft>
-              <a:buClr>
-                <a:schemeClr val="accent1"/>
-              </a:buClr>
-              <a:buSzPct val="80000"/>
-              <a:buFont typeface="Wingdings 3" charset="2"/>
-              <a:buChar char=""/>
-              <a:defRPr sz="1200" kern="1200">
-                <a:solidFill>
-                  <a:schemeClr val="tx1">
-                    <a:lumMod val="75000"/>
-                    <a:lumOff val="25000"/>
-                  </a:schemeClr>
-                </a:solidFill>
-                <a:latin typeface="+mn-lt"/>
-                <a:ea typeface="+mn-ea"/>
-                <a:cs typeface="+mn-cs"/>
-              </a:defRPr>
-            </a:lvl9pPr>
-          </a:lstStyle>
-          <a:p>
-            <a:pPr marL="0" indent="0">
-              <a:buNone/>
-            </a:pPr>
-            <a:r>
-              <a:rPr lang="fr-FR" sz="2000" u="sng" dirty="0"/>
-              <a:t>Afficher l’énigme et activer le buzzer :</a:t>
-            </a:r>
-          </a:p>
-          <a:p>
-            <a:pPr marL="0" indent="0">
-              <a:buNone/>
-            </a:pPr>
-            <a:endParaRPr lang="fr-FR" sz="2000" u="sng" dirty="0"/>
-          </a:p>
-          <a:p>
-            <a:pPr>
-              <a:buClr>
-                <a:schemeClr val="accent4"/>
-              </a:buClr>
-            </a:pPr>
-            <a:r>
-              <a:rPr lang="fr-FR" dirty="0"/>
-              <a:t>Coder en Arduino le programme permettant d’activer le buzzer et d’afficher l’énigme sur l’écran LCD. </a:t>
-            </a:r>
-          </a:p>
-          <a:p>
-            <a:pPr>
-              <a:buClr>
-                <a:schemeClr val="accent4"/>
-              </a:buClr>
-            </a:pPr>
-            <a:r>
-              <a:rPr lang="fr-FR" dirty="0"/>
-              <a:t>Fonction permettant de vérifier le code du pavé numérique.</a:t>
-            </a:r>
-          </a:p>
-        </p:txBody>
-      </p:sp>
-      <p:sp>
-        <p:nvSpPr>
-          <p:cNvPr id="2" name="Espace réservé du numéro de diapositive 1">
-            <a:extLst>
-              <a:ext uri="{FF2B5EF4-FFF2-40B4-BE49-F238E27FC236}">
-                <a16:creationId xmlns:a16="http://schemas.microsoft.com/office/drawing/2014/main" id="{8EFECB0D-7F3D-4794-B2CC-5E3BD76ABF8A}"/>
-              </a:ext>
-            </a:extLst>
-          </p:cNvPr>
-          <p:cNvSpPr>
-            <a:spLocks noGrp="1"/>
-          </p:cNvSpPr>
-          <p:nvPr>
-            <p:ph type="sldNum" sz="quarter" idx="12"/>
-          </p:nvPr>
-        </p:nvSpPr>
-        <p:spPr/>
-        <p:txBody>
-          <a:bodyPr/>
-          <a:lstStyle/>
-          <a:p>
-            <a:fld id="{D57F1E4F-1CFF-5643-939E-217C01CDF565}" type="slidenum">
-              <a:rPr lang="en-US" smtClean="0"/>
-              <a:pPr/>
-              <a:t>19</a:t>
-            </a:fld>
-            <a:endParaRPr lang="en-US" dirty="0"/>
-          </a:p>
-        </p:txBody>
-      </p:sp>
-      <p:sp>
-        <p:nvSpPr>
-          <p:cNvPr id="39" name="ZoneTexte 38">
-            <a:extLst>
-              <a:ext uri="{FF2B5EF4-FFF2-40B4-BE49-F238E27FC236}">
-                <a16:creationId xmlns:a16="http://schemas.microsoft.com/office/drawing/2014/main" id="{CAC06103-B08E-4CC2-91A8-FE7B5DD25603}"/>
-              </a:ext>
-            </a:extLst>
-          </p:cNvPr>
-          <p:cNvSpPr txBox="1"/>
-          <p:nvPr/>
-        </p:nvSpPr>
-        <p:spPr>
-          <a:xfrm>
-            <a:off x="10004530" y="4085990"/>
-            <a:ext cx="1661719" cy="584775"/>
-          </a:xfrm>
-          <a:prstGeom prst="rect">
-            <a:avLst/>
-          </a:prstGeom>
-          <a:noFill/>
-        </p:spPr>
-        <p:txBody>
-          <a:bodyPr wrap="square" rtlCol="0">
-            <a:spAutoFit/>
-          </a:bodyPr>
-          <a:lstStyle/>
-          <a:p>
-            <a:pPr lvl="0" defTabSz="457200">
-              <a:defRPr/>
-            </a:pPr>
-            <a:r>
-              <a:rPr lang="fr-FR" sz="1600" dirty="0">
-                <a:solidFill>
-                  <a:prstClr val="black"/>
-                </a:solidFill>
-              </a:rPr>
-              <a:t>Application Arduino</a:t>
-            </a:r>
-            <a:endParaRPr kumimoji="0" lang="fr-FR" sz="1600" b="0" i="0" u="none" strike="noStrike" kern="1200" cap="none" spc="0" normalizeH="0" baseline="0" noProof="0" dirty="0">
-              <a:ln>
-                <a:noFill/>
-              </a:ln>
-              <a:solidFill>
-                <a:prstClr val="black"/>
-              </a:solidFill>
-              <a:effectLst/>
-              <a:uLnTx/>
-              <a:uFillTx/>
-              <a:latin typeface="Trebuchet MS" panose="020B0603020202020204"/>
-              <a:ea typeface="+mn-ea"/>
-              <a:cs typeface="+mn-cs"/>
-            </a:endParaRPr>
-          </a:p>
-        </p:txBody>
-      </p:sp>
-      <p:sp>
-        <p:nvSpPr>
-          <p:cNvPr id="40" name="Organigramme : Terminateur 39">
-            <a:extLst>
-              <a:ext uri="{FF2B5EF4-FFF2-40B4-BE49-F238E27FC236}">
-                <a16:creationId xmlns:a16="http://schemas.microsoft.com/office/drawing/2014/main" id="{8EF33495-D189-4F3A-90F4-19E6AFD8F7C4}"/>
-              </a:ext>
-            </a:extLst>
-          </p:cNvPr>
-          <p:cNvSpPr/>
-          <p:nvPr/>
-        </p:nvSpPr>
-        <p:spPr>
-          <a:xfrm>
-            <a:off x="11329940" y="3851955"/>
-            <a:ext cx="358260" cy="85725"/>
-          </a:xfrm>
-          <a:prstGeom prst="flowChartTerminator">
-            <a:avLst/>
-          </a:prstGeom>
-          <a:solidFill>
-            <a:srgbClr val="A8135A"/>
-          </a:solidFill>
-          <a:ln>
-            <a:solidFill>
-              <a:schemeClr val="bg1"/>
-            </a:solidFill>
-          </a:ln>
-        </p:spPr>
-        <p:style>
-          <a:lnRef idx="2">
-            <a:schemeClr val="accent1">
-              <a:shade val="50000"/>
-            </a:schemeClr>
-          </a:lnRef>
-          <a:fillRef idx="1">
-            <a:schemeClr val="accent1"/>
-          </a:fillRef>
-          <a:effectRef idx="0">
-            <a:schemeClr val="accent1"/>
-          </a:effectRef>
-          <a:fontRef idx="minor">
-            <a:schemeClr val="lt1"/>
-          </a:fontRef>
-        </p:style>
-        <p:txBody>
-          <a:bodyPr rtlCol="0" anchor="ctr"/>
-          <a:lstStyle/>
-          <a:p>
-            <a:pPr marL="0" marR="0" lvl="0" indent="0" algn="ctr" defTabSz="457200" rtl="0" eaLnBrk="1" fontAlgn="auto" latinLnBrk="0" hangingPunct="1">
-              <a:lnSpc>
-                <a:spcPct val="100000"/>
-              </a:lnSpc>
-              <a:spcBef>
-                <a:spcPts val="0"/>
-              </a:spcBef>
-              <a:spcAft>
-                <a:spcPts val="0"/>
-              </a:spcAft>
-              <a:buClrTx/>
-              <a:buSzTx/>
-              <a:buFontTx/>
-              <a:buNone/>
-              <a:tabLst/>
-              <a:defRPr/>
-            </a:pPr>
-            <a:endParaRPr kumimoji="0" lang="fr-FR" sz="1800" b="0" i="0" u="none" strike="noStrike" kern="1200" cap="none" spc="0" normalizeH="0" baseline="0" noProof="0" dirty="0">
-              <a:ln>
-                <a:noFill/>
-              </a:ln>
-              <a:solidFill>
-                <a:prstClr val="white"/>
-              </a:solidFill>
-              <a:effectLst/>
-              <a:uLnTx/>
-              <a:uFillTx/>
-              <a:latin typeface="Trebuchet MS" panose="020B0603020202020204"/>
-              <a:ea typeface="+mn-ea"/>
-              <a:cs typeface="+mn-cs"/>
-            </a:endParaRPr>
-          </a:p>
-        </p:txBody>
-      </p:sp>
-      <p:sp>
-        <p:nvSpPr>
-          <p:cNvPr id="41" name="Organigramme : Terminateur 40">
-            <a:extLst>
-              <a:ext uri="{FF2B5EF4-FFF2-40B4-BE49-F238E27FC236}">
-                <a16:creationId xmlns:a16="http://schemas.microsoft.com/office/drawing/2014/main" id="{3D67C593-4B0C-4EE1-B953-BF4737A4FD58}"/>
-              </a:ext>
-            </a:extLst>
-          </p:cNvPr>
-          <p:cNvSpPr/>
-          <p:nvPr/>
-        </p:nvSpPr>
-        <p:spPr>
-          <a:xfrm>
-            <a:off x="11340058" y="4330628"/>
-            <a:ext cx="358260" cy="85725"/>
-          </a:xfrm>
-          <a:prstGeom prst="flowChartTerminator">
-            <a:avLst/>
-          </a:prstGeom>
-          <a:solidFill>
-            <a:srgbClr val="A8135A"/>
-          </a:solidFill>
-          <a:ln>
-            <a:solidFill>
-              <a:schemeClr val="bg1"/>
-            </a:solidFill>
-          </a:ln>
-        </p:spPr>
-        <p:style>
-          <a:lnRef idx="2">
-            <a:schemeClr val="accent1">
-              <a:shade val="50000"/>
-            </a:schemeClr>
-          </a:lnRef>
-          <a:fillRef idx="1">
-            <a:schemeClr val="accent1"/>
-          </a:fillRef>
-          <a:effectRef idx="0">
-            <a:schemeClr val="accent1"/>
-          </a:effectRef>
-          <a:fontRef idx="minor">
-            <a:schemeClr val="lt1"/>
-          </a:fontRef>
-        </p:style>
-        <p:txBody>
-          <a:bodyPr rtlCol="0" anchor="ctr"/>
-          <a:lstStyle/>
-          <a:p>
-            <a:pPr marL="0" marR="0" lvl="0" indent="0" algn="ctr" defTabSz="457200" rtl="0" eaLnBrk="1" fontAlgn="auto" latinLnBrk="0" hangingPunct="1">
-              <a:lnSpc>
-                <a:spcPct val="100000"/>
-              </a:lnSpc>
-              <a:spcBef>
-                <a:spcPts val="0"/>
-              </a:spcBef>
-              <a:spcAft>
-                <a:spcPts val="0"/>
-              </a:spcAft>
-              <a:buClrTx/>
-              <a:buSzTx/>
-              <a:buFontTx/>
-              <a:buNone/>
-              <a:tabLst/>
-              <a:defRPr/>
-            </a:pPr>
-            <a:endParaRPr kumimoji="0" lang="fr-FR" sz="1800" b="0" i="0" u="none" strike="noStrike" kern="1200" cap="none" spc="0" normalizeH="0" baseline="0" noProof="0" dirty="0">
-              <a:ln>
-                <a:noFill/>
-              </a:ln>
-              <a:solidFill>
-                <a:prstClr val="white"/>
-              </a:solidFill>
-              <a:effectLst/>
-              <a:uLnTx/>
-              <a:uFillTx/>
-              <a:latin typeface="Trebuchet MS" panose="020B0603020202020204"/>
-              <a:ea typeface="+mn-ea"/>
-              <a:cs typeface="+mn-cs"/>
-            </a:endParaRPr>
-          </a:p>
-        </p:txBody>
-      </p:sp>
-      <p:sp>
-        <p:nvSpPr>
-          <p:cNvPr id="42" name="Organigramme : Terminateur 41">
-            <a:extLst>
-              <a:ext uri="{FF2B5EF4-FFF2-40B4-BE49-F238E27FC236}">
-                <a16:creationId xmlns:a16="http://schemas.microsoft.com/office/drawing/2014/main" id="{C9E5C5DC-8B4C-4ADC-BBA4-DCFBF76355B4}"/>
-              </a:ext>
-            </a:extLst>
-          </p:cNvPr>
-          <p:cNvSpPr/>
-          <p:nvPr/>
-        </p:nvSpPr>
-        <p:spPr>
-          <a:xfrm>
-            <a:off x="11324702" y="4803258"/>
-            <a:ext cx="358260" cy="85725"/>
-          </a:xfrm>
-          <a:prstGeom prst="flowChartTerminator">
-            <a:avLst/>
-          </a:prstGeom>
-          <a:solidFill>
-            <a:schemeClr val="bg1"/>
-          </a:solidFill>
-          <a:ln>
-            <a:solidFill>
-              <a:schemeClr val="bg1"/>
-            </a:solidFill>
-          </a:ln>
-        </p:spPr>
-        <p:style>
-          <a:lnRef idx="2">
-            <a:schemeClr val="accent1">
-              <a:shade val="50000"/>
-            </a:schemeClr>
-          </a:lnRef>
-          <a:fillRef idx="1">
-            <a:schemeClr val="accent1"/>
-          </a:fillRef>
-          <a:effectRef idx="0">
-            <a:schemeClr val="accent1"/>
-          </a:effectRef>
-          <a:fontRef idx="minor">
-            <a:schemeClr val="lt1"/>
-          </a:fontRef>
-        </p:style>
-        <p:txBody>
-          <a:bodyPr rtlCol="0" anchor="ctr"/>
-          <a:lstStyle/>
-          <a:p>
-            <a:pPr marL="0" marR="0" lvl="0" indent="0" algn="ctr" defTabSz="457200" rtl="0" eaLnBrk="1" fontAlgn="auto" latinLnBrk="0" hangingPunct="1">
-              <a:lnSpc>
-                <a:spcPct val="100000"/>
-              </a:lnSpc>
-              <a:spcBef>
-                <a:spcPts val="0"/>
-              </a:spcBef>
-              <a:spcAft>
-                <a:spcPts val="0"/>
-              </a:spcAft>
-              <a:buClrTx/>
-              <a:buSzTx/>
-              <a:buFontTx/>
-              <a:buNone/>
-              <a:tabLst/>
-              <a:defRPr/>
-            </a:pPr>
-            <a:endParaRPr kumimoji="0" lang="fr-FR" sz="1800" b="0" i="0" u="none" strike="noStrike" kern="1200" cap="none" spc="0" normalizeH="0" baseline="0" noProof="0" dirty="0">
-              <a:ln>
-                <a:noFill/>
-              </a:ln>
-              <a:solidFill>
-                <a:prstClr val="white"/>
-              </a:solidFill>
-              <a:effectLst/>
-              <a:uLnTx/>
-              <a:uFillTx/>
-              <a:latin typeface="Trebuchet MS" panose="020B0603020202020204"/>
-              <a:ea typeface="+mn-ea"/>
-              <a:cs typeface="+mn-cs"/>
-            </a:endParaRPr>
-          </a:p>
-        </p:txBody>
-      </p:sp>
-      <p:sp>
-        <p:nvSpPr>
-          <p:cNvPr id="43" name="Organigramme : Terminateur 42">
-            <a:extLst>
-              <a:ext uri="{FF2B5EF4-FFF2-40B4-BE49-F238E27FC236}">
-                <a16:creationId xmlns:a16="http://schemas.microsoft.com/office/drawing/2014/main" id="{2CD9668A-D8D9-413C-AA24-615929CD3766}"/>
-              </a:ext>
-            </a:extLst>
-          </p:cNvPr>
-          <p:cNvSpPr/>
-          <p:nvPr/>
-        </p:nvSpPr>
-        <p:spPr>
-          <a:xfrm>
-            <a:off x="11333437" y="5283424"/>
-            <a:ext cx="358260" cy="85725"/>
-          </a:xfrm>
-          <a:prstGeom prst="flowChartTerminator">
-            <a:avLst/>
-          </a:prstGeom>
-          <a:solidFill>
-            <a:schemeClr val="bg1"/>
-          </a:solidFill>
-          <a:ln>
-            <a:solidFill>
-              <a:schemeClr val="bg1"/>
-            </a:solidFill>
-          </a:ln>
-        </p:spPr>
-        <p:style>
-          <a:lnRef idx="2">
-            <a:schemeClr val="accent1">
-              <a:shade val="50000"/>
-            </a:schemeClr>
-          </a:lnRef>
-          <a:fillRef idx="1">
-            <a:schemeClr val="accent1"/>
-          </a:fillRef>
-          <a:effectRef idx="0">
-            <a:schemeClr val="accent1"/>
-          </a:effectRef>
-          <a:fontRef idx="minor">
-            <a:schemeClr val="lt1"/>
-          </a:fontRef>
-        </p:style>
-        <p:txBody>
-          <a:bodyPr rtlCol="0" anchor="ctr"/>
-          <a:lstStyle/>
-          <a:p>
-            <a:pPr marL="0" marR="0" lvl="0" indent="0" algn="ctr" defTabSz="457200" rtl="0" eaLnBrk="1" fontAlgn="auto" latinLnBrk="0" hangingPunct="1">
-              <a:lnSpc>
-                <a:spcPct val="100000"/>
-              </a:lnSpc>
-              <a:spcBef>
-                <a:spcPts val="0"/>
-              </a:spcBef>
-              <a:spcAft>
-                <a:spcPts val="0"/>
-              </a:spcAft>
-              <a:buClrTx/>
-              <a:buSzTx/>
-              <a:buFontTx/>
-              <a:buNone/>
-              <a:tabLst/>
-              <a:defRPr/>
-            </a:pPr>
-            <a:endParaRPr kumimoji="0" lang="fr-FR" sz="1800" b="0" i="0" u="none" strike="noStrike" kern="1200" cap="none" spc="0" normalizeH="0" baseline="0" noProof="0" dirty="0">
-              <a:ln>
-                <a:noFill/>
-              </a:ln>
-              <a:solidFill>
-                <a:prstClr val="white"/>
-              </a:solidFill>
-              <a:effectLst/>
-              <a:uLnTx/>
-              <a:uFillTx/>
-              <a:latin typeface="Trebuchet MS" panose="020B0603020202020204"/>
-              <a:ea typeface="+mn-ea"/>
-              <a:cs typeface="+mn-cs"/>
-            </a:endParaRPr>
-          </a:p>
-        </p:txBody>
-      </p:sp>
-      <p:sp>
-        <p:nvSpPr>
-          <p:cNvPr id="44" name="Organigramme : Terminateur 43">
-            <a:extLst>
-              <a:ext uri="{FF2B5EF4-FFF2-40B4-BE49-F238E27FC236}">
-                <a16:creationId xmlns:a16="http://schemas.microsoft.com/office/drawing/2014/main" id="{C887E7A2-30D1-437A-8ABE-11052363685A}"/>
-              </a:ext>
-            </a:extLst>
-          </p:cNvPr>
-          <p:cNvSpPr/>
-          <p:nvPr/>
-        </p:nvSpPr>
-        <p:spPr>
-          <a:xfrm>
-            <a:off x="11329940" y="5757098"/>
-            <a:ext cx="358260" cy="85725"/>
-          </a:xfrm>
-          <a:prstGeom prst="flowChartTerminator">
-            <a:avLst/>
-          </a:prstGeom>
-          <a:solidFill>
-            <a:schemeClr val="bg1"/>
-          </a:solidFill>
-          <a:ln>
-            <a:solidFill>
-              <a:schemeClr val="bg1"/>
-            </a:solidFill>
-          </a:ln>
-        </p:spPr>
-        <p:style>
-          <a:lnRef idx="2">
-            <a:schemeClr val="accent1">
-              <a:shade val="50000"/>
-            </a:schemeClr>
-          </a:lnRef>
-          <a:fillRef idx="1">
-            <a:schemeClr val="accent1"/>
-          </a:fillRef>
-          <a:effectRef idx="0">
-            <a:schemeClr val="accent1"/>
-          </a:effectRef>
-          <a:fontRef idx="minor">
-            <a:schemeClr val="lt1"/>
-          </a:fontRef>
-        </p:style>
-        <p:txBody>
-          <a:bodyPr rtlCol="0" anchor="ctr"/>
-          <a:lstStyle/>
-          <a:p>
-            <a:pPr marL="0" marR="0" lvl="0" indent="0" algn="ctr" defTabSz="457200" rtl="0" eaLnBrk="1" fontAlgn="auto" latinLnBrk="0" hangingPunct="1">
-              <a:lnSpc>
-                <a:spcPct val="100000"/>
-              </a:lnSpc>
-              <a:spcBef>
-                <a:spcPts val="0"/>
-              </a:spcBef>
-              <a:spcAft>
-                <a:spcPts val="0"/>
-              </a:spcAft>
-              <a:buClrTx/>
-              <a:buSzTx/>
-              <a:buFontTx/>
-              <a:buNone/>
-              <a:tabLst/>
-              <a:defRPr/>
-            </a:pPr>
-            <a:endParaRPr kumimoji="0" lang="fr-FR" sz="1800" b="0" i="0" u="none" strike="noStrike" kern="1200" cap="none" spc="0" normalizeH="0" baseline="0" noProof="0" dirty="0">
-              <a:ln>
-                <a:noFill/>
-              </a:ln>
-              <a:solidFill>
-                <a:prstClr val="white"/>
-              </a:solidFill>
-              <a:effectLst/>
-              <a:uLnTx/>
-              <a:uFillTx/>
-              <a:latin typeface="Trebuchet MS" panose="020B0603020202020204"/>
-              <a:ea typeface="+mn-ea"/>
-              <a:cs typeface="+mn-cs"/>
-            </a:endParaRPr>
-          </a:p>
-        </p:txBody>
-      </p:sp>
-      <p:sp>
-        <p:nvSpPr>
-          <p:cNvPr id="45" name="Organigramme : Terminateur 44">
-            <a:extLst>
-              <a:ext uri="{FF2B5EF4-FFF2-40B4-BE49-F238E27FC236}">
-                <a16:creationId xmlns:a16="http://schemas.microsoft.com/office/drawing/2014/main" id="{5EB7FA0E-4EDD-43E8-8F01-E3FBE7F41A47}"/>
-              </a:ext>
-            </a:extLst>
-          </p:cNvPr>
-          <p:cNvSpPr/>
-          <p:nvPr/>
-        </p:nvSpPr>
-        <p:spPr>
-          <a:xfrm>
-            <a:off x="11329940" y="1369023"/>
-            <a:ext cx="358260" cy="85725"/>
-          </a:xfrm>
-          <a:prstGeom prst="flowChartTerminator">
-            <a:avLst/>
-          </a:prstGeom>
-          <a:solidFill>
-            <a:srgbClr val="A8135A"/>
-          </a:solidFill>
-          <a:ln>
-            <a:solidFill>
-              <a:schemeClr val="bg1"/>
-            </a:solidFill>
-          </a:ln>
-        </p:spPr>
-        <p:style>
-          <a:lnRef idx="2">
-            <a:schemeClr val="accent1">
-              <a:shade val="50000"/>
-            </a:schemeClr>
-          </a:lnRef>
-          <a:fillRef idx="1">
-            <a:schemeClr val="accent1"/>
-          </a:fillRef>
-          <a:effectRef idx="0">
-            <a:schemeClr val="accent1"/>
-          </a:effectRef>
-          <a:fontRef idx="minor">
-            <a:schemeClr val="lt1"/>
-          </a:fontRef>
-        </p:style>
-        <p:txBody>
-          <a:bodyPr rtlCol="0" anchor="ctr"/>
-          <a:lstStyle/>
-          <a:p>
-            <a:pPr marL="0" marR="0" lvl="0" indent="0" algn="ctr" defTabSz="457200" rtl="0" eaLnBrk="1" fontAlgn="auto" latinLnBrk="0" hangingPunct="1">
-              <a:lnSpc>
-                <a:spcPct val="100000"/>
-              </a:lnSpc>
-              <a:spcBef>
-                <a:spcPts val="0"/>
-              </a:spcBef>
-              <a:spcAft>
-                <a:spcPts val="0"/>
-              </a:spcAft>
-              <a:buClrTx/>
-              <a:buSzTx/>
-              <a:buFontTx/>
-              <a:buNone/>
-              <a:tabLst/>
-              <a:defRPr/>
-            </a:pPr>
-            <a:endParaRPr kumimoji="0" lang="fr-FR" sz="1800" b="0" i="0" u="none" strike="noStrike" kern="1200" cap="none" spc="0" normalizeH="0" baseline="0" noProof="0" dirty="0">
-              <a:ln>
-                <a:noFill/>
-              </a:ln>
-              <a:solidFill>
-                <a:prstClr val="white"/>
-              </a:solidFill>
-              <a:effectLst/>
-              <a:uLnTx/>
-              <a:uFillTx/>
-              <a:latin typeface="Trebuchet MS" panose="020B0603020202020204"/>
-              <a:ea typeface="+mn-ea"/>
-              <a:cs typeface="+mn-cs"/>
-            </a:endParaRPr>
-          </a:p>
-        </p:txBody>
-      </p:sp>
-      <p:sp>
-        <p:nvSpPr>
-          <p:cNvPr id="46" name="Organigramme : Terminateur 45">
-            <a:extLst>
-              <a:ext uri="{FF2B5EF4-FFF2-40B4-BE49-F238E27FC236}">
-                <a16:creationId xmlns:a16="http://schemas.microsoft.com/office/drawing/2014/main" id="{99F6E9B3-FBEE-4B99-88FC-8D241C852EB5}"/>
-              </a:ext>
-            </a:extLst>
-          </p:cNvPr>
-          <p:cNvSpPr/>
-          <p:nvPr/>
-        </p:nvSpPr>
-        <p:spPr>
-          <a:xfrm>
-            <a:off x="11333437" y="2370128"/>
-            <a:ext cx="358260" cy="85725"/>
-          </a:xfrm>
-          <a:prstGeom prst="flowChartTerminator">
-            <a:avLst/>
-          </a:prstGeom>
-          <a:solidFill>
-            <a:srgbClr val="A8135A"/>
-          </a:solidFill>
-          <a:ln>
-            <a:solidFill>
-              <a:schemeClr val="bg1"/>
-            </a:solidFill>
-          </a:ln>
-        </p:spPr>
-        <p:style>
-          <a:lnRef idx="2">
-            <a:schemeClr val="accent1">
-              <a:shade val="50000"/>
-            </a:schemeClr>
-          </a:lnRef>
-          <a:fillRef idx="1">
-            <a:schemeClr val="accent1"/>
-          </a:fillRef>
-          <a:effectRef idx="0">
-            <a:schemeClr val="accent1"/>
-          </a:effectRef>
-          <a:fontRef idx="minor">
-            <a:schemeClr val="lt1"/>
-          </a:fontRef>
-        </p:style>
-        <p:txBody>
-          <a:bodyPr rtlCol="0" anchor="ctr"/>
-          <a:lstStyle/>
-          <a:p>
-            <a:pPr marL="0" marR="0" lvl="0" indent="0" algn="ctr" defTabSz="457200" rtl="0" eaLnBrk="1" fontAlgn="auto" latinLnBrk="0" hangingPunct="1">
-              <a:lnSpc>
-                <a:spcPct val="100000"/>
-              </a:lnSpc>
-              <a:spcBef>
-                <a:spcPts val="0"/>
-              </a:spcBef>
-              <a:spcAft>
-                <a:spcPts val="0"/>
-              </a:spcAft>
-              <a:buClrTx/>
-              <a:buSzTx/>
-              <a:buFontTx/>
-              <a:buNone/>
-              <a:tabLst/>
-              <a:defRPr/>
-            </a:pPr>
-            <a:endParaRPr kumimoji="0" lang="fr-FR" sz="1800" b="0" i="0" u="none" strike="noStrike" kern="1200" cap="none" spc="0" normalizeH="0" baseline="0" noProof="0" dirty="0">
-              <a:ln>
-                <a:noFill/>
-              </a:ln>
-              <a:solidFill>
-                <a:prstClr val="white"/>
-              </a:solidFill>
-              <a:effectLst/>
-              <a:uLnTx/>
-              <a:uFillTx/>
-              <a:latin typeface="Trebuchet MS" panose="020B0603020202020204"/>
-              <a:ea typeface="+mn-ea"/>
-              <a:cs typeface="+mn-cs"/>
-            </a:endParaRPr>
-          </a:p>
-        </p:txBody>
-      </p:sp>
-      <p:sp>
-        <p:nvSpPr>
-          <p:cNvPr id="47" name="Organigramme : Terminateur 46">
-            <a:extLst>
-              <a:ext uri="{FF2B5EF4-FFF2-40B4-BE49-F238E27FC236}">
-                <a16:creationId xmlns:a16="http://schemas.microsoft.com/office/drawing/2014/main" id="{67BD067B-D659-4E93-BE63-65D5D38A8E77}"/>
-              </a:ext>
-            </a:extLst>
-          </p:cNvPr>
-          <p:cNvSpPr/>
-          <p:nvPr/>
-        </p:nvSpPr>
-        <p:spPr>
-          <a:xfrm>
-            <a:off x="11327672" y="1876681"/>
-            <a:ext cx="358260" cy="85725"/>
-          </a:xfrm>
-          <a:prstGeom prst="flowChartTerminator">
-            <a:avLst/>
-          </a:prstGeom>
-          <a:solidFill>
-            <a:srgbClr val="A8135A"/>
-          </a:solidFill>
-          <a:ln>
-            <a:solidFill>
-              <a:schemeClr val="bg1"/>
-            </a:solidFill>
-          </a:ln>
-        </p:spPr>
-        <p:style>
-          <a:lnRef idx="2">
-            <a:schemeClr val="accent1">
-              <a:shade val="50000"/>
-            </a:schemeClr>
-          </a:lnRef>
-          <a:fillRef idx="1">
-            <a:schemeClr val="accent1"/>
-          </a:fillRef>
-          <a:effectRef idx="0">
-            <a:schemeClr val="accent1"/>
-          </a:effectRef>
-          <a:fontRef idx="minor">
-            <a:schemeClr val="lt1"/>
-          </a:fontRef>
-        </p:style>
-        <p:txBody>
-          <a:bodyPr rtlCol="0" anchor="ctr"/>
-          <a:lstStyle/>
-          <a:p>
-            <a:pPr marL="0" marR="0" lvl="0" indent="0" algn="ctr" defTabSz="457200" rtl="0" eaLnBrk="1" fontAlgn="auto" latinLnBrk="0" hangingPunct="1">
-              <a:lnSpc>
-                <a:spcPct val="100000"/>
-              </a:lnSpc>
-              <a:spcBef>
-                <a:spcPts val="0"/>
-              </a:spcBef>
-              <a:spcAft>
-                <a:spcPts val="0"/>
-              </a:spcAft>
-              <a:buClrTx/>
-              <a:buSzTx/>
-              <a:buFontTx/>
-              <a:buNone/>
-              <a:tabLst/>
-              <a:defRPr/>
-            </a:pPr>
-            <a:endParaRPr kumimoji="0" lang="fr-FR" sz="1800" b="0" i="0" u="none" strike="noStrike" kern="1200" cap="none" spc="0" normalizeH="0" baseline="0" noProof="0" dirty="0">
-              <a:ln>
-                <a:noFill/>
-              </a:ln>
-              <a:solidFill>
-                <a:prstClr val="white"/>
-              </a:solidFill>
-              <a:effectLst/>
-              <a:uLnTx/>
-              <a:uFillTx/>
-              <a:latin typeface="Trebuchet MS" panose="020B0603020202020204"/>
-              <a:ea typeface="+mn-ea"/>
-              <a:cs typeface="+mn-cs"/>
-            </a:endParaRPr>
-          </a:p>
-        </p:txBody>
-      </p:sp>
-      <p:sp>
-        <p:nvSpPr>
-          <p:cNvPr id="48" name="Organigramme : Terminateur 47">
-            <a:extLst>
-              <a:ext uri="{FF2B5EF4-FFF2-40B4-BE49-F238E27FC236}">
-                <a16:creationId xmlns:a16="http://schemas.microsoft.com/office/drawing/2014/main" id="{B43F3500-B7BB-4635-A9E2-AEB9F60E80FB}"/>
-              </a:ext>
-            </a:extLst>
-          </p:cNvPr>
-          <p:cNvSpPr/>
-          <p:nvPr/>
-        </p:nvSpPr>
-        <p:spPr>
-          <a:xfrm>
-            <a:off x="11324702" y="894248"/>
-            <a:ext cx="358260" cy="85725"/>
-          </a:xfrm>
-          <a:prstGeom prst="flowChartTerminator">
-            <a:avLst/>
-          </a:prstGeom>
-          <a:solidFill>
-            <a:srgbClr val="A8135A"/>
-          </a:solidFill>
-          <a:ln>
-            <a:solidFill>
-              <a:schemeClr val="bg1"/>
-            </a:solidFill>
-          </a:ln>
-        </p:spPr>
-        <p:style>
-          <a:lnRef idx="2">
-            <a:schemeClr val="accent1">
-              <a:shade val="50000"/>
-            </a:schemeClr>
-          </a:lnRef>
-          <a:fillRef idx="1">
-            <a:schemeClr val="accent1"/>
-          </a:fillRef>
-          <a:effectRef idx="0">
-            <a:schemeClr val="accent1"/>
-          </a:effectRef>
-          <a:fontRef idx="minor">
-            <a:schemeClr val="lt1"/>
-          </a:fontRef>
-        </p:style>
-        <p:txBody>
-          <a:bodyPr rtlCol="0" anchor="ctr"/>
-          <a:lstStyle/>
-          <a:p>
-            <a:pPr marL="0" marR="0" lvl="0" indent="0" algn="ctr" defTabSz="457200" rtl="0" eaLnBrk="1" fontAlgn="auto" latinLnBrk="0" hangingPunct="1">
-              <a:lnSpc>
-                <a:spcPct val="100000"/>
-              </a:lnSpc>
-              <a:spcBef>
-                <a:spcPts val="0"/>
-              </a:spcBef>
-              <a:spcAft>
-                <a:spcPts val="0"/>
-              </a:spcAft>
-              <a:buClrTx/>
-              <a:buSzTx/>
-              <a:buFontTx/>
-              <a:buNone/>
-              <a:tabLst/>
-              <a:defRPr/>
-            </a:pPr>
-            <a:endParaRPr kumimoji="0" lang="fr-FR" sz="1800" b="0" i="0" u="none" strike="noStrike" kern="1200" cap="none" spc="0" normalizeH="0" baseline="0" noProof="0" dirty="0">
-              <a:ln>
-                <a:noFill/>
-              </a:ln>
-              <a:solidFill>
-                <a:prstClr val="white"/>
-              </a:solidFill>
-              <a:effectLst/>
-              <a:uLnTx/>
-              <a:uFillTx/>
-              <a:latin typeface="Trebuchet MS" panose="020B0603020202020204"/>
-              <a:ea typeface="+mn-ea"/>
-              <a:cs typeface="+mn-cs"/>
-            </a:endParaRPr>
-          </a:p>
-        </p:txBody>
-      </p:sp>
-      <p:sp>
-        <p:nvSpPr>
-          <p:cNvPr id="49" name="Rectangle 48">
-            <a:extLst>
-              <a:ext uri="{FF2B5EF4-FFF2-40B4-BE49-F238E27FC236}">
-                <a16:creationId xmlns:a16="http://schemas.microsoft.com/office/drawing/2014/main" id="{875401F0-8B0A-4D04-A057-A25458BA55C3}"/>
-              </a:ext>
-            </a:extLst>
-          </p:cNvPr>
-          <p:cNvSpPr/>
-          <p:nvPr/>
-        </p:nvSpPr>
-        <p:spPr>
-          <a:xfrm>
-            <a:off x="11606256" y="175366"/>
-            <a:ext cx="104775" cy="6247472"/>
-          </a:xfrm>
-          <a:prstGeom prst="rect">
-            <a:avLst/>
-          </a:prstGeom>
-          <a:solidFill>
-            <a:schemeClr val="bg1"/>
-          </a:solidFill>
-          <a:ln>
-            <a:solidFill>
-              <a:schemeClr val="bg1"/>
-            </a:solidFill>
-          </a:ln>
-        </p:spPr>
-        <p:style>
-          <a:lnRef idx="2">
-            <a:schemeClr val="accent1">
-              <a:shade val="50000"/>
-            </a:schemeClr>
-          </a:lnRef>
-          <a:fillRef idx="1">
-            <a:schemeClr val="accent1"/>
-          </a:fillRef>
-          <a:effectRef idx="0">
-            <a:schemeClr val="accent1"/>
-          </a:effectRef>
-          <a:fontRef idx="minor">
-            <a:schemeClr val="lt1"/>
-          </a:fontRef>
-        </p:style>
-        <p:txBody>
-          <a:bodyPr rtlCol="0" anchor="ctr"/>
-          <a:lstStyle/>
-          <a:p>
-            <a:pPr marL="0" marR="0" lvl="0" indent="0" algn="ctr" defTabSz="457200" rtl="0" eaLnBrk="1" fontAlgn="auto" latinLnBrk="0" hangingPunct="1">
-              <a:lnSpc>
-                <a:spcPct val="100000"/>
-              </a:lnSpc>
-              <a:spcBef>
-                <a:spcPts val="0"/>
-              </a:spcBef>
-              <a:spcAft>
-                <a:spcPts val="0"/>
-              </a:spcAft>
-              <a:buClrTx/>
-              <a:buSzTx/>
-              <a:buFontTx/>
-              <a:buNone/>
-              <a:tabLst/>
-              <a:defRPr/>
-            </a:pPr>
-            <a:endParaRPr kumimoji="0" lang="fr-FR" sz="1800" b="0" i="0" u="none" strike="noStrike" kern="1200" cap="none" spc="0" normalizeH="0" baseline="0" noProof="0">
-              <a:ln>
-                <a:noFill/>
-              </a:ln>
-              <a:solidFill>
-                <a:prstClr val="white"/>
-              </a:solidFill>
-              <a:effectLst/>
-              <a:uLnTx/>
-              <a:uFillTx/>
-              <a:latin typeface="Trebuchet MS" panose="020B0603020202020204"/>
-              <a:ea typeface="+mn-ea"/>
-              <a:cs typeface="+mn-cs"/>
-            </a:endParaRPr>
-          </a:p>
-        </p:txBody>
-      </p:sp>
-      <p:sp>
-        <p:nvSpPr>
-          <p:cNvPr id="50" name="Ellipse 49">
-            <a:extLst>
-              <a:ext uri="{FF2B5EF4-FFF2-40B4-BE49-F238E27FC236}">
-                <a16:creationId xmlns:a16="http://schemas.microsoft.com/office/drawing/2014/main" id="{D0DB8A60-AA87-4FA6-AAFF-53D9049785A8}"/>
-              </a:ext>
-            </a:extLst>
-          </p:cNvPr>
-          <p:cNvSpPr/>
-          <p:nvPr/>
-        </p:nvSpPr>
-        <p:spPr>
-          <a:xfrm>
-            <a:off x="11376583" y="6250545"/>
-            <a:ext cx="564118" cy="542925"/>
-          </a:xfrm>
-          <a:prstGeom prst="ellipse">
-            <a:avLst/>
-          </a:prstGeom>
-          <a:solidFill>
-            <a:schemeClr val="bg1"/>
-          </a:solidFill>
-          <a:ln>
-            <a:solidFill>
-              <a:schemeClr val="bg1"/>
-            </a:solidFill>
-          </a:ln>
-        </p:spPr>
-        <p:style>
-          <a:lnRef idx="2">
-            <a:schemeClr val="accent1">
-              <a:shade val="50000"/>
-            </a:schemeClr>
-          </a:lnRef>
-          <a:fillRef idx="1">
-            <a:schemeClr val="accent1"/>
-          </a:fillRef>
-          <a:effectRef idx="0">
-            <a:schemeClr val="accent1"/>
-          </a:effectRef>
-          <a:fontRef idx="minor">
-            <a:schemeClr val="lt1"/>
-          </a:fontRef>
-        </p:style>
-        <p:txBody>
-          <a:bodyPr rtlCol="0" anchor="ctr"/>
-          <a:lstStyle/>
-          <a:p>
-            <a:pPr marL="0" marR="0" lvl="0" indent="0" algn="ctr" defTabSz="457200" rtl="0" eaLnBrk="1" fontAlgn="auto" latinLnBrk="0" hangingPunct="1">
-              <a:lnSpc>
-                <a:spcPct val="100000"/>
-              </a:lnSpc>
-              <a:spcBef>
-                <a:spcPts val="0"/>
-              </a:spcBef>
-              <a:spcAft>
-                <a:spcPts val="0"/>
-              </a:spcAft>
-              <a:buClrTx/>
-              <a:buSzTx/>
-              <a:buFontTx/>
-              <a:buNone/>
-              <a:tabLst/>
-              <a:defRPr/>
-            </a:pPr>
-            <a:endParaRPr kumimoji="0" lang="fr-FR" sz="1800" b="0" i="0" u="none" strike="noStrike" kern="1200" cap="none" spc="0" normalizeH="0" baseline="0" noProof="0">
-              <a:ln>
-                <a:noFill/>
-              </a:ln>
-              <a:solidFill>
-                <a:prstClr val="white"/>
-              </a:solidFill>
-              <a:effectLst/>
-              <a:uLnTx/>
-              <a:uFillTx/>
-              <a:latin typeface="Trebuchet MS" panose="020B0603020202020204"/>
-              <a:ea typeface="+mn-ea"/>
-              <a:cs typeface="+mn-cs"/>
-            </a:endParaRPr>
-          </a:p>
-        </p:txBody>
-      </p:sp>
-      <p:sp>
-        <p:nvSpPr>
-          <p:cNvPr id="51" name="Rectangle 50">
-            <a:extLst>
-              <a:ext uri="{FF2B5EF4-FFF2-40B4-BE49-F238E27FC236}">
-                <a16:creationId xmlns:a16="http://schemas.microsoft.com/office/drawing/2014/main" id="{A95AA901-D3B4-4B4E-9AC4-1B25100E5CA7}"/>
-              </a:ext>
-            </a:extLst>
-          </p:cNvPr>
-          <p:cNvSpPr/>
-          <p:nvPr/>
-        </p:nvSpPr>
-        <p:spPr>
-          <a:xfrm>
-            <a:off x="11606256" y="1010409"/>
-            <a:ext cx="104775" cy="54712"/>
-          </a:xfrm>
-          <a:prstGeom prst="rect">
-            <a:avLst/>
-          </a:prstGeom>
-          <a:solidFill>
-            <a:srgbClr val="A8135A"/>
-          </a:solidFill>
-          <a:ln>
-            <a:solidFill>
-              <a:schemeClr val="bg1"/>
-            </a:solidFill>
-          </a:ln>
-        </p:spPr>
-        <p:style>
-          <a:lnRef idx="2">
-            <a:schemeClr val="accent1">
-              <a:shade val="50000"/>
-            </a:schemeClr>
-          </a:lnRef>
-          <a:fillRef idx="1">
-            <a:schemeClr val="accent1"/>
-          </a:fillRef>
-          <a:effectRef idx="0">
-            <a:schemeClr val="accent1"/>
-          </a:effectRef>
-          <a:fontRef idx="minor">
-            <a:schemeClr val="lt1"/>
-          </a:fontRef>
-        </p:style>
-        <p:txBody>
-          <a:bodyPr rtlCol="0" anchor="ctr"/>
-          <a:lstStyle/>
-          <a:p>
-            <a:pPr marL="0" marR="0" lvl="0" indent="0" algn="ctr" defTabSz="457200" rtl="0" eaLnBrk="1" fontAlgn="auto" latinLnBrk="0" hangingPunct="1">
-              <a:lnSpc>
-                <a:spcPct val="100000"/>
-              </a:lnSpc>
-              <a:spcBef>
-                <a:spcPts val="0"/>
-              </a:spcBef>
-              <a:spcAft>
-                <a:spcPts val="0"/>
-              </a:spcAft>
-              <a:buClrTx/>
-              <a:buSzTx/>
-              <a:buFontTx/>
-              <a:buNone/>
-              <a:tabLst/>
-              <a:defRPr/>
-            </a:pPr>
-            <a:endParaRPr kumimoji="0" lang="fr-FR" sz="1800" b="0" i="0" u="none" strike="noStrike" kern="1200" cap="none" spc="0" normalizeH="0" baseline="0" noProof="0">
-              <a:ln>
-                <a:noFill/>
-              </a:ln>
-              <a:solidFill>
-                <a:prstClr val="white"/>
-              </a:solidFill>
-              <a:effectLst/>
-              <a:uLnTx/>
-              <a:uFillTx/>
-              <a:latin typeface="Trebuchet MS" panose="020B0603020202020204"/>
-              <a:ea typeface="+mn-ea"/>
-              <a:cs typeface="+mn-cs"/>
-            </a:endParaRPr>
-          </a:p>
-        </p:txBody>
-      </p:sp>
-      <p:sp>
-        <p:nvSpPr>
-          <p:cNvPr id="52" name="Rectangle 51">
-            <a:extLst>
-              <a:ext uri="{FF2B5EF4-FFF2-40B4-BE49-F238E27FC236}">
-                <a16:creationId xmlns:a16="http://schemas.microsoft.com/office/drawing/2014/main" id="{EFD6062E-CC9E-403D-9379-449DE478522D}"/>
-              </a:ext>
-            </a:extLst>
-          </p:cNvPr>
-          <p:cNvSpPr/>
-          <p:nvPr/>
-        </p:nvSpPr>
-        <p:spPr>
-          <a:xfrm>
-            <a:off x="11606255" y="435163"/>
-            <a:ext cx="104775" cy="3997464"/>
-          </a:xfrm>
-          <a:prstGeom prst="rect">
-            <a:avLst/>
-          </a:prstGeom>
-          <a:solidFill>
-            <a:srgbClr val="A8135A"/>
-          </a:solidFill>
-          <a:ln>
-            <a:solidFill>
-              <a:schemeClr val="bg1"/>
-            </a:solidFill>
-          </a:ln>
-        </p:spPr>
-        <p:style>
-          <a:lnRef idx="2">
-            <a:schemeClr val="accent1">
-              <a:shade val="50000"/>
-            </a:schemeClr>
-          </a:lnRef>
-          <a:fillRef idx="1">
-            <a:schemeClr val="accent1"/>
-          </a:fillRef>
-          <a:effectRef idx="0">
-            <a:schemeClr val="accent1"/>
-          </a:effectRef>
-          <a:fontRef idx="minor">
-            <a:schemeClr val="lt1"/>
-          </a:fontRef>
-        </p:style>
-        <p:txBody>
-          <a:bodyPr rtlCol="0" anchor="ctr"/>
-          <a:lstStyle/>
-          <a:p>
-            <a:pPr marL="0" marR="0" lvl="0" indent="0" algn="ctr" defTabSz="457200" rtl="0" eaLnBrk="1" fontAlgn="auto" latinLnBrk="0" hangingPunct="1">
-              <a:lnSpc>
-                <a:spcPct val="100000"/>
-              </a:lnSpc>
-              <a:spcBef>
-                <a:spcPts val="0"/>
-              </a:spcBef>
-              <a:spcAft>
-                <a:spcPts val="0"/>
-              </a:spcAft>
-              <a:buClrTx/>
-              <a:buSzTx/>
-              <a:buFontTx/>
-              <a:buNone/>
-              <a:tabLst/>
-              <a:defRPr/>
-            </a:pPr>
-            <a:endParaRPr kumimoji="0" lang="fr-FR" sz="1800" b="0" i="0" u="none" strike="noStrike" kern="1200" cap="none" spc="0" normalizeH="0" baseline="0" noProof="0" dirty="0">
-              <a:ln>
-                <a:noFill/>
-              </a:ln>
-              <a:solidFill>
-                <a:prstClr val="white"/>
-              </a:solidFill>
-              <a:effectLst/>
-              <a:uLnTx/>
-              <a:uFillTx/>
-              <a:latin typeface="Trebuchet MS" panose="020B0603020202020204"/>
-              <a:ea typeface="+mn-ea"/>
-              <a:cs typeface="+mn-cs"/>
-            </a:endParaRPr>
-          </a:p>
-        </p:txBody>
-      </p:sp>
-      <p:sp>
-        <p:nvSpPr>
-          <p:cNvPr id="53" name="Ellipse 52">
-            <a:extLst>
-              <a:ext uri="{FF2B5EF4-FFF2-40B4-BE49-F238E27FC236}">
-                <a16:creationId xmlns:a16="http://schemas.microsoft.com/office/drawing/2014/main" id="{8B438328-6452-44D8-BB38-9EC59F8920E3}"/>
-              </a:ext>
-            </a:extLst>
-          </p:cNvPr>
-          <p:cNvSpPr/>
-          <p:nvPr/>
-        </p:nvSpPr>
-        <p:spPr>
-          <a:xfrm>
-            <a:off x="11384190" y="31269"/>
-            <a:ext cx="564118" cy="542925"/>
-          </a:xfrm>
-          <a:prstGeom prst="ellipse">
-            <a:avLst/>
-          </a:prstGeom>
-          <a:solidFill>
-            <a:srgbClr val="A8135A"/>
-          </a:solidFill>
-          <a:ln>
-            <a:solidFill>
-              <a:schemeClr val="bg1"/>
-            </a:solidFill>
-          </a:ln>
-        </p:spPr>
-        <p:style>
-          <a:lnRef idx="2">
-            <a:schemeClr val="accent1">
-              <a:shade val="50000"/>
-            </a:schemeClr>
-          </a:lnRef>
-          <a:fillRef idx="1">
-            <a:schemeClr val="accent1"/>
-          </a:fillRef>
-          <a:effectRef idx="0">
-            <a:schemeClr val="accent1"/>
-          </a:effectRef>
-          <a:fontRef idx="minor">
-            <a:schemeClr val="lt1"/>
-          </a:fontRef>
-        </p:style>
-        <p:txBody>
-          <a:bodyPr rtlCol="0" anchor="ctr"/>
-          <a:lstStyle/>
-          <a:p>
-            <a:pPr marL="0" marR="0" lvl="0" indent="0" algn="ctr" defTabSz="457200" rtl="0" eaLnBrk="1" fontAlgn="auto" latinLnBrk="0" hangingPunct="1">
-              <a:lnSpc>
-                <a:spcPct val="100000"/>
-              </a:lnSpc>
-              <a:spcBef>
-                <a:spcPts val="0"/>
-              </a:spcBef>
-              <a:spcAft>
-                <a:spcPts val="0"/>
-              </a:spcAft>
-              <a:buClrTx/>
-              <a:buSzTx/>
-              <a:buFontTx/>
-              <a:buNone/>
-              <a:tabLst/>
-              <a:defRPr/>
-            </a:pPr>
-            <a:endParaRPr kumimoji="0" lang="fr-FR" sz="1800" b="0" i="0" u="none" strike="noStrike" kern="1200" cap="none" spc="0" normalizeH="0" baseline="0" noProof="0">
-              <a:ln>
-                <a:noFill/>
-              </a:ln>
-              <a:solidFill>
-                <a:prstClr val="white"/>
-              </a:solidFill>
-              <a:effectLst/>
-              <a:uLnTx/>
-              <a:uFillTx/>
-              <a:latin typeface="Trebuchet MS" panose="020B0603020202020204"/>
-              <a:ea typeface="+mn-ea"/>
-              <a:cs typeface="+mn-cs"/>
-            </a:endParaRPr>
-          </a:p>
-        </p:txBody>
-      </p:sp>
-      <p:sp>
-        <p:nvSpPr>
-          <p:cNvPr id="54" name="Ellipse 53">
-            <a:extLst>
-              <a:ext uri="{FF2B5EF4-FFF2-40B4-BE49-F238E27FC236}">
-                <a16:creationId xmlns:a16="http://schemas.microsoft.com/office/drawing/2014/main" id="{1C6507D4-C04C-46DA-A461-879D795AD668}"/>
-              </a:ext>
-            </a:extLst>
-          </p:cNvPr>
-          <p:cNvSpPr/>
-          <p:nvPr/>
-        </p:nvSpPr>
-        <p:spPr>
-          <a:xfrm>
-            <a:off x="11384190" y="2877786"/>
-            <a:ext cx="564118" cy="542925"/>
-          </a:xfrm>
-          <a:prstGeom prst="ellipse">
-            <a:avLst/>
-          </a:prstGeom>
-          <a:solidFill>
-            <a:srgbClr val="A8135A"/>
-          </a:solidFill>
-          <a:ln>
-            <a:solidFill>
-              <a:schemeClr val="bg1"/>
-            </a:solidFill>
-          </a:ln>
-        </p:spPr>
-        <p:style>
-          <a:lnRef idx="2">
-            <a:schemeClr val="accent1">
-              <a:shade val="50000"/>
-            </a:schemeClr>
-          </a:lnRef>
-          <a:fillRef idx="1">
-            <a:schemeClr val="accent1"/>
-          </a:fillRef>
-          <a:effectRef idx="0">
-            <a:schemeClr val="accent1"/>
-          </a:effectRef>
-          <a:fontRef idx="minor">
-            <a:schemeClr val="lt1"/>
-          </a:fontRef>
-        </p:style>
-        <p:txBody>
-          <a:bodyPr rtlCol="0" anchor="ctr"/>
-          <a:lstStyle/>
-          <a:p>
-            <a:pPr marL="0" marR="0" lvl="0" indent="0" algn="ctr" defTabSz="457200" rtl="0" eaLnBrk="1" fontAlgn="auto" latinLnBrk="0" hangingPunct="1">
-              <a:lnSpc>
-                <a:spcPct val="100000"/>
-              </a:lnSpc>
-              <a:spcBef>
-                <a:spcPts val="0"/>
-              </a:spcBef>
-              <a:spcAft>
-                <a:spcPts val="0"/>
-              </a:spcAft>
-              <a:buClrTx/>
-              <a:buSzTx/>
-              <a:buFontTx/>
-              <a:buNone/>
-              <a:tabLst/>
-              <a:defRPr/>
-            </a:pPr>
-            <a:endParaRPr kumimoji="0" lang="fr-FR" sz="1800" b="0" i="0" u="none" strike="noStrike" kern="1200" cap="none" spc="0" normalizeH="0" baseline="0" noProof="0">
-              <a:ln>
-                <a:noFill/>
-              </a:ln>
-              <a:solidFill>
-                <a:prstClr val="white"/>
-              </a:solidFill>
-              <a:effectLst/>
-              <a:uLnTx/>
-              <a:uFillTx/>
-              <a:latin typeface="Trebuchet MS" panose="020B0603020202020204"/>
-              <a:ea typeface="+mn-ea"/>
-              <a:cs typeface="+mn-cs"/>
-            </a:endParaRPr>
-          </a:p>
-        </p:txBody>
-      </p:sp>
-      <p:sp>
-        <p:nvSpPr>
-          <p:cNvPr id="56" name="Titre 1">
-            <a:extLst>
-              <a:ext uri="{FF2B5EF4-FFF2-40B4-BE49-F238E27FC236}">
-                <a16:creationId xmlns:a16="http://schemas.microsoft.com/office/drawing/2014/main" id="{D4C8671B-CF90-4832-BE77-6124F044601A}"/>
-              </a:ext>
-            </a:extLst>
-          </p:cNvPr>
-          <p:cNvSpPr>
-            <a:spLocks noGrp="1"/>
-          </p:cNvSpPr>
-          <p:nvPr>
-            <p:ph type="title"/>
-          </p:nvPr>
-        </p:nvSpPr>
-        <p:spPr>
-          <a:xfrm>
-            <a:off x="685052" y="450851"/>
-            <a:ext cx="5249930" cy="1320800"/>
-          </a:xfrm>
-        </p:spPr>
-        <p:txBody>
-          <a:bodyPr anchor="ctr">
-            <a:normAutofit/>
-          </a:bodyPr>
-          <a:lstStyle/>
-          <a:p>
-            <a:r>
-              <a:rPr lang="fr-FR" dirty="0"/>
-              <a:t>Application Arduino</a:t>
-            </a:r>
-          </a:p>
-        </p:txBody>
-      </p:sp>
-    </p:spTree>
-    <p:extLst>
-      <p:ext uri="{BB962C8B-B14F-4D97-AF65-F5344CB8AC3E}">
-        <p14:creationId xmlns:p14="http://schemas.microsoft.com/office/powerpoint/2010/main" val="2593474235"/>
       </p:ext>
     </p:extLst>
   </p:cSld>
@@ -31290,6 +29612,1925 @@
 </file>
 
 <file path=ppt/slides/slide20.xml><?xml version="1.0" encoding="utf-8"?>
+<p:sld xmlns:a="http://schemas.openxmlformats.org/drawingml/2006/main" xmlns:r="http://schemas.openxmlformats.org/officeDocument/2006/relationships" xmlns:p="http://schemas.openxmlformats.org/presentationml/2006/main">
+  <p:cSld>
+    <p:spTree>
+      <p:nvGrpSpPr>
+        <p:cNvPr id="1" name=""/>
+        <p:cNvGrpSpPr/>
+        <p:nvPr/>
+      </p:nvGrpSpPr>
+      <p:grpSpPr>
+        <a:xfrm>
+          <a:off x="0" y="0"/>
+          <a:ext cx="0" cy="0"/>
+          <a:chOff x="0" y="0"/>
+          <a:chExt cx="0" cy="0"/>
+        </a:xfrm>
+      </p:grpSpPr>
+      <p:sp>
+        <p:nvSpPr>
+          <p:cNvPr id="2" name="Titre 1">
+            <a:extLst>
+              <a:ext uri="{FF2B5EF4-FFF2-40B4-BE49-F238E27FC236}">
+                <a16:creationId xmlns:a16="http://schemas.microsoft.com/office/drawing/2014/main" id="{25221E51-05AE-4EBF-B355-DE4696BF20E1}"/>
+              </a:ext>
+            </a:extLst>
+          </p:cNvPr>
+          <p:cNvSpPr>
+            <a:spLocks noGrp="1"/>
+          </p:cNvSpPr>
+          <p:nvPr>
+            <p:ph type="title"/>
+          </p:nvPr>
+        </p:nvSpPr>
+        <p:spPr/>
+        <p:txBody>
+          <a:bodyPr/>
+          <a:lstStyle/>
+          <a:p>
+            <a:r>
+              <a:rPr lang="fr-FR" dirty="0"/>
+              <a:t>Matériels utilisés</a:t>
+            </a:r>
+          </a:p>
+        </p:txBody>
+      </p:sp>
+      <p:sp>
+        <p:nvSpPr>
+          <p:cNvPr id="3" name="Espace réservé du contenu 2">
+            <a:extLst>
+              <a:ext uri="{FF2B5EF4-FFF2-40B4-BE49-F238E27FC236}">
+                <a16:creationId xmlns:a16="http://schemas.microsoft.com/office/drawing/2014/main" id="{0BCCBBD0-4093-44C4-BBA5-93AFE9F32C85}"/>
+              </a:ext>
+            </a:extLst>
+          </p:cNvPr>
+          <p:cNvSpPr>
+            <a:spLocks noGrp="1"/>
+          </p:cNvSpPr>
+          <p:nvPr>
+            <p:ph idx="1"/>
+          </p:nvPr>
+        </p:nvSpPr>
+        <p:spPr/>
+        <p:txBody>
+          <a:bodyPr/>
+          <a:lstStyle/>
+          <a:p>
+            <a:r>
+              <a:rPr lang="fr-FR" dirty="0"/>
+              <a:t>Arduino -&gt;</a:t>
+            </a:r>
+          </a:p>
+          <a:p>
+            <a:endParaRPr lang="fr-FR" dirty="0"/>
+          </a:p>
+        </p:txBody>
+      </p:sp>
+      <p:sp>
+        <p:nvSpPr>
+          <p:cNvPr id="4" name="Espace réservé du numéro de diapositive 3">
+            <a:extLst>
+              <a:ext uri="{FF2B5EF4-FFF2-40B4-BE49-F238E27FC236}">
+                <a16:creationId xmlns:a16="http://schemas.microsoft.com/office/drawing/2014/main" id="{4F1B187F-17CC-4019-8934-04B1528983B0}"/>
+              </a:ext>
+            </a:extLst>
+          </p:cNvPr>
+          <p:cNvSpPr>
+            <a:spLocks noGrp="1"/>
+          </p:cNvSpPr>
+          <p:nvPr>
+            <p:ph type="sldNum" sz="quarter" idx="12"/>
+          </p:nvPr>
+        </p:nvSpPr>
+        <p:spPr/>
+        <p:txBody>
+          <a:bodyPr/>
+          <a:lstStyle/>
+          <a:p>
+            <a:fld id="{D57F1E4F-1CFF-5643-939E-217C01CDF565}" type="slidenum">
+              <a:rPr lang="en-US" smtClean="0"/>
+              <a:pPr/>
+              <a:t>20</a:t>
+            </a:fld>
+            <a:endParaRPr lang="en-US" dirty="0"/>
+          </a:p>
+        </p:txBody>
+      </p:sp>
+    </p:spTree>
+    <p:extLst>
+      <p:ext uri="{BB962C8B-B14F-4D97-AF65-F5344CB8AC3E}">
+        <p14:creationId xmlns:p14="http://schemas.microsoft.com/office/powerpoint/2010/main" val="3151716865"/>
+      </p:ext>
+    </p:extLst>
+  </p:cSld>
+  <p:clrMapOvr>
+    <a:masterClrMapping/>
+  </p:clrMapOvr>
+</p:sld>
+</file>
+
+<file path=ppt/slides/slide21.xml><?xml version="1.0" encoding="utf-8"?>
+<p:sld xmlns:a="http://schemas.openxmlformats.org/drawingml/2006/main" xmlns:r="http://schemas.openxmlformats.org/officeDocument/2006/relationships" xmlns:p="http://schemas.openxmlformats.org/presentationml/2006/main">
+  <p:cSld>
+    <p:spTree>
+      <p:nvGrpSpPr>
+        <p:cNvPr id="1" name=""/>
+        <p:cNvGrpSpPr/>
+        <p:nvPr/>
+      </p:nvGrpSpPr>
+      <p:grpSpPr>
+        <a:xfrm>
+          <a:off x="0" y="0"/>
+          <a:ext cx="0" cy="0"/>
+          <a:chOff x="0" y="0"/>
+          <a:chExt cx="0" cy="0"/>
+        </a:xfrm>
+      </p:grpSpPr>
+      <p:sp>
+        <p:nvSpPr>
+          <p:cNvPr id="3" name="Espace réservé du contenu 2">
+            <a:extLst>
+              <a:ext uri="{FF2B5EF4-FFF2-40B4-BE49-F238E27FC236}">
+                <a16:creationId xmlns:a16="http://schemas.microsoft.com/office/drawing/2014/main" id="{7AF902F3-9937-4DB7-AC73-46E736BF1E98}"/>
+              </a:ext>
+            </a:extLst>
+          </p:cNvPr>
+          <p:cNvSpPr>
+            <a:spLocks noGrp="1"/>
+          </p:cNvSpPr>
+          <p:nvPr>
+            <p:ph idx="1"/>
+          </p:nvPr>
+        </p:nvSpPr>
+        <p:spPr>
+          <a:xfrm>
+            <a:off x="677333" y="2160589"/>
+            <a:ext cx="3458439" cy="3880773"/>
+          </a:xfrm>
+        </p:spPr>
+        <p:txBody>
+          <a:bodyPr/>
+          <a:lstStyle/>
+          <a:p>
+            <a:pPr marL="0" indent="0">
+              <a:buNone/>
+            </a:pPr>
+            <a:r>
+              <a:rPr lang="fr-FR" sz="2000" u="sng" dirty="0"/>
+              <a:t>Connexion des composants :</a:t>
+            </a:r>
+          </a:p>
+          <a:p>
+            <a:pPr marL="0" indent="0">
+              <a:buNone/>
+            </a:pPr>
+            <a:endParaRPr lang="fr-FR" sz="2000" u="sng" dirty="0"/>
+          </a:p>
+          <a:p>
+            <a:r>
+              <a:rPr lang="fr-FR" dirty="0"/>
+              <a:t>Câbler les composants sur l'Arduino.</a:t>
+            </a:r>
+          </a:p>
+          <a:p>
+            <a:r>
+              <a:rPr lang="fr-FR" dirty="0"/>
+              <a:t>Coder le programme de connexion en langage Arduino avec les librairies correspondantes.</a:t>
+            </a:r>
+          </a:p>
+        </p:txBody>
+      </p:sp>
+      <p:pic>
+        <p:nvPicPr>
+          <p:cNvPr id="7" name="Picture 2" descr="Image associée">
+            <a:extLst>
+              <a:ext uri="{FF2B5EF4-FFF2-40B4-BE49-F238E27FC236}">
+                <a16:creationId xmlns:a16="http://schemas.microsoft.com/office/drawing/2014/main" id="{B23DB64B-9248-4262-BD92-EE7F6FE67D5E}"/>
+              </a:ext>
+            </a:extLst>
+          </p:cNvPr>
+          <p:cNvPicPr>
+            <a:picLocks noChangeAspect="1" noChangeArrowheads="1"/>
+          </p:cNvPicPr>
+          <p:nvPr/>
+        </p:nvPicPr>
+        <p:blipFill rotWithShape="1">
+          <a:blip r:embed="rId3">
+            <a:extLst>
+              <a:ext uri="{28A0092B-C50C-407E-A947-70E740481C1C}">
+                <a14:useLocalDpi xmlns:a14="http://schemas.microsoft.com/office/drawing/2010/main" val="0"/>
+              </a:ext>
+            </a:extLst>
+          </a:blip>
+          <a:srcRect l="18677" r="15441"/>
+          <a:stretch/>
+        </p:blipFill>
+        <p:spPr bwMode="auto">
+          <a:xfrm>
+            <a:off x="143436" y="143435"/>
+            <a:ext cx="2269635" cy="609600"/>
+          </a:xfrm>
+          <a:prstGeom prst="rect">
+            <a:avLst/>
+          </a:prstGeom>
+          <a:noFill/>
+          <a:extLst>
+            <a:ext uri="{909E8E84-426E-40DD-AFC4-6F175D3DCCD1}">
+              <a14:hiddenFill xmlns:a14="http://schemas.microsoft.com/office/drawing/2010/main">
+                <a:solidFill>
+                  <a:srgbClr val="FFFFFF"/>
+                </a:solidFill>
+              </a14:hiddenFill>
+            </a:ext>
+          </a:extLst>
+        </p:spPr>
+      </p:pic>
+      <p:sp>
+        <p:nvSpPr>
+          <p:cNvPr id="8" name="Espace réservé du contenu 2">
+            <a:extLst>
+              <a:ext uri="{FF2B5EF4-FFF2-40B4-BE49-F238E27FC236}">
+                <a16:creationId xmlns:a16="http://schemas.microsoft.com/office/drawing/2014/main" id="{989E1277-11F9-412A-948F-626C83E2E89F}"/>
+              </a:ext>
+            </a:extLst>
+          </p:cNvPr>
+          <p:cNvSpPr txBox="1">
+            <a:spLocks/>
+          </p:cNvSpPr>
+          <p:nvPr/>
+        </p:nvSpPr>
+        <p:spPr>
+          <a:xfrm>
+            <a:off x="5150063" y="2072104"/>
+            <a:ext cx="4329497" cy="3880773"/>
+          </a:xfrm>
+          <a:prstGeom prst="rect">
+            <a:avLst/>
+          </a:prstGeom>
+        </p:spPr>
+        <p:txBody>
+          <a:bodyPr vert="horz" lIns="91440" tIns="45720" rIns="91440" bIns="45720" rtlCol="0">
+            <a:normAutofit/>
+          </a:bodyPr>
+          <a:lstStyle>
+            <a:lvl1pPr marL="342900" indent="-342900" algn="l" defTabSz="457200" rtl="0" eaLnBrk="1" latinLnBrk="0" hangingPunct="1">
+              <a:spcBef>
+                <a:spcPts val="1000"/>
+              </a:spcBef>
+              <a:spcAft>
+                <a:spcPts val="0"/>
+              </a:spcAft>
+              <a:buClr>
+                <a:schemeClr val="accent1"/>
+              </a:buClr>
+              <a:buSzPct val="80000"/>
+              <a:buFont typeface="Wingdings 3" charset="2"/>
+              <a:buChar char=""/>
+              <a:defRPr sz="1800" kern="1200">
+                <a:solidFill>
+                  <a:schemeClr val="tx1">
+                    <a:lumMod val="75000"/>
+                    <a:lumOff val="25000"/>
+                  </a:schemeClr>
+                </a:solidFill>
+                <a:latin typeface="+mn-lt"/>
+                <a:ea typeface="+mn-ea"/>
+                <a:cs typeface="+mn-cs"/>
+              </a:defRPr>
+            </a:lvl1pPr>
+            <a:lvl2pPr marL="742950" indent="-285750" algn="l" defTabSz="457200" rtl="0" eaLnBrk="1" latinLnBrk="0" hangingPunct="1">
+              <a:spcBef>
+                <a:spcPts val="1000"/>
+              </a:spcBef>
+              <a:spcAft>
+                <a:spcPts val="0"/>
+              </a:spcAft>
+              <a:buClr>
+                <a:schemeClr val="accent1"/>
+              </a:buClr>
+              <a:buSzPct val="80000"/>
+              <a:buFont typeface="Wingdings 3" charset="2"/>
+              <a:buChar char=""/>
+              <a:defRPr sz="1600" kern="1200">
+                <a:solidFill>
+                  <a:schemeClr val="tx1">
+                    <a:lumMod val="75000"/>
+                    <a:lumOff val="25000"/>
+                  </a:schemeClr>
+                </a:solidFill>
+                <a:latin typeface="+mn-lt"/>
+                <a:ea typeface="+mn-ea"/>
+                <a:cs typeface="+mn-cs"/>
+              </a:defRPr>
+            </a:lvl2pPr>
+            <a:lvl3pPr marL="1143000" indent="-228600" algn="l" defTabSz="457200" rtl="0" eaLnBrk="1" latinLnBrk="0" hangingPunct="1">
+              <a:spcBef>
+                <a:spcPts val="1000"/>
+              </a:spcBef>
+              <a:spcAft>
+                <a:spcPts val="0"/>
+              </a:spcAft>
+              <a:buClr>
+                <a:schemeClr val="accent1"/>
+              </a:buClr>
+              <a:buSzPct val="80000"/>
+              <a:buFont typeface="Wingdings 3" charset="2"/>
+              <a:buChar char=""/>
+              <a:defRPr sz="1400" kern="1200">
+                <a:solidFill>
+                  <a:schemeClr val="tx1">
+                    <a:lumMod val="75000"/>
+                    <a:lumOff val="25000"/>
+                  </a:schemeClr>
+                </a:solidFill>
+                <a:latin typeface="+mn-lt"/>
+                <a:ea typeface="+mn-ea"/>
+                <a:cs typeface="+mn-cs"/>
+              </a:defRPr>
+            </a:lvl3pPr>
+            <a:lvl4pPr marL="1600200" indent="-228600" algn="l" defTabSz="457200" rtl="0" eaLnBrk="1" latinLnBrk="0" hangingPunct="1">
+              <a:spcBef>
+                <a:spcPts val="1000"/>
+              </a:spcBef>
+              <a:spcAft>
+                <a:spcPts val="0"/>
+              </a:spcAft>
+              <a:buClr>
+                <a:schemeClr val="accent1"/>
+              </a:buClr>
+              <a:buSzPct val="80000"/>
+              <a:buFont typeface="Wingdings 3" charset="2"/>
+              <a:buChar char=""/>
+              <a:defRPr sz="1200" kern="1200">
+                <a:solidFill>
+                  <a:schemeClr val="tx1">
+                    <a:lumMod val="75000"/>
+                    <a:lumOff val="25000"/>
+                  </a:schemeClr>
+                </a:solidFill>
+                <a:latin typeface="+mn-lt"/>
+                <a:ea typeface="+mn-ea"/>
+                <a:cs typeface="+mn-cs"/>
+              </a:defRPr>
+            </a:lvl4pPr>
+            <a:lvl5pPr marL="2057400" indent="-228600" algn="l" defTabSz="457200" rtl="0" eaLnBrk="1" latinLnBrk="0" hangingPunct="1">
+              <a:spcBef>
+                <a:spcPts val="1000"/>
+              </a:spcBef>
+              <a:spcAft>
+                <a:spcPts val="0"/>
+              </a:spcAft>
+              <a:buClr>
+                <a:schemeClr val="accent1"/>
+              </a:buClr>
+              <a:buSzPct val="80000"/>
+              <a:buFont typeface="Wingdings 3" charset="2"/>
+              <a:buChar char=""/>
+              <a:defRPr sz="1200" kern="1200">
+                <a:solidFill>
+                  <a:schemeClr val="tx1">
+                    <a:lumMod val="75000"/>
+                    <a:lumOff val="25000"/>
+                  </a:schemeClr>
+                </a:solidFill>
+                <a:latin typeface="+mn-lt"/>
+                <a:ea typeface="+mn-ea"/>
+                <a:cs typeface="+mn-cs"/>
+              </a:defRPr>
+            </a:lvl5pPr>
+            <a:lvl6pPr marL="2514600" indent="-228600" algn="l" defTabSz="457200" rtl="0" eaLnBrk="1" latinLnBrk="0" hangingPunct="1">
+              <a:spcBef>
+                <a:spcPts val="1000"/>
+              </a:spcBef>
+              <a:spcAft>
+                <a:spcPts val="0"/>
+              </a:spcAft>
+              <a:buClr>
+                <a:schemeClr val="accent1"/>
+              </a:buClr>
+              <a:buSzPct val="80000"/>
+              <a:buFont typeface="Wingdings 3" charset="2"/>
+              <a:buChar char=""/>
+              <a:defRPr sz="1200" kern="1200">
+                <a:solidFill>
+                  <a:schemeClr val="tx1">
+                    <a:lumMod val="75000"/>
+                    <a:lumOff val="25000"/>
+                  </a:schemeClr>
+                </a:solidFill>
+                <a:latin typeface="+mn-lt"/>
+                <a:ea typeface="+mn-ea"/>
+                <a:cs typeface="+mn-cs"/>
+              </a:defRPr>
+            </a:lvl6pPr>
+            <a:lvl7pPr marL="2971800" indent="-228600" algn="l" defTabSz="457200" rtl="0" eaLnBrk="1" latinLnBrk="0" hangingPunct="1">
+              <a:spcBef>
+                <a:spcPts val="1000"/>
+              </a:spcBef>
+              <a:spcAft>
+                <a:spcPts val="0"/>
+              </a:spcAft>
+              <a:buClr>
+                <a:schemeClr val="accent1"/>
+              </a:buClr>
+              <a:buSzPct val="80000"/>
+              <a:buFont typeface="Wingdings 3" charset="2"/>
+              <a:buChar char=""/>
+              <a:defRPr sz="1200" kern="1200">
+                <a:solidFill>
+                  <a:schemeClr val="tx1">
+                    <a:lumMod val="75000"/>
+                    <a:lumOff val="25000"/>
+                  </a:schemeClr>
+                </a:solidFill>
+                <a:latin typeface="+mn-lt"/>
+                <a:ea typeface="+mn-ea"/>
+                <a:cs typeface="+mn-cs"/>
+              </a:defRPr>
+            </a:lvl7pPr>
+            <a:lvl8pPr marL="3429000" indent="-228600" algn="l" defTabSz="457200" rtl="0" eaLnBrk="1" latinLnBrk="0" hangingPunct="1">
+              <a:spcBef>
+                <a:spcPts val="1000"/>
+              </a:spcBef>
+              <a:spcAft>
+                <a:spcPts val="0"/>
+              </a:spcAft>
+              <a:buClr>
+                <a:schemeClr val="accent1"/>
+              </a:buClr>
+              <a:buSzPct val="80000"/>
+              <a:buFont typeface="Wingdings 3" charset="2"/>
+              <a:buChar char=""/>
+              <a:defRPr sz="1200" kern="1200">
+                <a:solidFill>
+                  <a:schemeClr val="tx1">
+                    <a:lumMod val="75000"/>
+                    <a:lumOff val="25000"/>
+                  </a:schemeClr>
+                </a:solidFill>
+                <a:latin typeface="+mn-lt"/>
+                <a:ea typeface="+mn-ea"/>
+                <a:cs typeface="+mn-cs"/>
+              </a:defRPr>
+            </a:lvl8pPr>
+            <a:lvl9pPr marL="3886200" indent="-228600" algn="l" defTabSz="457200" rtl="0" eaLnBrk="1" latinLnBrk="0" hangingPunct="1">
+              <a:spcBef>
+                <a:spcPts val="1000"/>
+              </a:spcBef>
+              <a:spcAft>
+                <a:spcPts val="0"/>
+              </a:spcAft>
+              <a:buClr>
+                <a:schemeClr val="accent1"/>
+              </a:buClr>
+              <a:buSzPct val="80000"/>
+              <a:buFont typeface="Wingdings 3" charset="2"/>
+              <a:buChar char=""/>
+              <a:defRPr sz="1200" kern="1200">
+                <a:solidFill>
+                  <a:schemeClr val="tx1">
+                    <a:lumMod val="75000"/>
+                    <a:lumOff val="25000"/>
+                  </a:schemeClr>
+                </a:solidFill>
+                <a:latin typeface="+mn-lt"/>
+                <a:ea typeface="+mn-ea"/>
+                <a:cs typeface="+mn-cs"/>
+              </a:defRPr>
+            </a:lvl9pPr>
+          </a:lstStyle>
+          <a:p>
+            <a:pPr marL="0" indent="0">
+              <a:buNone/>
+            </a:pPr>
+            <a:r>
+              <a:rPr lang="fr-FR" sz="2000" u="sng" dirty="0"/>
+              <a:t>Afficher l’énigme et activer le buzzer :</a:t>
+            </a:r>
+          </a:p>
+          <a:p>
+            <a:pPr marL="0" indent="0">
+              <a:buNone/>
+            </a:pPr>
+            <a:endParaRPr lang="fr-FR" sz="2000" u="sng" dirty="0"/>
+          </a:p>
+          <a:p>
+            <a:pPr>
+              <a:buClr>
+                <a:schemeClr val="accent4"/>
+              </a:buClr>
+            </a:pPr>
+            <a:r>
+              <a:rPr lang="fr-FR" dirty="0"/>
+              <a:t>Coder en Arduino le programme permettant d’activer le buzzer et d’afficher l’énigme sur l’écran LCD. </a:t>
+            </a:r>
+          </a:p>
+          <a:p>
+            <a:pPr>
+              <a:buClr>
+                <a:schemeClr val="accent4"/>
+              </a:buClr>
+            </a:pPr>
+            <a:r>
+              <a:rPr lang="fr-FR" dirty="0"/>
+              <a:t>Fonction permettant de vérifier le code du pavé numérique.</a:t>
+            </a:r>
+          </a:p>
+        </p:txBody>
+      </p:sp>
+      <p:sp>
+        <p:nvSpPr>
+          <p:cNvPr id="2" name="Espace réservé du numéro de diapositive 1">
+            <a:extLst>
+              <a:ext uri="{FF2B5EF4-FFF2-40B4-BE49-F238E27FC236}">
+                <a16:creationId xmlns:a16="http://schemas.microsoft.com/office/drawing/2014/main" id="{8EFECB0D-7F3D-4794-B2CC-5E3BD76ABF8A}"/>
+              </a:ext>
+            </a:extLst>
+          </p:cNvPr>
+          <p:cNvSpPr>
+            <a:spLocks noGrp="1"/>
+          </p:cNvSpPr>
+          <p:nvPr>
+            <p:ph type="sldNum" sz="quarter" idx="12"/>
+          </p:nvPr>
+        </p:nvSpPr>
+        <p:spPr/>
+        <p:txBody>
+          <a:bodyPr/>
+          <a:lstStyle/>
+          <a:p>
+            <a:fld id="{D57F1E4F-1CFF-5643-939E-217C01CDF565}" type="slidenum">
+              <a:rPr lang="en-US" smtClean="0"/>
+              <a:pPr/>
+              <a:t>21</a:t>
+            </a:fld>
+            <a:endParaRPr lang="en-US" dirty="0"/>
+          </a:p>
+        </p:txBody>
+      </p:sp>
+      <p:sp>
+        <p:nvSpPr>
+          <p:cNvPr id="39" name="ZoneTexte 38">
+            <a:extLst>
+              <a:ext uri="{FF2B5EF4-FFF2-40B4-BE49-F238E27FC236}">
+                <a16:creationId xmlns:a16="http://schemas.microsoft.com/office/drawing/2014/main" id="{CAC06103-B08E-4CC2-91A8-FE7B5DD25603}"/>
+              </a:ext>
+            </a:extLst>
+          </p:cNvPr>
+          <p:cNvSpPr txBox="1"/>
+          <p:nvPr/>
+        </p:nvSpPr>
+        <p:spPr>
+          <a:xfrm>
+            <a:off x="10004530" y="4085990"/>
+            <a:ext cx="1661719" cy="584775"/>
+          </a:xfrm>
+          <a:prstGeom prst="rect">
+            <a:avLst/>
+          </a:prstGeom>
+          <a:noFill/>
+        </p:spPr>
+        <p:txBody>
+          <a:bodyPr wrap="square" rtlCol="0">
+            <a:spAutoFit/>
+          </a:bodyPr>
+          <a:lstStyle/>
+          <a:p>
+            <a:pPr lvl="0" defTabSz="457200">
+              <a:defRPr/>
+            </a:pPr>
+            <a:r>
+              <a:rPr lang="fr-FR" sz="1600" dirty="0">
+                <a:solidFill>
+                  <a:prstClr val="black"/>
+                </a:solidFill>
+              </a:rPr>
+              <a:t>Application Arduino</a:t>
+            </a:r>
+            <a:endParaRPr kumimoji="0" lang="fr-FR" sz="1600" b="0" i="0" u="none" strike="noStrike" kern="1200" cap="none" spc="0" normalizeH="0" baseline="0" noProof="0" dirty="0">
+              <a:ln>
+                <a:noFill/>
+              </a:ln>
+              <a:solidFill>
+                <a:prstClr val="black"/>
+              </a:solidFill>
+              <a:effectLst/>
+              <a:uLnTx/>
+              <a:uFillTx/>
+              <a:latin typeface="Trebuchet MS" panose="020B0603020202020204"/>
+              <a:ea typeface="+mn-ea"/>
+              <a:cs typeface="+mn-cs"/>
+            </a:endParaRPr>
+          </a:p>
+        </p:txBody>
+      </p:sp>
+      <p:sp>
+        <p:nvSpPr>
+          <p:cNvPr id="40" name="Organigramme : Terminateur 39">
+            <a:extLst>
+              <a:ext uri="{FF2B5EF4-FFF2-40B4-BE49-F238E27FC236}">
+                <a16:creationId xmlns:a16="http://schemas.microsoft.com/office/drawing/2014/main" id="{8EF33495-D189-4F3A-90F4-19E6AFD8F7C4}"/>
+              </a:ext>
+            </a:extLst>
+          </p:cNvPr>
+          <p:cNvSpPr/>
+          <p:nvPr/>
+        </p:nvSpPr>
+        <p:spPr>
+          <a:xfrm>
+            <a:off x="11329940" y="3851955"/>
+            <a:ext cx="358260" cy="85725"/>
+          </a:xfrm>
+          <a:prstGeom prst="flowChartTerminator">
+            <a:avLst/>
+          </a:prstGeom>
+          <a:solidFill>
+            <a:srgbClr val="A8135A"/>
+          </a:solidFill>
+          <a:ln>
+            <a:solidFill>
+              <a:schemeClr val="bg1"/>
+            </a:solidFill>
+          </a:ln>
+        </p:spPr>
+        <p:style>
+          <a:lnRef idx="2">
+            <a:schemeClr val="accent1">
+              <a:shade val="50000"/>
+            </a:schemeClr>
+          </a:lnRef>
+          <a:fillRef idx="1">
+            <a:schemeClr val="accent1"/>
+          </a:fillRef>
+          <a:effectRef idx="0">
+            <a:schemeClr val="accent1"/>
+          </a:effectRef>
+          <a:fontRef idx="minor">
+            <a:schemeClr val="lt1"/>
+          </a:fontRef>
+        </p:style>
+        <p:txBody>
+          <a:bodyPr rtlCol="0" anchor="ctr"/>
+          <a:lstStyle/>
+          <a:p>
+            <a:pPr marL="0" marR="0" lvl="0" indent="0" algn="ctr" defTabSz="457200" rtl="0" eaLnBrk="1" fontAlgn="auto" latinLnBrk="0" hangingPunct="1">
+              <a:lnSpc>
+                <a:spcPct val="100000"/>
+              </a:lnSpc>
+              <a:spcBef>
+                <a:spcPts val="0"/>
+              </a:spcBef>
+              <a:spcAft>
+                <a:spcPts val="0"/>
+              </a:spcAft>
+              <a:buClrTx/>
+              <a:buSzTx/>
+              <a:buFontTx/>
+              <a:buNone/>
+              <a:tabLst/>
+              <a:defRPr/>
+            </a:pPr>
+            <a:endParaRPr kumimoji="0" lang="fr-FR" sz="1800" b="0" i="0" u="none" strike="noStrike" kern="1200" cap="none" spc="0" normalizeH="0" baseline="0" noProof="0" dirty="0">
+              <a:ln>
+                <a:noFill/>
+              </a:ln>
+              <a:solidFill>
+                <a:prstClr val="white"/>
+              </a:solidFill>
+              <a:effectLst/>
+              <a:uLnTx/>
+              <a:uFillTx/>
+              <a:latin typeface="Trebuchet MS" panose="020B0603020202020204"/>
+              <a:ea typeface="+mn-ea"/>
+              <a:cs typeface="+mn-cs"/>
+            </a:endParaRPr>
+          </a:p>
+        </p:txBody>
+      </p:sp>
+      <p:sp>
+        <p:nvSpPr>
+          <p:cNvPr id="41" name="Organigramme : Terminateur 40">
+            <a:extLst>
+              <a:ext uri="{FF2B5EF4-FFF2-40B4-BE49-F238E27FC236}">
+                <a16:creationId xmlns:a16="http://schemas.microsoft.com/office/drawing/2014/main" id="{3D67C593-4B0C-4EE1-B953-BF4737A4FD58}"/>
+              </a:ext>
+            </a:extLst>
+          </p:cNvPr>
+          <p:cNvSpPr/>
+          <p:nvPr/>
+        </p:nvSpPr>
+        <p:spPr>
+          <a:xfrm>
+            <a:off x="11340058" y="4330628"/>
+            <a:ext cx="358260" cy="85725"/>
+          </a:xfrm>
+          <a:prstGeom prst="flowChartTerminator">
+            <a:avLst/>
+          </a:prstGeom>
+          <a:solidFill>
+            <a:srgbClr val="A8135A"/>
+          </a:solidFill>
+          <a:ln>
+            <a:solidFill>
+              <a:schemeClr val="bg1"/>
+            </a:solidFill>
+          </a:ln>
+        </p:spPr>
+        <p:style>
+          <a:lnRef idx="2">
+            <a:schemeClr val="accent1">
+              <a:shade val="50000"/>
+            </a:schemeClr>
+          </a:lnRef>
+          <a:fillRef idx="1">
+            <a:schemeClr val="accent1"/>
+          </a:fillRef>
+          <a:effectRef idx="0">
+            <a:schemeClr val="accent1"/>
+          </a:effectRef>
+          <a:fontRef idx="minor">
+            <a:schemeClr val="lt1"/>
+          </a:fontRef>
+        </p:style>
+        <p:txBody>
+          <a:bodyPr rtlCol="0" anchor="ctr"/>
+          <a:lstStyle/>
+          <a:p>
+            <a:pPr marL="0" marR="0" lvl="0" indent="0" algn="ctr" defTabSz="457200" rtl="0" eaLnBrk="1" fontAlgn="auto" latinLnBrk="0" hangingPunct="1">
+              <a:lnSpc>
+                <a:spcPct val="100000"/>
+              </a:lnSpc>
+              <a:spcBef>
+                <a:spcPts val="0"/>
+              </a:spcBef>
+              <a:spcAft>
+                <a:spcPts val="0"/>
+              </a:spcAft>
+              <a:buClrTx/>
+              <a:buSzTx/>
+              <a:buFontTx/>
+              <a:buNone/>
+              <a:tabLst/>
+              <a:defRPr/>
+            </a:pPr>
+            <a:endParaRPr kumimoji="0" lang="fr-FR" sz="1800" b="0" i="0" u="none" strike="noStrike" kern="1200" cap="none" spc="0" normalizeH="0" baseline="0" noProof="0" dirty="0">
+              <a:ln>
+                <a:noFill/>
+              </a:ln>
+              <a:solidFill>
+                <a:prstClr val="white"/>
+              </a:solidFill>
+              <a:effectLst/>
+              <a:uLnTx/>
+              <a:uFillTx/>
+              <a:latin typeface="Trebuchet MS" panose="020B0603020202020204"/>
+              <a:ea typeface="+mn-ea"/>
+              <a:cs typeface="+mn-cs"/>
+            </a:endParaRPr>
+          </a:p>
+        </p:txBody>
+      </p:sp>
+      <p:sp>
+        <p:nvSpPr>
+          <p:cNvPr id="42" name="Organigramme : Terminateur 41">
+            <a:extLst>
+              <a:ext uri="{FF2B5EF4-FFF2-40B4-BE49-F238E27FC236}">
+                <a16:creationId xmlns:a16="http://schemas.microsoft.com/office/drawing/2014/main" id="{C9E5C5DC-8B4C-4ADC-BBA4-DCFBF76355B4}"/>
+              </a:ext>
+            </a:extLst>
+          </p:cNvPr>
+          <p:cNvSpPr/>
+          <p:nvPr/>
+        </p:nvSpPr>
+        <p:spPr>
+          <a:xfrm>
+            <a:off x="11324702" y="4803258"/>
+            <a:ext cx="358260" cy="85725"/>
+          </a:xfrm>
+          <a:prstGeom prst="flowChartTerminator">
+            <a:avLst/>
+          </a:prstGeom>
+          <a:solidFill>
+            <a:schemeClr val="bg1"/>
+          </a:solidFill>
+          <a:ln>
+            <a:solidFill>
+              <a:schemeClr val="bg1"/>
+            </a:solidFill>
+          </a:ln>
+        </p:spPr>
+        <p:style>
+          <a:lnRef idx="2">
+            <a:schemeClr val="accent1">
+              <a:shade val="50000"/>
+            </a:schemeClr>
+          </a:lnRef>
+          <a:fillRef idx="1">
+            <a:schemeClr val="accent1"/>
+          </a:fillRef>
+          <a:effectRef idx="0">
+            <a:schemeClr val="accent1"/>
+          </a:effectRef>
+          <a:fontRef idx="minor">
+            <a:schemeClr val="lt1"/>
+          </a:fontRef>
+        </p:style>
+        <p:txBody>
+          <a:bodyPr rtlCol="0" anchor="ctr"/>
+          <a:lstStyle/>
+          <a:p>
+            <a:pPr marL="0" marR="0" lvl="0" indent="0" algn="ctr" defTabSz="457200" rtl="0" eaLnBrk="1" fontAlgn="auto" latinLnBrk="0" hangingPunct="1">
+              <a:lnSpc>
+                <a:spcPct val="100000"/>
+              </a:lnSpc>
+              <a:spcBef>
+                <a:spcPts val="0"/>
+              </a:spcBef>
+              <a:spcAft>
+                <a:spcPts val="0"/>
+              </a:spcAft>
+              <a:buClrTx/>
+              <a:buSzTx/>
+              <a:buFontTx/>
+              <a:buNone/>
+              <a:tabLst/>
+              <a:defRPr/>
+            </a:pPr>
+            <a:endParaRPr kumimoji="0" lang="fr-FR" sz="1800" b="0" i="0" u="none" strike="noStrike" kern="1200" cap="none" spc="0" normalizeH="0" baseline="0" noProof="0" dirty="0">
+              <a:ln>
+                <a:noFill/>
+              </a:ln>
+              <a:solidFill>
+                <a:prstClr val="white"/>
+              </a:solidFill>
+              <a:effectLst/>
+              <a:uLnTx/>
+              <a:uFillTx/>
+              <a:latin typeface="Trebuchet MS" panose="020B0603020202020204"/>
+              <a:ea typeface="+mn-ea"/>
+              <a:cs typeface="+mn-cs"/>
+            </a:endParaRPr>
+          </a:p>
+        </p:txBody>
+      </p:sp>
+      <p:sp>
+        <p:nvSpPr>
+          <p:cNvPr id="43" name="Organigramme : Terminateur 42">
+            <a:extLst>
+              <a:ext uri="{FF2B5EF4-FFF2-40B4-BE49-F238E27FC236}">
+                <a16:creationId xmlns:a16="http://schemas.microsoft.com/office/drawing/2014/main" id="{2CD9668A-D8D9-413C-AA24-615929CD3766}"/>
+              </a:ext>
+            </a:extLst>
+          </p:cNvPr>
+          <p:cNvSpPr/>
+          <p:nvPr/>
+        </p:nvSpPr>
+        <p:spPr>
+          <a:xfrm>
+            <a:off x="11333437" y="5283424"/>
+            <a:ext cx="358260" cy="85725"/>
+          </a:xfrm>
+          <a:prstGeom prst="flowChartTerminator">
+            <a:avLst/>
+          </a:prstGeom>
+          <a:solidFill>
+            <a:schemeClr val="bg1"/>
+          </a:solidFill>
+          <a:ln>
+            <a:solidFill>
+              <a:schemeClr val="bg1"/>
+            </a:solidFill>
+          </a:ln>
+        </p:spPr>
+        <p:style>
+          <a:lnRef idx="2">
+            <a:schemeClr val="accent1">
+              <a:shade val="50000"/>
+            </a:schemeClr>
+          </a:lnRef>
+          <a:fillRef idx="1">
+            <a:schemeClr val="accent1"/>
+          </a:fillRef>
+          <a:effectRef idx="0">
+            <a:schemeClr val="accent1"/>
+          </a:effectRef>
+          <a:fontRef idx="minor">
+            <a:schemeClr val="lt1"/>
+          </a:fontRef>
+        </p:style>
+        <p:txBody>
+          <a:bodyPr rtlCol="0" anchor="ctr"/>
+          <a:lstStyle/>
+          <a:p>
+            <a:pPr marL="0" marR="0" lvl="0" indent="0" algn="ctr" defTabSz="457200" rtl="0" eaLnBrk="1" fontAlgn="auto" latinLnBrk="0" hangingPunct="1">
+              <a:lnSpc>
+                <a:spcPct val="100000"/>
+              </a:lnSpc>
+              <a:spcBef>
+                <a:spcPts val="0"/>
+              </a:spcBef>
+              <a:spcAft>
+                <a:spcPts val="0"/>
+              </a:spcAft>
+              <a:buClrTx/>
+              <a:buSzTx/>
+              <a:buFontTx/>
+              <a:buNone/>
+              <a:tabLst/>
+              <a:defRPr/>
+            </a:pPr>
+            <a:endParaRPr kumimoji="0" lang="fr-FR" sz="1800" b="0" i="0" u="none" strike="noStrike" kern="1200" cap="none" spc="0" normalizeH="0" baseline="0" noProof="0" dirty="0">
+              <a:ln>
+                <a:noFill/>
+              </a:ln>
+              <a:solidFill>
+                <a:prstClr val="white"/>
+              </a:solidFill>
+              <a:effectLst/>
+              <a:uLnTx/>
+              <a:uFillTx/>
+              <a:latin typeface="Trebuchet MS" panose="020B0603020202020204"/>
+              <a:ea typeface="+mn-ea"/>
+              <a:cs typeface="+mn-cs"/>
+            </a:endParaRPr>
+          </a:p>
+        </p:txBody>
+      </p:sp>
+      <p:sp>
+        <p:nvSpPr>
+          <p:cNvPr id="44" name="Organigramme : Terminateur 43">
+            <a:extLst>
+              <a:ext uri="{FF2B5EF4-FFF2-40B4-BE49-F238E27FC236}">
+                <a16:creationId xmlns:a16="http://schemas.microsoft.com/office/drawing/2014/main" id="{C887E7A2-30D1-437A-8ABE-11052363685A}"/>
+              </a:ext>
+            </a:extLst>
+          </p:cNvPr>
+          <p:cNvSpPr/>
+          <p:nvPr/>
+        </p:nvSpPr>
+        <p:spPr>
+          <a:xfrm>
+            <a:off x="11329940" y="5757098"/>
+            <a:ext cx="358260" cy="85725"/>
+          </a:xfrm>
+          <a:prstGeom prst="flowChartTerminator">
+            <a:avLst/>
+          </a:prstGeom>
+          <a:solidFill>
+            <a:schemeClr val="bg1"/>
+          </a:solidFill>
+          <a:ln>
+            <a:solidFill>
+              <a:schemeClr val="bg1"/>
+            </a:solidFill>
+          </a:ln>
+        </p:spPr>
+        <p:style>
+          <a:lnRef idx="2">
+            <a:schemeClr val="accent1">
+              <a:shade val="50000"/>
+            </a:schemeClr>
+          </a:lnRef>
+          <a:fillRef idx="1">
+            <a:schemeClr val="accent1"/>
+          </a:fillRef>
+          <a:effectRef idx="0">
+            <a:schemeClr val="accent1"/>
+          </a:effectRef>
+          <a:fontRef idx="minor">
+            <a:schemeClr val="lt1"/>
+          </a:fontRef>
+        </p:style>
+        <p:txBody>
+          <a:bodyPr rtlCol="0" anchor="ctr"/>
+          <a:lstStyle/>
+          <a:p>
+            <a:pPr marL="0" marR="0" lvl="0" indent="0" algn="ctr" defTabSz="457200" rtl="0" eaLnBrk="1" fontAlgn="auto" latinLnBrk="0" hangingPunct="1">
+              <a:lnSpc>
+                <a:spcPct val="100000"/>
+              </a:lnSpc>
+              <a:spcBef>
+                <a:spcPts val="0"/>
+              </a:spcBef>
+              <a:spcAft>
+                <a:spcPts val="0"/>
+              </a:spcAft>
+              <a:buClrTx/>
+              <a:buSzTx/>
+              <a:buFontTx/>
+              <a:buNone/>
+              <a:tabLst/>
+              <a:defRPr/>
+            </a:pPr>
+            <a:endParaRPr kumimoji="0" lang="fr-FR" sz="1800" b="0" i="0" u="none" strike="noStrike" kern="1200" cap="none" spc="0" normalizeH="0" baseline="0" noProof="0" dirty="0">
+              <a:ln>
+                <a:noFill/>
+              </a:ln>
+              <a:solidFill>
+                <a:prstClr val="white"/>
+              </a:solidFill>
+              <a:effectLst/>
+              <a:uLnTx/>
+              <a:uFillTx/>
+              <a:latin typeface="Trebuchet MS" panose="020B0603020202020204"/>
+              <a:ea typeface="+mn-ea"/>
+              <a:cs typeface="+mn-cs"/>
+            </a:endParaRPr>
+          </a:p>
+        </p:txBody>
+      </p:sp>
+      <p:sp>
+        <p:nvSpPr>
+          <p:cNvPr id="45" name="Organigramme : Terminateur 44">
+            <a:extLst>
+              <a:ext uri="{FF2B5EF4-FFF2-40B4-BE49-F238E27FC236}">
+                <a16:creationId xmlns:a16="http://schemas.microsoft.com/office/drawing/2014/main" id="{5EB7FA0E-4EDD-43E8-8F01-E3FBE7F41A47}"/>
+              </a:ext>
+            </a:extLst>
+          </p:cNvPr>
+          <p:cNvSpPr/>
+          <p:nvPr/>
+        </p:nvSpPr>
+        <p:spPr>
+          <a:xfrm>
+            <a:off x="11329940" y="1369023"/>
+            <a:ext cx="358260" cy="85725"/>
+          </a:xfrm>
+          <a:prstGeom prst="flowChartTerminator">
+            <a:avLst/>
+          </a:prstGeom>
+          <a:solidFill>
+            <a:srgbClr val="A8135A"/>
+          </a:solidFill>
+          <a:ln>
+            <a:solidFill>
+              <a:schemeClr val="bg1"/>
+            </a:solidFill>
+          </a:ln>
+        </p:spPr>
+        <p:style>
+          <a:lnRef idx="2">
+            <a:schemeClr val="accent1">
+              <a:shade val="50000"/>
+            </a:schemeClr>
+          </a:lnRef>
+          <a:fillRef idx="1">
+            <a:schemeClr val="accent1"/>
+          </a:fillRef>
+          <a:effectRef idx="0">
+            <a:schemeClr val="accent1"/>
+          </a:effectRef>
+          <a:fontRef idx="minor">
+            <a:schemeClr val="lt1"/>
+          </a:fontRef>
+        </p:style>
+        <p:txBody>
+          <a:bodyPr rtlCol="0" anchor="ctr"/>
+          <a:lstStyle/>
+          <a:p>
+            <a:pPr marL="0" marR="0" lvl="0" indent="0" algn="ctr" defTabSz="457200" rtl="0" eaLnBrk="1" fontAlgn="auto" latinLnBrk="0" hangingPunct="1">
+              <a:lnSpc>
+                <a:spcPct val="100000"/>
+              </a:lnSpc>
+              <a:spcBef>
+                <a:spcPts val="0"/>
+              </a:spcBef>
+              <a:spcAft>
+                <a:spcPts val="0"/>
+              </a:spcAft>
+              <a:buClrTx/>
+              <a:buSzTx/>
+              <a:buFontTx/>
+              <a:buNone/>
+              <a:tabLst/>
+              <a:defRPr/>
+            </a:pPr>
+            <a:endParaRPr kumimoji="0" lang="fr-FR" sz="1800" b="0" i="0" u="none" strike="noStrike" kern="1200" cap="none" spc="0" normalizeH="0" baseline="0" noProof="0" dirty="0">
+              <a:ln>
+                <a:noFill/>
+              </a:ln>
+              <a:solidFill>
+                <a:prstClr val="white"/>
+              </a:solidFill>
+              <a:effectLst/>
+              <a:uLnTx/>
+              <a:uFillTx/>
+              <a:latin typeface="Trebuchet MS" panose="020B0603020202020204"/>
+              <a:ea typeface="+mn-ea"/>
+              <a:cs typeface="+mn-cs"/>
+            </a:endParaRPr>
+          </a:p>
+        </p:txBody>
+      </p:sp>
+      <p:sp>
+        <p:nvSpPr>
+          <p:cNvPr id="46" name="Organigramme : Terminateur 45">
+            <a:extLst>
+              <a:ext uri="{FF2B5EF4-FFF2-40B4-BE49-F238E27FC236}">
+                <a16:creationId xmlns:a16="http://schemas.microsoft.com/office/drawing/2014/main" id="{99F6E9B3-FBEE-4B99-88FC-8D241C852EB5}"/>
+              </a:ext>
+            </a:extLst>
+          </p:cNvPr>
+          <p:cNvSpPr/>
+          <p:nvPr/>
+        </p:nvSpPr>
+        <p:spPr>
+          <a:xfrm>
+            <a:off x="11333437" y="2370128"/>
+            <a:ext cx="358260" cy="85725"/>
+          </a:xfrm>
+          <a:prstGeom prst="flowChartTerminator">
+            <a:avLst/>
+          </a:prstGeom>
+          <a:solidFill>
+            <a:srgbClr val="A8135A"/>
+          </a:solidFill>
+          <a:ln>
+            <a:solidFill>
+              <a:schemeClr val="bg1"/>
+            </a:solidFill>
+          </a:ln>
+        </p:spPr>
+        <p:style>
+          <a:lnRef idx="2">
+            <a:schemeClr val="accent1">
+              <a:shade val="50000"/>
+            </a:schemeClr>
+          </a:lnRef>
+          <a:fillRef idx="1">
+            <a:schemeClr val="accent1"/>
+          </a:fillRef>
+          <a:effectRef idx="0">
+            <a:schemeClr val="accent1"/>
+          </a:effectRef>
+          <a:fontRef idx="minor">
+            <a:schemeClr val="lt1"/>
+          </a:fontRef>
+        </p:style>
+        <p:txBody>
+          <a:bodyPr rtlCol="0" anchor="ctr"/>
+          <a:lstStyle/>
+          <a:p>
+            <a:pPr marL="0" marR="0" lvl="0" indent="0" algn="ctr" defTabSz="457200" rtl="0" eaLnBrk="1" fontAlgn="auto" latinLnBrk="0" hangingPunct="1">
+              <a:lnSpc>
+                <a:spcPct val="100000"/>
+              </a:lnSpc>
+              <a:spcBef>
+                <a:spcPts val="0"/>
+              </a:spcBef>
+              <a:spcAft>
+                <a:spcPts val="0"/>
+              </a:spcAft>
+              <a:buClrTx/>
+              <a:buSzTx/>
+              <a:buFontTx/>
+              <a:buNone/>
+              <a:tabLst/>
+              <a:defRPr/>
+            </a:pPr>
+            <a:endParaRPr kumimoji="0" lang="fr-FR" sz="1800" b="0" i="0" u="none" strike="noStrike" kern="1200" cap="none" spc="0" normalizeH="0" baseline="0" noProof="0" dirty="0">
+              <a:ln>
+                <a:noFill/>
+              </a:ln>
+              <a:solidFill>
+                <a:prstClr val="white"/>
+              </a:solidFill>
+              <a:effectLst/>
+              <a:uLnTx/>
+              <a:uFillTx/>
+              <a:latin typeface="Trebuchet MS" panose="020B0603020202020204"/>
+              <a:ea typeface="+mn-ea"/>
+              <a:cs typeface="+mn-cs"/>
+            </a:endParaRPr>
+          </a:p>
+        </p:txBody>
+      </p:sp>
+      <p:sp>
+        <p:nvSpPr>
+          <p:cNvPr id="47" name="Organigramme : Terminateur 46">
+            <a:extLst>
+              <a:ext uri="{FF2B5EF4-FFF2-40B4-BE49-F238E27FC236}">
+                <a16:creationId xmlns:a16="http://schemas.microsoft.com/office/drawing/2014/main" id="{67BD067B-D659-4E93-BE63-65D5D38A8E77}"/>
+              </a:ext>
+            </a:extLst>
+          </p:cNvPr>
+          <p:cNvSpPr/>
+          <p:nvPr/>
+        </p:nvSpPr>
+        <p:spPr>
+          <a:xfrm>
+            <a:off x="11327672" y="1876681"/>
+            <a:ext cx="358260" cy="85725"/>
+          </a:xfrm>
+          <a:prstGeom prst="flowChartTerminator">
+            <a:avLst/>
+          </a:prstGeom>
+          <a:solidFill>
+            <a:srgbClr val="A8135A"/>
+          </a:solidFill>
+          <a:ln>
+            <a:solidFill>
+              <a:schemeClr val="bg1"/>
+            </a:solidFill>
+          </a:ln>
+        </p:spPr>
+        <p:style>
+          <a:lnRef idx="2">
+            <a:schemeClr val="accent1">
+              <a:shade val="50000"/>
+            </a:schemeClr>
+          </a:lnRef>
+          <a:fillRef idx="1">
+            <a:schemeClr val="accent1"/>
+          </a:fillRef>
+          <a:effectRef idx="0">
+            <a:schemeClr val="accent1"/>
+          </a:effectRef>
+          <a:fontRef idx="minor">
+            <a:schemeClr val="lt1"/>
+          </a:fontRef>
+        </p:style>
+        <p:txBody>
+          <a:bodyPr rtlCol="0" anchor="ctr"/>
+          <a:lstStyle/>
+          <a:p>
+            <a:pPr marL="0" marR="0" lvl="0" indent="0" algn="ctr" defTabSz="457200" rtl="0" eaLnBrk="1" fontAlgn="auto" latinLnBrk="0" hangingPunct="1">
+              <a:lnSpc>
+                <a:spcPct val="100000"/>
+              </a:lnSpc>
+              <a:spcBef>
+                <a:spcPts val="0"/>
+              </a:spcBef>
+              <a:spcAft>
+                <a:spcPts val="0"/>
+              </a:spcAft>
+              <a:buClrTx/>
+              <a:buSzTx/>
+              <a:buFontTx/>
+              <a:buNone/>
+              <a:tabLst/>
+              <a:defRPr/>
+            </a:pPr>
+            <a:endParaRPr kumimoji="0" lang="fr-FR" sz="1800" b="0" i="0" u="none" strike="noStrike" kern="1200" cap="none" spc="0" normalizeH="0" baseline="0" noProof="0" dirty="0">
+              <a:ln>
+                <a:noFill/>
+              </a:ln>
+              <a:solidFill>
+                <a:prstClr val="white"/>
+              </a:solidFill>
+              <a:effectLst/>
+              <a:uLnTx/>
+              <a:uFillTx/>
+              <a:latin typeface="Trebuchet MS" panose="020B0603020202020204"/>
+              <a:ea typeface="+mn-ea"/>
+              <a:cs typeface="+mn-cs"/>
+            </a:endParaRPr>
+          </a:p>
+        </p:txBody>
+      </p:sp>
+      <p:sp>
+        <p:nvSpPr>
+          <p:cNvPr id="48" name="Organigramme : Terminateur 47">
+            <a:extLst>
+              <a:ext uri="{FF2B5EF4-FFF2-40B4-BE49-F238E27FC236}">
+                <a16:creationId xmlns:a16="http://schemas.microsoft.com/office/drawing/2014/main" id="{B43F3500-B7BB-4635-A9E2-AEB9F60E80FB}"/>
+              </a:ext>
+            </a:extLst>
+          </p:cNvPr>
+          <p:cNvSpPr/>
+          <p:nvPr/>
+        </p:nvSpPr>
+        <p:spPr>
+          <a:xfrm>
+            <a:off x="11324702" y="894248"/>
+            <a:ext cx="358260" cy="85725"/>
+          </a:xfrm>
+          <a:prstGeom prst="flowChartTerminator">
+            <a:avLst/>
+          </a:prstGeom>
+          <a:solidFill>
+            <a:srgbClr val="A8135A"/>
+          </a:solidFill>
+          <a:ln>
+            <a:solidFill>
+              <a:schemeClr val="bg1"/>
+            </a:solidFill>
+          </a:ln>
+        </p:spPr>
+        <p:style>
+          <a:lnRef idx="2">
+            <a:schemeClr val="accent1">
+              <a:shade val="50000"/>
+            </a:schemeClr>
+          </a:lnRef>
+          <a:fillRef idx="1">
+            <a:schemeClr val="accent1"/>
+          </a:fillRef>
+          <a:effectRef idx="0">
+            <a:schemeClr val="accent1"/>
+          </a:effectRef>
+          <a:fontRef idx="minor">
+            <a:schemeClr val="lt1"/>
+          </a:fontRef>
+        </p:style>
+        <p:txBody>
+          <a:bodyPr rtlCol="0" anchor="ctr"/>
+          <a:lstStyle/>
+          <a:p>
+            <a:pPr marL="0" marR="0" lvl="0" indent="0" algn="ctr" defTabSz="457200" rtl="0" eaLnBrk="1" fontAlgn="auto" latinLnBrk="0" hangingPunct="1">
+              <a:lnSpc>
+                <a:spcPct val="100000"/>
+              </a:lnSpc>
+              <a:spcBef>
+                <a:spcPts val="0"/>
+              </a:spcBef>
+              <a:spcAft>
+                <a:spcPts val="0"/>
+              </a:spcAft>
+              <a:buClrTx/>
+              <a:buSzTx/>
+              <a:buFontTx/>
+              <a:buNone/>
+              <a:tabLst/>
+              <a:defRPr/>
+            </a:pPr>
+            <a:endParaRPr kumimoji="0" lang="fr-FR" sz="1800" b="0" i="0" u="none" strike="noStrike" kern="1200" cap="none" spc="0" normalizeH="0" baseline="0" noProof="0" dirty="0">
+              <a:ln>
+                <a:noFill/>
+              </a:ln>
+              <a:solidFill>
+                <a:prstClr val="white"/>
+              </a:solidFill>
+              <a:effectLst/>
+              <a:uLnTx/>
+              <a:uFillTx/>
+              <a:latin typeface="Trebuchet MS" panose="020B0603020202020204"/>
+              <a:ea typeface="+mn-ea"/>
+              <a:cs typeface="+mn-cs"/>
+            </a:endParaRPr>
+          </a:p>
+        </p:txBody>
+      </p:sp>
+      <p:sp>
+        <p:nvSpPr>
+          <p:cNvPr id="49" name="Rectangle 48">
+            <a:extLst>
+              <a:ext uri="{FF2B5EF4-FFF2-40B4-BE49-F238E27FC236}">
+                <a16:creationId xmlns:a16="http://schemas.microsoft.com/office/drawing/2014/main" id="{875401F0-8B0A-4D04-A057-A25458BA55C3}"/>
+              </a:ext>
+            </a:extLst>
+          </p:cNvPr>
+          <p:cNvSpPr/>
+          <p:nvPr/>
+        </p:nvSpPr>
+        <p:spPr>
+          <a:xfrm>
+            <a:off x="11606256" y="175366"/>
+            <a:ext cx="104775" cy="6247472"/>
+          </a:xfrm>
+          <a:prstGeom prst="rect">
+            <a:avLst/>
+          </a:prstGeom>
+          <a:solidFill>
+            <a:schemeClr val="bg1"/>
+          </a:solidFill>
+          <a:ln>
+            <a:solidFill>
+              <a:schemeClr val="bg1"/>
+            </a:solidFill>
+          </a:ln>
+        </p:spPr>
+        <p:style>
+          <a:lnRef idx="2">
+            <a:schemeClr val="accent1">
+              <a:shade val="50000"/>
+            </a:schemeClr>
+          </a:lnRef>
+          <a:fillRef idx="1">
+            <a:schemeClr val="accent1"/>
+          </a:fillRef>
+          <a:effectRef idx="0">
+            <a:schemeClr val="accent1"/>
+          </a:effectRef>
+          <a:fontRef idx="minor">
+            <a:schemeClr val="lt1"/>
+          </a:fontRef>
+        </p:style>
+        <p:txBody>
+          <a:bodyPr rtlCol="0" anchor="ctr"/>
+          <a:lstStyle/>
+          <a:p>
+            <a:pPr marL="0" marR="0" lvl="0" indent="0" algn="ctr" defTabSz="457200" rtl="0" eaLnBrk="1" fontAlgn="auto" latinLnBrk="0" hangingPunct="1">
+              <a:lnSpc>
+                <a:spcPct val="100000"/>
+              </a:lnSpc>
+              <a:spcBef>
+                <a:spcPts val="0"/>
+              </a:spcBef>
+              <a:spcAft>
+                <a:spcPts val="0"/>
+              </a:spcAft>
+              <a:buClrTx/>
+              <a:buSzTx/>
+              <a:buFontTx/>
+              <a:buNone/>
+              <a:tabLst/>
+              <a:defRPr/>
+            </a:pPr>
+            <a:endParaRPr kumimoji="0" lang="fr-FR" sz="1800" b="0" i="0" u="none" strike="noStrike" kern="1200" cap="none" spc="0" normalizeH="0" baseline="0" noProof="0">
+              <a:ln>
+                <a:noFill/>
+              </a:ln>
+              <a:solidFill>
+                <a:prstClr val="white"/>
+              </a:solidFill>
+              <a:effectLst/>
+              <a:uLnTx/>
+              <a:uFillTx/>
+              <a:latin typeface="Trebuchet MS" panose="020B0603020202020204"/>
+              <a:ea typeface="+mn-ea"/>
+              <a:cs typeface="+mn-cs"/>
+            </a:endParaRPr>
+          </a:p>
+        </p:txBody>
+      </p:sp>
+      <p:sp>
+        <p:nvSpPr>
+          <p:cNvPr id="50" name="Ellipse 49">
+            <a:extLst>
+              <a:ext uri="{FF2B5EF4-FFF2-40B4-BE49-F238E27FC236}">
+                <a16:creationId xmlns:a16="http://schemas.microsoft.com/office/drawing/2014/main" id="{D0DB8A60-AA87-4FA6-AAFF-53D9049785A8}"/>
+              </a:ext>
+            </a:extLst>
+          </p:cNvPr>
+          <p:cNvSpPr/>
+          <p:nvPr/>
+        </p:nvSpPr>
+        <p:spPr>
+          <a:xfrm>
+            <a:off x="11376583" y="6250545"/>
+            <a:ext cx="564118" cy="542925"/>
+          </a:xfrm>
+          <a:prstGeom prst="ellipse">
+            <a:avLst/>
+          </a:prstGeom>
+          <a:solidFill>
+            <a:schemeClr val="bg1"/>
+          </a:solidFill>
+          <a:ln>
+            <a:solidFill>
+              <a:schemeClr val="bg1"/>
+            </a:solidFill>
+          </a:ln>
+        </p:spPr>
+        <p:style>
+          <a:lnRef idx="2">
+            <a:schemeClr val="accent1">
+              <a:shade val="50000"/>
+            </a:schemeClr>
+          </a:lnRef>
+          <a:fillRef idx="1">
+            <a:schemeClr val="accent1"/>
+          </a:fillRef>
+          <a:effectRef idx="0">
+            <a:schemeClr val="accent1"/>
+          </a:effectRef>
+          <a:fontRef idx="minor">
+            <a:schemeClr val="lt1"/>
+          </a:fontRef>
+        </p:style>
+        <p:txBody>
+          <a:bodyPr rtlCol="0" anchor="ctr"/>
+          <a:lstStyle/>
+          <a:p>
+            <a:pPr marL="0" marR="0" lvl="0" indent="0" algn="ctr" defTabSz="457200" rtl="0" eaLnBrk="1" fontAlgn="auto" latinLnBrk="0" hangingPunct="1">
+              <a:lnSpc>
+                <a:spcPct val="100000"/>
+              </a:lnSpc>
+              <a:spcBef>
+                <a:spcPts val="0"/>
+              </a:spcBef>
+              <a:spcAft>
+                <a:spcPts val="0"/>
+              </a:spcAft>
+              <a:buClrTx/>
+              <a:buSzTx/>
+              <a:buFontTx/>
+              <a:buNone/>
+              <a:tabLst/>
+              <a:defRPr/>
+            </a:pPr>
+            <a:endParaRPr kumimoji="0" lang="fr-FR" sz="1800" b="0" i="0" u="none" strike="noStrike" kern="1200" cap="none" spc="0" normalizeH="0" baseline="0" noProof="0">
+              <a:ln>
+                <a:noFill/>
+              </a:ln>
+              <a:solidFill>
+                <a:prstClr val="white"/>
+              </a:solidFill>
+              <a:effectLst/>
+              <a:uLnTx/>
+              <a:uFillTx/>
+              <a:latin typeface="Trebuchet MS" panose="020B0603020202020204"/>
+              <a:ea typeface="+mn-ea"/>
+              <a:cs typeface="+mn-cs"/>
+            </a:endParaRPr>
+          </a:p>
+        </p:txBody>
+      </p:sp>
+      <p:sp>
+        <p:nvSpPr>
+          <p:cNvPr id="51" name="Rectangle 50">
+            <a:extLst>
+              <a:ext uri="{FF2B5EF4-FFF2-40B4-BE49-F238E27FC236}">
+                <a16:creationId xmlns:a16="http://schemas.microsoft.com/office/drawing/2014/main" id="{A95AA901-D3B4-4B4E-9AC4-1B25100E5CA7}"/>
+              </a:ext>
+            </a:extLst>
+          </p:cNvPr>
+          <p:cNvSpPr/>
+          <p:nvPr/>
+        </p:nvSpPr>
+        <p:spPr>
+          <a:xfrm>
+            <a:off x="11606256" y="1010409"/>
+            <a:ext cx="104775" cy="54712"/>
+          </a:xfrm>
+          <a:prstGeom prst="rect">
+            <a:avLst/>
+          </a:prstGeom>
+          <a:solidFill>
+            <a:srgbClr val="A8135A"/>
+          </a:solidFill>
+          <a:ln>
+            <a:solidFill>
+              <a:schemeClr val="bg1"/>
+            </a:solidFill>
+          </a:ln>
+        </p:spPr>
+        <p:style>
+          <a:lnRef idx="2">
+            <a:schemeClr val="accent1">
+              <a:shade val="50000"/>
+            </a:schemeClr>
+          </a:lnRef>
+          <a:fillRef idx="1">
+            <a:schemeClr val="accent1"/>
+          </a:fillRef>
+          <a:effectRef idx="0">
+            <a:schemeClr val="accent1"/>
+          </a:effectRef>
+          <a:fontRef idx="minor">
+            <a:schemeClr val="lt1"/>
+          </a:fontRef>
+        </p:style>
+        <p:txBody>
+          <a:bodyPr rtlCol="0" anchor="ctr"/>
+          <a:lstStyle/>
+          <a:p>
+            <a:pPr marL="0" marR="0" lvl="0" indent="0" algn="ctr" defTabSz="457200" rtl="0" eaLnBrk="1" fontAlgn="auto" latinLnBrk="0" hangingPunct="1">
+              <a:lnSpc>
+                <a:spcPct val="100000"/>
+              </a:lnSpc>
+              <a:spcBef>
+                <a:spcPts val="0"/>
+              </a:spcBef>
+              <a:spcAft>
+                <a:spcPts val="0"/>
+              </a:spcAft>
+              <a:buClrTx/>
+              <a:buSzTx/>
+              <a:buFontTx/>
+              <a:buNone/>
+              <a:tabLst/>
+              <a:defRPr/>
+            </a:pPr>
+            <a:endParaRPr kumimoji="0" lang="fr-FR" sz="1800" b="0" i="0" u="none" strike="noStrike" kern="1200" cap="none" spc="0" normalizeH="0" baseline="0" noProof="0">
+              <a:ln>
+                <a:noFill/>
+              </a:ln>
+              <a:solidFill>
+                <a:prstClr val="white"/>
+              </a:solidFill>
+              <a:effectLst/>
+              <a:uLnTx/>
+              <a:uFillTx/>
+              <a:latin typeface="Trebuchet MS" panose="020B0603020202020204"/>
+              <a:ea typeface="+mn-ea"/>
+              <a:cs typeface="+mn-cs"/>
+            </a:endParaRPr>
+          </a:p>
+        </p:txBody>
+      </p:sp>
+      <p:sp>
+        <p:nvSpPr>
+          <p:cNvPr id="52" name="Rectangle 51">
+            <a:extLst>
+              <a:ext uri="{FF2B5EF4-FFF2-40B4-BE49-F238E27FC236}">
+                <a16:creationId xmlns:a16="http://schemas.microsoft.com/office/drawing/2014/main" id="{EFD6062E-CC9E-403D-9379-449DE478522D}"/>
+              </a:ext>
+            </a:extLst>
+          </p:cNvPr>
+          <p:cNvSpPr/>
+          <p:nvPr/>
+        </p:nvSpPr>
+        <p:spPr>
+          <a:xfrm>
+            <a:off x="11606255" y="435163"/>
+            <a:ext cx="104775" cy="3997464"/>
+          </a:xfrm>
+          <a:prstGeom prst="rect">
+            <a:avLst/>
+          </a:prstGeom>
+          <a:solidFill>
+            <a:srgbClr val="A8135A"/>
+          </a:solidFill>
+          <a:ln>
+            <a:solidFill>
+              <a:schemeClr val="bg1"/>
+            </a:solidFill>
+          </a:ln>
+        </p:spPr>
+        <p:style>
+          <a:lnRef idx="2">
+            <a:schemeClr val="accent1">
+              <a:shade val="50000"/>
+            </a:schemeClr>
+          </a:lnRef>
+          <a:fillRef idx="1">
+            <a:schemeClr val="accent1"/>
+          </a:fillRef>
+          <a:effectRef idx="0">
+            <a:schemeClr val="accent1"/>
+          </a:effectRef>
+          <a:fontRef idx="minor">
+            <a:schemeClr val="lt1"/>
+          </a:fontRef>
+        </p:style>
+        <p:txBody>
+          <a:bodyPr rtlCol="0" anchor="ctr"/>
+          <a:lstStyle/>
+          <a:p>
+            <a:pPr marL="0" marR="0" lvl="0" indent="0" algn="ctr" defTabSz="457200" rtl="0" eaLnBrk="1" fontAlgn="auto" latinLnBrk="0" hangingPunct="1">
+              <a:lnSpc>
+                <a:spcPct val="100000"/>
+              </a:lnSpc>
+              <a:spcBef>
+                <a:spcPts val="0"/>
+              </a:spcBef>
+              <a:spcAft>
+                <a:spcPts val="0"/>
+              </a:spcAft>
+              <a:buClrTx/>
+              <a:buSzTx/>
+              <a:buFontTx/>
+              <a:buNone/>
+              <a:tabLst/>
+              <a:defRPr/>
+            </a:pPr>
+            <a:endParaRPr kumimoji="0" lang="fr-FR" sz="1800" b="0" i="0" u="none" strike="noStrike" kern="1200" cap="none" spc="0" normalizeH="0" baseline="0" noProof="0" dirty="0">
+              <a:ln>
+                <a:noFill/>
+              </a:ln>
+              <a:solidFill>
+                <a:prstClr val="white"/>
+              </a:solidFill>
+              <a:effectLst/>
+              <a:uLnTx/>
+              <a:uFillTx/>
+              <a:latin typeface="Trebuchet MS" panose="020B0603020202020204"/>
+              <a:ea typeface="+mn-ea"/>
+              <a:cs typeface="+mn-cs"/>
+            </a:endParaRPr>
+          </a:p>
+        </p:txBody>
+      </p:sp>
+      <p:sp>
+        <p:nvSpPr>
+          <p:cNvPr id="53" name="Ellipse 52">
+            <a:extLst>
+              <a:ext uri="{FF2B5EF4-FFF2-40B4-BE49-F238E27FC236}">
+                <a16:creationId xmlns:a16="http://schemas.microsoft.com/office/drawing/2014/main" id="{8B438328-6452-44D8-BB38-9EC59F8920E3}"/>
+              </a:ext>
+            </a:extLst>
+          </p:cNvPr>
+          <p:cNvSpPr/>
+          <p:nvPr/>
+        </p:nvSpPr>
+        <p:spPr>
+          <a:xfrm>
+            <a:off x="11384190" y="31269"/>
+            <a:ext cx="564118" cy="542925"/>
+          </a:xfrm>
+          <a:prstGeom prst="ellipse">
+            <a:avLst/>
+          </a:prstGeom>
+          <a:solidFill>
+            <a:srgbClr val="A8135A"/>
+          </a:solidFill>
+          <a:ln>
+            <a:solidFill>
+              <a:schemeClr val="bg1"/>
+            </a:solidFill>
+          </a:ln>
+        </p:spPr>
+        <p:style>
+          <a:lnRef idx="2">
+            <a:schemeClr val="accent1">
+              <a:shade val="50000"/>
+            </a:schemeClr>
+          </a:lnRef>
+          <a:fillRef idx="1">
+            <a:schemeClr val="accent1"/>
+          </a:fillRef>
+          <a:effectRef idx="0">
+            <a:schemeClr val="accent1"/>
+          </a:effectRef>
+          <a:fontRef idx="minor">
+            <a:schemeClr val="lt1"/>
+          </a:fontRef>
+        </p:style>
+        <p:txBody>
+          <a:bodyPr rtlCol="0" anchor="ctr"/>
+          <a:lstStyle/>
+          <a:p>
+            <a:pPr marL="0" marR="0" lvl="0" indent="0" algn="ctr" defTabSz="457200" rtl="0" eaLnBrk="1" fontAlgn="auto" latinLnBrk="0" hangingPunct="1">
+              <a:lnSpc>
+                <a:spcPct val="100000"/>
+              </a:lnSpc>
+              <a:spcBef>
+                <a:spcPts val="0"/>
+              </a:spcBef>
+              <a:spcAft>
+                <a:spcPts val="0"/>
+              </a:spcAft>
+              <a:buClrTx/>
+              <a:buSzTx/>
+              <a:buFontTx/>
+              <a:buNone/>
+              <a:tabLst/>
+              <a:defRPr/>
+            </a:pPr>
+            <a:endParaRPr kumimoji="0" lang="fr-FR" sz="1800" b="0" i="0" u="none" strike="noStrike" kern="1200" cap="none" spc="0" normalizeH="0" baseline="0" noProof="0">
+              <a:ln>
+                <a:noFill/>
+              </a:ln>
+              <a:solidFill>
+                <a:prstClr val="white"/>
+              </a:solidFill>
+              <a:effectLst/>
+              <a:uLnTx/>
+              <a:uFillTx/>
+              <a:latin typeface="Trebuchet MS" panose="020B0603020202020204"/>
+              <a:ea typeface="+mn-ea"/>
+              <a:cs typeface="+mn-cs"/>
+            </a:endParaRPr>
+          </a:p>
+        </p:txBody>
+      </p:sp>
+      <p:sp>
+        <p:nvSpPr>
+          <p:cNvPr id="54" name="Ellipse 53">
+            <a:extLst>
+              <a:ext uri="{FF2B5EF4-FFF2-40B4-BE49-F238E27FC236}">
+                <a16:creationId xmlns:a16="http://schemas.microsoft.com/office/drawing/2014/main" id="{1C6507D4-C04C-46DA-A461-879D795AD668}"/>
+              </a:ext>
+            </a:extLst>
+          </p:cNvPr>
+          <p:cNvSpPr/>
+          <p:nvPr/>
+        </p:nvSpPr>
+        <p:spPr>
+          <a:xfrm>
+            <a:off x="11384190" y="2877786"/>
+            <a:ext cx="564118" cy="542925"/>
+          </a:xfrm>
+          <a:prstGeom prst="ellipse">
+            <a:avLst/>
+          </a:prstGeom>
+          <a:solidFill>
+            <a:srgbClr val="A8135A"/>
+          </a:solidFill>
+          <a:ln>
+            <a:solidFill>
+              <a:schemeClr val="bg1"/>
+            </a:solidFill>
+          </a:ln>
+        </p:spPr>
+        <p:style>
+          <a:lnRef idx="2">
+            <a:schemeClr val="accent1">
+              <a:shade val="50000"/>
+            </a:schemeClr>
+          </a:lnRef>
+          <a:fillRef idx="1">
+            <a:schemeClr val="accent1"/>
+          </a:fillRef>
+          <a:effectRef idx="0">
+            <a:schemeClr val="accent1"/>
+          </a:effectRef>
+          <a:fontRef idx="minor">
+            <a:schemeClr val="lt1"/>
+          </a:fontRef>
+        </p:style>
+        <p:txBody>
+          <a:bodyPr rtlCol="0" anchor="ctr"/>
+          <a:lstStyle/>
+          <a:p>
+            <a:pPr marL="0" marR="0" lvl="0" indent="0" algn="ctr" defTabSz="457200" rtl="0" eaLnBrk="1" fontAlgn="auto" latinLnBrk="0" hangingPunct="1">
+              <a:lnSpc>
+                <a:spcPct val="100000"/>
+              </a:lnSpc>
+              <a:spcBef>
+                <a:spcPts val="0"/>
+              </a:spcBef>
+              <a:spcAft>
+                <a:spcPts val="0"/>
+              </a:spcAft>
+              <a:buClrTx/>
+              <a:buSzTx/>
+              <a:buFontTx/>
+              <a:buNone/>
+              <a:tabLst/>
+              <a:defRPr/>
+            </a:pPr>
+            <a:endParaRPr kumimoji="0" lang="fr-FR" sz="1800" b="0" i="0" u="none" strike="noStrike" kern="1200" cap="none" spc="0" normalizeH="0" baseline="0" noProof="0">
+              <a:ln>
+                <a:noFill/>
+              </a:ln>
+              <a:solidFill>
+                <a:prstClr val="white"/>
+              </a:solidFill>
+              <a:effectLst/>
+              <a:uLnTx/>
+              <a:uFillTx/>
+              <a:latin typeface="Trebuchet MS" panose="020B0603020202020204"/>
+              <a:ea typeface="+mn-ea"/>
+              <a:cs typeface="+mn-cs"/>
+            </a:endParaRPr>
+          </a:p>
+        </p:txBody>
+      </p:sp>
+      <p:sp>
+        <p:nvSpPr>
+          <p:cNvPr id="56" name="Titre 1">
+            <a:extLst>
+              <a:ext uri="{FF2B5EF4-FFF2-40B4-BE49-F238E27FC236}">
+                <a16:creationId xmlns:a16="http://schemas.microsoft.com/office/drawing/2014/main" id="{D4C8671B-CF90-4832-BE77-6124F044601A}"/>
+              </a:ext>
+            </a:extLst>
+          </p:cNvPr>
+          <p:cNvSpPr>
+            <a:spLocks noGrp="1"/>
+          </p:cNvSpPr>
+          <p:nvPr>
+            <p:ph type="title"/>
+          </p:nvPr>
+        </p:nvSpPr>
+        <p:spPr>
+          <a:xfrm>
+            <a:off x="685052" y="450851"/>
+            <a:ext cx="5249930" cy="1320800"/>
+          </a:xfrm>
+        </p:spPr>
+        <p:txBody>
+          <a:bodyPr anchor="ctr">
+            <a:normAutofit/>
+          </a:bodyPr>
+          <a:lstStyle/>
+          <a:p>
+            <a:r>
+              <a:rPr lang="fr-FR" dirty="0"/>
+              <a:t>Application Arduino</a:t>
+            </a:r>
+          </a:p>
+        </p:txBody>
+      </p:sp>
+    </p:spTree>
+    <p:extLst>
+      <p:ext uri="{BB962C8B-B14F-4D97-AF65-F5344CB8AC3E}">
+        <p14:creationId xmlns:p14="http://schemas.microsoft.com/office/powerpoint/2010/main" val="2593474235"/>
+      </p:ext>
+    </p:extLst>
+  </p:cSld>
+  <p:clrMapOvr>
+    <a:masterClrMapping/>
+  </p:clrMapOvr>
+  <mc:AlternateContent xmlns:mc="http://schemas.openxmlformats.org/markup-compatibility/2006" xmlns:p159="http://schemas.microsoft.com/office/powerpoint/2015/09/main">
+    <mc:Choice Requires="p159">
+      <p:transition xmlns:p14="http://schemas.microsoft.com/office/powerpoint/2010/main" spd="slow" p14:dur="2000">
+        <p159:morph option="byObject"/>
+      </p:transition>
+    </mc:Choice>
+    <mc:Fallback xmlns="">
+      <p:transition spd="slow">
+        <p:fade/>
+      </p:transition>
+    </mc:Fallback>
+  </mc:AlternateContent>
+</p:sld>
+</file>
+
+<file path=ppt/slides/slide22.xml><?xml version="1.0" encoding="utf-8"?>
 <p:sld xmlns:a="http://schemas.openxmlformats.org/drawingml/2006/main" xmlns:r="http://schemas.openxmlformats.org/officeDocument/2006/relationships" xmlns:p="http://schemas.openxmlformats.org/presentationml/2006/main">
   <p:cSld>
     <p:spTree>
@@ -33207,7 +33448,7 @@
 </p:sld>
 </file>
 
-<file path=ppt/slides/slide21.xml><?xml version="1.0" encoding="utf-8"?>
+<file path=ppt/slides/slide23.xml><?xml version="1.0" encoding="utf-8"?>
 <p:sld xmlns:a="http://schemas.openxmlformats.org/drawingml/2006/main" xmlns:r="http://schemas.openxmlformats.org/officeDocument/2006/relationships" xmlns:p="http://schemas.openxmlformats.org/presentationml/2006/main">
   <p:cSld>
     <p:spTree>
@@ -35234,7 +35475,7 @@
 </p:sld>
 </file>
 
-<file path=ppt/slides/slide22.xml><?xml version="1.0" encoding="utf-8"?>
+<file path=ppt/slides/slide24.xml><?xml version="1.0" encoding="utf-8"?>
 <p:sld xmlns:a="http://schemas.openxmlformats.org/drawingml/2006/main" xmlns:r="http://schemas.openxmlformats.org/officeDocument/2006/relationships" xmlns:p="http://schemas.openxmlformats.org/presentationml/2006/main">
   <p:cSld>
     <p:spTree>
@@ -38083,7 +38324,7 @@
 </p:sld>
 </file>
 
-<file path=ppt/slides/slide23.xml><?xml version="1.0" encoding="utf-8"?>
+<file path=ppt/slides/slide25.xml><?xml version="1.0" encoding="utf-8"?>
 <p:sld xmlns:a="http://schemas.openxmlformats.org/drawingml/2006/main" xmlns:r="http://schemas.openxmlformats.org/officeDocument/2006/relationships" xmlns:p="http://schemas.openxmlformats.org/presentationml/2006/main">
   <p:cSld>
     <p:spTree>
@@ -38243,7 +38484,7 @@
             <a:fld id="{D57F1E4F-1CFF-5643-939E-217C01CDF565}" type="slidenum">
               <a:rPr lang="en-US" smtClean="0"/>
               <a:pPr/>
-              <a:t>23</a:t>
+              <a:t>25</a:t>
             </a:fld>
             <a:endParaRPr lang="en-US" dirty="0"/>
           </a:p>
@@ -38262,7 +38503,7 @@
 </p:sld>
 </file>
 
-<file path=ppt/slides/slide24.xml><?xml version="1.0" encoding="utf-8"?>
+<file path=ppt/slides/slide26.xml><?xml version="1.0" encoding="utf-8"?>
 <p:sld xmlns:a="http://schemas.openxmlformats.org/drawingml/2006/main" xmlns:r="http://schemas.openxmlformats.org/officeDocument/2006/relationships" xmlns:p="http://schemas.openxmlformats.org/presentationml/2006/main">
   <p:cSld>
     <p:bg>
@@ -38506,7 +38747,7 @@
                   <a:spcPts val="600"/>
                 </a:spcAft>
               </a:pPr>
-              <a:t>24</a:t>
+              <a:t>26</a:t>
             </a:fld>
             <a:endParaRPr lang="en-US"/>
           </a:p>
@@ -39755,7 +39996,7 @@
 </p:sld>
 </file>
 
-<file path=ppt/slides/slide25.xml><?xml version="1.0" encoding="utf-8"?>
+<file path=ppt/slides/slide27.xml><?xml version="1.0" encoding="utf-8"?>
 <p:sld xmlns:a="http://schemas.openxmlformats.org/drawingml/2006/main" xmlns:r="http://schemas.openxmlformats.org/officeDocument/2006/relationships" xmlns:p="http://schemas.openxmlformats.org/presentationml/2006/main">
   <p:cSld>
     <p:spTree>
@@ -39829,7 +40070,7 @@
             <a:fld id="{D57F1E4F-1CFF-5643-939E-217C01CDF565}" type="slidenum">
               <a:rPr lang="en-US" smtClean="0"/>
               <a:pPr/>
-              <a:t>25</a:t>
+              <a:t>27</a:t>
             </a:fld>
             <a:endParaRPr lang="en-US" dirty="0"/>
           </a:p>
@@ -41190,7 +41431,7 @@
 </p:sld>
 </file>
 
-<file path=ppt/slides/slide26.xml><?xml version="1.0" encoding="utf-8"?>
+<file path=ppt/slides/slide28.xml><?xml version="1.0" encoding="utf-8"?>
 <p:sld xmlns:a="http://schemas.openxmlformats.org/drawingml/2006/main" xmlns:r="http://schemas.openxmlformats.org/officeDocument/2006/relationships" xmlns:p="http://schemas.openxmlformats.org/presentationml/2006/main">
   <p:cSld>
     <p:spTree>
@@ -41259,7 +41500,7 @@
             <a:fld id="{D57F1E4F-1CFF-5643-939E-217C01CDF565}" type="slidenum">
               <a:rPr lang="en-US" smtClean="0"/>
               <a:pPr/>
-              <a:t>26</a:t>
+              <a:t>28</a:t>
             </a:fld>
             <a:endParaRPr lang="en-US" dirty="0"/>
           </a:p>
@@ -50306,7 +50547,7 @@
           <p:cNvPr id="2" name="Titre 1">
             <a:extLst>
               <a:ext uri="{FF2B5EF4-FFF2-40B4-BE49-F238E27FC236}">
-                <a16:creationId xmlns:a16="http://schemas.microsoft.com/office/drawing/2014/main" id="{070F34AC-0F8F-4CB9-B05D-9FC32D9B1C8C}"/>
+                <a16:creationId xmlns:a16="http://schemas.microsoft.com/office/drawing/2014/main" id="{B89EF563-3285-4B78-8855-47022F6575E3}"/>
               </a:ext>
             </a:extLst>
           </p:cNvPr>
@@ -50317,22 +50558,81 @@
             <p:ph type="title"/>
           </p:nvPr>
         </p:nvSpPr>
-        <p:spPr>
-          <a:xfrm>
-            <a:off x="296381" y="330925"/>
-            <a:ext cx="5277105" cy="780288"/>
-          </a:xfrm>
-        </p:spPr>
-        <p:txBody>
-          <a:bodyPr>
-            <a:normAutofit fontScale="90000"/>
-          </a:bodyPr>
+        <p:spPr/>
+        <p:txBody>
+          <a:bodyPr/>
           <a:lstStyle/>
           <a:p>
             <a:r>
               <a:rPr lang="fr-FR" dirty="0"/>
-              <a:t>Présentation des pages web</a:t>
+              <a:t>Matériels utilisés</a:t>
             </a:r>
+          </a:p>
+        </p:txBody>
+      </p:sp>
+      <p:sp>
+        <p:nvSpPr>
+          <p:cNvPr id="3" name="Espace réservé du contenu 2">
+            <a:extLst>
+              <a:ext uri="{FF2B5EF4-FFF2-40B4-BE49-F238E27FC236}">
+                <a16:creationId xmlns:a16="http://schemas.microsoft.com/office/drawing/2014/main" id="{FD410F9A-54D3-4540-B988-A0438D2771E9}"/>
+              </a:ext>
+            </a:extLst>
+          </p:cNvPr>
+          <p:cNvSpPr>
+            <a:spLocks noGrp="1"/>
+          </p:cNvSpPr>
+          <p:nvPr>
+            <p:ph idx="1"/>
+          </p:nvPr>
+        </p:nvSpPr>
+        <p:spPr/>
+        <p:txBody>
+          <a:bodyPr/>
+          <a:lstStyle/>
+          <a:p>
+            <a:r>
+              <a:rPr lang="fr-FR" dirty="0" err="1"/>
+              <a:t>Netbeans</a:t>
+            </a:r>
+            <a:r>
+              <a:rPr lang="fr-FR" dirty="0"/>
+              <a:t> -&gt;Simple, intuitif et gratuit. </a:t>
+            </a:r>
+            <a:r>
+              <a:rPr lang="fr-FR" dirty="0" err="1"/>
+              <a:t>multiplatforme</a:t>
+            </a:r>
+            <a:endParaRPr lang="fr-FR" dirty="0"/>
+          </a:p>
+          <a:p>
+            <a:pPr fontAlgn="ctr"/>
+            <a:r>
+              <a:rPr lang="fr-FR" dirty="0" err="1"/>
+              <a:t>Mysql</a:t>
+            </a:r>
+            <a:r>
+              <a:rPr lang="fr-FR" dirty="0"/>
+              <a:t> -&gt; </a:t>
+            </a:r>
+            <a:r>
+              <a:rPr lang="fr-FR" b="1" dirty="0"/>
+              <a:t>Open Source, Facile, rapide et performant, Cross Platform, Sécurité des données</a:t>
+            </a:r>
+            <a:endParaRPr lang="fr-FR" dirty="0"/>
+          </a:p>
+          <a:p>
+            <a:r>
+              <a:rPr lang="fr-FR" dirty="0" err="1"/>
+              <a:t>Wampserver</a:t>
+            </a:r>
+            <a:r>
+              <a:rPr lang="fr-FR" dirty="0"/>
+              <a:t>-&gt;</a:t>
+            </a:r>
+          </a:p>
+          <a:p>
+            <a:endParaRPr lang="fr-FR" dirty="0"/>
           </a:p>
         </p:txBody>
       </p:sp>
@@ -50341,7 +50641,7 @@
           <p:cNvPr id="4" name="Espace réservé du numéro de diapositive 3">
             <a:extLst>
               <a:ext uri="{FF2B5EF4-FFF2-40B4-BE49-F238E27FC236}">
-                <a16:creationId xmlns:a16="http://schemas.microsoft.com/office/drawing/2014/main" id="{13B4D456-49F4-4616-93C3-CF785872F058}"/>
+                <a16:creationId xmlns:a16="http://schemas.microsoft.com/office/drawing/2014/main" id="{332E4D36-1B5A-4B4E-B13D-234F2B631C4E}"/>
               </a:ext>
             </a:extLst>
           </p:cNvPr>
@@ -50361,6 +50661,101 @@
               <a:rPr lang="en-US" smtClean="0"/>
               <a:pPr/>
               <a:t>8</a:t>
+            </a:fld>
+            <a:endParaRPr lang="en-US" dirty="0"/>
+          </a:p>
+        </p:txBody>
+      </p:sp>
+    </p:spTree>
+    <p:extLst>
+      <p:ext uri="{BB962C8B-B14F-4D97-AF65-F5344CB8AC3E}">
+        <p14:creationId xmlns:p14="http://schemas.microsoft.com/office/powerpoint/2010/main" val="2499758676"/>
+      </p:ext>
+    </p:extLst>
+  </p:cSld>
+  <p:clrMapOvr>
+    <a:masterClrMapping/>
+  </p:clrMapOvr>
+</p:sld>
+</file>
+
+<file path=ppt/slides/slide9.xml><?xml version="1.0" encoding="utf-8"?>
+<p:sld xmlns:a="http://schemas.openxmlformats.org/drawingml/2006/main" xmlns:r="http://schemas.openxmlformats.org/officeDocument/2006/relationships" xmlns:p="http://schemas.openxmlformats.org/presentationml/2006/main">
+  <p:cSld>
+    <p:spTree>
+      <p:nvGrpSpPr>
+        <p:cNvPr id="1" name=""/>
+        <p:cNvGrpSpPr/>
+        <p:nvPr/>
+      </p:nvGrpSpPr>
+      <p:grpSpPr>
+        <a:xfrm>
+          <a:off x="0" y="0"/>
+          <a:ext cx="0" cy="0"/>
+          <a:chOff x="0" y="0"/>
+          <a:chExt cx="0" cy="0"/>
+        </a:xfrm>
+      </p:grpSpPr>
+      <p:sp>
+        <p:nvSpPr>
+          <p:cNvPr id="2" name="Titre 1">
+            <a:extLst>
+              <a:ext uri="{FF2B5EF4-FFF2-40B4-BE49-F238E27FC236}">
+                <a16:creationId xmlns:a16="http://schemas.microsoft.com/office/drawing/2014/main" id="{070F34AC-0F8F-4CB9-B05D-9FC32D9B1C8C}"/>
+              </a:ext>
+            </a:extLst>
+          </p:cNvPr>
+          <p:cNvSpPr>
+            <a:spLocks noGrp="1"/>
+          </p:cNvSpPr>
+          <p:nvPr>
+            <p:ph type="title"/>
+          </p:nvPr>
+        </p:nvSpPr>
+        <p:spPr>
+          <a:xfrm>
+            <a:off x="296381" y="330925"/>
+            <a:ext cx="5277105" cy="780288"/>
+          </a:xfrm>
+        </p:spPr>
+        <p:txBody>
+          <a:bodyPr>
+            <a:normAutofit fontScale="90000"/>
+          </a:bodyPr>
+          <a:lstStyle/>
+          <a:p>
+            <a:r>
+              <a:rPr lang="fr-FR" dirty="0"/>
+              <a:t>Présentation des pages web</a:t>
+            </a:r>
+          </a:p>
+        </p:txBody>
+      </p:sp>
+      <p:sp>
+        <p:nvSpPr>
+          <p:cNvPr id="4" name="Espace réservé du numéro de diapositive 3">
+            <a:extLst>
+              <a:ext uri="{FF2B5EF4-FFF2-40B4-BE49-F238E27FC236}">
+                <a16:creationId xmlns:a16="http://schemas.microsoft.com/office/drawing/2014/main" id="{13B4D456-49F4-4616-93C3-CF785872F058}"/>
+              </a:ext>
+            </a:extLst>
+          </p:cNvPr>
+          <p:cNvSpPr>
+            <a:spLocks noGrp="1"/>
+          </p:cNvSpPr>
+          <p:nvPr>
+            <p:ph type="sldNum" sz="quarter" idx="12"/>
+          </p:nvPr>
+        </p:nvSpPr>
+        <p:spPr/>
+        <p:txBody>
+          <a:bodyPr/>
+          <a:lstStyle/>
+          <a:p>
+            <a:fld id="{D57F1E4F-1CFF-5643-939E-217C01CDF565}" type="slidenum">
+              <a:rPr lang="en-US" smtClean="0"/>
+              <a:pPr/>
+              <a:t>9</a:t>
             </a:fld>
             <a:endParaRPr lang="en-US" dirty="0"/>
           </a:p>
@@ -52386,126 +52781,6 @@
       </p:transition>
     </mc:Fallback>
   </mc:AlternateContent>
-</p:sld>
-</file>
-
-<file path=ppt/slides/slide9.xml><?xml version="1.0" encoding="utf-8"?>
-<p:sld xmlns:a="http://schemas.openxmlformats.org/drawingml/2006/main" xmlns:r="http://schemas.openxmlformats.org/officeDocument/2006/relationships" xmlns:p="http://schemas.openxmlformats.org/presentationml/2006/main">
-  <p:cSld>
-    <p:spTree>
-      <p:nvGrpSpPr>
-        <p:cNvPr id="1" name=""/>
-        <p:cNvGrpSpPr/>
-        <p:nvPr/>
-      </p:nvGrpSpPr>
-      <p:grpSpPr>
-        <a:xfrm>
-          <a:off x="0" y="0"/>
-          <a:ext cx="0" cy="0"/>
-          <a:chOff x="0" y="0"/>
-          <a:chExt cx="0" cy="0"/>
-        </a:xfrm>
-      </p:grpSpPr>
-      <p:sp>
-        <p:nvSpPr>
-          <p:cNvPr id="2" name="Titre 1">
-            <a:extLst>
-              <a:ext uri="{FF2B5EF4-FFF2-40B4-BE49-F238E27FC236}">
-                <a16:creationId xmlns:a16="http://schemas.microsoft.com/office/drawing/2014/main" id="{B6090E45-0338-490F-A7CB-9A396C31BDA9}"/>
-              </a:ext>
-            </a:extLst>
-          </p:cNvPr>
-          <p:cNvSpPr>
-            <a:spLocks noGrp="1"/>
-          </p:cNvSpPr>
-          <p:nvPr>
-            <p:ph type="title"/>
-          </p:nvPr>
-        </p:nvSpPr>
-        <p:spPr/>
-        <p:txBody>
-          <a:bodyPr/>
-          <a:lstStyle/>
-          <a:p>
-            <a:r>
-              <a:rPr lang="fr-FR" dirty="0"/>
-              <a:t>Diagramme de séquence</a:t>
-            </a:r>
-          </a:p>
-        </p:txBody>
-      </p:sp>
-      <p:pic>
-        <p:nvPicPr>
-          <p:cNvPr id="5" name="Espace réservé du contenu 4">
-            <a:extLst>
-              <a:ext uri="{FF2B5EF4-FFF2-40B4-BE49-F238E27FC236}">
-                <a16:creationId xmlns:a16="http://schemas.microsoft.com/office/drawing/2014/main" id="{6B529675-99F3-419C-98D2-20E373726325}"/>
-              </a:ext>
-            </a:extLst>
-          </p:cNvPr>
-          <p:cNvPicPr>
-            <a:picLocks noGrp="1" noChangeAspect="1"/>
-          </p:cNvPicPr>
-          <p:nvPr>
-            <p:ph idx="1"/>
-          </p:nvPr>
-        </p:nvPicPr>
-        <p:blipFill>
-          <a:blip r:embed="rId2"/>
-          <a:stretch>
-            <a:fillRect/>
-          </a:stretch>
-        </p:blipFill>
-        <p:spPr>
-          <a:xfrm>
-            <a:off x="1358625" y="2160588"/>
-            <a:ext cx="7234787" cy="3881437"/>
-          </a:xfrm>
-          <a:prstGeom prst="rect">
-            <a:avLst/>
-          </a:prstGeom>
-        </p:spPr>
-      </p:pic>
-      <p:sp>
-        <p:nvSpPr>
-          <p:cNvPr id="4" name="Espace réservé du numéro de diapositive 3">
-            <a:extLst>
-              <a:ext uri="{FF2B5EF4-FFF2-40B4-BE49-F238E27FC236}">
-                <a16:creationId xmlns:a16="http://schemas.microsoft.com/office/drawing/2014/main" id="{51C27953-2B2B-465D-A934-4E56C3122A79}"/>
-              </a:ext>
-            </a:extLst>
-          </p:cNvPr>
-          <p:cNvSpPr>
-            <a:spLocks noGrp="1"/>
-          </p:cNvSpPr>
-          <p:nvPr>
-            <p:ph type="sldNum" sz="quarter" idx="12"/>
-          </p:nvPr>
-        </p:nvSpPr>
-        <p:spPr/>
-        <p:txBody>
-          <a:bodyPr/>
-          <a:lstStyle/>
-          <a:p>
-            <a:fld id="{D57F1E4F-1CFF-5643-939E-217C01CDF565}" type="slidenum">
-              <a:rPr lang="en-US" smtClean="0"/>
-              <a:pPr/>
-              <a:t>9</a:t>
-            </a:fld>
-            <a:endParaRPr lang="en-US" dirty="0"/>
-          </a:p>
-        </p:txBody>
-      </p:sp>
-    </p:spTree>
-    <p:extLst>
-      <p:ext uri="{BB962C8B-B14F-4D97-AF65-F5344CB8AC3E}">
-        <p14:creationId xmlns:p14="http://schemas.microsoft.com/office/powerpoint/2010/main" val="349222349"/>
-      </p:ext>
-    </p:extLst>
-  </p:cSld>
-  <p:clrMapOvr>
-    <a:masterClrMapping/>
-  </p:clrMapOvr>
 </p:sld>
 </file>
 

--- a/Cyril/Diapositives/Projet Théléton REVUE 2.pptx
+++ b/Cyril/Diapositives/Projet Théléton REVUE 2.pptx
@@ -17,11 +17,11 @@
     <p:sldId id="258" r:id="rId8"/>
     <p:sldId id="290" r:id="rId9"/>
     <p:sldId id="274" r:id="rId10"/>
-    <p:sldId id="289" r:id="rId11"/>
-    <p:sldId id="273" r:id="rId12"/>
-    <p:sldId id="272" r:id="rId13"/>
-    <p:sldId id="277" r:id="rId14"/>
-    <p:sldId id="279" r:id="rId15"/>
+    <p:sldId id="273" r:id="rId11"/>
+    <p:sldId id="272" r:id="rId12"/>
+    <p:sldId id="277" r:id="rId13"/>
+    <p:sldId id="279" r:id="rId14"/>
+    <p:sldId id="289" r:id="rId15"/>
     <p:sldId id="278" r:id="rId16"/>
     <p:sldId id="280" r:id="rId17"/>
     <p:sldId id="281" r:id="rId18"/>
@@ -145,6 +145,6030 @@
 </p:presentation>
 </file>
 
+<file path=ppt/diagrams/colors1.xml><?xml version="1.0" encoding="utf-8"?>
+<dgm:colorsDef xmlns:dgm="http://schemas.openxmlformats.org/drawingml/2006/diagram" xmlns:a="http://schemas.openxmlformats.org/drawingml/2006/main" uniqueId="urn:microsoft.com/office/officeart/2005/8/colors/accent2_2">
+  <dgm:title val=""/>
+  <dgm:desc val=""/>
+  <dgm:catLst>
+    <dgm:cat type="accent2" pri="11200"/>
+  </dgm:catLst>
+  <dgm:styleLbl name="node0">
+    <dgm:fillClrLst meth="repeat">
+      <a:schemeClr val="accent2"/>
+    </dgm:fillClrLst>
+    <dgm:linClrLst meth="repeat">
+      <a:schemeClr val="lt1"/>
+    </dgm:linClrLst>
+    <dgm:effectClrLst/>
+    <dgm:txLinClrLst/>
+    <dgm:txFillClrLst/>
+    <dgm:txEffectClrLst/>
+  </dgm:styleLbl>
+  <dgm:styleLbl name="node1">
+    <dgm:fillClrLst meth="repeat">
+      <a:schemeClr val="accent2"/>
+    </dgm:fillClrLst>
+    <dgm:linClrLst meth="repeat">
+      <a:schemeClr val="lt1"/>
+    </dgm:linClrLst>
+    <dgm:effectClrLst/>
+    <dgm:txLinClrLst/>
+    <dgm:txFillClrLst/>
+    <dgm:txEffectClrLst/>
+  </dgm:styleLbl>
+  <dgm:styleLbl name="alignNode1">
+    <dgm:fillClrLst meth="repeat">
+      <a:schemeClr val="accent2"/>
+    </dgm:fillClrLst>
+    <dgm:linClrLst meth="repeat">
+      <a:schemeClr val="accent2"/>
+    </dgm:linClrLst>
+    <dgm:effectClrLst/>
+    <dgm:txLinClrLst/>
+    <dgm:txFillClrLst/>
+    <dgm:txEffectClrLst/>
+  </dgm:styleLbl>
+  <dgm:styleLbl name="lnNode1">
+    <dgm:fillClrLst meth="repeat">
+      <a:schemeClr val="accent2"/>
+    </dgm:fillClrLst>
+    <dgm:linClrLst meth="repeat">
+      <a:schemeClr val="lt1"/>
+    </dgm:linClrLst>
+    <dgm:effectClrLst/>
+    <dgm:txLinClrLst/>
+    <dgm:txFillClrLst/>
+    <dgm:txEffectClrLst/>
+  </dgm:styleLbl>
+  <dgm:styleLbl name="vennNode1">
+    <dgm:fillClrLst meth="repeat">
+      <a:schemeClr val="accent2">
+        <a:alpha val="50000"/>
+      </a:schemeClr>
+    </dgm:fillClrLst>
+    <dgm:linClrLst meth="repeat">
+      <a:schemeClr val="lt1"/>
+    </dgm:linClrLst>
+    <dgm:effectClrLst/>
+    <dgm:txLinClrLst/>
+    <dgm:txFillClrLst/>
+    <dgm:txEffectClrLst/>
+  </dgm:styleLbl>
+  <dgm:styleLbl name="node2">
+    <dgm:fillClrLst meth="repeat">
+      <a:schemeClr val="accent2"/>
+    </dgm:fillClrLst>
+    <dgm:linClrLst meth="repeat">
+      <a:schemeClr val="lt1"/>
+    </dgm:linClrLst>
+    <dgm:effectClrLst/>
+    <dgm:txLinClrLst/>
+    <dgm:txFillClrLst/>
+    <dgm:txEffectClrLst/>
+  </dgm:styleLbl>
+  <dgm:styleLbl name="node3">
+    <dgm:fillClrLst meth="repeat">
+      <a:schemeClr val="accent2"/>
+    </dgm:fillClrLst>
+    <dgm:linClrLst meth="repeat">
+      <a:schemeClr val="lt1"/>
+    </dgm:linClrLst>
+    <dgm:effectClrLst/>
+    <dgm:txLinClrLst/>
+    <dgm:txFillClrLst/>
+    <dgm:txEffectClrLst/>
+  </dgm:styleLbl>
+  <dgm:styleLbl name="node4">
+    <dgm:fillClrLst meth="repeat">
+      <a:schemeClr val="accent2"/>
+    </dgm:fillClrLst>
+    <dgm:linClrLst meth="repeat">
+      <a:schemeClr val="lt1"/>
+    </dgm:linClrLst>
+    <dgm:effectClrLst/>
+    <dgm:txLinClrLst/>
+    <dgm:txFillClrLst/>
+    <dgm:txEffectClrLst/>
+  </dgm:styleLbl>
+  <dgm:styleLbl name="fgImgPlace1">
+    <dgm:fillClrLst meth="repeat">
+      <a:schemeClr val="accent2">
+        <a:tint val="50000"/>
+      </a:schemeClr>
+    </dgm:fillClrLst>
+    <dgm:linClrLst meth="repeat">
+      <a:schemeClr val="lt1"/>
+    </dgm:linClrLst>
+    <dgm:effectClrLst/>
+    <dgm:txLinClrLst/>
+    <dgm:txFillClrLst meth="repeat">
+      <a:schemeClr val="lt1"/>
+    </dgm:txFillClrLst>
+    <dgm:txEffectClrLst/>
+  </dgm:styleLbl>
+  <dgm:styleLbl name="alignImgPlace1">
+    <dgm:fillClrLst meth="repeat">
+      <a:schemeClr val="accent2">
+        <a:tint val="50000"/>
+      </a:schemeClr>
+    </dgm:fillClrLst>
+    <dgm:linClrLst meth="repeat">
+      <a:schemeClr val="lt1"/>
+    </dgm:linClrLst>
+    <dgm:effectClrLst/>
+    <dgm:txLinClrLst/>
+    <dgm:txFillClrLst meth="repeat">
+      <a:schemeClr val="lt1"/>
+    </dgm:txFillClrLst>
+    <dgm:txEffectClrLst/>
+  </dgm:styleLbl>
+  <dgm:styleLbl name="bgImgPlace1">
+    <dgm:fillClrLst meth="repeat">
+      <a:schemeClr val="accent2">
+        <a:tint val="50000"/>
+      </a:schemeClr>
+    </dgm:fillClrLst>
+    <dgm:linClrLst meth="repeat">
+      <a:schemeClr val="lt1"/>
+    </dgm:linClrLst>
+    <dgm:effectClrLst/>
+    <dgm:txLinClrLst/>
+    <dgm:txFillClrLst meth="repeat">
+      <a:schemeClr val="lt1"/>
+    </dgm:txFillClrLst>
+    <dgm:txEffectClrLst/>
+  </dgm:styleLbl>
+  <dgm:styleLbl name="sibTrans2D1">
+    <dgm:fillClrLst meth="repeat">
+      <a:schemeClr val="accent2">
+        <a:tint val="60000"/>
+      </a:schemeClr>
+    </dgm:fillClrLst>
+    <dgm:linClrLst meth="repeat">
+      <a:schemeClr val="accent2">
+        <a:tint val="60000"/>
+      </a:schemeClr>
+    </dgm:linClrLst>
+    <dgm:effectClrLst/>
+    <dgm:txLinClrLst/>
+    <dgm:txFillClrLst/>
+    <dgm:txEffectClrLst/>
+  </dgm:styleLbl>
+  <dgm:styleLbl name="fgSibTrans2D1">
+    <dgm:fillClrLst meth="repeat">
+      <a:schemeClr val="accent2">
+        <a:tint val="60000"/>
+      </a:schemeClr>
+    </dgm:fillClrLst>
+    <dgm:linClrLst meth="repeat">
+      <a:schemeClr val="accent2">
+        <a:tint val="60000"/>
+      </a:schemeClr>
+    </dgm:linClrLst>
+    <dgm:effectClrLst/>
+    <dgm:txLinClrLst/>
+    <dgm:txFillClrLst/>
+    <dgm:txEffectClrLst/>
+  </dgm:styleLbl>
+  <dgm:styleLbl name="bgSibTrans2D1">
+    <dgm:fillClrLst meth="repeat">
+      <a:schemeClr val="accent2">
+        <a:tint val="60000"/>
+      </a:schemeClr>
+    </dgm:fillClrLst>
+    <dgm:linClrLst meth="repeat">
+      <a:schemeClr val="accent2">
+        <a:tint val="60000"/>
+      </a:schemeClr>
+    </dgm:linClrLst>
+    <dgm:effectClrLst/>
+    <dgm:txLinClrLst/>
+    <dgm:txFillClrLst/>
+    <dgm:txEffectClrLst/>
+  </dgm:styleLbl>
+  <dgm:styleLbl name="sibTrans1D1">
+    <dgm:fillClrLst meth="repeat">
+      <a:schemeClr val="accent2"/>
+    </dgm:fillClrLst>
+    <dgm:linClrLst meth="repeat">
+      <a:schemeClr val="accent2"/>
+    </dgm:linClrLst>
+    <dgm:effectClrLst/>
+    <dgm:txLinClrLst/>
+    <dgm:txFillClrLst meth="repeat">
+      <a:schemeClr val="tx1"/>
+    </dgm:txFillClrLst>
+    <dgm:txEffectClrLst/>
+  </dgm:styleLbl>
+  <dgm:styleLbl name="callout">
+    <dgm:fillClrLst meth="repeat">
+      <a:schemeClr val="accent2"/>
+    </dgm:fillClrLst>
+    <dgm:linClrLst meth="repeat">
+      <a:schemeClr val="accent2">
+        <a:tint val="50000"/>
+      </a:schemeClr>
+    </dgm:linClrLst>
+    <dgm:effectClrLst/>
+    <dgm:txLinClrLst/>
+    <dgm:txFillClrLst meth="repeat">
+      <a:schemeClr val="tx1"/>
+    </dgm:txFillClrLst>
+    <dgm:txEffectClrLst/>
+  </dgm:styleLbl>
+  <dgm:styleLbl name="asst0">
+    <dgm:fillClrLst meth="repeat">
+      <a:schemeClr val="accent2"/>
+    </dgm:fillClrLst>
+    <dgm:linClrLst meth="repeat">
+      <a:schemeClr val="lt1"/>
+    </dgm:linClrLst>
+    <dgm:effectClrLst/>
+    <dgm:txLinClrLst/>
+    <dgm:txFillClrLst/>
+    <dgm:txEffectClrLst/>
+  </dgm:styleLbl>
+  <dgm:styleLbl name="asst1">
+    <dgm:fillClrLst meth="repeat">
+      <a:schemeClr val="accent2"/>
+    </dgm:fillClrLst>
+    <dgm:linClrLst meth="repeat">
+      <a:schemeClr val="lt1"/>
+    </dgm:linClrLst>
+    <dgm:effectClrLst/>
+    <dgm:txLinClrLst/>
+    <dgm:txFillClrLst/>
+    <dgm:txEffectClrLst/>
+  </dgm:styleLbl>
+  <dgm:styleLbl name="asst2">
+    <dgm:fillClrLst meth="repeat">
+      <a:schemeClr val="accent2"/>
+    </dgm:fillClrLst>
+    <dgm:linClrLst meth="repeat">
+      <a:schemeClr val="lt1"/>
+    </dgm:linClrLst>
+    <dgm:effectClrLst/>
+    <dgm:txLinClrLst/>
+    <dgm:txFillClrLst/>
+    <dgm:txEffectClrLst/>
+  </dgm:styleLbl>
+  <dgm:styleLbl name="asst3">
+    <dgm:fillClrLst meth="repeat">
+      <a:schemeClr val="accent2"/>
+    </dgm:fillClrLst>
+    <dgm:linClrLst meth="repeat">
+      <a:schemeClr val="lt1"/>
+    </dgm:linClrLst>
+    <dgm:effectClrLst/>
+    <dgm:txLinClrLst/>
+    <dgm:txFillClrLst/>
+    <dgm:txEffectClrLst/>
+  </dgm:styleLbl>
+  <dgm:styleLbl name="asst4">
+    <dgm:fillClrLst meth="repeat">
+      <a:schemeClr val="accent2"/>
+    </dgm:fillClrLst>
+    <dgm:linClrLst meth="repeat">
+      <a:schemeClr val="lt1"/>
+    </dgm:linClrLst>
+    <dgm:effectClrLst/>
+    <dgm:txLinClrLst/>
+    <dgm:txFillClrLst/>
+    <dgm:txEffectClrLst/>
+  </dgm:styleLbl>
+  <dgm:styleLbl name="parChTrans2D1">
+    <dgm:fillClrLst meth="repeat">
+      <a:schemeClr val="accent2">
+        <a:tint val="60000"/>
+      </a:schemeClr>
+    </dgm:fillClrLst>
+    <dgm:linClrLst meth="repeat">
+      <a:schemeClr val="accent2">
+        <a:tint val="60000"/>
+      </a:schemeClr>
+    </dgm:linClrLst>
+    <dgm:effectClrLst/>
+    <dgm:txLinClrLst/>
+    <dgm:txFillClrLst meth="repeat">
+      <a:schemeClr val="lt1"/>
+    </dgm:txFillClrLst>
+    <dgm:txEffectClrLst/>
+  </dgm:styleLbl>
+  <dgm:styleLbl name="parChTrans2D2">
+    <dgm:fillClrLst meth="repeat">
+      <a:schemeClr val="accent2"/>
+    </dgm:fillClrLst>
+    <dgm:linClrLst meth="repeat">
+      <a:schemeClr val="accent2"/>
+    </dgm:linClrLst>
+    <dgm:effectClrLst/>
+    <dgm:txLinClrLst/>
+    <dgm:txFillClrLst meth="repeat">
+      <a:schemeClr val="lt1"/>
+    </dgm:txFillClrLst>
+    <dgm:txEffectClrLst/>
+  </dgm:styleLbl>
+  <dgm:styleLbl name="parChTrans2D3">
+    <dgm:fillClrLst meth="repeat">
+      <a:schemeClr val="accent2"/>
+    </dgm:fillClrLst>
+    <dgm:linClrLst meth="repeat">
+      <a:schemeClr val="accent2"/>
+    </dgm:linClrLst>
+    <dgm:effectClrLst/>
+    <dgm:txLinClrLst/>
+    <dgm:txFillClrLst meth="repeat">
+      <a:schemeClr val="lt1"/>
+    </dgm:txFillClrLst>
+    <dgm:txEffectClrLst/>
+  </dgm:styleLbl>
+  <dgm:styleLbl name="parChTrans2D4">
+    <dgm:fillClrLst meth="repeat">
+      <a:schemeClr val="accent2"/>
+    </dgm:fillClrLst>
+    <dgm:linClrLst meth="repeat">
+      <a:schemeClr val="accent2"/>
+    </dgm:linClrLst>
+    <dgm:effectClrLst/>
+    <dgm:txLinClrLst/>
+    <dgm:txFillClrLst meth="repeat">
+      <a:schemeClr val="lt1"/>
+    </dgm:txFillClrLst>
+    <dgm:txEffectClrLst/>
+  </dgm:styleLbl>
+  <dgm:styleLbl name="parChTrans1D1">
+    <dgm:fillClrLst meth="repeat">
+      <a:schemeClr val="accent2"/>
+    </dgm:fillClrLst>
+    <dgm:linClrLst meth="repeat">
+      <a:schemeClr val="accent2">
+        <a:shade val="60000"/>
+      </a:schemeClr>
+    </dgm:linClrLst>
+    <dgm:effectClrLst/>
+    <dgm:txLinClrLst/>
+    <dgm:txFillClrLst meth="repeat">
+      <a:schemeClr val="tx1"/>
+    </dgm:txFillClrLst>
+    <dgm:txEffectClrLst/>
+  </dgm:styleLbl>
+  <dgm:styleLbl name="parChTrans1D2">
+    <dgm:fillClrLst meth="repeat">
+      <a:schemeClr val="accent2"/>
+    </dgm:fillClrLst>
+    <dgm:linClrLst meth="repeat">
+      <a:schemeClr val="accent2">
+        <a:shade val="60000"/>
+      </a:schemeClr>
+    </dgm:linClrLst>
+    <dgm:effectClrLst/>
+    <dgm:txLinClrLst/>
+    <dgm:txFillClrLst meth="repeat">
+      <a:schemeClr val="tx1"/>
+    </dgm:txFillClrLst>
+    <dgm:txEffectClrLst/>
+  </dgm:styleLbl>
+  <dgm:styleLbl name="parChTrans1D3">
+    <dgm:fillClrLst meth="repeat">
+      <a:schemeClr val="accent2"/>
+    </dgm:fillClrLst>
+    <dgm:linClrLst meth="repeat">
+      <a:schemeClr val="accent2">
+        <a:shade val="80000"/>
+      </a:schemeClr>
+    </dgm:linClrLst>
+    <dgm:effectClrLst/>
+    <dgm:txLinClrLst/>
+    <dgm:txFillClrLst meth="repeat">
+      <a:schemeClr val="tx1"/>
+    </dgm:txFillClrLst>
+    <dgm:txEffectClrLst/>
+  </dgm:styleLbl>
+  <dgm:styleLbl name="parChTrans1D4">
+    <dgm:fillClrLst meth="repeat">
+      <a:schemeClr val="accent2"/>
+    </dgm:fillClrLst>
+    <dgm:linClrLst meth="repeat">
+      <a:schemeClr val="accent2">
+        <a:shade val="80000"/>
+      </a:schemeClr>
+    </dgm:linClrLst>
+    <dgm:effectClrLst/>
+    <dgm:txLinClrLst/>
+    <dgm:txFillClrLst meth="repeat">
+      <a:schemeClr val="tx1"/>
+    </dgm:txFillClrLst>
+    <dgm:txEffectClrLst/>
+  </dgm:styleLbl>
+  <dgm:styleLbl name="fgAcc1">
+    <dgm:fillClrLst meth="repeat">
+      <a:schemeClr val="lt1">
+        <a:alpha val="90000"/>
+      </a:schemeClr>
+    </dgm:fillClrLst>
+    <dgm:linClrLst meth="repeat">
+      <a:schemeClr val="accent2"/>
+    </dgm:linClrLst>
+    <dgm:effectClrLst/>
+    <dgm:txLinClrLst/>
+    <dgm:txFillClrLst meth="repeat">
+      <a:schemeClr val="dk1"/>
+    </dgm:txFillClrLst>
+    <dgm:txEffectClrLst/>
+  </dgm:styleLbl>
+  <dgm:styleLbl name="conFgAcc1">
+    <dgm:fillClrLst meth="repeat">
+      <a:schemeClr val="lt1">
+        <a:alpha val="90000"/>
+      </a:schemeClr>
+    </dgm:fillClrLst>
+    <dgm:linClrLst meth="repeat">
+      <a:schemeClr val="accent2"/>
+    </dgm:linClrLst>
+    <dgm:effectClrLst/>
+    <dgm:txLinClrLst/>
+    <dgm:txFillClrLst meth="repeat">
+      <a:schemeClr val="dk1"/>
+    </dgm:txFillClrLst>
+    <dgm:txEffectClrLst/>
+  </dgm:styleLbl>
+  <dgm:styleLbl name="alignAcc1">
+    <dgm:fillClrLst meth="repeat">
+      <a:schemeClr val="lt1">
+        <a:alpha val="90000"/>
+      </a:schemeClr>
+    </dgm:fillClrLst>
+    <dgm:linClrLst meth="repeat">
+      <a:schemeClr val="accent2"/>
+    </dgm:linClrLst>
+    <dgm:effectClrLst/>
+    <dgm:txLinClrLst/>
+    <dgm:txFillClrLst meth="repeat">
+      <a:schemeClr val="dk1"/>
+    </dgm:txFillClrLst>
+    <dgm:txEffectClrLst/>
+  </dgm:styleLbl>
+  <dgm:styleLbl name="trAlignAcc1">
+    <dgm:fillClrLst meth="repeat">
+      <a:schemeClr val="lt1">
+        <a:alpha val="40000"/>
+      </a:schemeClr>
+    </dgm:fillClrLst>
+    <dgm:linClrLst meth="repeat">
+      <a:schemeClr val="accent2"/>
+    </dgm:linClrLst>
+    <dgm:effectClrLst/>
+    <dgm:txLinClrLst/>
+    <dgm:txFillClrLst meth="repeat">
+      <a:schemeClr val="dk1"/>
+    </dgm:txFillClrLst>
+    <dgm:txEffectClrLst/>
+  </dgm:styleLbl>
+  <dgm:styleLbl name="bgAcc1">
+    <dgm:fillClrLst meth="repeat">
+      <a:schemeClr val="lt1">
+        <a:alpha val="90000"/>
+      </a:schemeClr>
+    </dgm:fillClrLst>
+    <dgm:linClrLst meth="repeat">
+      <a:schemeClr val="accent2"/>
+    </dgm:linClrLst>
+    <dgm:effectClrLst/>
+    <dgm:txLinClrLst/>
+    <dgm:txFillClrLst meth="repeat">
+      <a:schemeClr val="dk1"/>
+    </dgm:txFillClrLst>
+    <dgm:txEffectClrLst/>
+  </dgm:styleLbl>
+  <dgm:styleLbl name="solidFgAcc1">
+    <dgm:fillClrLst meth="repeat">
+      <a:schemeClr val="lt1"/>
+    </dgm:fillClrLst>
+    <dgm:linClrLst meth="repeat">
+      <a:schemeClr val="accent2"/>
+    </dgm:linClrLst>
+    <dgm:effectClrLst/>
+    <dgm:txLinClrLst/>
+    <dgm:txFillClrLst meth="repeat">
+      <a:schemeClr val="dk1"/>
+    </dgm:txFillClrLst>
+    <dgm:txEffectClrLst/>
+  </dgm:styleLbl>
+  <dgm:styleLbl name="solidAlignAcc1">
+    <dgm:fillClrLst meth="repeat">
+      <a:schemeClr val="lt1"/>
+    </dgm:fillClrLst>
+    <dgm:linClrLst meth="repeat">
+      <a:schemeClr val="accent2"/>
+    </dgm:linClrLst>
+    <dgm:effectClrLst/>
+    <dgm:txLinClrLst/>
+    <dgm:txFillClrLst meth="repeat">
+      <a:schemeClr val="dk1"/>
+    </dgm:txFillClrLst>
+    <dgm:txEffectClrLst/>
+  </dgm:styleLbl>
+  <dgm:styleLbl name="solidBgAcc1">
+    <dgm:fillClrLst meth="repeat">
+      <a:schemeClr val="lt1"/>
+    </dgm:fillClrLst>
+    <dgm:linClrLst meth="repeat">
+      <a:schemeClr val="accent2"/>
+    </dgm:linClrLst>
+    <dgm:effectClrLst/>
+    <dgm:txLinClrLst/>
+    <dgm:txFillClrLst meth="repeat">
+      <a:schemeClr val="dk1"/>
+    </dgm:txFillClrLst>
+    <dgm:txEffectClrLst/>
+  </dgm:styleLbl>
+  <dgm:styleLbl name="fgAccFollowNode1">
+    <dgm:fillClrLst meth="repeat">
+      <a:schemeClr val="accent2">
+        <a:alpha val="90000"/>
+        <a:tint val="40000"/>
+      </a:schemeClr>
+    </dgm:fillClrLst>
+    <dgm:linClrLst meth="repeat">
+      <a:schemeClr val="accent2">
+        <a:alpha val="90000"/>
+        <a:tint val="40000"/>
+      </a:schemeClr>
+    </dgm:linClrLst>
+    <dgm:effectClrLst/>
+    <dgm:txLinClrLst/>
+    <dgm:txFillClrLst meth="repeat">
+      <a:schemeClr val="dk1"/>
+    </dgm:txFillClrLst>
+    <dgm:txEffectClrLst/>
+  </dgm:styleLbl>
+  <dgm:styleLbl name="alignAccFollowNode1">
+    <dgm:fillClrLst meth="repeat">
+      <a:schemeClr val="accent2">
+        <a:alpha val="90000"/>
+        <a:tint val="40000"/>
+      </a:schemeClr>
+    </dgm:fillClrLst>
+    <dgm:linClrLst meth="repeat">
+      <a:schemeClr val="accent2">
+        <a:alpha val="90000"/>
+        <a:tint val="40000"/>
+      </a:schemeClr>
+    </dgm:linClrLst>
+    <dgm:effectClrLst/>
+    <dgm:txLinClrLst/>
+    <dgm:txFillClrLst meth="repeat">
+      <a:schemeClr val="dk1"/>
+    </dgm:txFillClrLst>
+    <dgm:txEffectClrLst/>
+  </dgm:styleLbl>
+  <dgm:styleLbl name="bgAccFollowNode1">
+    <dgm:fillClrLst meth="repeat">
+      <a:schemeClr val="accent2">
+        <a:alpha val="90000"/>
+        <a:tint val="40000"/>
+      </a:schemeClr>
+    </dgm:fillClrLst>
+    <dgm:linClrLst meth="repeat">
+      <a:schemeClr val="accent2">
+        <a:alpha val="90000"/>
+        <a:tint val="40000"/>
+      </a:schemeClr>
+    </dgm:linClrLst>
+    <dgm:effectClrLst/>
+    <dgm:txLinClrLst/>
+    <dgm:txFillClrLst meth="repeat">
+      <a:schemeClr val="dk1"/>
+    </dgm:txFillClrLst>
+    <dgm:txEffectClrLst/>
+  </dgm:styleLbl>
+  <dgm:styleLbl name="fgAcc0">
+    <dgm:fillClrLst meth="repeat">
+      <a:schemeClr val="lt1">
+        <a:alpha val="90000"/>
+      </a:schemeClr>
+    </dgm:fillClrLst>
+    <dgm:linClrLst meth="repeat">
+      <a:schemeClr val="accent2"/>
+    </dgm:linClrLst>
+    <dgm:effectClrLst/>
+    <dgm:txLinClrLst/>
+    <dgm:txFillClrLst meth="repeat">
+      <a:schemeClr val="dk1"/>
+    </dgm:txFillClrLst>
+    <dgm:txEffectClrLst/>
+  </dgm:styleLbl>
+  <dgm:styleLbl name="fgAcc2">
+    <dgm:fillClrLst meth="repeat">
+      <a:schemeClr val="lt1">
+        <a:alpha val="90000"/>
+      </a:schemeClr>
+    </dgm:fillClrLst>
+    <dgm:linClrLst meth="repeat">
+      <a:schemeClr val="accent2"/>
+    </dgm:linClrLst>
+    <dgm:effectClrLst/>
+    <dgm:txLinClrLst/>
+    <dgm:txFillClrLst meth="repeat">
+      <a:schemeClr val="dk1"/>
+    </dgm:txFillClrLst>
+    <dgm:txEffectClrLst/>
+  </dgm:styleLbl>
+  <dgm:styleLbl name="fgAcc3">
+    <dgm:fillClrLst meth="repeat">
+      <a:schemeClr val="lt1">
+        <a:alpha val="90000"/>
+      </a:schemeClr>
+    </dgm:fillClrLst>
+    <dgm:linClrLst meth="repeat">
+      <a:schemeClr val="accent2"/>
+    </dgm:linClrLst>
+    <dgm:effectClrLst/>
+    <dgm:txLinClrLst/>
+    <dgm:txFillClrLst meth="repeat">
+      <a:schemeClr val="dk1"/>
+    </dgm:txFillClrLst>
+    <dgm:txEffectClrLst/>
+  </dgm:styleLbl>
+  <dgm:styleLbl name="fgAcc4">
+    <dgm:fillClrLst meth="repeat">
+      <a:schemeClr val="lt1">
+        <a:alpha val="90000"/>
+      </a:schemeClr>
+    </dgm:fillClrLst>
+    <dgm:linClrLst meth="repeat">
+      <a:schemeClr val="accent2"/>
+    </dgm:linClrLst>
+    <dgm:effectClrLst/>
+    <dgm:txLinClrLst/>
+    <dgm:txFillClrLst meth="repeat">
+      <a:schemeClr val="dk1"/>
+    </dgm:txFillClrLst>
+    <dgm:txEffectClrLst/>
+  </dgm:styleLbl>
+  <dgm:styleLbl name="bgShp">
+    <dgm:fillClrLst meth="repeat">
+      <a:schemeClr val="accent2">
+        <a:tint val="40000"/>
+      </a:schemeClr>
+    </dgm:fillClrLst>
+    <dgm:linClrLst meth="repeat">
+      <a:schemeClr val="accent2"/>
+    </dgm:linClrLst>
+    <dgm:effectClrLst/>
+    <dgm:txLinClrLst/>
+    <dgm:txFillClrLst meth="repeat">
+      <a:schemeClr val="dk1"/>
+    </dgm:txFillClrLst>
+    <dgm:txEffectClrLst/>
+  </dgm:styleLbl>
+  <dgm:styleLbl name="dkBgShp">
+    <dgm:fillClrLst meth="repeat">
+      <a:schemeClr val="accent2">
+        <a:shade val="80000"/>
+      </a:schemeClr>
+    </dgm:fillClrLst>
+    <dgm:linClrLst meth="repeat">
+      <a:schemeClr val="accent2"/>
+    </dgm:linClrLst>
+    <dgm:effectClrLst/>
+    <dgm:txLinClrLst/>
+    <dgm:txFillClrLst meth="repeat">
+      <a:schemeClr val="lt1"/>
+    </dgm:txFillClrLst>
+    <dgm:txEffectClrLst/>
+  </dgm:styleLbl>
+  <dgm:styleLbl name="trBgShp">
+    <dgm:fillClrLst meth="repeat">
+      <a:schemeClr val="accent2">
+        <a:tint val="50000"/>
+        <a:alpha val="40000"/>
+      </a:schemeClr>
+    </dgm:fillClrLst>
+    <dgm:linClrLst meth="repeat">
+      <a:schemeClr val="accent2"/>
+    </dgm:linClrLst>
+    <dgm:effectClrLst/>
+    <dgm:txLinClrLst/>
+    <dgm:txFillClrLst meth="repeat">
+      <a:schemeClr val="lt1"/>
+    </dgm:txFillClrLst>
+    <dgm:txEffectClrLst/>
+  </dgm:styleLbl>
+  <dgm:styleLbl name="fgShp">
+    <dgm:fillClrLst meth="repeat">
+      <a:schemeClr val="accent2">
+        <a:tint val="60000"/>
+      </a:schemeClr>
+    </dgm:fillClrLst>
+    <dgm:linClrLst meth="repeat">
+      <a:schemeClr val="lt1"/>
+    </dgm:linClrLst>
+    <dgm:effectClrLst/>
+    <dgm:txLinClrLst/>
+    <dgm:txFillClrLst meth="repeat">
+      <a:schemeClr val="dk1"/>
+    </dgm:txFillClrLst>
+    <dgm:txEffectClrLst/>
+  </dgm:styleLbl>
+  <dgm:styleLbl name="revTx">
+    <dgm:fillClrLst meth="repeat">
+      <a:schemeClr val="lt1">
+        <a:alpha val="0"/>
+      </a:schemeClr>
+    </dgm:fillClrLst>
+    <dgm:linClrLst meth="repeat">
+      <a:schemeClr val="dk1">
+        <a:alpha val="0"/>
+      </a:schemeClr>
+    </dgm:linClrLst>
+    <dgm:effectClrLst/>
+    <dgm:txLinClrLst/>
+    <dgm:txFillClrLst meth="repeat">
+      <a:schemeClr val="tx1"/>
+    </dgm:txFillClrLst>
+    <dgm:txEffectClrLst/>
+  </dgm:styleLbl>
+</dgm:colorsDef>
+</file>
+
+<file path=ppt/diagrams/colors2.xml><?xml version="1.0" encoding="utf-8"?>
+<dgm:colorsDef xmlns:dgm="http://schemas.openxmlformats.org/drawingml/2006/diagram" xmlns:a="http://schemas.openxmlformats.org/drawingml/2006/main" uniqueId="urn:microsoft.com/office/officeart/2005/8/colors/accent2_2">
+  <dgm:title val=""/>
+  <dgm:desc val=""/>
+  <dgm:catLst>
+    <dgm:cat type="accent2" pri="11200"/>
+  </dgm:catLst>
+  <dgm:styleLbl name="node0">
+    <dgm:fillClrLst meth="repeat">
+      <a:schemeClr val="accent2"/>
+    </dgm:fillClrLst>
+    <dgm:linClrLst meth="repeat">
+      <a:schemeClr val="lt1"/>
+    </dgm:linClrLst>
+    <dgm:effectClrLst/>
+    <dgm:txLinClrLst/>
+    <dgm:txFillClrLst/>
+    <dgm:txEffectClrLst/>
+  </dgm:styleLbl>
+  <dgm:styleLbl name="node1">
+    <dgm:fillClrLst meth="repeat">
+      <a:schemeClr val="accent2"/>
+    </dgm:fillClrLst>
+    <dgm:linClrLst meth="repeat">
+      <a:schemeClr val="lt1"/>
+    </dgm:linClrLst>
+    <dgm:effectClrLst/>
+    <dgm:txLinClrLst/>
+    <dgm:txFillClrLst/>
+    <dgm:txEffectClrLst/>
+  </dgm:styleLbl>
+  <dgm:styleLbl name="alignNode1">
+    <dgm:fillClrLst meth="repeat">
+      <a:schemeClr val="accent2"/>
+    </dgm:fillClrLst>
+    <dgm:linClrLst meth="repeat">
+      <a:schemeClr val="accent2"/>
+    </dgm:linClrLst>
+    <dgm:effectClrLst/>
+    <dgm:txLinClrLst/>
+    <dgm:txFillClrLst/>
+    <dgm:txEffectClrLst/>
+  </dgm:styleLbl>
+  <dgm:styleLbl name="lnNode1">
+    <dgm:fillClrLst meth="repeat">
+      <a:schemeClr val="accent2"/>
+    </dgm:fillClrLst>
+    <dgm:linClrLst meth="repeat">
+      <a:schemeClr val="lt1"/>
+    </dgm:linClrLst>
+    <dgm:effectClrLst/>
+    <dgm:txLinClrLst/>
+    <dgm:txFillClrLst/>
+    <dgm:txEffectClrLst/>
+  </dgm:styleLbl>
+  <dgm:styleLbl name="vennNode1">
+    <dgm:fillClrLst meth="repeat">
+      <a:schemeClr val="accent2">
+        <a:alpha val="50000"/>
+      </a:schemeClr>
+    </dgm:fillClrLst>
+    <dgm:linClrLst meth="repeat">
+      <a:schemeClr val="lt1"/>
+    </dgm:linClrLst>
+    <dgm:effectClrLst/>
+    <dgm:txLinClrLst/>
+    <dgm:txFillClrLst/>
+    <dgm:txEffectClrLst/>
+  </dgm:styleLbl>
+  <dgm:styleLbl name="node2">
+    <dgm:fillClrLst meth="repeat">
+      <a:schemeClr val="accent2"/>
+    </dgm:fillClrLst>
+    <dgm:linClrLst meth="repeat">
+      <a:schemeClr val="lt1"/>
+    </dgm:linClrLst>
+    <dgm:effectClrLst/>
+    <dgm:txLinClrLst/>
+    <dgm:txFillClrLst/>
+    <dgm:txEffectClrLst/>
+  </dgm:styleLbl>
+  <dgm:styleLbl name="node3">
+    <dgm:fillClrLst meth="repeat">
+      <a:schemeClr val="accent2"/>
+    </dgm:fillClrLst>
+    <dgm:linClrLst meth="repeat">
+      <a:schemeClr val="lt1"/>
+    </dgm:linClrLst>
+    <dgm:effectClrLst/>
+    <dgm:txLinClrLst/>
+    <dgm:txFillClrLst/>
+    <dgm:txEffectClrLst/>
+  </dgm:styleLbl>
+  <dgm:styleLbl name="node4">
+    <dgm:fillClrLst meth="repeat">
+      <a:schemeClr val="accent2"/>
+    </dgm:fillClrLst>
+    <dgm:linClrLst meth="repeat">
+      <a:schemeClr val="lt1"/>
+    </dgm:linClrLst>
+    <dgm:effectClrLst/>
+    <dgm:txLinClrLst/>
+    <dgm:txFillClrLst/>
+    <dgm:txEffectClrLst/>
+  </dgm:styleLbl>
+  <dgm:styleLbl name="fgImgPlace1">
+    <dgm:fillClrLst meth="repeat">
+      <a:schemeClr val="accent2">
+        <a:tint val="50000"/>
+      </a:schemeClr>
+    </dgm:fillClrLst>
+    <dgm:linClrLst meth="repeat">
+      <a:schemeClr val="lt1"/>
+    </dgm:linClrLst>
+    <dgm:effectClrLst/>
+    <dgm:txLinClrLst/>
+    <dgm:txFillClrLst meth="repeat">
+      <a:schemeClr val="lt1"/>
+    </dgm:txFillClrLst>
+    <dgm:txEffectClrLst/>
+  </dgm:styleLbl>
+  <dgm:styleLbl name="alignImgPlace1">
+    <dgm:fillClrLst meth="repeat">
+      <a:schemeClr val="accent2">
+        <a:tint val="50000"/>
+      </a:schemeClr>
+    </dgm:fillClrLst>
+    <dgm:linClrLst meth="repeat">
+      <a:schemeClr val="lt1"/>
+    </dgm:linClrLst>
+    <dgm:effectClrLst/>
+    <dgm:txLinClrLst/>
+    <dgm:txFillClrLst meth="repeat">
+      <a:schemeClr val="lt1"/>
+    </dgm:txFillClrLst>
+    <dgm:txEffectClrLst/>
+  </dgm:styleLbl>
+  <dgm:styleLbl name="bgImgPlace1">
+    <dgm:fillClrLst meth="repeat">
+      <a:schemeClr val="accent2">
+        <a:tint val="50000"/>
+      </a:schemeClr>
+    </dgm:fillClrLst>
+    <dgm:linClrLst meth="repeat">
+      <a:schemeClr val="lt1"/>
+    </dgm:linClrLst>
+    <dgm:effectClrLst/>
+    <dgm:txLinClrLst/>
+    <dgm:txFillClrLst meth="repeat">
+      <a:schemeClr val="lt1"/>
+    </dgm:txFillClrLst>
+    <dgm:txEffectClrLst/>
+  </dgm:styleLbl>
+  <dgm:styleLbl name="sibTrans2D1">
+    <dgm:fillClrLst meth="repeat">
+      <a:schemeClr val="accent2">
+        <a:tint val="60000"/>
+      </a:schemeClr>
+    </dgm:fillClrLst>
+    <dgm:linClrLst meth="repeat">
+      <a:schemeClr val="accent2">
+        <a:tint val="60000"/>
+      </a:schemeClr>
+    </dgm:linClrLst>
+    <dgm:effectClrLst/>
+    <dgm:txLinClrLst/>
+    <dgm:txFillClrLst/>
+    <dgm:txEffectClrLst/>
+  </dgm:styleLbl>
+  <dgm:styleLbl name="fgSibTrans2D1">
+    <dgm:fillClrLst meth="repeat">
+      <a:schemeClr val="accent2">
+        <a:tint val="60000"/>
+      </a:schemeClr>
+    </dgm:fillClrLst>
+    <dgm:linClrLst meth="repeat">
+      <a:schemeClr val="accent2">
+        <a:tint val="60000"/>
+      </a:schemeClr>
+    </dgm:linClrLst>
+    <dgm:effectClrLst/>
+    <dgm:txLinClrLst/>
+    <dgm:txFillClrLst/>
+    <dgm:txEffectClrLst/>
+  </dgm:styleLbl>
+  <dgm:styleLbl name="bgSibTrans2D1">
+    <dgm:fillClrLst meth="repeat">
+      <a:schemeClr val="accent2">
+        <a:tint val="60000"/>
+      </a:schemeClr>
+    </dgm:fillClrLst>
+    <dgm:linClrLst meth="repeat">
+      <a:schemeClr val="accent2">
+        <a:tint val="60000"/>
+      </a:schemeClr>
+    </dgm:linClrLst>
+    <dgm:effectClrLst/>
+    <dgm:txLinClrLst/>
+    <dgm:txFillClrLst/>
+    <dgm:txEffectClrLst/>
+  </dgm:styleLbl>
+  <dgm:styleLbl name="sibTrans1D1">
+    <dgm:fillClrLst meth="repeat">
+      <a:schemeClr val="accent2"/>
+    </dgm:fillClrLst>
+    <dgm:linClrLst meth="repeat">
+      <a:schemeClr val="accent2"/>
+    </dgm:linClrLst>
+    <dgm:effectClrLst/>
+    <dgm:txLinClrLst/>
+    <dgm:txFillClrLst meth="repeat">
+      <a:schemeClr val="tx1"/>
+    </dgm:txFillClrLst>
+    <dgm:txEffectClrLst/>
+  </dgm:styleLbl>
+  <dgm:styleLbl name="callout">
+    <dgm:fillClrLst meth="repeat">
+      <a:schemeClr val="accent2"/>
+    </dgm:fillClrLst>
+    <dgm:linClrLst meth="repeat">
+      <a:schemeClr val="accent2">
+        <a:tint val="50000"/>
+      </a:schemeClr>
+    </dgm:linClrLst>
+    <dgm:effectClrLst/>
+    <dgm:txLinClrLst/>
+    <dgm:txFillClrLst meth="repeat">
+      <a:schemeClr val="tx1"/>
+    </dgm:txFillClrLst>
+    <dgm:txEffectClrLst/>
+  </dgm:styleLbl>
+  <dgm:styleLbl name="asst0">
+    <dgm:fillClrLst meth="repeat">
+      <a:schemeClr val="accent2"/>
+    </dgm:fillClrLst>
+    <dgm:linClrLst meth="repeat">
+      <a:schemeClr val="lt1"/>
+    </dgm:linClrLst>
+    <dgm:effectClrLst/>
+    <dgm:txLinClrLst/>
+    <dgm:txFillClrLst/>
+    <dgm:txEffectClrLst/>
+  </dgm:styleLbl>
+  <dgm:styleLbl name="asst1">
+    <dgm:fillClrLst meth="repeat">
+      <a:schemeClr val="accent2"/>
+    </dgm:fillClrLst>
+    <dgm:linClrLst meth="repeat">
+      <a:schemeClr val="lt1"/>
+    </dgm:linClrLst>
+    <dgm:effectClrLst/>
+    <dgm:txLinClrLst/>
+    <dgm:txFillClrLst/>
+    <dgm:txEffectClrLst/>
+  </dgm:styleLbl>
+  <dgm:styleLbl name="asst2">
+    <dgm:fillClrLst meth="repeat">
+      <a:schemeClr val="accent2"/>
+    </dgm:fillClrLst>
+    <dgm:linClrLst meth="repeat">
+      <a:schemeClr val="lt1"/>
+    </dgm:linClrLst>
+    <dgm:effectClrLst/>
+    <dgm:txLinClrLst/>
+    <dgm:txFillClrLst/>
+    <dgm:txEffectClrLst/>
+  </dgm:styleLbl>
+  <dgm:styleLbl name="asst3">
+    <dgm:fillClrLst meth="repeat">
+      <a:schemeClr val="accent2"/>
+    </dgm:fillClrLst>
+    <dgm:linClrLst meth="repeat">
+      <a:schemeClr val="lt1"/>
+    </dgm:linClrLst>
+    <dgm:effectClrLst/>
+    <dgm:txLinClrLst/>
+    <dgm:txFillClrLst/>
+    <dgm:txEffectClrLst/>
+  </dgm:styleLbl>
+  <dgm:styleLbl name="asst4">
+    <dgm:fillClrLst meth="repeat">
+      <a:schemeClr val="accent2"/>
+    </dgm:fillClrLst>
+    <dgm:linClrLst meth="repeat">
+      <a:schemeClr val="lt1"/>
+    </dgm:linClrLst>
+    <dgm:effectClrLst/>
+    <dgm:txLinClrLst/>
+    <dgm:txFillClrLst/>
+    <dgm:txEffectClrLst/>
+  </dgm:styleLbl>
+  <dgm:styleLbl name="parChTrans2D1">
+    <dgm:fillClrLst meth="repeat">
+      <a:schemeClr val="accent2">
+        <a:tint val="60000"/>
+      </a:schemeClr>
+    </dgm:fillClrLst>
+    <dgm:linClrLst meth="repeat">
+      <a:schemeClr val="accent2">
+        <a:tint val="60000"/>
+      </a:schemeClr>
+    </dgm:linClrLst>
+    <dgm:effectClrLst/>
+    <dgm:txLinClrLst/>
+    <dgm:txFillClrLst meth="repeat">
+      <a:schemeClr val="lt1"/>
+    </dgm:txFillClrLst>
+    <dgm:txEffectClrLst/>
+  </dgm:styleLbl>
+  <dgm:styleLbl name="parChTrans2D2">
+    <dgm:fillClrLst meth="repeat">
+      <a:schemeClr val="accent2"/>
+    </dgm:fillClrLst>
+    <dgm:linClrLst meth="repeat">
+      <a:schemeClr val="accent2"/>
+    </dgm:linClrLst>
+    <dgm:effectClrLst/>
+    <dgm:txLinClrLst/>
+    <dgm:txFillClrLst meth="repeat">
+      <a:schemeClr val="lt1"/>
+    </dgm:txFillClrLst>
+    <dgm:txEffectClrLst/>
+  </dgm:styleLbl>
+  <dgm:styleLbl name="parChTrans2D3">
+    <dgm:fillClrLst meth="repeat">
+      <a:schemeClr val="accent2"/>
+    </dgm:fillClrLst>
+    <dgm:linClrLst meth="repeat">
+      <a:schemeClr val="accent2"/>
+    </dgm:linClrLst>
+    <dgm:effectClrLst/>
+    <dgm:txLinClrLst/>
+    <dgm:txFillClrLst meth="repeat">
+      <a:schemeClr val="lt1"/>
+    </dgm:txFillClrLst>
+    <dgm:txEffectClrLst/>
+  </dgm:styleLbl>
+  <dgm:styleLbl name="parChTrans2D4">
+    <dgm:fillClrLst meth="repeat">
+      <a:schemeClr val="accent2"/>
+    </dgm:fillClrLst>
+    <dgm:linClrLst meth="repeat">
+      <a:schemeClr val="accent2"/>
+    </dgm:linClrLst>
+    <dgm:effectClrLst/>
+    <dgm:txLinClrLst/>
+    <dgm:txFillClrLst meth="repeat">
+      <a:schemeClr val="lt1"/>
+    </dgm:txFillClrLst>
+    <dgm:txEffectClrLst/>
+  </dgm:styleLbl>
+  <dgm:styleLbl name="parChTrans1D1">
+    <dgm:fillClrLst meth="repeat">
+      <a:schemeClr val="accent2"/>
+    </dgm:fillClrLst>
+    <dgm:linClrLst meth="repeat">
+      <a:schemeClr val="accent2">
+        <a:shade val="60000"/>
+      </a:schemeClr>
+    </dgm:linClrLst>
+    <dgm:effectClrLst/>
+    <dgm:txLinClrLst/>
+    <dgm:txFillClrLst meth="repeat">
+      <a:schemeClr val="tx1"/>
+    </dgm:txFillClrLst>
+    <dgm:txEffectClrLst/>
+  </dgm:styleLbl>
+  <dgm:styleLbl name="parChTrans1D2">
+    <dgm:fillClrLst meth="repeat">
+      <a:schemeClr val="accent2"/>
+    </dgm:fillClrLst>
+    <dgm:linClrLst meth="repeat">
+      <a:schemeClr val="accent2">
+        <a:shade val="60000"/>
+      </a:schemeClr>
+    </dgm:linClrLst>
+    <dgm:effectClrLst/>
+    <dgm:txLinClrLst/>
+    <dgm:txFillClrLst meth="repeat">
+      <a:schemeClr val="tx1"/>
+    </dgm:txFillClrLst>
+    <dgm:txEffectClrLst/>
+  </dgm:styleLbl>
+  <dgm:styleLbl name="parChTrans1D3">
+    <dgm:fillClrLst meth="repeat">
+      <a:schemeClr val="accent2"/>
+    </dgm:fillClrLst>
+    <dgm:linClrLst meth="repeat">
+      <a:schemeClr val="accent2">
+        <a:shade val="80000"/>
+      </a:schemeClr>
+    </dgm:linClrLst>
+    <dgm:effectClrLst/>
+    <dgm:txLinClrLst/>
+    <dgm:txFillClrLst meth="repeat">
+      <a:schemeClr val="tx1"/>
+    </dgm:txFillClrLst>
+    <dgm:txEffectClrLst/>
+  </dgm:styleLbl>
+  <dgm:styleLbl name="parChTrans1D4">
+    <dgm:fillClrLst meth="repeat">
+      <a:schemeClr val="accent2"/>
+    </dgm:fillClrLst>
+    <dgm:linClrLst meth="repeat">
+      <a:schemeClr val="accent2">
+        <a:shade val="80000"/>
+      </a:schemeClr>
+    </dgm:linClrLst>
+    <dgm:effectClrLst/>
+    <dgm:txLinClrLst/>
+    <dgm:txFillClrLst meth="repeat">
+      <a:schemeClr val="tx1"/>
+    </dgm:txFillClrLst>
+    <dgm:txEffectClrLst/>
+  </dgm:styleLbl>
+  <dgm:styleLbl name="fgAcc1">
+    <dgm:fillClrLst meth="repeat">
+      <a:schemeClr val="lt1">
+        <a:alpha val="90000"/>
+      </a:schemeClr>
+    </dgm:fillClrLst>
+    <dgm:linClrLst meth="repeat">
+      <a:schemeClr val="accent2"/>
+    </dgm:linClrLst>
+    <dgm:effectClrLst/>
+    <dgm:txLinClrLst/>
+    <dgm:txFillClrLst meth="repeat">
+      <a:schemeClr val="dk1"/>
+    </dgm:txFillClrLst>
+    <dgm:txEffectClrLst/>
+  </dgm:styleLbl>
+  <dgm:styleLbl name="conFgAcc1">
+    <dgm:fillClrLst meth="repeat">
+      <a:schemeClr val="lt1">
+        <a:alpha val="90000"/>
+      </a:schemeClr>
+    </dgm:fillClrLst>
+    <dgm:linClrLst meth="repeat">
+      <a:schemeClr val="accent2"/>
+    </dgm:linClrLst>
+    <dgm:effectClrLst/>
+    <dgm:txLinClrLst/>
+    <dgm:txFillClrLst meth="repeat">
+      <a:schemeClr val="dk1"/>
+    </dgm:txFillClrLst>
+    <dgm:txEffectClrLst/>
+  </dgm:styleLbl>
+  <dgm:styleLbl name="alignAcc1">
+    <dgm:fillClrLst meth="repeat">
+      <a:schemeClr val="lt1">
+        <a:alpha val="90000"/>
+      </a:schemeClr>
+    </dgm:fillClrLst>
+    <dgm:linClrLst meth="repeat">
+      <a:schemeClr val="accent2"/>
+    </dgm:linClrLst>
+    <dgm:effectClrLst/>
+    <dgm:txLinClrLst/>
+    <dgm:txFillClrLst meth="repeat">
+      <a:schemeClr val="dk1"/>
+    </dgm:txFillClrLst>
+    <dgm:txEffectClrLst/>
+  </dgm:styleLbl>
+  <dgm:styleLbl name="trAlignAcc1">
+    <dgm:fillClrLst meth="repeat">
+      <a:schemeClr val="lt1">
+        <a:alpha val="40000"/>
+      </a:schemeClr>
+    </dgm:fillClrLst>
+    <dgm:linClrLst meth="repeat">
+      <a:schemeClr val="accent2"/>
+    </dgm:linClrLst>
+    <dgm:effectClrLst/>
+    <dgm:txLinClrLst/>
+    <dgm:txFillClrLst meth="repeat">
+      <a:schemeClr val="dk1"/>
+    </dgm:txFillClrLst>
+    <dgm:txEffectClrLst/>
+  </dgm:styleLbl>
+  <dgm:styleLbl name="bgAcc1">
+    <dgm:fillClrLst meth="repeat">
+      <a:schemeClr val="lt1">
+        <a:alpha val="90000"/>
+      </a:schemeClr>
+    </dgm:fillClrLst>
+    <dgm:linClrLst meth="repeat">
+      <a:schemeClr val="accent2"/>
+    </dgm:linClrLst>
+    <dgm:effectClrLst/>
+    <dgm:txLinClrLst/>
+    <dgm:txFillClrLst meth="repeat">
+      <a:schemeClr val="dk1"/>
+    </dgm:txFillClrLst>
+    <dgm:txEffectClrLst/>
+  </dgm:styleLbl>
+  <dgm:styleLbl name="solidFgAcc1">
+    <dgm:fillClrLst meth="repeat">
+      <a:schemeClr val="lt1"/>
+    </dgm:fillClrLst>
+    <dgm:linClrLst meth="repeat">
+      <a:schemeClr val="accent2"/>
+    </dgm:linClrLst>
+    <dgm:effectClrLst/>
+    <dgm:txLinClrLst/>
+    <dgm:txFillClrLst meth="repeat">
+      <a:schemeClr val="dk1"/>
+    </dgm:txFillClrLst>
+    <dgm:txEffectClrLst/>
+  </dgm:styleLbl>
+  <dgm:styleLbl name="solidAlignAcc1">
+    <dgm:fillClrLst meth="repeat">
+      <a:schemeClr val="lt1"/>
+    </dgm:fillClrLst>
+    <dgm:linClrLst meth="repeat">
+      <a:schemeClr val="accent2"/>
+    </dgm:linClrLst>
+    <dgm:effectClrLst/>
+    <dgm:txLinClrLst/>
+    <dgm:txFillClrLst meth="repeat">
+      <a:schemeClr val="dk1"/>
+    </dgm:txFillClrLst>
+    <dgm:txEffectClrLst/>
+  </dgm:styleLbl>
+  <dgm:styleLbl name="solidBgAcc1">
+    <dgm:fillClrLst meth="repeat">
+      <a:schemeClr val="lt1"/>
+    </dgm:fillClrLst>
+    <dgm:linClrLst meth="repeat">
+      <a:schemeClr val="accent2"/>
+    </dgm:linClrLst>
+    <dgm:effectClrLst/>
+    <dgm:txLinClrLst/>
+    <dgm:txFillClrLst meth="repeat">
+      <a:schemeClr val="dk1"/>
+    </dgm:txFillClrLst>
+    <dgm:txEffectClrLst/>
+  </dgm:styleLbl>
+  <dgm:styleLbl name="fgAccFollowNode1">
+    <dgm:fillClrLst meth="repeat">
+      <a:schemeClr val="accent2">
+        <a:alpha val="90000"/>
+        <a:tint val="40000"/>
+      </a:schemeClr>
+    </dgm:fillClrLst>
+    <dgm:linClrLst meth="repeat">
+      <a:schemeClr val="accent2">
+        <a:alpha val="90000"/>
+        <a:tint val="40000"/>
+      </a:schemeClr>
+    </dgm:linClrLst>
+    <dgm:effectClrLst/>
+    <dgm:txLinClrLst/>
+    <dgm:txFillClrLst meth="repeat">
+      <a:schemeClr val="dk1"/>
+    </dgm:txFillClrLst>
+    <dgm:txEffectClrLst/>
+  </dgm:styleLbl>
+  <dgm:styleLbl name="alignAccFollowNode1">
+    <dgm:fillClrLst meth="repeat">
+      <a:schemeClr val="accent2">
+        <a:alpha val="90000"/>
+        <a:tint val="40000"/>
+      </a:schemeClr>
+    </dgm:fillClrLst>
+    <dgm:linClrLst meth="repeat">
+      <a:schemeClr val="accent2">
+        <a:alpha val="90000"/>
+        <a:tint val="40000"/>
+      </a:schemeClr>
+    </dgm:linClrLst>
+    <dgm:effectClrLst/>
+    <dgm:txLinClrLst/>
+    <dgm:txFillClrLst meth="repeat">
+      <a:schemeClr val="dk1"/>
+    </dgm:txFillClrLst>
+    <dgm:txEffectClrLst/>
+  </dgm:styleLbl>
+  <dgm:styleLbl name="bgAccFollowNode1">
+    <dgm:fillClrLst meth="repeat">
+      <a:schemeClr val="accent2">
+        <a:alpha val="90000"/>
+        <a:tint val="40000"/>
+      </a:schemeClr>
+    </dgm:fillClrLst>
+    <dgm:linClrLst meth="repeat">
+      <a:schemeClr val="accent2">
+        <a:alpha val="90000"/>
+        <a:tint val="40000"/>
+      </a:schemeClr>
+    </dgm:linClrLst>
+    <dgm:effectClrLst/>
+    <dgm:txLinClrLst/>
+    <dgm:txFillClrLst meth="repeat">
+      <a:schemeClr val="dk1"/>
+    </dgm:txFillClrLst>
+    <dgm:txEffectClrLst/>
+  </dgm:styleLbl>
+  <dgm:styleLbl name="fgAcc0">
+    <dgm:fillClrLst meth="repeat">
+      <a:schemeClr val="lt1">
+        <a:alpha val="90000"/>
+      </a:schemeClr>
+    </dgm:fillClrLst>
+    <dgm:linClrLst meth="repeat">
+      <a:schemeClr val="accent2"/>
+    </dgm:linClrLst>
+    <dgm:effectClrLst/>
+    <dgm:txLinClrLst/>
+    <dgm:txFillClrLst meth="repeat">
+      <a:schemeClr val="dk1"/>
+    </dgm:txFillClrLst>
+    <dgm:txEffectClrLst/>
+  </dgm:styleLbl>
+  <dgm:styleLbl name="fgAcc2">
+    <dgm:fillClrLst meth="repeat">
+      <a:schemeClr val="lt1">
+        <a:alpha val="90000"/>
+      </a:schemeClr>
+    </dgm:fillClrLst>
+    <dgm:linClrLst meth="repeat">
+      <a:schemeClr val="accent2"/>
+    </dgm:linClrLst>
+    <dgm:effectClrLst/>
+    <dgm:txLinClrLst/>
+    <dgm:txFillClrLst meth="repeat">
+      <a:schemeClr val="dk1"/>
+    </dgm:txFillClrLst>
+    <dgm:txEffectClrLst/>
+  </dgm:styleLbl>
+  <dgm:styleLbl name="fgAcc3">
+    <dgm:fillClrLst meth="repeat">
+      <a:schemeClr val="lt1">
+        <a:alpha val="90000"/>
+      </a:schemeClr>
+    </dgm:fillClrLst>
+    <dgm:linClrLst meth="repeat">
+      <a:schemeClr val="accent2"/>
+    </dgm:linClrLst>
+    <dgm:effectClrLst/>
+    <dgm:txLinClrLst/>
+    <dgm:txFillClrLst meth="repeat">
+      <a:schemeClr val="dk1"/>
+    </dgm:txFillClrLst>
+    <dgm:txEffectClrLst/>
+  </dgm:styleLbl>
+  <dgm:styleLbl name="fgAcc4">
+    <dgm:fillClrLst meth="repeat">
+      <a:schemeClr val="lt1">
+        <a:alpha val="90000"/>
+      </a:schemeClr>
+    </dgm:fillClrLst>
+    <dgm:linClrLst meth="repeat">
+      <a:schemeClr val="accent2"/>
+    </dgm:linClrLst>
+    <dgm:effectClrLst/>
+    <dgm:txLinClrLst/>
+    <dgm:txFillClrLst meth="repeat">
+      <a:schemeClr val="dk1"/>
+    </dgm:txFillClrLst>
+    <dgm:txEffectClrLst/>
+  </dgm:styleLbl>
+  <dgm:styleLbl name="bgShp">
+    <dgm:fillClrLst meth="repeat">
+      <a:schemeClr val="accent2">
+        <a:tint val="40000"/>
+      </a:schemeClr>
+    </dgm:fillClrLst>
+    <dgm:linClrLst meth="repeat">
+      <a:schemeClr val="accent2"/>
+    </dgm:linClrLst>
+    <dgm:effectClrLst/>
+    <dgm:txLinClrLst/>
+    <dgm:txFillClrLst meth="repeat">
+      <a:schemeClr val="dk1"/>
+    </dgm:txFillClrLst>
+    <dgm:txEffectClrLst/>
+  </dgm:styleLbl>
+  <dgm:styleLbl name="dkBgShp">
+    <dgm:fillClrLst meth="repeat">
+      <a:schemeClr val="accent2">
+        <a:shade val="80000"/>
+      </a:schemeClr>
+    </dgm:fillClrLst>
+    <dgm:linClrLst meth="repeat">
+      <a:schemeClr val="accent2"/>
+    </dgm:linClrLst>
+    <dgm:effectClrLst/>
+    <dgm:txLinClrLst/>
+    <dgm:txFillClrLst meth="repeat">
+      <a:schemeClr val="lt1"/>
+    </dgm:txFillClrLst>
+    <dgm:txEffectClrLst/>
+  </dgm:styleLbl>
+  <dgm:styleLbl name="trBgShp">
+    <dgm:fillClrLst meth="repeat">
+      <a:schemeClr val="accent2">
+        <a:tint val="50000"/>
+        <a:alpha val="40000"/>
+      </a:schemeClr>
+    </dgm:fillClrLst>
+    <dgm:linClrLst meth="repeat">
+      <a:schemeClr val="accent2"/>
+    </dgm:linClrLst>
+    <dgm:effectClrLst/>
+    <dgm:txLinClrLst/>
+    <dgm:txFillClrLst meth="repeat">
+      <a:schemeClr val="lt1"/>
+    </dgm:txFillClrLst>
+    <dgm:txEffectClrLst/>
+  </dgm:styleLbl>
+  <dgm:styleLbl name="fgShp">
+    <dgm:fillClrLst meth="repeat">
+      <a:schemeClr val="accent2">
+        <a:tint val="60000"/>
+      </a:schemeClr>
+    </dgm:fillClrLst>
+    <dgm:linClrLst meth="repeat">
+      <a:schemeClr val="lt1"/>
+    </dgm:linClrLst>
+    <dgm:effectClrLst/>
+    <dgm:txLinClrLst/>
+    <dgm:txFillClrLst meth="repeat">
+      <a:schemeClr val="dk1"/>
+    </dgm:txFillClrLst>
+    <dgm:txEffectClrLst/>
+  </dgm:styleLbl>
+  <dgm:styleLbl name="revTx">
+    <dgm:fillClrLst meth="repeat">
+      <a:schemeClr val="lt1">
+        <a:alpha val="0"/>
+      </a:schemeClr>
+    </dgm:fillClrLst>
+    <dgm:linClrLst meth="repeat">
+      <a:schemeClr val="dk1">
+        <a:alpha val="0"/>
+      </a:schemeClr>
+    </dgm:linClrLst>
+    <dgm:effectClrLst/>
+    <dgm:txLinClrLst/>
+    <dgm:txFillClrLst meth="repeat">
+      <a:schemeClr val="tx1"/>
+    </dgm:txFillClrLst>
+    <dgm:txEffectClrLst/>
+  </dgm:styleLbl>
+</dgm:colorsDef>
+</file>
+
+<file path=ppt/diagrams/data1.xml><?xml version="1.0" encoding="utf-8"?>
+<dgm:dataModel xmlns:dgm="http://schemas.openxmlformats.org/drawingml/2006/diagram" xmlns:a="http://schemas.openxmlformats.org/drawingml/2006/main">
+  <dgm:ptLst>
+    <dgm:pt modelId="{EC495CD0-0F7A-415E-95C8-2A33BAEA1A99}" type="doc">
+      <dgm:prSet loTypeId="urn:microsoft.com/office/officeart/2008/layout/TitlePictureLineup" loCatId="picture" qsTypeId="urn:microsoft.com/office/officeart/2005/8/quickstyle/simple1" qsCatId="simple" csTypeId="urn:microsoft.com/office/officeart/2005/8/colors/accent2_2" csCatId="accent2" phldr="1"/>
+      <dgm:spPr/>
+      <dgm:t>
+        <a:bodyPr/>
+        <a:lstStyle/>
+        <a:p>
+          <a:endParaRPr lang="fr-FR"/>
+        </a:p>
+      </dgm:t>
+    </dgm:pt>
+    <dgm:pt modelId="{76BE8BC5-B66A-4CC4-8B6E-A8A84CC5139F}">
+      <dgm:prSet phldrT="[Texte]" custT="1"/>
+      <dgm:spPr/>
+      <dgm:t>
+        <a:bodyPr/>
+        <a:lstStyle/>
+        <a:p>
+          <a:r>
+            <a:rPr lang="fr-FR" sz="2000" dirty="0" err="1"/>
+            <a:t>Netbeans</a:t>
+          </a:r>
+          <a:endParaRPr lang="fr-FR" sz="3600" dirty="0"/>
+        </a:p>
+      </dgm:t>
+    </dgm:pt>
+    <dgm:pt modelId="{EFB96408-23C9-40E4-98B8-0767BA96DC9D}" type="parTrans" cxnId="{C925DD06-D57A-498A-A280-5EB74B756EFE}">
+      <dgm:prSet/>
+      <dgm:spPr/>
+      <dgm:t>
+        <a:bodyPr/>
+        <a:lstStyle/>
+        <a:p>
+          <a:endParaRPr lang="fr-FR"/>
+        </a:p>
+      </dgm:t>
+    </dgm:pt>
+    <dgm:pt modelId="{60E60DF0-EB37-477E-8E95-BFA026FBC1BB}" type="sibTrans" cxnId="{C925DD06-D57A-498A-A280-5EB74B756EFE}">
+      <dgm:prSet/>
+      <dgm:spPr/>
+      <dgm:t>
+        <a:bodyPr/>
+        <a:lstStyle/>
+        <a:p>
+          <a:endParaRPr lang="fr-FR"/>
+        </a:p>
+      </dgm:t>
+    </dgm:pt>
+    <dgm:pt modelId="{A4050439-ED4C-4AF1-A31D-5BB2337E0510}">
+      <dgm:prSet phldrT="[Texte]" custT="1"/>
+      <dgm:spPr/>
+      <dgm:t>
+        <a:bodyPr/>
+        <a:lstStyle/>
+        <a:p>
+          <a:r>
+            <a:rPr lang="fr-FR" sz="1800" dirty="0"/>
+            <a:t>Simple, intuitif, gratuit, multiplateforme</a:t>
+          </a:r>
+        </a:p>
+      </dgm:t>
+    </dgm:pt>
+    <dgm:pt modelId="{795854F4-FD6F-4A17-ACEA-07FAB17EE7EC}" type="parTrans" cxnId="{E1118D15-54B8-42D2-A08F-6458BDBA5131}">
+      <dgm:prSet/>
+      <dgm:spPr/>
+      <dgm:t>
+        <a:bodyPr/>
+        <a:lstStyle/>
+        <a:p>
+          <a:endParaRPr lang="fr-FR"/>
+        </a:p>
+      </dgm:t>
+    </dgm:pt>
+    <dgm:pt modelId="{B6DA3FF4-D3F3-4BCF-925A-D2172606D032}" type="sibTrans" cxnId="{E1118D15-54B8-42D2-A08F-6458BDBA5131}">
+      <dgm:prSet/>
+      <dgm:spPr/>
+      <dgm:t>
+        <a:bodyPr/>
+        <a:lstStyle/>
+        <a:p>
+          <a:endParaRPr lang="fr-FR"/>
+        </a:p>
+      </dgm:t>
+    </dgm:pt>
+    <dgm:pt modelId="{11E3C531-0F29-41AF-ADAC-A6608BEB4186}">
+      <dgm:prSet phldrT="[Texte]" custT="1"/>
+      <dgm:spPr/>
+      <dgm:t>
+        <a:bodyPr/>
+        <a:lstStyle/>
+        <a:p>
+          <a:r>
+            <a:rPr lang="fr-FR" sz="2000" kern="1200" dirty="0" err="1">
+              <a:solidFill>
+                <a:prstClr val="white"/>
+              </a:solidFill>
+              <a:latin typeface="Trebuchet MS" panose="020B0603020202020204"/>
+              <a:ea typeface="+mn-ea"/>
+              <a:cs typeface="+mn-cs"/>
+            </a:rPr>
+            <a:t>Mysq</a:t>
+          </a:r>
+          <a:r>
+            <a:rPr lang="fr-FR" sz="2000" kern="1200" dirty="0" err="1"/>
+            <a:t>l</a:t>
+          </a:r>
+          <a:endParaRPr lang="fr-FR" sz="1600" kern="1200" dirty="0"/>
+        </a:p>
+      </dgm:t>
+    </dgm:pt>
+    <dgm:pt modelId="{83937DD0-823E-44D0-9626-D8D81EF646E4}" type="parTrans" cxnId="{7B3972E8-9BD9-4AB1-8E01-58002383933A}">
+      <dgm:prSet/>
+      <dgm:spPr/>
+      <dgm:t>
+        <a:bodyPr/>
+        <a:lstStyle/>
+        <a:p>
+          <a:endParaRPr lang="fr-FR"/>
+        </a:p>
+      </dgm:t>
+    </dgm:pt>
+    <dgm:pt modelId="{03A717A6-645F-4045-9063-81946A0CDEEB}" type="sibTrans" cxnId="{7B3972E8-9BD9-4AB1-8E01-58002383933A}">
+      <dgm:prSet/>
+      <dgm:spPr/>
+      <dgm:t>
+        <a:bodyPr/>
+        <a:lstStyle/>
+        <a:p>
+          <a:endParaRPr lang="fr-FR"/>
+        </a:p>
+      </dgm:t>
+    </dgm:pt>
+    <dgm:pt modelId="{C714C992-337E-46E4-89FA-17EE78265C74}">
+      <dgm:prSet phldrT="[Texte]" custT="1"/>
+      <dgm:spPr/>
+      <dgm:t>
+        <a:bodyPr/>
+        <a:lstStyle/>
+        <a:p>
+          <a:pPr>
+            <a:buNone/>
+          </a:pPr>
+          <a:r>
+            <a:rPr lang="fr-FR" sz="1800" kern="1200" dirty="0">
+              <a:latin typeface="Trebuchet MS" panose="020B0603020202020204"/>
+              <a:ea typeface="+mn-ea"/>
+              <a:cs typeface="+mn-cs"/>
+            </a:rPr>
+            <a:t>Open Source, Facile, rapide et performant, Cross Platform, Sécurité des données.</a:t>
+          </a:r>
+        </a:p>
+      </dgm:t>
+    </dgm:pt>
+    <dgm:pt modelId="{53093080-ADD0-4352-BDED-7535878C347D}" type="parTrans" cxnId="{4C8DB81A-8134-46B1-9975-A1ADCDD2613C}">
+      <dgm:prSet/>
+      <dgm:spPr/>
+      <dgm:t>
+        <a:bodyPr/>
+        <a:lstStyle/>
+        <a:p>
+          <a:endParaRPr lang="fr-FR"/>
+        </a:p>
+      </dgm:t>
+    </dgm:pt>
+    <dgm:pt modelId="{D74BF652-78C4-43B2-A3A2-6E6EF154347E}" type="sibTrans" cxnId="{4C8DB81A-8134-46B1-9975-A1ADCDD2613C}">
+      <dgm:prSet/>
+      <dgm:spPr/>
+      <dgm:t>
+        <a:bodyPr/>
+        <a:lstStyle/>
+        <a:p>
+          <a:endParaRPr lang="fr-FR"/>
+        </a:p>
+      </dgm:t>
+    </dgm:pt>
+    <dgm:pt modelId="{037FCA3A-6CC2-49DC-B350-DF942D70AD57}" type="pres">
+      <dgm:prSet presAssocID="{EC495CD0-0F7A-415E-95C8-2A33BAEA1A99}" presName="Name0" presStyleCnt="0">
+        <dgm:presLayoutVars>
+          <dgm:dir/>
+        </dgm:presLayoutVars>
+      </dgm:prSet>
+      <dgm:spPr/>
+    </dgm:pt>
+    <dgm:pt modelId="{6BFFE4DD-197A-47B8-ACB5-3CB126673E5A}" type="pres">
+      <dgm:prSet presAssocID="{76BE8BC5-B66A-4CC4-8B6E-A8A84CC5139F}" presName="composite" presStyleCnt="0"/>
+      <dgm:spPr/>
+    </dgm:pt>
+    <dgm:pt modelId="{6B8D4AD6-319B-41DD-A2E7-22581DD129B6}" type="pres">
+      <dgm:prSet presAssocID="{76BE8BC5-B66A-4CC4-8B6E-A8A84CC5139F}" presName="Accent" presStyleLbl="alignAcc1" presStyleIdx="0" presStyleCnt="2"/>
+      <dgm:spPr/>
+    </dgm:pt>
+    <dgm:pt modelId="{9B5A5693-8A82-45D8-896E-4B2922AC6669}" type="pres">
+      <dgm:prSet presAssocID="{76BE8BC5-B66A-4CC4-8B6E-A8A84CC5139F}" presName="Image" presStyleLbl="node1" presStyleIdx="0" presStyleCnt="2"/>
+      <dgm:spPr/>
+    </dgm:pt>
+    <dgm:pt modelId="{BDE32922-6F61-4D8A-AEA4-9A86FC08B2AA}" type="pres">
+      <dgm:prSet presAssocID="{76BE8BC5-B66A-4CC4-8B6E-A8A84CC5139F}" presName="Child" presStyleLbl="revTx" presStyleIdx="0" presStyleCnt="2" custScaleX="131090" custLinFactNeighborX="13048" custLinFactNeighborY="2491">
+        <dgm:presLayoutVars>
+          <dgm:bulletEnabled val="1"/>
+        </dgm:presLayoutVars>
+      </dgm:prSet>
+      <dgm:spPr/>
+    </dgm:pt>
+    <dgm:pt modelId="{3B7E3D42-91FD-4E3A-AD2D-B52A98EAD9C9}" type="pres">
+      <dgm:prSet presAssocID="{76BE8BC5-B66A-4CC4-8B6E-A8A84CC5139F}" presName="Parent" presStyleLbl="alignNode1" presStyleIdx="0" presStyleCnt="2">
+        <dgm:presLayoutVars>
+          <dgm:bulletEnabled val="1"/>
+        </dgm:presLayoutVars>
+      </dgm:prSet>
+      <dgm:spPr/>
+    </dgm:pt>
+    <dgm:pt modelId="{9D51D8DE-DF1D-43C7-B227-9D4970792896}" type="pres">
+      <dgm:prSet presAssocID="{60E60DF0-EB37-477E-8E95-BFA026FBC1BB}" presName="sibTrans" presStyleCnt="0"/>
+      <dgm:spPr/>
+    </dgm:pt>
+    <dgm:pt modelId="{E2E397CC-B355-43A4-AA5F-7B8CE1A76B08}" type="pres">
+      <dgm:prSet presAssocID="{11E3C531-0F29-41AF-ADAC-A6608BEB4186}" presName="composite" presStyleCnt="0"/>
+      <dgm:spPr/>
+    </dgm:pt>
+    <dgm:pt modelId="{1B702688-67C2-40DD-AD56-CDEC6F269C9A}" type="pres">
+      <dgm:prSet presAssocID="{11E3C531-0F29-41AF-ADAC-A6608BEB4186}" presName="Accent" presStyleLbl="alignAcc1" presStyleIdx="1" presStyleCnt="2"/>
+      <dgm:spPr/>
+    </dgm:pt>
+    <dgm:pt modelId="{CC130716-F18A-4FD8-88AF-4E00C2B13F27}" type="pres">
+      <dgm:prSet presAssocID="{11E3C531-0F29-41AF-ADAC-A6608BEB4186}" presName="Image" presStyleLbl="node1" presStyleIdx="1" presStyleCnt="2"/>
+      <dgm:spPr/>
+    </dgm:pt>
+    <dgm:pt modelId="{FECA3DFB-0B67-4D26-8BA2-E5787C3B6603}" type="pres">
+      <dgm:prSet presAssocID="{11E3C531-0F29-41AF-ADAC-A6608BEB4186}" presName="Child" presStyleLbl="revTx" presStyleIdx="1" presStyleCnt="2" custScaleX="132383" custLinFactNeighborX="12715" custLinFactNeighborY="-579">
+        <dgm:presLayoutVars>
+          <dgm:bulletEnabled val="1"/>
+        </dgm:presLayoutVars>
+      </dgm:prSet>
+      <dgm:spPr/>
+    </dgm:pt>
+    <dgm:pt modelId="{973306D8-4216-4BD0-9B7F-1C2F08402BC0}" type="pres">
+      <dgm:prSet presAssocID="{11E3C531-0F29-41AF-ADAC-A6608BEB4186}" presName="Parent" presStyleLbl="alignNode1" presStyleIdx="1" presStyleCnt="2">
+        <dgm:presLayoutVars>
+          <dgm:bulletEnabled val="1"/>
+        </dgm:presLayoutVars>
+      </dgm:prSet>
+      <dgm:spPr/>
+    </dgm:pt>
+  </dgm:ptLst>
+  <dgm:cxnLst>
+    <dgm:cxn modelId="{6F733002-6C9C-4AFE-9686-DB9500C3E091}" type="presOf" srcId="{C714C992-337E-46E4-89FA-17EE78265C74}" destId="{FECA3DFB-0B67-4D26-8BA2-E5787C3B6603}" srcOrd="0" destOrd="0" presId="urn:microsoft.com/office/officeart/2008/layout/TitlePictureLineup"/>
+    <dgm:cxn modelId="{C2BBC102-E402-4E71-BF9C-84550521B88E}" type="presOf" srcId="{EC495CD0-0F7A-415E-95C8-2A33BAEA1A99}" destId="{037FCA3A-6CC2-49DC-B350-DF942D70AD57}" srcOrd="0" destOrd="0" presId="urn:microsoft.com/office/officeart/2008/layout/TitlePictureLineup"/>
+    <dgm:cxn modelId="{C925DD06-D57A-498A-A280-5EB74B756EFE}" srcId="{EC495CD0-0F7A-415E-95C8-2A33BAEA1A99}" destId="{76BE8BC5-B66A-4CC4-8B6E-A8A84CC5139F}" srcOrd="0" destOrd="0" parTransId="{EFB96408-23C9-40E4-98B8-0767BA96DC9D}" sibTransId="{60E60DF0-EB37-477E-8E95-BFA026FBC1BB}"/>
+    <dgm:cxn modelId="{E1118D15-54B8-42D2-A08F-6458BDBA5131}" srcId="{76BE8BC5-B66A-4CC4-8B6E-A8A84CC5139F}" destId="{A4050439-ED4C-4AF1-A31D-5BB2337E0510}" srcOrd="0" destOrd="0" parTransId="{795854F4-FD6F-4A17-ACEA-07FAB17EE7EC}" sibTransId="{B6DA3FF4-D3F3-4BCF-925A-D2172606D032}"/>
+    <dgm:cxn modelId="{C4ED8F1A-2A44-41E1-B695-43AA16A62925}" type="presOf" srcId="{A4050439-ED4C-4AF1-A31D-5BB2337E0510}" destId="{BDE32922-6F61-4D8A-AEA4-9A86FC08B2AA}" srcOrd="0" destOrd="0" presId="urn:microsoft.com/office/officeart/2008/layout/TitlePictureLineup"/>
+    <dgm:cxn modelId="{4C8DB81A-8134-46B1-9975-A1ADCDD2613C}" srcId="{11E3C531-0F29-41AF-ADAC-A6608BEB4186}" destId="{C714C992-337E-46E4-89FA-17EE78265C74}" srcOrd="0" destOrd="0" parTransId="{53093080-ADD0-4352-BDED-7535878C347D}" sibTransId="{D74BF652-78C4-43B2-A3A2-6E6EF154347E}"/>
+    <dgm:cxn modelId="{3B9E272D-A171-4447-899C-C6E6FCDEB6B5}" type="presOf" srcId="{76BE8BC5-B66A-4CC4-8B6E-A8A84CC5139F}" destId="{3B7E3D42-91FD-4E3A-AD2D-B52A98EAD9C9}" srcOrd="0" destOrd="0" presId="urn:microsoft.com/office/officeart/2008/layout/TitlePictureLineup"/>
+    <dgm:cxn modelId="{BB94FB3F-59EF-4D02-BE34-F2A2529FD875}" type="presOf" srcId="{11E3C531-0F29-41AF-ADAC-A6608BEB4186}" destId="{973306D8-4216-4BD0-9B7F-1C2F08402BC0}" srcOrd="0" destOrd="0" presId="urn:microsoft.com/office/officeart/2008/layout/TitlePictureLineup"/>
+    <dgm:cxn modelId="{7B3972E8-9BD9-4AB1-8E01-58002383933A}" srcId="{EC495CD0-0F7A-415E-95C8-2A33BAEA1A99}" destId="{11E3C531-0F29-41AF-ADAC-A6608BEB4186}" srcOrd="1" destOrd="0" parTransId="{83937DD0-823E-44D0-9626-D8D81EF646E4}" sibTransId="{03A717A6-645F-4045-9063-81946A0CDEEB}"/>
+    <dgm:cxn modelId="{542F85DF-4D79-487F-8261-98D6B54B6488}" type="presParOf" srcId="{037FCA3A-6CC2-49DC-B350-DF942D70AD57}" destId="{6BFFE4DD-197A-47B8-ACB5-3CB126673E5A}" srcOrd="0" destOrd="0" presId="urn:microsoft.com/office/officeart/2008/layout/TitlePictureLineup"/>
+    <dgm:cxn modelId="{2DF65682-24FD-41B5-B42C-F821E1AE7C28}" type="presParOf" srcId="{6BFFE4DD-197A-47B8-ACB5-3CB126673E5A}" destId="{6B8D4AD6-319B-41DD-A2E7-22581DD129B6}" srcOrd="0" destOrd="0" presId="urn:microsoft.com/office/officeart/2008/layout/TitlePictureLineup"/>
+    <dgm:cxn modelId="{BFF5CCAB-FFA4-4EA3-BF8F-2ECCDBF772D2}" type="presParOf" srcId="{6BFFE4DD-197A-47B8-ACB5-3CB126673E5A}" destId="{9B5A5693-8A82-45D8-896E-4B2922AC6669}" srcOrd="1" destOrd="0" presId="urn:microsoft.com/office/officeart/2008/layout/TitlePictureLineup"/>
+    <dgm:cxn modelId="{185EBE1A-78B6-4E21-A3CB-618AC1E5368F}" type="presParOf" srcId="{6BFFE4DD-197A-47B8-ACB5-3CB126673E5A}" destId="{BDE32922-6F61-4D8A-AEA4-9A86FC08B2AA}" srcOrd="2" destOrd="0" presId="urn:microsoft.com/office/officeart/2008/layout/TitlePictureLineup"/>
+    <dgm:cxn modelId="{FAAFBBE3-D783-4E64-8E9C-A346F93C6C4E}" type="presParOf" srcId="{6BFFE4DD-197A-47B8-ACB5-3CB126673E5A}" destId="{3B7E3D42-91FD-4E3A-AD2D-B52A98EAD9C9}" srcOrd="3" destOrd="0" presId="urn:microsoft.com/office/officeart/2008/layout/TitlePictureLineup"/>
+    <dgm:cxn modelId="{0AEDC370-151C-4117-9E91-9B3950FA675B}" type="presParOf" srcId="{037FCA3A-6CC2-49DC-B350-DF942D70AD57}" destId="{9D51D8DE-DF1D-43C7-B227-9D4970792896}" srcOrd="1" destOrd="0" presId="urn:microsoft.com/office/officeart/2008/layout/TitlePictureLineup"/>
+    <dgm:cxn modelId="{D8C209AB-B3EA-4C5D-B1A0-AC52AD6E10FA}" type="presParOf" srcId="{037FCA3A-6CC2-49DC-B350-DF942D70AD57}" destId="{E2E397CC-B355-43A4-AA5F-7B8CE1A76B08}" srcOrd="2" destOrd="0" presId="urn:microsoft.com/office/officeart/2008/layout/TitlePictureLineup"/>
+    <dgm:cxn modelId="{2E3E00BF-F945-4655-AF9A-56A62741C0C5}" type="presParOf" srcId="{E2E397CC-B355-43A4-AA5F-7B8CE1A76B08}" destId="{1B702688-67C2-40DD-AD56-CDEC6F269C9A}" srcOrd="0" destOrd="0" presId="urn:microsoft.com/office/officeart/2008/layout/TitlePictureLineup"/>
+    <dgm:cxn modelId="{A0EFBAA6-E4D2-4195-9B66-D9FFB1AC34E8}" type="presParOf" srcId="{E2E397CC-B355-43A4-AA5F-7B8CE1A76B08}" destId="{CC130716-F18A-4FD8-88AF-4E00C2B13F27}" srcOrd="1" destOrd="0" presId="urn:microsoft.com/office/officeart/2008/layout/TitlePictureLineup"/>
+    <dgm:cxn modelId="{F13327B7-E8FF-41EE-9B73-F318AE90623F}" type="presParOf" srcId="{E2E397CC-B355-43A4-AA5F-7B8CE1A76B08}" destId="{FECA3DFB-0B67-4D26-8BA2-E5787C3B6603}" srcOrd="2" destOrd="0" presId="urn:microsoft.com/office/officeart/2008/layout/TitlePictureLineup"/>
+    <dgm:cxn modelId="{2B9126A3-0FA7-4D03-9862-5905C84A861B}" type="presParOf" srcId="{E2E397CC-B355-43A4-AA5F-7B8CE1A76B08}" destId="{973306D8-4216-4BD0-9B7F-1C2F08402BC0}" srcOrd="3" destOrd="0" presId="urn:microsoft.com/office/officeart/2008/layout/TitlePictureLineup"/>
+  </dgm:cxnLst>
+  <dgm:bg/>
+  <dgm:whole/>
+  <dgm:extLst>
+    <a:ext uri="http://schemas.microsoft.com/office/drawing/2008/diagram">
+      <dsp:dataModelExt xmlns:dsp="http://schemas.microsoft.com/office/drawing/2008/diagram" relId="rId6" minVer="http://schemas.openxmlformats.org/drawingml/2006/diagram"/>
+    </a:ext>
+  </dgm:extLst>
+</dgm:dataModel>
+</file>
+
+<file path=ppt/diagrams/data2.xml><?xml version="1.0" encoding="utf-8"?>
+<dgm:dataModel xmlns:dgm="http://schemas.openxmlformats.org/drawingml/2006/diagram" xmlns:a="http://schemas.openxmlformats.org/drawingml/2006/main">
+  <dgm:ptLst>
+    <dgm:pt modelId="{EC495CD0-0F7A-415E-95C8-2A33BAEA1A99}" type="doc">
+      <dgm:prSet loTypeId="urn:microsoft.com/office/officeart/2008/layout/TitlePictureLineup" loCatId="picture" qsTypeId="urn:microsoft.com/office/officeart/2005/8/quickstyle/simple1" qsCatId="simple" csTypeId="urn:microsoft.com/office/officeart/2005/8/colors/accent2_2" csCatId="accent2" phldr="1"/>
+      <dgm:spPr/>
+      <dgm:t>
+        <a:bodyPr/>
+        <a:lstStyle/>
+        <a:p>
+          <a:endParaRPr lang="fr-FR"/>
+        </a:p>
+      </dgm:t>
+    </dgm:pt>
+    <dgm:pt modelId="{76BE8BC5-B66A-4CC4-8B6E-A8A84CC5139F}">
+      <dgm:prSet phldrT="[Texte]" custT="1"/>
+      <dgm:spPr/>
+      <dgm:t>
+        <a:bodyPr/>
+        <a:lstStyle/>
+        <a:p>
+          <a:r>
+            <a:rPr lang="fr-FR" sz="2000" dirty="0"/>
+            <a:t>Carte Arduino </a:t>
+          </a:r>
+          <a:r>
+            <a:rPr lang="fr-FR" sz="2000" dirty="0" err="1"/>
+            <a:t>Uno</a:t>
+          </a:r>
+          <a:endParaRPr lang="fr-FR" sz="3600" dirty="0"/>
+        </a:p>
+      </dgm:t>
+    </dgm:pt>
+    <dgm:pt modelId="{EFB96408-23C9-40E4-98B8-0767BA96DC9D}" type="parTrans" cxnId="{C925DD06-D57A-498A-A280-5EB74B756EFE}">
+      <dgm:prSet/>
+      <dgm:spPr/>
+      <dgm:t>
+        <a:bodyPr/>
+        <a:lstStyle/>
+        <a:p>
+          <a:endParaRPr lang="fr-FR"/>
+        </a:p>
+      </dgm:t>
+    </dgm:pt>
+    <dgm:pt modelId="{60E60DF0-EB37-477E-8E95-BFA026FBC1BB}" type="sibTrans" cxnId="{C925DD06-D57A-498A-A280-5EB74B756EFE}">
+      <dgm:prSet/>
+      <dgm:spPr/>
+      <dgm:t>
+        <a:bodyPr/>
+        <a:lstStyle/>
+        <a:p>
+          <a:endParaRPr lang="fr-FR"/>
+        </a:p>
+      </dgm:t>
+    </dgm:pt>
+    <dgm:pt modelId="{A4050439-ED4C-4AF1-A31D-5BB2337E0510}">
+      <dgm:prSet phldrT="[Texte]" custT="1"/>
+      <dgm:spPr/>
+      <dgm:t>
+        <a:bodyPr/>
+        <a:lstStyle/>
+        <a:p>
+          <a:r>
+            <a:rPr lang="fr-FR" sz="1800" kern="1200" dirty="0">
+              <a:solidFill>
+                <a:prstClr val="black">
+                  <a:hueOff val="0"/>
+                  <a:satOff val="0"/>
+                  <a:lumOff val="0"/>
+                  <a:alphaOff val="0"/>
+                </a:prstClr>
+              </a:solidFill>
+              <a:latin typeface="Trebuchet MS" panose="020B0603020202020204"/>
+              <a:ea typeface="+mn-ea"/>
+              <a:cs typeface="+mn-cs"/>
+            </a:rPr>
+            <a:t>Facilité d’utilisation.</a:t>
+          </a:r>
+        </a:p>
+      </dgm:t>
+    </dgm:pt>
+    <dgm:pt modelId="{795854F4-FD6F-4A17-ACEA-07FAB17EE7EC}" type="parTrans" cxnId="{E1118D15-54B8-42D2-A08F-6458BDBA5131}">
+      <dgm:prSet/>
+      <dgm:spPr/>
+      <dgm:t>
+        <a:bodyPr/>
+        <a:lstStyle/>
+        <a:p>
+          <a:endParaRPr lang="fr-FR"/>
+        </a:p>
+      </dgm:t>
+    </dgm:pt>
+    <dgm:pt modelId="{B6DA3FF4-D3F3-4BCF-925A-D2172606D032}" type="sibTrans" cxnId="{E1118D15-54B8-42D2-A08F-6458BDBA5131}">
+      <dgm:prSet/>
+      <dgm:spPr/>
+      <dgm:t>
+        <a:bodyPr/>
+        <a:lstStyle/>
+        <a:p>
+          <a:endParaRPr lang="fr-FR"/>
+        </a:p>
+      </dgm:t>
+    </dgm:pt>
+    <dgm:pt modelId="{BFB6DF39-CD5E-43D9-9A0B-DA43837CC1EF}">
+      <dgm:prSet/>
+      <dgm:spPr/>
+      <dgm:t>
+        <a:bodyPr/>
+        <a:lstStyle/>
+        <a:p>
+          <a:endParaRPr lang="fr-FR" sz="3600" kern="1200" dirty="0"/>
+        </a:p>
+      </dgm:t>
+    </dgm:pt>
+    <dgm:pt modelId="{F4497785-E2E5-48AA-815C-FF9021F00536}" type="parTrans" cxnId="{EB6FFBE7-F7ED-4E57-8A56-9B6EDF16BD53}">
+      <dgm:prSet/>
+      <dgm:spPr/>
+      <dgm:t>
+        <a:bodyPr/>
+        <a:lstStyle/>
+        <a:p>
+          <a:endParaRPr lang="fr-FR"/>
+        </a:p>
+      </dgm:t>
+    </dgm:pt>
+    <dgm:pt modelId="{21D8BF78-5A4B-4A0E-8542-3BCBC3BFC48F}" type="sibTrans" cxnId="{EB6FFBE7-F7ED-4E57-8A56-9B6EDF16BD53}">
+      <dgm:prSet/>
+      <dgm:spPr/>
+      <dgm:t>
+        <a:bodyPr/>
+        <a:lstStyle/>
+        <a:p>
+          <a:endParaRPr lang="fr-FR"/>
+        </a:p>
+      </dgm:t>
+    </dgm:pt>
+    <dgm:pt modelId="{250B6E9C-50C7-4806-99D0-8BC8D588BA92}">
+      <dgm:prSet phldrT="[Texte]" custT="1"/>
+      <dgm:spPr/>
+      <dgm:t>
+        <a:bodyPr/>
+        <a:lstStyle/>
+        <a:p>
+          <a:r>
+            <a:rPr lang="fr-FR" sz="1800" kern="1200" dirty="0">
+              <a:solidFill>
+                <a:prstClr val="black">
+                  <a:hueOff val="0"/>
+                  <a:satOff val="0"/>
+                  <a:lumOff val="0"/>
+                  <a:alphaOff val="0"/>
+                </a:prstClr>
+              </a:solidFill>
+              <a:latin typeface="Trebuchet MS" panose="020B0603020202020204"/>
+              <a:ea typeface="+mn-ea"/>
+              <a:cs typeface="+mn-cs"/>
+            </a:rPr>
+            <a:t>Prix abordable avoisinant les 25 €.</a:t>
+          </a:r>
+        </a:p>
+      </dgm:t>
+    </dgm:pt>
+    <dgm:pt modelId="{E7569C33-962B-4170-8363-61FE68640411}" type="parTrans" cxnId="{EE15E70B-F12A-48A8-8950-9496346F09E6}">
+      <dgm:prSet/>
+      <dgm:spPr/>
+      <dgm:t>
+        <a:bodyPr/>
+        <a:lstStyle/>
+        <a:p>
+          <a:endParaRPr lang="fr-FR"/>
+        </a:p>
+      </dgm:t>
+    </dgm:pt>
+    <dgm:pt modelId="{3EB14C1C-535F-40C0-939B-604C18D8243B}" type="sibTrans" cxnId="{EE15E70B-F12A-48A8-8950-9496346F09E6}">
+      <dgm:prSet/>
+      <dgm:spPr/>
+      <dgm:t>
+        <a:bodyPr/>
+        <a:lstStyle/>
+        <a:p>
+          <a:endParaRPr lang="fr-FR"/>
+        </a:p>
+      </dgm:t>
+    </dgm:pt>
+    <dgm:pt modelId="{619FBC4A-1B48-400A-B153-6CB1E9485237}">
+      <dgm:prSet phldrT="[Texte]" custT="1"/>
+      <dgm:spPr/>
+      <dgm:t>
+        <a:bodyPr/>
+        <a:lstStyle/>
+        <a:p>
+          <a:r>
+            <a:rPr lang="fr-FR" sz="1800" b="0" i="0" kern="1200" dirty="0"/>
+            <a:t>Communauté très présente.</a:t>
+          </a:r>
+          <a:endParaRPr lang="fr-FR" sz="1800" kern="1200" dirty="0">
+            <a:solidFill>
+              <a:prstClr val="black">
+                <a:hueOff val="0"/>
+                <a:satOff val="0"/>
+                <a:lumOff val="0"/>
+                <a:alphaOff val="0"/>
+              </a:prstClr>
+            </a:solidFill>
+            <a:latin typeface="Trebuchet MS" panose="020B0603020202020204"/>
+            <a:ea typeface="+mn-ea"/>
+            <a:cs typeface="+mn-cs"/>
+          </a:endParaRPr>
+        </a:p>
+      </dgm:t>
+    </dgm:pt>
+    <dgm:pt modelId="{2B6726AD-D1A9-4984-9372-A6E09D8572E2}" type="parTrans" cxnId="{F17D2278-9599-4F8E-AD1B-AD411FA5111F}">
+      <dgm:prSet/>
+      <dgm:spPr/>
+      <dgm:t>
+        <a:bodyPr/>
+        <a:lstStyle/>
+        <a:p>
+          <a:endParaRPr lang="fr-FR"/>
+        </a:p>
+      </dgm:t>
+    </dgm:pt>
+    <dgm:pt modelId="{B59761A5-6579-4972-8FDF-F0DCF9751DA2}" type="sibTrans" cxnId="{F17D2278-9599-4F8E-AD1B-AD411FA5111F}">
+      <dgm:prSet/>
+      <dgm:spPr/>
+      <dgm:t>
+        <a:bodyPr/>
+        <a:lstStyle/>
+        <a:p>
+          <a:endParaRPr lang="fr-FR"/>
+        </a:p>
+      </dgm:t>
+    </dgm:pt>
+    <dgm:pt modelId="{36EE4E65-D195-4A9B-9DAD-F4CC52B92383}">
+      <dgm:prSet phldrT="[Texte]" custT="1"/>
+      <dgm:spPr/>
+      <dgm:t>
+        <a:bodyPr/>
+        <a:lstStyle/>
+        <a:p>
+          <a:r>
+            <a:rPr lang="fr-FR" sz="1800" b="0" i="0" kern="1200" dirty="0"/>
+            <a:t>Cartes supplémentaires qui se connectent directement et facilement sur une carte Arduino.</a:t>
+          </a:r>
+          <a:endParaRPr lang="fr-FR" sz="1800" kern="1200" dirty="0">
+            <a:solidFill>
+              <a:prstClr val="black">
+                <a:hueOff val="0"/>
+                <a:satOff val="0"/>
+                <a:lumOff val="0"/>
+                <a:alphaOff val="0"/>
+              </a:prstClr>
+            </a:solidFill>
+            <a:latin typeface="Trebuchet MS" panose="020B0603020202020204"/>
+            <a:ea typeface="+mn-ea"/>
+            <a:cs typeface="+mn-cs"/>
+          </a:endParaRPr>
+        </a:p>
+      </dgm:t>
+    </dgm:pt>
+    <dgm:pt modelId="{598EABFF-3A14-4E38-9BEB-1EDE644FF9ED}" type="parTrans" cxnId="{0ABCBB79-3808-442B-B6A1-36619170BD59}">
+      <dgm:prSet/>
+      <dgm:spPr/>
+      <dgm:t>
+        <a:bodyPr/>
+        <a:lstStyle/>
+        <a:p>
+          <a:endParaRPr lang="fr-FR"/>
+        </a:p>
+      </dgm:t>
+    </dgm:pt>
+    <dgm:pt modelId="{F51D28BC-4E6E-4227-BE3E-E64649B32452}" type="sibTrans" cxnId="{0ABCBB79-3808-442B-B6A1-36619170BD59}">
+      <dgm:prSet/>
+      <dgm:spPr/>
+      <dgm:t>
+        <a:bodyPr/>
+        <a:lstStyle/>
+        <a:p>
+          <a:endParaRPr lang="fr-FR"/>
+        </a:p>
+      </dgm:t>
+    </dgm:pt>
+    <dgm:pt modelId="{C714C992-337E-46E4-89FA-17EE78265C74}">
+      <dgm:prSet phldrT="[Texte]" custT="1"/>
+      <dgm:spPr/>
+      <dgm:t>
+        <a:bodyPr/>
+        <a:lstStyle/>
+        <a:p>
+          <a:pPr algn="l">
+            <a:buFont typeface="Arial" panose="020B0604020202020204" pitchFamily="34" charset="0"/>
+            <a:buChar char="•"/>
+          </a:pPr>
+          <a:endParaRPr lang="fr-FR" sz="1800" b="0" i="0" kern="1200" dirty="0">
+            <a:solidFill>
+              <a:prstClr val="black">
+                <a:hueOff val="0"/>
+                <a:satOff val="0"/>
+                <a:lumOff val="0"/>
+                <a:alphaOff val="0"/>
+              </a:prstClr>
+            </a:solidFill>
+            <a:latin typeface="Trebuchet MS" panose="020B0603020202020204"/>
+            <a:ea typeface="+mn-ea"/>
+            <a:cs typeface="+mn-cs"/>
+          </a:endParaRPr>
+        </a:p>
+      </dgm:t>
+    </dgm:pt>
+    <dgm:pt modelId="{D74BF652-78C4-43B2-A3A2-6E6EF154347E}" type="sibTrans" cxnId="{4C8DB81A-8134-46B1-9975-A1ADCDD2613C}">
+      <dgm:prSet/>
+      <dgm:spPr/>
+      <dgm:t>
+        <a:bodyPr/>
+        <a:lstStyle/>
+        <a:p>
+          <a:endParaRPr lang="fr-FR"/>
+        </a:p>
+      </dgm:t>
+    </dgm:pt>
+    <dgm:pt modelId="{53093080-ADD0-4352-BDED-7535878C347D}" type="parTrans" cxnId="{4C8DB81A-8134-46B1-9975-A1ADCDD2613C}">
+      <dgm:prSet/>
+      <dgm:spPr/>
+      <dgm:t>
+        <a:bodyPr/>
+        <a:lstStyle/>
+        <a:p>
+          <a:endParaRPr lang="fr-FR"/>
+        </a:p>
+      </dgm:t>
+    </dgm:pt>
+    <dgm:pt modelId="{11E3C531-0F29-41AF-ADAC-A6608BEB4186}">
+      <dgm:prSet phldrT="[Texte]" custT="1"/>
+      <dgm:spPr/>
+      <dgm:t>
+        <a:bodyPr/>
+        <a:lstStyle/>
+        <a:p>
+          <a:r>
+            <a:rPr lang="fr-FR" sz="2000" kern="1200" dirty="0">
+              <a:solidFill>
+                <a:prstClr val="white"/>
+              </a:solidFill>
+              <a:latin typeface="Trebuchet MS" panose="020B0603020202020204"/>
+              <a:ea typeface="+mn-ea"/>
+              <a:cs typeface="+mn-cs"/>
+            </a:rPr>
+            <a:t>Langage Arduino</a:t>
+          </a:r>
+          <a:endParaRPr lang="fr-FR" sz="1600" kern="1200" dirty="0"/>
+        </a:p>
+      </dgm:t>
+    </dgm:pt>
+    <dgm:pt modelId="{03A717A6-645F-4045-9063-81946A0CDEEB}" type="sibTrans" cxnId="{7B3972E8-9BD9-4AB1-8E01-58002383933A}">
+      <dgm:prSet/>
+      <dgm:spPr/>
+      <dgm:t>
+        <a:bodyPr/>
+        <a:lstStyle/>
+        <a:p>
+          <a:endParaRPr lang="fr-FR"/>
+        </a:p>
+      </dgm:t>
+    </dgm:pt>
+    <dgm:pt modelId="{83937DD0-823E-44D0-9626-D8D81EF646E4}" type="parTrans" cxnId="{7B3972E8-9BD9-4AB1-8E01-58002383933A}">
+      <dgm:prSet/>
+      <dgm:spPr/>
+      <dgm:t>
+        <a:bodyPr/>
+        <a:lstStyle/>
+        <a:p>
+          <a:endParaRPr lang="fr-FR"/>
+        </a:p>
+      </dgm:t>
+    </dgm:pt>
+    <dgm:pt modelId="{037FCA3A-6CC2-49DC-B350-DF942D70AD57}" type="pres">
+      <dgm:prSet presAssocID="{EC495CD0-0F7A-415E-95C8-2A33BAEA1A99}" presName="Name0" presStyleCnt="0">
+        <dgm:presLayoutVars>
+          <dgm:dir/>
+        </dgm:presLayoutVars>
+      </dgm:prSet>
+      <dgm:spPr/>
+    </dgm:pt>
+    <dgm:pt modelId="{6BFFE4DD-197A-47B8-ACB5-3CB126673E5A}" type="pres">
+      <dgm:prSet presAssocID="{76BE8BC5-B66A-4CC4-8B6E-A8A84CC5139F}" presName="composite" presStyleCnt="0"/>
+      <dgm:spPr/>
+    </dgm:pt>
+    <dgm:pt modelId="{6B8D4AD6-319B-41DD-A2E7-22581DD129B6}" type="pres">
+      <dgm:prSet presAssocID="{76BE8BC5-B66A-4CC4-8B6E-A8A84CC5139F}" presName="Accent" presStyleLbl="alignAcc1" presStyleIdx="0" presStyleCnt="2"/>
+      <dgm:spPr/>
+    </dgm:pt>
+    <dgm:pt modelId="{9B5A5693-8A82-45D8-896E-4B2922AC6669}" type="pres">
+      <dgm:prSet presAssocID="{76BE8BC5-B66A-4CC4-8B6E-A8A84CC5139F}" presName="Image" presStyleLbl="node1" presStyleIdx="0" presStyleCnt="2"/>
+      <dgm:spPr/>
+    </dgm:pt>
+    <dgm:pt modelId="{BDE32922-6F61-4D8A-AEA4-9A86FC08B2AA}" type="pres">
+      <dgm:prSet presAssocID="{76BE8BC5-B66A-4CC4-8B6E-A8A84CC5139F}" presName="Child" presStyleLbl="revTx" presStyleIdx="0" presStyleCnt="2" custScaleX="131090" custLinFactNeighborX="12284" custLinFactNeighborY="105">
+        <dgm:presLayoutVars>
+          <dgm:bulletEnabled val="1"/>
+        </dgm:presLayoutVars>
+      </dgm:prSet>
+      <dgm:spPr/>
+    </dgm:pt>
+    <dgm:pt modelId="{3B7E3D42-91FD-4E3A-AD2D-B52A98EAD9C9}" type="pres">
+      <dgm:prSet presAssocID="{76BE8BC5-B66A-4CC4-8B6E-A8A84CC5139F}" presName="Parent" presStyleLbl="alignNode1" presStyleIdx="0" presStyleCnt="2">
+        <dgm:presLayoutVars>
+          <dgm:bulletEnabled val="1"/>
+        </dgm:presLayoutVars>
+      </dgm:prSet>
+      <dgm:spPr/>
+    </dgm:pt>
+    <dgm:pt modelId="{9D51D8DE-DF1D-43C7-B227-9D4970792896}" type="pres">
+      <dgm:prSet presAssocID="{60E60DF0-EB37-477E-8E95-BFA026FBC1BB}" presName="sibTrans" presStyleCnt="0"/>
+      <dgm:spPr/>
+    </dgm:pt>
+    <dgm:pt modelId="{E2E397CC-B355-43A4-AA5F-7B8CE1A76B08}" type="pres">
+      <dgm:prSet presAssocID="{11E3C531-0F29-41AF-ADAC-A6608BEB4186}" presName="composite" presStyleCnt="0"/>
+      <dgm:spPr/>
+    </dgm:pt>
+    <dgm:pt modelId="{1B702688-67C2-40DD-AD56-CDEC6F269C9A}" type="pres">
+      <dgm:prSet presAssocID="{11E3C531-0F29-41AF-ADAC-A6608BEB4186}" presName="Accent" presStyleLbl="alignAcc1" presStyleIdx="1" presStyleCnt="2"/>
+      <dgm:spPr/>
+    </dgm:pt>
+    <dgm:pt modelId="{CC130716-F18A-4FD8-88AF-4E00C2B13F27}" type="pres">
+      <dgm:prSet presAssocID="{11E3C531-0F29-41AF-ADAC-A6608BEB4186}" presName="Image" presStyleLbl="node1" presStyleIdx="1" presStyleCnt="2"/>
+      <dgm:spPr/>
+    </dgm:pt>
+    <dgm:pt modelId="{FECA3DFB-0B67-4D26-8BA2-E5787C3B6603}" type="pres">
+      <dgm:prSet presAssocID="{11E3C531-0F29-41AF-ADAC-A6608BEB4186}" presName="Child" presStyleLbl="revTx" presStyleIdx="1" presStyleCnt="2" custScaleX="132383" custLinFactNeighborX="12715" custLinFactNeighborY="-579">
+        <dgm:presLayoutVars>
+          <dgm:bulletEnabled val="1"/>
+        </dgm:presLayoutVars>
+      </dgm:prSet>
+      <dgm:spPr/>
+    </dgm:pt>
+    <dgm:pt modelId="{973306D8-4216-4BD0-9B7F-1C2F08402BC0}" type="pres">
+      <dgm:prSet presAssocID="{11E3C531-0F29-41AF-ADAC-A6608BEB4186}" presName="Parent" presStyleLbl="alignNode1" presStyleIdx="1" presStyleCnt="2">
+        <dgm:presLayoutVars>
+          <dgm:bulletEnabled val="1"/>
+        </dgm:presLayoutVars>
+      </dgm:prSet>
+      <dgm:spPr/>
+    </dgm:pt>
+  </dgm:ptLst>
+  <dgm:cxnLst>
+    <dgm:cxn modelId="{6F733002-6C9C-4AFE-9686-DB9500C3E091}" type="presOf" srcId="{C714C992-337E-46E4-89FA-17EE78265C74}" destId="{FECA3DFB-0B67-4D26-8BA2-E5787C3B6603}" srcOrd="0" destOrd="0" presId="urn:microsoft.com/office/officeart/2008/layout/TitlePictureLineup"/>
+    <dgm:cxn modelId="{C2BBC102-E402-4E71-BF9C-84550521B88E}" type="presOf" srcId="{EC495CD0-0F7A-415E-95C8-2A33BAEA1A99}" destId="{037FCA3A-6CC2-49DC-B350-DF942D70AD57}" srcOrd="0" destOrd="0" presId="urn:microsoft.com/office/officeart/2008/layout/TitlePictureLineup"/>
+    <dgm:cxn modelId="{C925DD06-D57A-498A-A280-5EB74B756EFE}" srcId="{EC495CD0-0F7A-415E-95C8-2A33BAEA1A99}" destId="{76BE8BC5-B66A-4CC4-8B6E-A8A84CC5139F}" srcOrd="0" destOrd="0" parTransId="{EFB96408-23C9-40E4-98B8-0767BA96DC9D}" sibTransId="{60E60DF0-EB37-477E-8E95-BFA026FBC1BB}"/>
+    <dgm:cxn modelId="{EE15E70B-F12A-48A8-8950-9496346F09E6}" srcId="{76BE8BC5-B66A-4CC4-8B6E-A8A84CC5139F}" destId="{250B6E9C-50C7-4806-99D0-8BC8D588BA92}" srcOrd="1" destOrd="0" parTransId="{E7569C33-962B-4170-8363-61FE68640411}" sibTransId="{3EB14C1C-535F-40C0-939B-604C18D8243B}"/>
+    <dgm:cxn modelId="{E1118D15-54B8-42D2-A08F-6458BDBA5131}" srcId="{76BE8BC5-B66A-4CC4-8B6E-A8A84CC5139F}" destId="{A4050439-ED4C-4AF1-A31D-5BB2337E0510}" srcOrd="0" destOrd="0" parTransId="{795854F4-FD6F-4A17-ACEA-07FAB17EE7EC}" sibTransId="{B6DA3FF4-D3F3-4BCF-925A-D2172606D032}"/>
+    <dgm:cxn modelId="{C4ED8F1A-2A44-41E1-B695-43AA16A62925}" type="presOf" srcId="{A4050439-ED4C-4AF1-A31D-5BB2337E0510}" destId="{BDE32922-6F61-4D8A-AEA4-9A86FC08B2AA}" srcOrd="0" destOrd="0" presId="urn:microsoft.com/office/officeart/2008/layout/TitlePictureLineup"/>
+    <dgm:cxn modelId="{4C8DB81A-8134-46B1-9975-A1ADCDD2613C}" srcId="{11E3C531-0F29-41AF-ADAC-A6608BEB4186}" destId="{C714C992-337E-46E4-89FA-17EE78265C74}" srcOrd="0" destOrd="0" parTransId="{53093080-ADD0-4352-BDED-7535878C347D}" sibTransId="{D74BF652-78C4-43B2-A3A2-6E6EF154347E}"/>
+    <dgm:cxn modelId="{3B9E272D-A171-4447-899C-C6E6FCDEB6B5}" type="presOf" srcId="{76BE8BC5-B66A-4CC4-8B6E-A8A84CC5139F}" destId="{3B7E3D42-91FD-4E3A-AD2D-B52A98EAD9C9}" srcOrd="0" destOrd="0" presId="urn:microsoft.com/office/officeart/2008/layout/TitlePictureLineup"/>
+    <dgm:cxn modelId="{BB94FB3F-59EF-4D02-BE34-F2A2529FD875}" type="presOf" srcId="{11E3C531-0F29-41AF-ADAC-A6608BEB4186}" destId="{973306D8-4216-4BD0-9B7F-1C2F08402BC0}" srcOrd="0" destOrd="0" presId="urn:microsoft.com/office/officeart/2008/layout/TitlePictureLineup"/>
+    <dgm:cxn modelId="{FBA8DC72-7729-40EC-B56F-F0DFD2BCF952}" type="presOf" srcId="{250B6E9C-50C7-4806-99D0-8BC8D588BA92}" destId="{BDE32922-6F61-4D8A-AEA4-9A86FC08B2AA}" srcOrd="0" destOrd="1" presId="urn:microsoft.com/office/officeart/2008/layout/TitlePictureLineup"/>
+    <dgm:cxn modelId="{D0033577-C027-4518-8D49-7C732FA4C73F}" type="presOf" srcId="{BFB6DF39-CD5E-43D9-9A0B-DA43837CC1EF}" destId="{BDE32922-6F61-4D8A-AEA4-9A86FC08B2AA}" srcOrd="0" destOrd="4" presId="urn:microsoft.com/office/officeart/2008/layout/TitlePictureLineup"/>
+    <dgm:cxn modelId="{F17D2278-9599-4F8E-AD1B-AD411FA5111F}" srcId="{76BE8BC5-B66A-4CC4-8B6E-A8A84CC5139F}" destId="{619FBC4A-1B48-400A-B153-6CB1E9485237}" srcOrd="2" destOrd="0" parTransId="{2B6726AD-D1A9-4984-9372-A6E09D8572E2}" sibTransId="{B59761A5-6579-4972-8FDF-F0DCF9751DA2}"/>
+    <dgm:cxn modelId="{0ABCBB79-3808-442B-B6A1-36619170BD59}" srcId="{76BE8BC5-B66A-4CC4-8B6E-A8A84CC5139F}" destId="{36EE4E65-D195-4A9B-9DAD-F4CC52B92383}" srcOrd="3" destOrd="0" parTransId="{598EABFF-3A14-4E38-9BEB-1EDE644FF9ED}" sibTransId="{F51D28BC-4E6E-4227-BE3E-E64649B32452}"/>
+    <dgm:cxn modelId="{FA4A487F-3BEB-4C98-BA7E-70CA2FAA8732}" type="presOf" srcId="{619FBC4A-1B48-400A-B153-6CB1E9485237}" destId="{BDE32922-6F61-4D8A-AEA4-9A86FC08B2AA}" srcOrd="0" destOrd="2" presId="urn:microsoft.com/office/officeart/2008/layout/TitlePictureLineup"/>
+    <dgm:cxn modelId="{EB6FFBE7-F7ED-4E57-8A56-9B6EDF16BD53}" srcId="{76BE8BC5-B66A-4CC4-8B6E-A8A84CC5139F}" destId="{BFB6DF39-CD5E-43D9-9A0B-DA43837CC1EF}" srcOrd="4" destOrd="0" parTransId="{F4497785-E2E5-48AA-815C-FF9021F00536}" sibTransId="{21D8BF78-5A4B-4A0E-8542-3BCBC3BFC48F}"/>
+    <dgm:cxn modelId="{7B3972E8-9BD9-4AB1-8E01-58002383933A}" srcId="{EC495CD0-0F7A-415E-95C8-2A33BAEA1A99}" destId="{11E3C531-0F29-41AF-ADAC-A6608BEB4186}" srcOrd="1" destOrd="0" parTransId="{83937DD0-823E-44D0-9626-D8D81EF646E4}" sibTransId="{03A717A6-645F-4045-9063-81946A0CDEEB}"/>
+    <dgm:cxn modelId="{EAA32CF0-277F-4A2A-A4B2-BAC69A1DCC71}" type="presOf" srcId="{36EE4E65-D195-4A9B-9DAD-F4CC52B92383}" destId="{BDE32922-6F61-4D8A-AEA4-9A86FC08B2AA}" srcOrd="0" destOrd="3" presId="urn:microsoft.com/office/officeart/2008/layout/TitlePictureLineup"/>
+    <dgm:cxn modelId="{542F85DF-4D79-487F-8261-98D6B54B6488}" type="presParOf" srcId="{037FCA3A-6CC2-49DC-B350-DF942D70AD57}" destId="{6BFFE4DD-197A-47B8-ACB5-3CB126673E5A}" srcOrd="0" destOrd="0" presId="urn:microsoft.com/office/officeart/2008/layout/TitlePictureLineup"/>
+    <dgm:cxn modelId="{2DF65682-24FD-41B5-B42C-F821E1AE7C28}" type="presParOf" srcId="{6BFFE4DD-197A-47B8-ACB5-3CB126673E5A}" destId="{6B8D4AD6-319B-41DD-A2E7-22581DD129B6}" srcOrd="0" destOrd="0" presId="urn:microsoft.com/office/officeart/2008/layout/TitlePictureLineup"/>
+    <dgm:cxn modelId="{BFF5CCAB-FFA4-4EA3-BF8F-2ECCDBF772D2}" type="presParOf" srcId="{6BFFE4DD-197A-47B8-ACB5-3CB126673E5A}" destId="{9B5A5693-8A82-45D8-896E-4B2922AC6669}" srcOrd="1" destOrd="0" presId="urn:microsoft.com/office/officeart/2008/layout/TitlePictureLineup"/>
+    <dgm:cxn modelId="{185EBE1A-78B6-4E21-A3CB-618AC1E5368F}" type="presParOf" srcId="{6BFFE4DD-197A-47B8-ACB5-3CB126673E5A}" destId="{BDE32922-6F61-4D8A-AEA4-9A86FC08B2AA}" srcOrd="2" destOrd="0" presId="urn:microsoft.com/office/officeart/2008/layout/TitlePictureLineup"/>
+    <dgm:cxn modelId="{FAAFBBE3-D783-4E64-8E9C-A346F93C6C4E}" type="presParOf" srcId="{6BFFE4DD-197A-47B8-ACB5-3CB126673E5A}" destId="{3B7E3D42-91FD-4E3A-AD2D-B52A98EAD9C9}" srcOrd="3" destOrd="0" presId="urn:microsoft.com/office/officeart/2008/layout/TitlePictureLineup"/>
+    <dgm:cxn modelId="{0AEDC370-151C-4117-9E91-9B3950FA675B}" type="presParOf" srcId="{037FCA3A-6CC2-49DC-B350-DF942D70AD57}" destId="{9D51D8DE-DF1D-43C7-B227-9D4970792896}" srcOrd="1" destOrd="0" presId="urn:microsoft.com/office/officeart/2008/layout/TitlePictureLineup"/>
+    <dgm:cxn modelId="{D8C209AB-B3EA-4C5D-B1A0-AC52AD6E10FA}" type="presParOf" srcId="{037FCA3A-6CC2-49DC-B350-DF942D70AD57}" destId="{E2E397CC-B355-43A4-AA5F-7B8CE1A76B08}" srcOrd="2" destOrd="0" presId="urn:microsoft.com/office/officeart/2008/layout/TitlePictureLineup"/>
+    <dgm:cxn modelId="{2E3E00BF-F945-4655-AF9A-56A62741C0C5}" type="presParOf" srcId="{E2E397CC-B355-43A4-AA5F-7B8CE1A76B08}" destId="{1B702688-67C2-40DD-AD56-CDEC6F269C9A}" srcOrd="0" destOrd="0" presId="urn:microsoft.com/office/officeart/2008/layout/TitlePictureLineup"/>
+    <dgm:cxn modelId="{A0EFBAA6-E4D2-4195-9B66-D9FFB1AC34E8}" type="presParOf" srcId="{E2E397CC-B355-43A4-AA5F-7B8CE1A76B08}" destId="{CC130716-F18A-4FD8-88AF-4E00C2B13F27}" srcOrd="1" destOrd="0" presId="urn:microsoft.com/office/officeart/2008/layout/TitlePictureLineup"/>
+    <dgm:cxn modelId="{F13327B7-E8FF-41EE-9B73-F318AE90623F}" type="presParOf" srcId="{E2E397CC-B355-43A4-AA5F-7B8CE1A76B08}" destId="{FECA3DFB-0B67-4D26-8BA2-E5787C3B6603}" srcOrd="2" destOrd="0" presId="urn:microsoft.com/office/officeart/2008/layout/TitlePictureLineup"/>
+    <dgm:cxn modelId="{2B9126A3-0FA7-4D03-9862-5905C84A861B}" type="presParOf" srcId="{E2E397CC-B355-43A4-AA5F-7B8CE1A76B08}" destId="{973306D8-4216-4BD0-9B7F-1C2F08402BC0}" srcOrd="3" destOrd="0" presId="urn:microsoft.com/office/officeart/2008/layout/TitlePictureLineup"/>
+  </dgm:cxnLst>
+  <dgm:bg/>
+  <dgm:whole/>
+  <dgm:extLst>
+    <a:ext uri="http://schemas.microsoft.com/office/drawing/2008/diagram">
+      <dsp:dataModelExt xmlns:dsp="http://schemas.microsoft.com/office/drawing/2008/diagram" relId="rId6" minVer="http://schemas.openxmlformats.org/drawingml/2006/diagram"/>
+    </a:ext>
+  </dgm:extLst>
+</dgm:dataModel>
+</file>
+
+<file path=ppt/diagrams/drawing1.xml><?xml version="1.0" encoding="utf-8"?>
+<dsp:drawing xmlns:dgm="http://schemas.openxmlformats.org/drawingml/2006/diagram" xmlns:dsp="http://schemas.microsoft.com/office/drawing/2008/diagram" xmlns:a="http://schemas.openxmlformats.org/drawingml/2006/main">
+  <dsp:spTree>
+    <dsp:nvGrpSpPr>
+      <dsp:cNvPr id="0" name=""/>
+      <dsp:cNvGrpSpPr/>
+    </dsp:nvGrpSpPr>
+    <dsp:grpSpPr/>
+    <dsp:sp modelId="{6B8D4AD6-319B-41DD-A2E7-22581DD129B6}">
+      <dsp:nvSpPr>
+        <dsp:cNvPr id="0" name=""/>
+        <dsp:cNvSpPr/>
+      </dsp:nvSpPr>
+      <dsp:spPr>
+        <a:xfrm>
+          <a:off x="1235717" y="440081"/>
+          <a:ext cx="0" cy="3960736"/>
+        </a:xfrm>
+        <a:prstGeom prst="line">
+          <a:avLst/>
+        </a:prstGeom>
+        <a:solidFill>
+          <a:schemeClr val="lt1">
+            <a:alpha val="90000"/>
+            <a:hueOff val="0"/>
+            <a:satOff val="0"/>
+            <a:lumOff val="0"/>
+            <a:alphaOff val="0"/>
+          </a:schemeClr>
+        </a:solidFill>
+        <a:ln w="19050" cap="rnd" cmpd="sng" algn="ctr">
+          <a:solidFill>
+            <a:schemeClr val="accent2">
+              <a:hueOff val="0"/>
+              <a:satOff val="0"/>
+              <a:lumOff val="0"/>
+              <a:alphaOff val="0"/>
+            </a:schemeClr>
+          </a:solidFill>
+          <a:prstDash val="solid"/>
+        </a:ln>
+        <a:effectLst/>
+      </dsp:spPr>
+      <dsp:style>
+        <a:lnRef idx="2">
+          <a:scrgbClr r="0" g="0" b="0"/>
+        </a:lnRef>
+        <a:fillRef idx="1">
+          <a:scrgbClr r="0" g="0" b="0"/>
+        </a:fillRef>
+        <a:effectRef idx="0">
+          <a:scrgbClr r="0" g="0" b="0"/>
+        </a:effectRef>
+        <a:fontRef idx="minor"/>
+      </dsp:style>
+    </dsp:sp>
+    <dsp:sp modelId="{9B5A5693-8A82-45D8-896E-4B2922AC6669}">
+      <dsp:nvSpPr>
+        <dsp:cNvPr id="0" name=""/>
+        <dsp:cNvSpPr/>
+      </dsp:nvSpPr>
+      <dsp:spPr>
+        <a:xfrm>
+          <a:off x="1345738" y="572106"/>
+          <a:ext cx="2083127" cy="1782331"/>
+        </a:xfrm>
+        <a:prstGeom prst="rect">
+          <a:avLst/>
+        </a:prstGeom>
+        <a:solidFill>
+          <a:schemeClr val="accent2">
+            <a:hueOff val="0"/>
+            <a:satOff val="0"/>
+            <a:lumOff val="0"/>
+            <a:alphaOff val="0"/>
+          </a:schemeClr>
+        </a:solidFill>
+        <a:ln w="19050" cap="rnd" cmpd="sng" algn="ctr">
+          <a:solidFill>
+            <a:schemeClr val="lt1">
+              <a:hueOff val="0"/>
+              <a:satOff val="0"/>
+              <a:lumOff val="0"/>
+              <a:alphaOff val="0"/>
+            </a:schemeClr>
+          </a:solidFill>
+          <a:prstDash val="solid"/>
+        </a:ln>
+        <a:effectLst/>
+      </dsp:spPr>
+      <dsp:style>
+        <a:lnRef idx="2">
+          <a:scrgbClr r="0" g="0" b="0"/>
+        </a:lnRef>
+        <a:fillRef idx="1">
+          <a:scrgbClr r="0" g="0" b="0"/>
+        </a:fillRef>
+        <a:effectRef idx="0">
+          <a:scrgbClr r="0" g="0" b="0"/>
+        </a:effectRef>
+        <a:fontRef idx="minor">
+          <a:schemeClr val="lt1"/>
+        </a:fontRef>
+      </dsp:style>
+    </dsp:sp>
+    <dsp:sp modelId="{BDE32922-6F61-4D8A-AEA4-9A86FC08B2AA}">
+      <dsp:nvSpPr>
+        <dsp:cNvPr id="0" name=""/>
+        <dsp:cNvSpPr/>
+      </dsp:nvSpPr>
+      <dsp:spPr>
+        <a:xfrm>
+          <a:off x="1293722" y="2354437"/>
+          <a:ext cx="2730771" cy="2046380"/>
+        </a:xfrm>
+        <a:prstGeom prst="rect">
+          <a:avLst/>
+        </a:prstGeom>
+        <a:noFill/>
+        <a:ln>
+          <a:noFill/>
+        </a:ln>
+        <a:effectLst/>
+      </dsp:spPr>
+      <dsp:style>
+        <a:lnRef idx="0">
+          <a:scrgbClr r="0" g="0" b="0"/>
+        </a:lnRef>
+        <a:fillRef idx="0">
+          <a:scrgbClr r="0" g="0" b="0"/>
+        </a:fillRef>
+        <a:effectRef idx="0">
+          <a:scrgbClr r="0" g="0" b="0"/>
+        </a:effectRef>
+        <a:fontRef idx="minor"/>
+      </dsp:style>
+      <dsp:txBody>
+        <a:bodyPr spcFirstLastPara="0" vert="horz" wrap="square" lIns="45720" tIns="45720" rIns="45720" bIns="45720" numCol="1" spcCol="1270" anchor="t" anchorCtr="0">
+          <a:noAutofit/>
+        </a:bodyPr>
+        <a:lstStyle/>
+        <a:p>
+          <a:pPr marL="0" lvl="0" indent="0" algn="ctr" defTabSz="800100">
+            <a:lnSpc>
+              <a:spcPct val="90000"/>
+            </a:lnSpc>
+            <a:spcBef>
+              <a:spcPct val="0"/>
+            </a:spcBef>
+            <a:spcAft>
+              <a:spcPct val="35000"/>
+            </a:spcAft>
+            <a:buNone/>
+          </a:pPr>
+          <a:r>
+            <a:rPr lang="fr-FR" sz="1800" kern="1200" dirty="0"/>
+            <a:t>Simple, intuitif, gratuit, multiplateforme</a:t>
+          </a:r>
+        </a:p>
+      </dsp:txBody>
+      <dsp:txXfrm>
+        <a:off x="1293722" y="2354437"/>
+        <a:ext cx="2730771" cy="2046380"/>
+      </dsp:txXfrm>
+    </dsp:sp>
+    <dsp:sp modelId="{3B7E3D42-91FD-4E3A-AD2D-B52A98EAD9C9}">
+      <dsp:nvSpPr>
+        <dsp:cNvPr id="0" name=""/>
+        <dsp:cNvSpPr/>
+      </dsp:nvSpPr>
+      <dsp:spPr>
+        <a:xfrm>
+          <a:off x="1235717" y="0"/>
+          <a:ext cx="2200409" cy="440081"/>
+        </a:xfrm>
+        <a:prstGeom prst="rect">
+          <a:avLst/>
+        </a:prstGeom>
+        <a:solidFill>
+          <a:schemeClr val="accent2">
+            <a:hueOff val="0"/>
+            <a:satOff val="0"/>
+            <a:lumOff val="0"/>
+            <a:alphaOff val="0"/>
+          </a:schemeClr>
+        </a:solidFill>
+        <a:ln w="19050" cap="rnd" cmpd="sng" algn="ctr">
+          <a:solidFill>
+            <a:schemeClr val="accent2">
+              <a:hueOff val="0"/>
+              <a:satOff val="0"/>
+              <a:lumOff val="0"/>
+              <a:alphaOff val="0"/>
+            </a:schemeClr>
+          </a:solidFill>
+          <a:prstDash val="solid"/>
+        </a:ln>
+        <a:effectLst/>
+      </dsp:spPr>
+      <dsp:style>
+        <a:lnRef idx="2">
+          <a:scrgbClr r="0" g="0" b="0"/>
+        </a:lnRef>
+        <a:fillRef idx="1">
+          <a:scrgbClr r="0" g="0" b="0"/>
+        </a:fillRef>
+        <a:effectRef idx="0">
+          <a:scrgbClr r="0" g="0" b="0"/>
+        </a:effectRef>
+        <a:fontRef idx="minor">
+          <a:schemeClr val="lt1"/>
+        </a:fontRef>
+      </dsp:style>
+      <dsp:txBody>
+        <a:bodyPr spcFirstLastPara="0" vert="horz" wrap="square" lIns="50800" tIns="50800" rIns="50800" bIns="50800" numCol="1" spcCol="1270" anchor="ctr" anchorCtr="0">
+          <a:noAutofit/>
+        </a:bodyPr>
+        <a:lstStyle/>
+        <a:p>
+          <a:pPr marL="0" lvl="0" indent="0" algn="ctr" defTabSz="889000">
+            <a:lnSpc>
+              <a:spcPct val="90000"/>
+            </a:lnSpc>
+            <a:spcBef>
+              <a:spcPct val="0"/>
+            </a:spcBef>
+            <a:spcAft>
+              <a:spcPct val="35000"/>
+            </a:spcAft>
+            <a:buNone/>
+          </a:pPr>
+          <a:r>
+            <a:rPr lang="fr-FR" sz="2000" kern="1200" dirty="0" err="1"/>
+            <a:t>Netbeans</a:t>
+          </a:r>
+          <a:endParaRPr lang="fr-FR" sz="3600" kern="1200" dirty="0"/>
+        </a:p>
+      </dsp:txBody>
+      <dsp:txXfrm>
+        <a:off x="1235717" y="0"/>
+        <a:ext cx="2200409" cy="440081"/>
+      </dsp:txXfrm>
+    </dsp:sp>
+    <dsp:sp modelId="{1B702688-67C2-40DD-AD56-CDEC6F269C9A}">
+      <dsp:nvSpPr>
+        <dsp:cNvPr id="0" name=""/>
+        <dsp:cNvSpPr/>
+      </dsp:nvSpPr>
+      <dsp:spPr>
+        <a:xfrm>
+          <a:off x="4376393" y="440081"/>
+          <a:ext cx="0" cy="3960736"/>
+        </a:xfrm>
+        <a:prstGeom prst="line">
+          <a:avLst/>
+        </a:prstGeom>
+        <a:solidFill>
+          <a:schemeClr val="lt1">
+            <a:alpha val="90000"/>
+            <a:hueOff val="0"/>
+            <a:satOff val="0"/>
+            <a:lumOff val="0"/>
+            <a:alphaOff val="0"/>
+          </a:schemeClr>
+        </a:solidFill>
+        <a:ln w="19050" cap="rnd" cmpd="sng" algn="ctr">
+          <a:solidFill>
+            <a:schemeClr val="accent2">
+              <a:hueOff val="0"/>
+              <a:satOff val="0"/>
+              <a:lumOff val="0"/>
+              <a:alphaOff val="0"/>
+            </a:schemeClr>
+          </a:solidFill>
+          <a:prstDash val="solid"/>
+        </a:ln>
+        <a:effectLst/>
+      </dsp:spPr>
+      <dsp:style>
+        <a:lnRef idx="2">
+          <a:scrgbClr r="0" g="0" b="0"/>
+        </a:lnRef>
+        <a:fillRef idx="1">
+          <a:scrgbClr r="0" g="0" b="0"/>
+        </a:fillRef>
+        <a:effectRef idx="0">
+          <a:scrgbClr r="0" g="0" b="0"/>
+        </a:effectRef>
+        <a:fontRef idx="minor"/>
+      </dsp:style>
+    </dsp:sp>
+    <dsp:sp modelId="{CC130716-F18A-4FD8-88AF-4E00C2B13F27}">
+      <dsp:nvSpPr>
+        <dsp:cNvPr id="0" name=""/>
+        <dsp:cNvSpPr/>
+      </dsp:nvSpPr>
+      <dsp:spPr>
+        <a:xfrm>
+          <a:off x="4486414" y="572106"/>
+          <a:ext cx="2083127" cy="1782331"/>
+        </a:xfrm>
+        <a:prstGeom prst="rect">
+          <a:avLst/>
+        </a:prstGeom>
+        <a:solidFill>
+          <a:schemeClr val="accent2">
+            <a:hueOff val="0"/>
+            <a:satOff val="0"/>
+            <a:lumOff val="0"/>
+            <a:alphaOff val="0"/>
+          </a:schemeClr>
+        </a:solidFill>
+        <a:ln w="19050" cap="rnd" cmpd="sng" algn="ctr">
+          <a:solidFill>
+            <a:schemeClr val="lt1">
+              <a:hueOff val="0"/>
+              <a:satOff val="0"/>
+              <a:lumOff val="0"/>
+              <a:alphaOff val="0"/>
+            </a:schemeClr>
+          </a:solidFill>
+          <a:prstDash val="solid"/>
+        </a:ln>
+        <a:effectLst/>
+      </dsp:spPr>
+      <dsp:style>
+        <a:lnRef idx="2">
+          <a:scrgbClr r="0" g="0" b="0"/>
+        </a:lnRef>
+        <a:fillRef idx="1">
+          <a:scrgbClr r="0" g="0" b="0"/>
+        </a:fillRef>
+        <a:effectRef idx="0">
+          <a:scrgbClr r="0" g="0" b="0"/>
+        </a:effectRef>
+        <a:fontRef idx="minor">
+          <a:schemeClr val="lt1"/>
+        </a:fontRef>
+      </dsp:style>
+    </dsp:sp>
+    <dsp:sp modelId="{FECA3DFB-0B67-4D26-8BA2-E5787C3B6603}">
+      <dsp:nvSpPr>
+        <dsp:cNvPr id="0" name=""/>
+        <dsp:cNvSpPr/>
+      </dsp:nvSpPr>
+      <dsp:spPr>
+        <a:xfrm>
+          <a:off x="4413994" y="2342589"/>
+          <a:ext cx="2757706" cy="2046380"/>
+        </a:xfrm>
+        <a:prstGeom prst="rect">
+          <a:avLst/>
+        </a:prstGeom>
+        <a:noFill/>
+        <a:ln>
+          <a:noFill/>
+        </a:ln>
+        <a:effectLst/>
+      </dsp:spPr>
+      <dsp:style>
+        <a:lnRef idx="0">
+          <a:scrgbClr r="0" g="0" b="0"/>
+        </a:lnRef>
+        <a:fillRef idx="0">
+          <a:scrgbClr r="0" g="0" b="0"/>
+        </a:fillRef>
+        <a:effectRef idx="0">
+          <a:scrgbClr r="0" g="0" b="0"/>
+        </a:effectRef>
+        <a:fontRef idx="minor"/>
+      </dsp:style>
+      <dsp:txBody>
+        <a:bodyPr spcFirstLastPara="0" vert="horz" wrap="square" lIns="45720" tIns="45720" rIns="45720" bIns="45720" numCol="1" spcCol="1270" anchor="t" anchorCtr="0">
+          <a:noAutofit/>
+        </a:bodyPr>
+        <a:lstStyle/>
+        <a:p>
+          <a:pPr marL="0" lvl="0" indent="0" algn="ctr" defTabSz="800100">
+            <a:lnSpc>
+              <a:spcPct val="90000"/>
+            </a:lnSpc>
+            <a:spcBef>
+              <a:spcPct val="0"/>
+            </a:spcBef>
+            <a:spcAft>
+              <a:spcPct val="35000"/>
+            </a:spcAft>
+            <a:buNone/>
+          </a:pPr>
+          <a:r>
+            <a:rPr lang="fr-FR" sz="1800" kern="1200" dirty="0">
+              <a:latin typeface="Trebuchet MS" panose="020B0603020202020204"/>
+              <a:ea typeface="+mn-ea"/>
+              <a:cs typeface="+mn-cs"/>
+            </a:rPr>
+            <a:t>Open Source, Facile, rapide et performant, Cross Platform, Sécurité des données.</a:t>
+          </a:r>
+        </a:p>
+      </dsp:txBody>
+      <dsp:txXfrm>
+        <a:off x="4413994" y="2342589"/>
+        <a:ext cx="2757706" cy="2046380"/>
+      </dsp:txXfrm>
+    </dsp:sp>
+    <dsp:sp modelId="{973306D8-4216-4BD0-9B7F-1C2F08402BC0}">
+      <dsp:nvSpPr>
+        <dsp:cNvPr id="0" name=""/>
+        <dsp:cNvSpPr/>
+      </dsp:nvSpPr>
+      <dsp:spPr>
+        <a:xfrm>
+          <a:off x="4376393" y="0"/>
+          <a:ext cx="2200409" cy="440081"/>
+        </a:xfrm>
+        <a:prstGeom prst="rect">
+          <a:avLst/>
+        </a:prstGeom>
+        <a:solidFill>
+          <a:schemeClr val="accent2">
+            <a:hueOff val="0"/>
+            <a:satOff val="0"/>
+            <a:lumOff val="0"/>
+            <a:alphaOff val="0"/>
+          </a:schemeClr>
+        </a:solidFill>
+        <a:ln w="19050" cap="rnd" cmpd="sng" algn="ctr">
+          <a:solidFill>
+            <a:schemeClr val="accent2">
+              <a:hueOff val="0"/>
+              <a:satOff val="0"/>
+              <a:lumOff val="0"/>
+              <a:alphaOff val="0"/>
+            </a:schemeClr>
+          </a:solidFill>
+          <a:prstDash val="solid"/>
+        </a:ln>
+        <a:effectLst/>
+      </dsp:spPr>
+      <dsp:style>
+        <a:lnRef idx="2">
+          <a:scrgbClr r="0" g="0" b="0"/>
+        </a:lnRef>
+        <a:fillRef idx="1">
+          <a:scrgbClr r="0" g="0" b="0"/>
+        </a:fillRef>
+        <a:effectRef idx="0">
+          <a:scrgbClr r="0" g="0" b="0"/>
+        </a:effectRef>
+        <a:fontRef idx="minor">
+          <a:schemeClr val="lt1"/>
+        </a:fontRef>
+      </dsp:style>
+      <dsp:txBody>
+        <a:bodyPr spcFirstLastPara="0" vert="horz" wrap="square" lIns="50800" tIns="50800" rIns="50800" bIns="50800" numCol="1" spcCol="1270" anchor="ctr" anchorCtr="0">
+          <a:noAutofit/>
+        </a:bodyPr>
+        <a:lstStyle/>
+        <a:p>
+          <a:pPr marL="0" lvl="0" indent="0" algn="ctr" defTabSz="889000">
+            <a:lnSpc>
+              <a:spcPct val="90000"/>
+            </a:lnSpc>
+            <a:spcBef>
+              <a:spcPct val="0"/>
+            </a:spcBef>
+            <a:spcAft>
+              <a:spcPct val="35000"/>
+            </a:spcAft>
+            <a:buNone/>
+          </a:pPr>
+          <a:r>
+            <a:rPr lang="fr-FR" sz="2000" kern="1200" dirty="0" err="1">
+              <a:solidFill>
+                <a:prstClr val="white"/>
+              </a:solidFill>
+              <a:latin typeface="Trebuchet MS" panose="020B0603020202020204"/>
+              <a:ea typeface="+mn-ea"/>
+              <a:cs typeface="+mn-cs"/>
+            </a:rPr>
+            <a:t>Mysq</a:t>
+          </a:r>
+          <a:r>
+            <a:rPr lang="fr-FR" sz="2000" kern="1200" dirty="0" err="1"/>
+            <a:t>l</a:t>
+          </a:r>
+          <a:endParaRPr lang="fr-FR" sz="1600" kern="1200" dirty="0"/>
+        </a:p>
+      </dsp:txBody>
+      <dsp:txXfrm>
+        <a:off x="4376393" y="0"/>
+        <a:ext cx="2200409" cy="440081"/>
+      </dsp:txXfrm>
+    </dsp:sp>
+  </dsp:spTree>
+</dsp:drawing>
+</file>
+
+<file path=ppt/diagrams/drawing2.xml><?xml version="1.0" encoding="utf-8"?>
+<dsp:drawing xmlns:dgm="http://schemas.openxmlformats.org/drawingml/2006/diagram" xmlns:dsp="http://schemas.microsoft.com/office/drawing/2008/diagram" xmlns:a="http://schemas.openxmlformats.org/drawingml/2006/main">
+  <dsp:spTree>
+    <dsp:nvGrpSpPr>
+      <dsp:cNvPr id="0" name=""/>
+      <dsp:cNvGrpSpPr/>
+    </dsp:nvGrpSpPr>
+    <dsp:grpSpPr/>
+    <dsp:sp modelId="{6B8D4AD6-319B-41DD-A2E7-22581DD129B6}">
+      <dsp:nvSpPr>
+        <dsp:cNvPr id="0" name=""/>
+        <dsp:cNvSpPr/>
+      </dsp:nvSpPr>
+      <dsp:spPr>
+        <a:xfrm>
+          <a:off x="1770716" y="488716"/>
+          <a:ext cx="0" cy="4377050"/>
+        </a:xfrm>
+        <a:prstGeom prst="line">
+          <a:avLst/>
+        </a:prstGeom>
+        <a:solidFill>
+          <a:schemeClr val="lt1">
+            <a:alpha val="90000"/>
+            <a:hueOff val="0"/>
+            <a:satOff val="0"/>
+            <a:lumOff val="0"/>
+            <a:alphaOff val="0"/>
+          </a:schemeClr>
+        </a:solidFill>
+        <a:ln w="19050" cap="rnd" cmpd="sng" algn="ctr">
+          <a:solidFill>
+            <a:schemeClr val="accent2">
+              <a:hueOff val="0"/>
+              <a:satOff val="0"/>
+              <a:lumOff val="0"/>
+              <a:alphaOff val="0"/>
+            </a:schemeClr>
+          </a:solidFill>
+          <a:prstDash val="solid"/>
+        </a:ln>
+        <a:effectLst/>
+      </dsp:spPr>
+      <dsp:style>
+        <a:lnRef idx="2">
+          <a:scrgbClr r="0" g="0" b="0"/>
+        </a:lnRef>
+        <a:fillRef idx="1">
+          <a:scrgbClr r="0" g="0" b="0"/>
+        </a:fillRef>
+        <a:effectRef idx="0">
+          <a:scrgbClr r="0" g="0" b="0"/>
+        </a:effectRef>
+        <a:fontRef idx="minor"/>
+      </dsp:style>
+    </dsp:sp>
+    <dsp:sp modelId="{9B5A5693-8A82-45D8-896E-4B2922AC6669}">
+      <dsp:nvSpPr>
+        <dsp:cNvPr id="0" name=""/>
+        <dsp:cNvSpPr/>
+      </dsp:nvSpPr>
+      <dsp:spPr>
+        <a:xfrm>
+          <a:off x="1892301" y="634617"/>
+          <a:ext cx="2302085" cy="1969672"/>
+        </a:xfrm>
+        <a:prstGeom prst="rect">
+          <a:avLst/>
+        </a:prstGeom>
+        <a:solidFill>
+          <a:schemeClr val="accent2">
+            <a:hueOff val="0"/>
+            <a:satOff val="0"/>
+            <a:lumOff val="0"/>
+            <a:alphaOff val="0"/>
+          </a:schemeClr>
+        </a:solidFill>
+        <a:ln w="19050" cap="rnd" cmpd="sng" algn="ctr">
+          <a:solidFill>
+            <a:schemeClr val="lt1">
+              <a:hueOff val="0"/>
+              <a:satOff val="0"/>
+              <a:lumOff val="0"/>
+              <a:alphaOff val="0"/>
+            </a:schemeClr>
+          </a:solidFill>
+          <a:prstDash val="solid"/>
+        </a:ln>
+        <a:effectLst/>
+      </dsp:spPr>
+      <dsp:style>
+        <a:lnRef idx="2">
+          <a:scrgbClr r="0" g="0" b="0"/>
+        </a:lnRef>
+        <a:fillRef idx="1">
+          <a:scrgbClr r="0" g="0" b="0"/>
+        </a:fillRef>
+        <a:effectRef idx="0">
+          <a:scrgbClr r="0" g="0" b="0"/>
+        </a:effectRef>
+        <a:fontRef idx="minor">
+          <a:schemeClr val="lt1"/>
+        </a:fontRef>
+      </dsp:style>
+    </dsp:sp>
+    <dsp:sp modelId="{BDE32922-6F61-4D8A-AEA4-9A86FC08B2AA}">
+      <dsp:nvSpPr>
+        <dsp:cNvPr id="0" name=""/>
+        <dsp:cNvSpPr/>
+      </dsp:nvSpPr>
+      <dsp:spPr>
+        <a:xfrm>
+          <a:off x="1817230" y="2606665"/>
+          <a:ext cx="3017804" cy="2261476"/>
+        </a:xfrm>
+        <a:prstGeom prst="rect">
+          <a:avLst/>
+        </a:prstGeom>
+        <a:noFill/>
+        <a:ln>
+          <a:noFill/>
+        </a:ln>
+        <a:effectLst/>
+      </dsp:spPr>
+      <dsp:style>
+        <a:lnRef idx="0">
+          <a:scrgbClr r="0" g="0" b="0"/>
+        </a:lnRef>
+        <a:fillRef idx="0">
+          <a:scrgbClr r="0" g="0" b="0"/>
+        </a:fillRef>
+        <a:effectRef idx="0">
+          <a:scrgbClr r="0" g="0" b="0"/>
+        </a:effectRef>
+        <a:fontRef idx="minor"/>
+      </dsp:style>
+      <dsp:txBody>
+        <a:bodyPr spcFirstLastPara="0" vert="horz" wrap="square" lIns="45720" tIns="45720" rIns="45720" bIns="45720" numCol="1" spcCol="1270" anchor="t" anchorCtr="0">
+          <a:noAutofit/>
+        </a:bodyPr>
+        <a:lstStyle/>
+        <a:p>
+          <a:pPr marL="171450" lvl="1" indent="-171450" algn="l" defTabSz="800100">
+            <a:lnSpc>
+              <a:spcPct val="90000"/>
+            </a:lnSpc>
+            <a:spcBef>
+              <a:spcPct val="0"/>
+            </a:spcBef>
+            <a:spcAft>
+              <a:spcPct val="15000"/>
+            </a:spcAft>
+            <a:buChar char="•"/>
+          </a:pPr>
+          <a:r>
+            <a:rPr lang="fr-FR" sz="1800" kern="1200" dirty="0">
+              <a:solidFill>
+                <a:prstClr val="black">
+                  <a:hueOff val="0"/>
+                  <a:satOff val="0"/>
+                  <a:lumOff val="0"/>
+                  <a:alphaOff val="0"/>
+                </a:prstClr>
+              </a:solidFill>
+              <a:latin typeface="Trebuchet MS" panose="020B0603020202020204"/>
+              <a:ea typeface="+mn-ea"/>
+              <a:cs typeface="+mn-cs"/>
+            </a:rPr>
+            <a:t>Facilité d’utilisation.</a:t>
+          </a:r>
+        </a:p>
+        <a:p>
+          <a:pPr marL="171450" lvl="1" indent="-171450" algn="l" defTabSz="800100">
+            <a:lnSpc>
+              <a:spcPct val="90000"/>
+            </a:lnSpc>
+            <a:spcBef>
+              <a:spcPct val="0"/>
+            </a:spcBef>
+            <a:spcAft>
+              <a:spcPct val="15000"/>
+            </a:spcAft>
+            <a:buChar char="•"/>
+          </a:pPr>
+          <a:r>
+            <a:rPr lang="fr-FR" sz="1800" kern="1200" dirty="0">
+              <a:solidFill>
+                <a:prstClr val="black">
+                  <a:hueOff val="0"/>
+                  <a:satOff val="0"/>
+                  <a:lumOff val="0"/>
+                  <a:alphaOff val="0"/>
+                </a:prstClr>
+              </a:solidFill>
+              <a:latin typeface="Trebuchet MS" panose="020B0603020202020204"/>
+              <a:ea typeface="+mn-ea"/>
+              <a:cs typeface="+mn-cs"/>
+            </a:rPr>
+            <a:t>Prix abordable avoisinant les 25 €.</a:t>
+          </a:r>
+        </a:p>
+        <a:p>
+          <a:pPr marL="171450" lvl="1" indent="-171450" algn="l" defTabSz="800100">
+            <a:lnSpc>
+              <a:spcPct val="90000"/>
+            </a:lnSpc>
+            <a:spcBef>
+              <a:spcPct val="0"/>
+            </a:spcBef>
+            <a:spcAft>
+              <a:spcPct val="15000"/>
+            </a:spcAft>
+            <a:buChar char="•"/>
+          </a:pPr>
+          <a:r>
+            <a:rPr lang="fr-FR" sz="1800" b="0" i="0" kern="1200" dirty="0"/>
+            <a:t>Communauté très présente.</a:t>
+          </a:r>
+          <a:endParaRPr lang="fr-FR" sz="1800" kern="1200" dirty="0">
+            <a:solidFill>
+              <a:prstClr val="black">
+                <a:hueOff val="0"/>
+                <a:satOff val="0"/>
+                <a:lumOff val="0"/>
+                <a:alphaOff val="0"/>
+              </a:prstClr>
+            </a:solidFill>
+            <a:latin typeface="Trebuchet MS" panose="020B0603020202020204"/>
+            <a:ea typeface="+mn-ea"/>
+            <a:cs typeface="+mn-cs"/>
+          </a:endParaRPr>
+        </a:p>
+        <a:p>
+          <a:pPr marL="171450" lvl="1" indent="-171450" algn="l" defTabSz="800100">
+            <a:lnSpc>
+              <a:spcPct val="90000"/>
+            </a:lnSpc>
+            <a:spcBef>
+              <a:spcPct val="0"/>
+            </a:spcBef>
+            <a:spcAft>
+              <a:spcPct val="15000"/>
+            </a:spcAft>
+            <a:buChar char="•"/>
+          </a:pPr>
+          <a:r>
+            <a:rPr lang="fr-FR" sz="1800" b="0" i="0" kern="1200" dirty="0"/>
+            <a:t>Cartes supplémentaires qui se connectent directement et facilement sur une carte Arduino.</a:t>
+          </a:r>
+          <a:endParaRPr lang="fr-FR" sz="1800" kern="1200" dirty="0">
+            <a:solidFill>
+              <a:prstClr val="black">
+                <a:hueOff val="0"/>
+                <a:satOff val="0"/>
+                <a:lumOff val="0"/>
+                <a:alphaOff val="0"/>
+              </a:prstClr>
+            </a:solidFill>
+            <a:latin typeface="Trebuchet MS" panose="020B0603020202020204"/>
+            <a:ea typeface="+mn-ea"/>
+            <a:cs typeface="+mn-cs"/>
+          </a:endParaRPr>
+        </a:p>
+        <a:p>
+          <a:pPr marL="285750" lvl="1" indent="-285750" algn="l" defTabSz="1600200">
+            <a:lnSpc>
+              <a:spcPct val="90000"/>
+            </a:lnSpc>
+            <a:spcBef>
+              <a:spcPct val="0"/>
+            </a:spcBef>
+            <a:spcAft>
+              <a:spcPct val="15000"/>
+            </a:spcAft>
+            <a:buChar char="•"/>
+          </a:pPr>
+          <a:endParaRPr lang="fr-FR" sz="3600" kern="1200" dirty="0"/>
+        </a:p>
+      </dsp:txBody>
+      <dsp:txXfrm>
+        <a:off x="1817230" y="2606665"/>
+        <a:ext cx="3017804" cy="2261476"/>
+      </dsp:txXfrm>
+    </dsp:sp>
+    <dsp:sp modelId="{3B7E3D42-91FD-4E3A-AD2D-B52A98EAD9C9}">
+      <dsp:nvSpPr>
+        <dsp:cNvPr id="0" name=""/>
+        <dsp:cNvSpPr/>
+      </dsp:nvSpPr>
+      <dsp:spPr>
+        <a:xfrm>
+          <a:off x="1770716" y="2377"/>
+          <a:ext cx="2431694" cy="486338"/>
+        </a:xfrm>
+        <a:prstGeom prst="rect">
+          <a:avLst/>
+        </a:prstGeom>
+        <a:solidFill>
+          <a:schemeClr val="accent2">
+            <a:hueOff val="0"/>
+            <a:satOff val="0"/>
+            <a:lumOff val="0"/>
+            <a:alphaOff val="0"/>
+          </a:schemeClr>
+        </a:solidFill>
+        <a:ln w="19050" cap="rnd" cmpd="sng" algn="ctr">
+          <a:solidFill>
+            <a:schemeClr val="accent2">
+              <a:hueOff val="0"/>
+              <a:satOff val="0"/>
+              <a:lumOff val="0"/>
+              <a:alphaOff val="0"/>
+            </a:schemeClr>
+          </a:solidFill>
+          <a:prstDash val="solid"/>
+        </a:ln>
+        <a:effectLst/>
+      </dsp:spPr>
+      <dsp:style>
+        <a:lnRef idx="2">
+          <a:scrgbClr r="0" g="0" b="0"/>
+        </a:lnRef>
+        <a:fillRef idx="1">
+          <a:scrgbClr r="0" g="0" b="0"/>
+        </a:fillRef>
+        <a:effectRef idx="0">
+          <a:scrgbClr r="0" g="0" b="0"/>
+        </a:effectRef>
+        <a:fontRef idx="minor">
+          <a:schemeClr val="lt1"/>
+        </a:fontRef>
+      </dsp:style>
+      <dsp:txBody>
+        <a:bodyPr spcFirstLastPara="0" vert="horz" wrap="square" lIns="50800" tIns="50800" rIns="50800" bIns="50800" numCol="1" spcCol="1270" anchor="ctr" anchorCtr="0">
+          <a:noAutofit/>
+        </a:bodyPr>
+        <a:lstStyle/>
+        <a:p>
+          <a:pPr marL="0" lvl="0" indent="0" algn="ctr" defTabSz="889000">
+            <a:lnSpc>
+              <a:spcPct val="90000"/>
+            </a:lnSpc>
+            <a:spcBef>
+              <a:spcPct val="0"/>
+            </a:spcBef>
+            <a:spcAft>
+              <a:spcPct val="35000"/>
+            </a:spcAft>
+            <a:buNone/>
+          </a:pPr>
+          <a:r>
+            <a:rPr lang="fr-FR" sz="2000" kern="1200" dirty="0"/>
+            <a:t>Carte Arduino </a:t>
+          </a:r>
+          <a:r>
+            <a:rPr lang="fr-FR" sz="2000" kern="1200" dirty="0" err="1"/>
+            <a:t>Uno</a:t>
+          </a:r>
+          <a:endParaRPr lang="fr-FR" sz="3600" kern="1200" dirty="0"/>
+        </a:p>
+      </dsp:txBody>
+      <dsp:txXfrm>
+        <a:off x="1770716" y="2377"/>
+        <a:ext cx="2431694" cy="486338"/>
+      </dsp:txXfrm>
+    </dsp:sp>
+    <dsp:sp modelId="{1B702688-67C2-40DD-AD56-CDEC6F269C9A}">
+      <dsp:nvSpPr>
+        <dsp:cNvPr id="0" name=""/>
+        <dsp:cNvSpPr/>
+      </dsp:nvSpPr>
+      <dsp:spPr>
+        <a:xfrm>
+          <a:off x="5283660" y="488716"/>
+          <a:ext cx="0" cy="4377050"/>
+        </a:xfrm>
+        <a:prstGeom prst="line">
+          <a:avLst/>
+        </a:prstGeom>
+        <a:solidFill>
+          <a:schemeClr val="lt1">
+            <a:alpha val="90000"/>
+            <a:hueOff val="0"/>
+            <a:satOff val="0"/>
+            <a:lumOff val="0"/>
+            <a:alphaOff val="0"/>
+          </a:schemeClr>
+        </a:solidFill>
+        <a:ln w="19050" cap="rnd" cmpd="sng" algn="ctr">
+          <a:solidFill>
+            <a:schemeClr val="accent2">
+              <a:hueOff val="0"/>
+              <a:satOff val="0"/>
+              <a:lumOff val="0"/>
+              <a:alphaOff val="0"/>
+            </a:schemeClr>
+          </a:solidFill>
+          <a:prstDash val="solid"/>
+        </a:ln>
+        <a:effectLst/>
+      </dsp:spPr>
+      <dsp:style>
+        <a:lnRef idx="2">
+          <a:scrgbClr r="0" g="0" b="0"/>
+        </a:lnRef>
+        <a:fillRef idx="1">
+          <a:scrgbClr r="0" g="0" b="0"/>
+        </a:fillRef>
+        <a:effectRef idx="0">
+          <a:scrgbClr r="0" g="0" b="0"/>
+        </a:effectRef>
+        <a:fontRef idx="minor"/>
+      </dsp:style>
+    </dsp:sp>
+    <dsp:sp modelId="{CC130716-F18A-4FD8-88AF-4E00C2B13F27}">
+      <dsp:nvSpPr>
+        <dsp:cNvPr id="0" name=""/>
+        <dsp:cNvSpPr/>
+      </dsp:nvSpPr>
+      <dsp:spPr>
+        <a:xfrm>
+          <a:off x="5405244" y="634617"/>
+          <a:ext cx="2302085" cy="1969672"/>
+        </a:xfrm>
+        <a:prstGeom prst="rect">
+          <a:avLst/>
+        </a:prstGeom>
+        <a:solidFill>
+          <a:schemeClr val="accent2">
+            <a:hueOff val="0"/>
+            <a:satOff val="0"/>
+            <a:lumOff val="0"/>
+            <a:alphaOff val="0"/>
+          </a:schemeClr>
+        </a:solidFill>
+        <a:ln w="19050" cap="rnd" cmpd="sng" algn="ctr">
+          <a:solidFill>
+            <a:schemeClr val="lt1">
+              <a:hueOff val="0"/>
+              <a:satOff val="0"/>
+              <a:lumOff val="0"/>
+              <a:alphaOff val="0"/>
+            </a:schemeClr>
+          </a:solidFill>
+          <a:prstDash val="solid"/>
+        </a:ln>
+        <a:effectLst/>
+      </dsp:spPr>
+      <dsp:style>
+        <a:lnRef idx="2">
+          <a:scrgbClr r="0" g="0" b="0"/>
+        </a:lnRef>
+        <a:fillRef idx="1">
+          <a:scrgbClr r="0" g="0" b="0"/>
+        </a:fillRef>
+        <a:effectRef idx="0">
+          <a:scrgbClr r="0" g="0" b="0"/>
+        </a:effectRef>
+        <a:fontRef idx="minor">
+          <a:schemeClr val="lt1"/>
+        </a:fontRef>
+      </dsp:style>
+    </dsp:sp>
+    <dsp:sp modelId="{FECA3DFB-0B67-4D26-8BA2-E5787C3B6603}">
+      <dsp:nvSpPr>
+        <dsp:cNvPr id="0" name=""/>
+        <dsp:cNvSpPr/>
+      </dsp:nvSpPr>
+      <dsp:spPr>
+        <a:xfrm>
+          <a:off x="5325212" y="2591196"/>
+          <a:ext cx="3047570" cy="2261476"/>
+        </a:xfrm>
+        <a:prstGeom prst="rect">
+          <a:avLst/>
+        </a:prstGeom>
+        <a:noFill/>
+        <a:ln>
+          <a:noFill/>
+        </a:ln>
+        <a:effectLst/>
+      </dsp:spPr>
+      <dsp:style>
+        <a:lnRef idx="0">
+          <a:scrgbClr r="0" g="0" b="0"/>
+        </a:lnRef>
+        <a:fillRef idx="0">
+          <a:scrgbClr r="0" g="0" b="0"/>
+        </a:fillRef>
+        <a:effectRef idx="0">
+          <a:scrgbClr r="0" g="0" b="0"/>
+        </a:effectRef>
+        <a:fontRef idx="minor"/>
+      </dsp:style>
+      <dsp:txBody>
+        <a:bodyPr spcFirstLastPara="0" vert="horz" wrap="square" lIns="45720" tIns="45720" rIns="45720" bIns="45720" numCol="1" spcCol="1270" anchor="t" anchorCtr="0">
+          <a:noAutofit/>
+        </a:bodyPr>
+        <a:lstStyle/>
+        <a:p>
+          <a:pPr marL="0" lvl="0" indent="0" algn="l" defTabSz="800100">
+            <a:lnSpc>
+              <a:spcPct val="90000"/>
+            </a:lnSpc>
+            <a:spcBef>
+              <a:spcPct val="0"/>
+            </a:spcBef>
+            <a:spcAft>
+              <a:spcPct val="35000"/>
+            </a:spcAft>
+            <a:buFont typeface="Arial" panose="020B0604020202020204" pitchFamily="34" charset="0"/>
+            <a:buNone/>
+          </a:pPr>
+          <a:endParaRPr lang="fr-FR" sz="1800" b="0" i="0" kern="1200" dirty="0">
+            <a:solidFill>
+              <a:prstClr val="black">
+                <a:hueOff val="0"/>
+                <a:satOff val="0"/>
+                <a:lumOff val="0"/>
+                <a:alphaOff val="0"/>
+              </a:prstClr>
+            </a:solidFill>
+            <a:latin typeface="Trebuchet MS" panose="020B0603020202020204"/>
+            <a:ea typeface="+mn-ea"/>
+            <a:cs typeface="+mn-cs"/>
+          </a:endParaRPr>
+        </a:p>
+      </dsp:txBody>
+      <dsp:txXfrm>
+        <a:off x="5325212" y="2591196"/>
+        <a:ext cx="3047570" cy="2261476"/>
+      </dsp:txXfrm>
+    </dsp:sp>
+    <dsp:sp modelId="{973306D8-4216-4BD0-9B7F-1C2F08402BC0}">
+      <dsp:nvSpPr>
+        <dsp:cNvPr id="0" name=""/>
+        <dsp:cNvSpPr/>
+      </dsp:nvSpPr>
+      <dsp:spPr>
+        <a:xfrm>
+          <a:off x="5283660" y="2377"/>
+          <a:ext cx="2431694" cy="486338"/>
+        </a:xfrm>
+        <a:prstGeom prst="rect">
+          <a:avLst/>
+        </a:prstGeom>
+        <a:solidFill>
+          <a:schemeClr val="accent2">
+            <a:hueOff val="0"/>
+            <a:satOff val="0"/>
+            <a:lumOff val="0"/>
+            <a:alphaOff val="0"/>
+          </a:schemeClr>
+        </a:solidFill>
+        <a:ln w="19050" cap="rnd" cmpd="sng" algn="ctr">
+          <a:solidFill>
+            <a:schemeClr val="accent2">
+              <a:hueOff val="0"/>
+              <a:satOff val="0"/>
+              <a:lumOff val="0"/>
+              <a:alphaOff val="0"/>
+            </a:schemeClr>
+          </a:solidFill>
+          <a:prstDash val="solid"/>
+        </a:ln>
+        <a:effectLst/>
+      </dsp:spPr>
+      <dsp:style>
+        <a:lnRef idx="2">
+          <a:scrgbClr r="0" g="0" b="0"/>
+        </a:lnRef>
+        <a:fillRef idx="1">
+          <a:scrgbClr r="0" g="0" b="0"/>
+        </a:fillRef>
+        <a:effectRef idx="0">
+          <a:scrgbClr r="0" g="0" b="0"/>
+        </a:effectRef>
+        <a:fontRef idx="minor">
+          <a:schemeClr val="lt1"/>
+        </a:fontRef>
+      </dsp:style>
+      <dsp:txBody>
+        <a:bodyPr spcFirstLastPara="0" vert="horz" wrap="square" lIns="50800" tIns="50800" rIns="50800" bIns="50800" numCol="1" spcCol="1270" anchor="ctr" anchorCtr="0">
+          <a:noAutofit/>
+        </a:bodyPr>
+        <a:lstStyle/>
+        <a:p>
+          <a:pPr marL="0" lvl="0" indent="0" algn="ctr" defTabSz="889000">
+            <a:lnSpc>
+              <a:spcPct val="90000"/>
+            </a:lnSpc>
+            <a:spcBef>
+              <a:spcPct val="0"/>
+            </a:spcBef>
+            <a:spcAft>
+              <a:spcPct val="35000"/>
+            </a:spcAft>
+            <a:buNone/>
+          </a:pPr>
+          <a:r>
+            <a:rPr lang="fr-FR" sz="2000" kern="1200" dirty="0">
+              <a:solidFill>
+                <a:prstClr val="white"/>
+              </a:solidFill>
+              <a:latin typeface="Trebuchet MS" panose="020B0603020202020204"/>
+              <a:ea typeface="+mn-ea"/>
+              <a:cs typeface="+mn-cs"/>
+            </a:rPr>
+            <a:t>Langage Arduino</a:t>
+          </a:r>
+          <a:endParaRPr lang="fr-FR" sz="1600" kern="1200" dirty="0"/>
+        </a:p>
+      </dsp:txBody>
+      <dsp:txXfrm>
+        <a:off x="5283660" y="2377"/>
+        <a:ext cx="2431694" cy="486338"/>
+      </dsp:txXfrm>
+    </dsp:sp>
+  </dsp:spTree>
+</dsp:drawing>
+</file>
+
+<file path=ppt/diagrams/layout1.xml><?xml version="1.0" encoding="utf-8"?>
+<dgm:layoutDef xmlns:dgm="http://schemas.openxmlformats.org/drawingml/2006/diagram" xmlns:a="http://schemas.openxmlformats.org/drawingml/2006/main" uniqueId="urn:microsoft.com/office/officeart/2008/layout/TitlePictureLineup">
+  <dgm:title val=""/>
+  <dgm:desc val=""/>
+  <dgm:catLst>
+    <dgm:cat type="picture" pri="18000"/>
+    <dgm:cat type="pictureconvert" pri="18000"/>
+  </dgm:catLst>
+  <dgm:sampData>
+    <dgm:dataModel>
+      <dgm:ptLst>
+        <dgm:pt modelId="0" type="doc"/>
+        <dgm:pt modelId="10">
+          <dgm:prSet phldr="1"/>
+        </dgm:pt>
+        <dgm:pt modelId="11">
+          <dgm:prSet phldr="1"/>
+        </dgm:pt>
+        <dgm:pt modelId="20">
+          <dgm:prSet phldr="1"/>
+        </dgm:pt>
+        <dgm:pt modelId="21">
+          <dgm:prSet phldr="1"/>
+        </dgm:pt>
+        <dgm:pt modelId="30">
+          <dgm:prSet phldr="1"/>
+        </dgm:pt>
+        <dgm:pt modelId="31">
+          <dgm:prSet phldr="1"/>
+        </dgm:pt>
+      </dgm:ptLst>
+      <dgm:cxnLst>
+        <dgm:cxn modelId="40" srcId="0" destId="10" srcOrd="0" destOrd="0"/>
+        <dgm:cxn modelId="12" srcId="10" destId="11" srcOrd="0" destOrd="0"/>
+        <dgm:cxn modelId="50" srcId="0" destId="20" srcOrd="1" destOrd="0"/>
+        <dgm:cxn modelId="22" srcId="20" destId="21" srcOrd="0" destOrd="0"/>
+        <dgm:cxn modelId="60" srcId="0" destId="30" srcOrd="1" destOrd="0"/>
+        <dgm:cxn modelId="32" srcId="30" destId="31" srcOrd="0" destOrd="0"/>
+      </dgm:cxnLst>
+      <dgm:bg/>
+      <dgm:whole/>
+    </dgm:dataModel>
+  </dgm:sampData>
+  <dgm:styleData>
+    <dgm:dataModel>
+      <dgm:ptLst>
+        <dgm:pt modelId="0" type="doc"/>
+        <dgm:pt modelId="10">
+          <dgm:prSet phldr="1"/>
+        </dgm:pt>
+        <dgm:pt modelId="20">
+          <dgm:prSet phldr="1"/>
+        </dgm:pt>
+      </dgm:ptLst>
+      <dgm:cxnLst>
+        <dgm:cxn modelId="40" srcId="0" destId="10" srcOrd="0" destOrd="0"/>
+        <dgm:cxn modelId="50" srcId="0" destId="20" srcOrd="1" destOrd="0"/>
+      </dgm:cxnLst>
+      <dgm:bg/>
+      <dgm:whole/>
+    </dgm:dataModel>
+  </dgm:styleData>
+  <dgm:clrData>
+    <dgm:dataModel>
+      <dgm:ptLst>
+        <dgm:pt modelId="0" type="doc"/>
+        <dgm:pt modelId="10">
+          <dgm:prSet phldr="1"/>
+        </dgm:pt>
+        <dgm:pt modelId="20">
+          <dgm:prSet phldr="1"/>
+        </dgm:pt>
+        <dgm:pt modelId="30">
+          <dgm:prSet phldr="1"/>
+        </dgm:pt>
+        <dgm:pt modelId="40">
+          <dgm:prSet phldr="1"/>
+        </dgm:pt>
+      </dgm:ptLst>
+      <dgm:cxnLst>
+        <dgm:cxn modelId="50" srcId="0" destId="10" srcOrd="0" destOrd="0"/>
+        <dgm:cxn modelId="60" srcId="0" destId="20" srcOrd="1" destOrd="0"/>
+        <dgm:cxn modelId="70" srcId="0" destId="30" srcOrd="2" destOrd="0"/>
+        <dgm:cxn modelId="80" srcId="0" destId="40" srcOrd="3" destOrd="0"/>
+      </dgm:cxnLst>
+      <dgm:bg/>
+      <dgm:whole/>
+    </dgm:dataModel>
+  </dgm:clrData>
+  <dgm:layoutNode name="Name0">
+    <dgm:varLst>
+      <dgm:dir/>
+    </dgm:varLst>
+    <dgm:choose name="Name1">
+      <dgm:if name="Name2" func="var" arg="dir" op="equ" val="norm">
+        <dgm:alg type="lin">
+          <dgm:param type="linDir" val="fromL"/>
+          <dgm:param type="fallback" val="1D"/>
+          <dgm:param type="horzAlign" val="ctr"/>
+          <dgm:param type="vertAlign" val="mid"/>
+          <dgm:param type="nodeVertAlign" val="t"/>
+        </dgm:alg>
+      </dgm:if>
+      <dgm:else name="Name3">
+        <dgm:alg type="lin">
+          <dgm:param type="linDir" val="fromR"/>
+          <dgm:param type="fallback" val="1D"/>
+          <dgm:param type="horzAlign" val="ctr"/>
+          <dgm:param type="vertAlign" val="mid"/>
+          <dgm:param type="nodeVertAlign" val="t"/>
+        </dgm:alg>
+      </dgm:else>
+    </dgm:choose>
+    <dgm:shape xmlns:r="http://schemas.openxmlformats.org/officeDocument/2006/relationships" r:blip="">
+      <dgm:adjLst/>
+    </dgm:shape>
+    <dgm:constrLst>
+      <dgm:constr type="h" for="des" forName="Child" op="equ"/>
+      <dgm:constr type="w" for="des" forName="Child" op="equ"/>
+      <dgm:constr type="h" for="des" forName="Accent" op="equ"/>
+      <dgm:constr type="w" for="des" forName="Accent" op="equ"/>
+      <dgm:constr type="primFontSz" for="des" forName="Parent" op="equ"/>
+      <dgm:constr type="primFontSz" for="des" forName="Child" op="equ"/>
+      <dgm:constr type="w" for="ch" forName="composite" refType="w"/>
+      <dgm:constr type="h" for="ch" forName="composite" refType="h"/>
+      <dgm:constr type="sp" refType="w" refFor="ch" refForName="composite" op="equ" fact="0.1"/>
+      <dgm:constr type="w" for="ch" forName="sibTrans" refType="w" refFor="ch" refForName="composite" op="equ" fact="0.05"/>
+      <dgm:constr type="h" for="ch" forName="sibTrans" refType="w" refFor="ch" refForName="sibTrans" op="equ"/>
+    </dgm:constrLst>
+    <dgm:forEach name="nodesForEach" axis="ch" ptType="node">
+      <dgm:layoutNode name="composite">
+        <dgm:alg type="composite">
+          <dgm:param type="ar" val="0.5"/>
+        </dgm:alg>
+        <dgm:shape xmlns:r="http://schemas.openxmlformats.org/officeDocument/2006/relationships" r:blip="">
+          <dgm:adjLst/>
+        </dgm:shape>
+        <dgm:choose name="Name4">
+          <dgm:if name="Name5" func="var" arg="dir" op="equ" val="norm">
+            <dgm:constrLst>
+              <dgm:constr type="l" for="ch" forName="Parent" refType="w" fact="0"/>
+              <dgm:constr type="t" for="ch" forName="Parent" refType="h" fact="0"/>
+              <dgm:constr type="w" for="ch" forName="Parent" refType="w"/>
+              <dgm:constr type="h" for="ch" forName="Parent" refType="h" fact="0.1"/>
+              <dgm:constr type="l" for="ch" forName="Accent" refType="w" fact="0"/>
+              <dgm:constr type="b" for="ch" forName="Accent" refType="h"/>
+              <dgm:constr type="w" for="ch" forName="Accent" refType="w" fact="0"/>
+              <dgm:constr type="h" for="ch" forName="Accent" refType="h" fact="0.9"/>
+              <dgm:constr type="l" for="ch" forName="Image" refType="w" fact="0.05"/>
+              <dgm:constr type="t" for="ch" forName="Image" refType="h" fact="0.13"/>
+              <dgm:constr type="w" for="ch" forName="Image" refType="w" fact="0.9467"/>
+              <dgm:constr type="h" for="ch" forName="Image" refType="h" fact="0.405"/>
+              <dgm:constr type="l" for="ch" forName="Child" refType="w" fact="0.05"/>
+              <dgm:constr type="t" for="ch" forName="Child" refType="h" fact="0.535"/>
+              <dgm:constr type="w" for="ch" forName="Child" refType="w" fact="0.9467"/>
+              <dgm:constr type="h" for="ch" forName="Child" refType="h" fact="0.465"/>
+            </dgm:constrLst>
+          </dgm:if>
+          <dgm:else name="Name6">
+            <dgm:constrLst>
+              <dgm:constr type="l" for="ch" forName="Parent" refType="w" fact="0"/>
+              <dgm:constr type="t" for="ch" forName="Parent" refType="h" fact="0"/>
+              <dgm:constr type="w" for="ch" forName="Parent" refType="w"/>
+              <dgm:constr type="h" for="ch" forName="Parent" refType="h" fact="0.1"/>
+              <dgm:constr type="l" for="ch" forName="Accent" refType="w"/>
+              <dgm:constr type="b" for="ch" forName="Accent" refType="h"/>
+              <dgm:constr type="h" for="ch" forName="Accent" refType="h" fact="0.9"/>
+              <dgm:constr type="l" for="ch" forName="Image" refType="w" fact="0"/>
+              <dgm:constr type="t" for="ch" forName="Image" refType="h" fact="0.13"/>
+              <dgm:constr type="w" for="ch" forName="Image" refType="w" fact="0.9467"/>
+              <dgm:constr type="h" for="ch" forName="Image" refType="h" fact="0.405"/>
+              <dgm:constr type="l" for="ch" forName="Child" refType="w" fact="0"/>
+              <dgm:constr type="t" for="ch" forName="Child" refType="h" fact="0.535"/>
+              <dgm:constr type="w" for="ch" forName="Child" refType="w" fact="0.9467"/>
+              <dgm:constr type="h" for="ch" forName="Child" refType="h" fact="0.465"/>
+            </dgm:constrLst>
+          </dgm:else>
+        </dgm:choose>
+        <dgm:forEach name="Name7" axis="self" ptType="node">
+          <dgm:layoutNode name="Accent" styleLbl="alignAcc1">
+            <dgm:alg type="sp"/>
+            <dgm:shape xmlns:r="http://schemas.openxmlformats.org/officeDocument/2006/relationships" type="line" r:blip="">
+              <dgm:adjLst/>
+            </dgm:shape>
+            <dgm:presOf/>
+          </dgm:layoutNode>
+          <dgm:layoutNode name="Image">
+            <dgm:alg type="sp"/>
+            <dgm:shape xmlns:r="http://schemas.openxmlformats.org/officeDocument/2006/relationships" type="rect" r:blip="" blipPhldr="1">
+              <dgm:adjLst/>
+            </dgm:shape>
+            <dgm:presOf/>
+          </dgm:layoutNode>
+          <dgm:layoutNode name="Child" styleLbl="revTx">
+            <dgm:varLst>
+              <dgm:bulletEnabled val="1"/>
+            </dgm:varLst>
+            <dgm:choose name="Name8">
+              <dgm:if name="Name9" axis="ch" ptType="node" func="cnt" op="gt" val="1">
+                <dgm:choose name="Name10">
+                  <dgm:if name="Name11" func="var" arg="dir" op="equ" val="norm">
+                    <dgm:alg type="tx">
+                      <dgm:param type="shpTxLTRAlignCh" val="l"/>
+                      <dgm:param type="shpTxRTLAlignCh" val="r"/>
+                      <dgm:param type="txAnchorVert" val="t"/>
+                      <dgm:param type="stBulletLvl" val="1"/>
+                    </dgm:alg>
+                  </dgm:if>
+                  <dgm:else name="Name12">
+                    <dgm:alg type="tx">
+                      <dgm:param type="shpTxLTRAlignCh" val="l"/>
+                      <dgm:param type="shpTxRTLAlignCh" val="r"/>
+                      <dgm:param type="txAnchorVert" val="t"/>
+                      <dgm:param type="stBulletLvl" val="1"/>
+                    </dgm:alg>
+                  </dgm:else>
+                </dgm:choose>
+              </dgm:if>
+              <dgm:else name="Name13">
+                <dgm:choose name="Name14">
+                  <dgm:if name="Name15" func="var" arg="dir" op="equ" val="norm">
+                    <dgm:alg type="tx">
+                      <dgm:param type="shpTxLTRAlignCh" val="l"/>
+                      <dgm:param type="shpTxRTLAlignCh" val="r"/>
+                      <dgm:param type="txAnchorVert" val="t"/>
+                      <dgm:param type="stBulletLvl" val="2"/>
+                    </dgm:alg>
+                  </dgm:if>
+                  <dgm:else name="Name16">
+                    <dgm:alg type="tx">
+                      <dgm:param type="shpTxLTRAlignCh" val="l"/>
+                      <dgm:param type="shpTxRTLAlignCh" val="r"/>
+                      <dgm:param type="txAnchorVert" val="t"/>
+                      <dgm:param type="stBulletLvl" val="2"/>
+                    </dgm:alg>
+                  </dgm:else>
+                </dgm:choose>
+              </dgm:else>
+            </dgm:choose>
+            <dgm:shape xmlns:r="http://schemas.openxmlformats.org/officeDocument/2006/relationships" type="rect" r:blip="">
+              <dgm:adjLst/>
+            </dgm:shape>
+            <dgm:presOf axis="des" ptType="node"/>
+            <dgm:constrLst>
+              <dgm:constr type="lMarg" refType="primFontSz" fact="0.2"/>
+              <dgm:constr type="rMarg" refType="primFontSz" fact="0.2"/>
+              <dgm:constr type="tMarg" refType="primFontSz" fact="0.2"/>
+              <dgm:constr type="bMarg" refType="primFontSz" fact="0.2"/>
+            </dgm:constrLst>
+            <dgm:ruleLst>
+              <dgm:rule type="primFontSz" val="5" fact="NaN" max="NaN"/>
+            </dgm:ruleLst>
+          </dgm:layoutNode>
+          <dgm:layoutNode name="Parent" styleLbl="alignNode1">
+            <dgm:varLst>
+              <dgm:bulletEnabled val="1"/>
+            </dgm:varLst>
+            <dgm:alg type="tx">
+              <dgm:param type="shpTxLTRAlignCh" val="ctr"/>
+              <dgm:param type="txAnchorVertCh" val="mid"/>
+            </dgm:alg>
+            <dgm:shape xmlns:r="http://schemas.openxmlformats.org/officeDocument/2006/relationships" type="rect" r:blip="">
+              <dgm:adjLst/>
+            </dgm:shape>
+            <dgm:presOf axis="self"/>
+            <dgm:constrLst>
+              <dgm:constr type="lMarg" refType="primFontSz" fact="0.2"/>
+              <dgm:constr type="rMarg" refType="primFontSz" fact="0.2"/>
+              <dgm:constr type="tMarg" refType="primFontSz" fact="0.2"/>
+              <dgm:constr type="bMarg" refType="primFontSz" fact="0.2"/>
+            </dgm:constrLst>
+            <dgm:ruleLst>
+              <dgm:rule type="primFontSz" val="5" fact="NaN" max="NaN"/>
+            </dgm:ruleLst>
+          </dgm:layoutNode>
+        </dgm:forEach>
+      </dgm:layoutNode>
+      <dgm:forEach name="sibTransForEach" axis="followSib" ptType="sibTrans" cnt="1">
+        <dgm:layoutNode name="sibTrans">
+          <dgm:alg type="sp"/>
+          <dgm:shape xmlns:r="http://schemas.openxmlformats.org/officeDocument/2006/relationships" r:blip="">
+            <dgm:adjLst/>
+          </dgm:shape>
+        </dgm:layoutNode>
+      </dgm:forEach>
+    </dgm:forEach>
+  </dgm:layoutNode>
+</dgm:layoutDef>
+</file>
+
+<file path=ppt/diagrams/layout2.xml><?xml version="1.0" encoding="utf-8"?>
+<dgm:layoutDef xmlns:dgm="http://schemas.openxmlformats.org/drawingml/2006/diagram" xmlns:a="http://schemas.openxmlformats.org/drawingml/2006/main" uniqueId="urn:microsoft.com/office/officeart/2008/layout/TitlePictureLineup">
+  <dgm:title val=""/>
+  <dgm:desc val=""/>
+  <dgm:catLst>
+    <dgm:cat type="picture" pri="18000"/>
+    <dgm:cat type="pictureconvert" pri="18000"/>
+  </dgm:catLst>
+  <dgm:sampData>
+    <dgm:dataModel>
+      <dgm:ptLst>
+        <dgm:pt modelId="0" type="doc"/>
+        <dgm:pt modelId="10">
+          <dgm:prSet phldr="1"/>
+        </dgm:pt>
+        <dgm:pt modelId="11">
+          <dgm:prSet phldr="1"/>
+        </dgm:pt>
+        <dgm:pt modelId="20">
+          <dgm:prSet phldr="1"/>
+        </dgm:pt>
+        <dgm:pt modelId="21">
+          <dgm:prSet phldr="1"/>
+        </dgm:pt>
+        <dgm:pt modelId="30">
+          <dgm:prSet phldr="1"/>
+        </dgm:pt>
+        <dgm:pt modelId="31">
+          <dgm:prSet phldr="1"/>
+        </dgm:pt>
+      </dgm:ptLst>
+      <dgm:cxnLst>
+        <dgm:cxn modelId="40" srcId="0" destId="10" srcOrd="0" destOrd="0"/>
+        <dgm:cxn modelId="12" srcId="10" destId="11" srcOrd="0" destOrd="0"/>
+        <dgm:cxn modelId="50" srcId="0" destId="20" srcOrd="1" destOrd="0"/>
+        <dgm:cxn modelId="22" srcId="20" destId="21" srcOrd="0" destOrd="0"/>
+        <dgm:cxn modelId="60" srcId="0" destId="30" srcOrd="1" destOrd="0"/>
+        <dgm:cxn modelId="32" srcId="30" destId="31" srcOrd="0" destOrd="0"/>
+      </dgm:cxnLst>
+      <dgm:bg/>
+      <dgm:whole/>
+    </dgm:dataModel>
+  </dgm:sampData>
+  <dgm:styleData>
+    <dgm:dataModel>
+      <dgm:ptLst>
+        <dgm:pt modelId="0" type="doc"/>
+        <dgm:pt modelId="10">
+          <dgm:prSet phldr="1"/>
+        </dgm:pt>
+        <dgm:pt modelId="20">
+          <dgm:prSet phldr="1"/>
+        </dgm:pt>
+      </dgm:ptLst>
+      <dgm:cxnLst>
+        <dgm:cxn modelId="40" srcId="0" destId="10" srcOrd="0" destOrd="0"/>
+        <dgm:cxn modelId="50" srcId="0" destId="20" srcOrd="1" destOrd="0"/>
+      </dgm:cxnLst>
+      <dgm:bg/>
+      <dgm:whole/>
+    </dgm:dataModel>
+  </dgm:styleData>
+  <dgm:clrData>
+    <dgm:dataModel>
+      <dgm:ptLst>
+        <dgm:pt modelId="0" type="doc"/>
+        <dgm:pt modelId="10">
+          <dgm:prSet phldr="1"/>
+        </dgm:pt>
+        <dgm:pt modelId="20">
+          <dgm:prSet phldr="1"/>
+        </dgm:pt>
+        <dgm:pt modelId="30">
+          <dgm:prSet phldr="1"/>
+        </dgm:pt>
+        <dgm:pt modelId="40">
+          <dgm:prSet phldr="1"/>
+        </dgm:pt>
+      </dgm:ptLst>
+      <dgm:cxnLst>
+        <dgm:cxn modelId="50" srcId="0" destId="10" srcOrd="0" destOrd="0"/>
+        <dgm:cxn modelId="60" srcId="0" destId="20" srcOrd="1" destOrd="0"/>
+        <dgm:cxn modelId="70" srcId="0" destId="30" srcOrd="2" destOrd="0"/>
+        <dgm:cxn modelId="80" srcId="0" destId="40" srcOrd="3" destOrd="0"/>
+      </dgm:cxnLst>
+      <dgm:bg/>
+      <dgm:whole/>
+    </dgm:dataModel>
+  </dgm:clrData>
+  <dgm:layoutNode name="Name0">
+    <dgm:varLst>
+      <dgm:dir/>
+    </dgm:varLst>
+    <dgm:choose name="Name1">
+      <dgm:if name="Name2" func="var" arg="dir" op="equ" val="norm">
+        <dgm:alg type="lin">
+          <dgm:param type="linDir" val="fromL"/>
+          <dgm:param type="fallback" val="1D"/>
+          <dgm:param type="horzAlign" val="ctr"/>
+          <dgm:param type="vertAlign" val="mid"/>
+          <dgm:param type="nodeVertAlign" val="t"/>
+        </dgm:alg>
+      </dgm:if>
+      <dgm:else name="Name3">
+        <dgm:alg type="lin">
+          <dgm:param type="linDir" val="fromR"/>
+          <dgm:param type="fallback" val="1D"/>
+          <dgm:param type="horzAlign" val="ctr"/>
+          <dgm:param type="vertAlign" val="mid"/>
+          <dgm:param type="nodeVertAlign" val="t"/>
+        </dgm:alg>
+      </dgm:else>
+    </dgm:choose>
+    <dgm:shape xmlns:r="http://schemas.openxmlformats.org/officeDocument/2006/relationships" r:blip="">
+      <dgm:adjLst/>
+    </dgm:shape>
+    <dgm:constrLst>
+      <dgm:constr type="h" for="des" forName="Child" op="equ"/>
+      <dgm:constr type="w" for="des" forName="Child" op="equ"/>
+      <dgm:constr type="h" for="des" forName="Accent" op="equ"/>
+      <dgm:constr type="w" for="des" forName="Accent" op="equ"/>
+      <dgm:constr type="primFontSz" for="des" forName="Parent" op="equ"/>
+      <dgm:constr type="primFontSz" for="des" forName="Child" op="equ"/>
+      <dgm:constr type="w" for="ch" forName="composite" refType="w"/>
+      <dgm:constr type="h" for="ch" forName="composite" refType="h"/>
+      <dgm:constr type="sp" refType="w" refFor="ch" refForName="composite" op="equ" fact="0.1"/>
+      <dgm:constr type="w" for="ch" forName="sibTrans" refType="w" refFor="ch" refForName="composite" op="equ" fact="0.05"/>
+      <dgm:constr type="h" for="ch" forName="sibTrans" refType="w" refFor="ch" refForName="sibTrans" op="equ"/>
+    </dgm:constrLst>
+    <dgm:forEach name="nodesForEach" axis="ch" ptType="node">
+      <dgm:layoutNode name="composite">
+        <dgm:alg type="composite">
+          <dgm:param type="ar" val="0.5"/>
+        </dgm:alg>
+        <dgm:shape xmlns:r="http://schemas.openxmlformats.org/officeDocument/2006/relationships" r:blip="">
+          <dgm:adjLst/>
+        </dgm:shape>
+        <dgm:choose name="Name4">
+          <dgm:if name="Name5" func="var" arg="dir" op="equ" val="norm">
+            <dgm:constrLst>
+              <dgm:constr type="l" for="ch" forName="Parent" refType="w" fact="0"/>
+              <dgm:constr type="t" for="ch" forName="Parent" refType="h" fact="0"/>
+              <dgm:constr type="w" for="ch" forName="Parent" refType="w"/>
+              <dgm:constr type="h" for="ch" forName="Parent" refType="h" fact="0.1"/>
+              <dgm:constr type="l" for="ch" forName="Accent" refType="w" fact="0"/>
+              <dgm:constr type="b" for="ch" forName="Accent" refType="h"/>
+              <dgm:constr type="w" for="ch" forName="Accent" refType="w" fact="0"/>
+              <dgm:constr type="h" for="ch" forName="Accent" refType="h" fact="0.9"/>
+              <dgm:constr type="l" for="ch" forName="Image" refType="w" fact="0.05"/>
+              <dgm:constr type="t" for="ch" forName="Image" refType="h" fact="0.13"/>
+              <dgm:constr type="w" for="ch" forName="Image" refType="w" fact="0.9467"/>
+              <dgm:constr type="h" for="ch" forName="Image" refType="h" fact="0.405"/>
+              <dgm:constr type="l" for="ch" forName="Child" refType="w" fact="0.05"/>
+              <dgm:constr type="t" for="ch" forName="Child" refType="h" fact="0.535"/>
+              <dgm:constr type="w" for="ch" forName="Child" refType="w" fact="0.9467"/>
+              <dgm:constr type="h" for="ch" forName="Child" refType="h" fact="0.465"/>
+            </dgm:constrLst>
+          </dgm:if>
+          <dgm:else name="Name6">
+            <dgm:constrLst>
+              <dgm:constr type="l" for="ch" forName="Parent" refType="w" fact="0"/>
+              <dgm:constr type="t" for="ch" forName="Parent" refType="h" fact="0"/>
+              <dgm:constr type="w" for="ch" forName="Parent" refType="w"/>
+              <dgm:constr type="h" for="ch" forName="Parent" refType="h" fact="0.1"/>
+              <dgm:constr type="l" for="ch" forName="Accent" refType="w"/>
+              <dgm:constr type="b" for="ch" forName="Accent" refType="h"/>
+              <dgm:constr type="h" for="ch" forName="Accent" refType="h" fact="0.9"/>
+              <dgm:constr type="l" for="ch" forName="Image" refType="w" fact="0"/>
+              <dgm:constr type="t" for="ch" forName="Image" refType="h" fact="0.13"/>
+              <dgm:constr type="w" for="ch" forName="Image" refType="w" fact="0.9467"/>
+              <dgm:constr type="h" for="ch" forName="Image" refType="h" fact="0.405"/>
+              <dgm:constr type="l" for="ch" forName="Child" refType="w" fact="0"/>
+              <dgm:constr type="t" for="ch" forName="Child" refType="h" fact="0.535"/>
+              <dgm:constr type="w" for="ch" forName="Child" refType="w" fact="0.9467"/>
+              <dgm:constr type="h" for="ch" forName="Child" refType="h" fact="0.465"/>
+            </dgm:constrLst>
+          </dgm:else>
+        </dgm:choose>
+        <dgm:forEach name="Name7" axis="self" ptType="node">
+          <dgm:layoutNode name="Accent" styleLbl="alignAcc1">
+            <dgm:alg type="sp"/>
+            <dgm:shape xmlns:r="http://schemas.openxmlformats.org/officeDocument/2006/relationships" type="line" r:blip="">
+              <dgm:adjLst/>
+            </dgm:shape>
+            <dgm:presOf/>
+          </dgm:layoutNode>
+          <dgm:layoutNode name="Image">
+            <dgm:alg type="sp"/>
+            <dgm:shape xmlns:r="http://schemas.openxmlformats.org/officeDocument/2006/relationships" type="rect" r:blip="" blipPhldr="1">
+              <dgm:adjLst/>
+            </dgm:shape>
+            <dgm:presOf/>
+          </dgm:layoutNode>
+          <dgm:layoutNode name="Child" styleLbl="revTx">
+            <dgm:varLst>
+              <dgm:bulletEnabled val="1"/>
+            </dgm:varLst>
+            <dgm:choose name="Name8">
+              <dgm:if name="Name9" axis="ch" ptType="node" func="cnt" op="gt" val="1">
+                <dgm:choose name="Name10">
+                  <dgm:if name="Name11" func="var" arg="dir" op="equ" val="norm">
+                    <dgm:alg type="tx">
+                      <dgm:param type="shpTxLTRAlignCh" val="l"/>
+                      <dgm:param type="shpTxRTLAlignCh" val="r"/>
+                      <dgm:param type="txAnchorVert" val="t"/>
+                      <dgm:param type="stBulletLvl" val="1"/>
+                    </dgm:alg>
+                  </dgm:if>
+                  <dgm:else name="Name12">
+                    <dgm:alg type="tx">
+                      <dgm:param type="shpTxLTRAlignCh" val="l"/>
+                      <dgm:param type="shpTxRTLAlignCh" val="r"/>
+                      <dgm:param type="txAnchorVert" val="t"/>
+                      <dgm:param type="stBulletLvl" val="1"/>
+                    </dgm:alg>
+                  </dgm:else>
+                </dgm:choose>
+              </dgm:if>
+              <dgm:else name="Name13">
+                <dgm:choose name="Name14">
+                  <dgm:if name="Name15" func="var" arg="dir" op="equ" val="norm">
+                    <dgm:alg type="tx">
+                      <dgm:param type="shpTxLTRAlignCh" val="l"/>
+                      <dgm:param type="shpTxRTLAlignCh" val="r"/>
+                      <dgm:param type="txAnchorVert" val="t"/>
+                      <dgm:param type="stBulletLvl" val="2"/>
+                    </dgm:alg>
+                  </dgm:if>
+                  <dgm:else name="Name16">
+                    <dgm:alg type="tx">
+                      <dgm:param type="shpTxLTRAlignCh" val="l"/>
+                      <dgm:param type="shpTxRTLAlignCh" val="r"/>
+                      <dgm:param type="txAnchorVert" val="t"/>
+                      <dgm:param type="stBulletLvl" val="2"/>
+                    </dgm:alg>
+                  </dgm:else>
+                </dgm:choose>
+              </dgm:else>
+            </dgm:choose>
+            <dgm:shape xmlns:r="http://schemas.openxmlformats.org/officeDocument/2006/relationships" type="rect" r:blip="">
+              <dgm:adjLst/>
+            </dgm:shape>
+            <dgm:presOf axis="des" ptType="node"/>
+            <dgm:constrLst>
+              <dgm:constr type="lMarg" refType="primFontSz" fact="0.2"/>
+              <dgm:constr type="rMarg" refType="primFontSz" fact="0.2"/>
+              <dgm:constr type="tMarg" refType="primFontSz" fact="0.2"/>
+              <dgm:constr type="bMarg" refType="primFontSz" fact="0.2"/>
+            </dgm:constrLst>
+            <dgm:ruleLst>
+              <dgm:rule type="primFontSz" val="5" fact="NaN" max="NaN"/>
+            </dgm:ruleLst>
+          </dgm:layoutNode>
+          <dgm:layoutNode name="Parent" styleLbl="alignNode1">
+            <dgm:varLst>
+              <dgm:bulletEnabled val="1"/>
+            </dgm:varLst>
+            <dgm:alg type="tx">
+              <dgm:param type="shpTxLTRAlignCh" val="ctr"/>
+              <dgm:param type="txAnchorVertCh" val="mid"/>
+            </dgm:alg>
+            <dgm:shape xmlns:r="http://schemas.openxmlformats.org/officeDocument/2006/relationships" type="rect" r:blip="">
+              <dgm:adjLst/>
+            </dgm:shape>
+            <dgm:presOf axis="self"/>
+            <dgm:constrLst>
+              <dgm:constr type="lMarg" refType="primFontSz" fact="0.2"/>
+              <dgm:constr type="rMarg" refType="primFontSz" fact="0.2"/>
+              <dgm:constr type="tMarg" refType="primFontSz" fact="0.2"/>
+              <dgm:constr type="bMarg" refType="primFontSz" fact="0.2"/>
+            </dgm:constrLst>
+            <dgm:ruleLst>
+              <dgm:rule type="primFontSz" val="5" fact="NaN" max="NaN"/>
+            </dgm:ruleLst>
+          </dgm:layoutNode>
+        </dgm:forEach>
+      </dgm:layoutNode>
+      <dgm:forEach name="sibTransForEach" axis="followSib" ptType="sibTrans" cnt="1">
+        <dgm:layoutNode name="sibTrans">
+          <dgm:alg type="sp"/>
+          <dgm:shape xmlns:r="http://schemas.openxmlformats.org/officeDocument/2006/relationships" r:blip="">
+            <dgm:adjLst/>
+          </dgm:shape>
+        </dgm:layoutNode>
+      </dgm:forEach>
+    </dgm:forEach>
+  </dgm:layoutNode>
+</dgm:layoutDef>
+</file>
+
+<file path=ppt/diagrams/quickStyle1.xml><?xml version="1.0" encoding="utf-8"?>
+<dgm:styleDef xmlns:dgm="http://schemas.openxmlformats.org/drawingml/2006/diagram" xmlns:a="http://schemas.openxmlformats.org/drawingml/2006/main" uniqueId="urn:microsoft.com/office/officeart/2005/8/quickstyle/simple1">
+  <dgm:title val=""/>
+  <dgm:desc val=""/>
+  <dgm:catLst>
+    <dgm:cat type="simple" pri="10100"/>
+  </dgm:catLst>
+  <dgm:scene3d>
+    <a:camera prst="orthographicFront"/>
+    <a:lightRig rig="threePt" dir="t"/>
+  </dgm:scene3d>
+  <dgm:styleLbl name="node0">
+    <dgm:scene3d>
+      <a:camera prst="orthographicFront"/>
+      <a:lightRig rig="threePt" dir="t"/>
+    </dgm:scene3d>
+    <dgm:sp3d/>
+    <dgm:txPr/>
+    <dgm:style>
+      <a:lnRef idx="2">
+        <a:scrgbClr r="0" g="0" b="0"/>
+      </a:lnRef>
+      <a:fillRef idx="1">
+        <a:scrgbClr r="0" g="0" b="0"/>
+      </a:fillRef>
+      <a:effectRef idx="0">
+        <a:scrgbClr r="0" g="0" b="0"/>
+      </a:effectRef>
+      <a:fontRef idx="minor">
+        <a:schemeClr val="lt1"/>
+      </a:fontRef>
+    </dgm:style>
+  </dgm:styleLbl>
+  <dgm:styleLbl name="lnNode1">
+    <dgm:scene3d>
+      <a:camera prst="orthographicFront"/>
+      <a:lightRig rig="threePt" dir="t"/>
+    </dgm:scene3d>
+    <dgm:sp3d/>
+    <dgm:txPr/>
+    <dgm:style>
+      <a:lnRef idx="2">
+        <a:scrgbClr r="0" g="0" b="0"/>
+      </a:lnRef>
+      <a:fillRef idx="1">
+        <a:scrgbClr r="0" g="0" b="0"/>
+      </a:fillRef>
+      <a:effectRef idx="0">
+        <a:scrgbClr r="0" g="0" b="0"/>
+      </a:effectRef>
+      <a:fontRef idx="minor">
+        <a:schemeClr val="lt1"/>
+      </a:fontRef>
+    </dgm:style>
+  </dgm:styleLbl>
+  <dgm:styleLbl name="vennNode1">
+    <dgm:scene3d>
+      <a:camera prst="orthographicFront"/>
+      <a:lightRig rig="threePt" dir="t"/>
+    </dgm:scene3d>
+    <dgm:sp3d/>
+    <dgm:txPr/>
+    <dgm:style>
+      <a:lnRef idx="2">
+        <a:scrgbClr r="0" g="0" b="0"/>
+      </a:lnRef>
+      <a:fillRef idx="1">
+        <a:scrgbClr r="0" g="0" b="0"/>
+      </a:fillRef>
+      <a:effectRef idx="0">
+        <a:scrgbClr r="0" g="0" b="0"/>
+      </a:effectRef>
+      <a:fontRef idx="minor">
+        <a:schemeClr val="tx1"/>
+      </a:fontRef>
+    </dgm:style>
+  </dgm:styleLbl>
+  <dgm:styleLbl name="alignNode1">
+    <dgm:scene3d>
+      <a:camera prst="orthographicFront"/>
+      <a:lightRig rig="threePt" dir="t"/>
+    </dgm:scene3d>
+    <dgm:sp3d/>
+    <dgm:txPr/>
+    <dgm:style>
+      <a:lnRef idx="2">
+        <a:scrgbClr r="0" g="0" b="0"/>
+      </a:lnRef>
+      <a:fillRef idx="1">
+        <a:scrgbClr r="0" g="0" b="0"/>
+      </a:fillRef>
+      <a:effectRef idx="0">
+        <a:scrgbClr r="0" g="0" b="0"/>
+      </a:effectRef>
+      <a:fontRef idx="minor">
+        <a:schemeClr val="lt1"/>
+      </a:fontRef>
+    </dgm:style>
+  </dgm:styleLbl>
+  <dgm:styleLbl name="node1">
+    <dgm:scene3d>
+      <a:camera prst="orthographicFront"/>
+      <a:lightRig rig="threePt" dir="t"/>
+    </dgm:scene3d>
+    <dgm:sp3d/>
+    <dgm:txPr/>
+    <dgm:style>
+      <a:lnRef idx="2">
+        <a:scrgbClr r="0" g="0" b="0"/>
+      </a:lnRef>
+      <a:fillRef idx="1">
+        <a:scrgbClr r="0" g="0" b="0"/>
+      </a:fillRef>
+      <a:effectRef idx="0">
+        <a:scrgbClr r="0" g="0" b="0"/>
+      </a:effectRef>
+      <a:fontRef idx="minor">
+        <a:schemeClr val="lt1"/>
+      </a:fontRef>
+    </dgm:style>
+  </dgm:styleLbl>
+  <dgm:styleLbl name="node2">
+    <dgm:scene3d>
+      <a:camera prst="orthographicFront"/>
+      <a:lightRig rig="threePt" dir="t"/>
+    </dgm:scene3d>
+    <dgm:sp3d/>
+    <dgm:txPr/>
+    <dgm:style>
+      <a:lnRef idx="2">
+        <a:scrgbClr r="0" g="0" b="0"/>
+      </a:lnRef>
+      <a:fillRef idx="1">
+        <a:scrgbClr r="0" g="0" b="0"/>
+      </a:fillRef>
+      <a:effectRef idx="0">
+        <a:scrgbClr r="0" g="0" b="0"/>
+      </a:effectRef>
+      <a:fontRef idx="minor">
+        <a:schemeClr val="lt1"/>
+      </a:fontRef>
+    </dgm:style>
+  </dgm:styleLbl>
+  <dgm:styleLbl name="node3">
+    <dgm:scene3d>
+      <a:camera prst="orthographicFront"/>
+      <a:lightRig rig="threePt" dir="t"/>
+    </dgm:scene3d>
+    <dgm:sp3d/>
+    <dgm:txPr/>
+    <dgm:style>
+      <a:lnRef idx="2">
+        <a:scrgbClr r="0" g="0" b="0"/>
+      </a:lnRef>
+      <a:fillRef idx="1">
+        <a:scrgbClr r="0" g="0" b="0"/>
+      </a:fillRef>
+      <a:effectRef idx="0">
+        <a:scrgbClr r="0" g="0" b="0"/>
+      </a:effectRef>
+      <a:fontRef idx="minor">
+        <a:schemeClr val="lt1"/>
+      </a:fontRef>
+    </dgm:style>
+  </dgm:styleLbl>
+  <dgm:styleLbl name="node4">
+    <dgm:scene3d>
+      <a:camera prst="orthographicFront"/>
+      <a:lightRig rig="threePt" dir="t"/>
+    </dgm:scene3d>
+    <dgm:sp3d/>
+    <dgm:txPr/>
+    <dgm:style>
+      <a:lnRef idx="2">
+        <a:scrgbClr r="0" g="0" b="0"/>
+      </a:lnRef>
+      <a:fillRef idx="1">
+        <a:scrgbClr r="0" g="0" b="0"/>
+      </a:fillRef>
+      <a:effectRef idx="0">
+        <a:scrgbClr r="0" g="0" b="0"/>
+      </a:effectRef>
+      <a:fontRef idx="minor">
+        <a:schemeClr val="lt1"/>
+      </a:fontRef>
+    </dgm:style>
+  </dgm:styleLbl>
+  <dgm:styleLbl name="fgImgPlace1">
+    <dgm:scene3d>
+      <a:camera prst="orthographicFront"/>
+      <a:lightRig rig="threePt" dir="t"/>
+    </dgm:scene3d>
+    <dgm:sp3d/>
+    <dgm:txPr/>
+    <dgm:style>
+      <a:lnRef idx="2">
+        <a:scrgbClr r="0" g="0" b="0"/>
+      </a:lnRef>
+      <a:fillRef idx="1">
+        <a:scrgbClr r="0" g="0" b="0"/>
+      </a:fillRef>
+      <a:effectRef idx="0">
+        <a:scrgbClr r="0" g="0" b="0"/>
+      </a:effectRef>
+      <a:fontRef idx="minor"/>
+    </dgm:style>
+  </dgm:styleLbl>
+  <dgm:styleLbl name="alignImgPlace1">
+    <dgm:scene3d>
+      <a:camera prst="orthographicFront"/>
+      <a:lightRig rig="threePt" dir="t"/>
+    </dgm:scene3d>
+    <dgm:sp3d/>
+    <dgm:txPr/>
+    <dgm:style>
+      <a:lnRef idx="2">
+        <a:scrgbClr r="0" g="0" b="0"/>
+      </a:lnRef>
+      <a:fillRef idx="1">
+        <a:scrgbClr r="0" g="0" b="0"/>
+      </a:fillRef>
+      <a:effectRef idx="0">
+        <a:scrgbClr r="0" g="0" b="0"/>
+      </a:effectRef>
+      <a:fontRef idx="minor"/>
+    </dgm:style>
+  </dgm:styleLbl>
+  <dgm:styleLbl name="bgImgPlace1">
+    <dgm:scene3d>
+      <a:camera prst="orthographicFront"/>
+      <a:lightRig rig="threePt" dir="t"/>
+    </dgm:scene3d>
+    <dgm:sp3d/>
+    <dgm:txPr/>
+    <dgm:style>
+      <a:lnRef idx="2">
+        <a:scrgbClr r="0" g="0" b="0"/>
+      </a:lnRef>
+      <a:fillRef idx="1">
+        <a:scrgbClr r="0" g="0" b="0"/>
+      </a:fillRef>
+      <a:effectRef idx="0">
+        <a:scrgbClr r="0" g="0" b="0"/>
+      </a:effectRef>
+      <a:fontRef idx="minor"/>
+    </dgm:style>
+  </dgm:styleLbl>
+  <dgm:styleLbl name="sibTrans2D1">
+    <dgm:scene3d>
+      <a:camera prst="orthographicFront"/>
+      <a:lightRig rig="threePt" dir="t"/>
+    </dgm:scene3d>
+    <dgm:sp3d/>
+    <dgm:txPr/>
+    <dgm:style>
+      <a:lnRef idx="0">
+        <a:scrgbClr r="0" g="0" b="0"/>
+      </a:lnRef>
+      <a:fillRef idx="1">
+        <a:scrgbClr r="0" g="0" b="0"/>
+      </a:fillRef>
+      <a:effectRef idx="0">
+        <a:scrgbClr r="0" g="0" b="0"/>
+      </a:effectRef>
+      <a:fontRef idx="minor">
+        <a:schemeClr val="lt1"/>
+      </a:fontRef>
+    </dgm:style>
+  </dgm:styleLbl>
+  <dgm:styleLbl name="fgSibTrans2D1">
+    <dgm:scene3d>
+      <a:camera prst="orthographicFront"/>
+      <a:lightRig rig="threePt" dir="t"/>
+    </dgm:scene3d>
+    <dgm:sp3d/>
+    <dgm:txPr/>
+    <dgm:style>
+      <a:lnRef idx="0">
+        <a:scrgbClr r="0" g="0" b="0"/>
+      </a:lnRef>
+      <a:fillRef idx="1">
+        <a:scrgbClr r="0" g="0" b="0"/>
+      </a:fillRef>
+      <a:effectRef idx="0">
+        <a:scrgbClr r="0" g="0" b="0"/>
+      </a:effectRef>
+      <a:fontRef idx="minor">
+        <a:schemeClr val="lt1"/>
+      </a:fontRef>
+    </dgm:style>
+  </dgm:styleLbl>
+  <dgm:styleLbl name="bgSibTrans2D1">
+    <dgm:scene3d>
+      <a:camera prst="orthographicFront"/>
+      <a:lightRig rig="threePt" dir="t"/>
+    </dgm:scene3d>
+    <dgm:sp3d/>
+    <dgm:txPr/>
+    <dgm:style>
+      <a:lnRef idx="0">
+        <a:scrgbClr r="0" g="0" b="0"/>
+      </a:lnRef>
+      <a:fillRef idx="1">
+        <a:scrgbClr r="0" g="0" b="0"/>
+      </a:fillRef>
+      <a:effectRef idx="0">
+        <a:scrgbClr r="0" g="0" b="0"/>
+      </a:effectRef>
+      <a:fontRef idx="minor">
+        <a:schemeClr val="lt1"/>
+      </a:fontRef>
+    </dgm:style>
+  </dgm:styleLbl>
+  <dgm:styleLbl name="sibTrans1D1">
+    <dgm:scene3d>
+      <a:camera prst="orthographicFront"/>
+      <a:lightRig rig="threePt" dir="t"/>
+    </dgm:scene3d>
+    <dgm:sp3d/>
+    <dgm:txPr/>
+    <dgm:style>
+      <a:lnRef idx="1">
+        <a:scrgbClr r="0" g="0" b="0"/>
+      </a:lnRef>
+      <a:fillRef idx="0">
+        <a:scrgbClr r="0" g="0" b="0"/>
+      </a:fillRef>
+      <a:effectRef idx="0">
+        <a:scrgbClr r="0" g="0" b="0"/>
+      </a:effectRef>
+      <a:fontRef idx="minor"/>
+    </dgm:style>
+  </dgm:styleLbl>
+  <dgm:styleLbl name="callout">
+    <dgm:scene3d>
+      <a:camera prst="orthographicFront"/>
+      <a:lightRig rig="threePt" dir="t"/>
+    </dgm:scene3d>
+    <dgm:sp3d/>
+    <dgm:txPr/>
+    <dgm:style>
+      <a:lnRef idx="2">
+        <a:scrgbClr r="0" g="0" b="0"/>
+      </a:lnRef>
+      <a:fillRef idx="1">
+        <a:scrgbClr r="0" g="0" b="0"/>
+      </a:fillRef>
+      <a:effectRef idx="0">
+        <a:scrgbClr r="0" g="0" b="0"/>
+      </a:effectRef>
+      <a:fontRef idx="minor"/>
+    </dgm:style>
+  </dgm:styleLbl>
+  <dgm:styleLbl name="asst0">
+    <dgm:scene3d>
+      <a:camera prst="orthographicFront"/>
+      <a:lightRig rig="threePt" dir="t"/>
+    </dgm:scene3d>
+    <dgm:sp3d/>
+    <dgm:txPr/>
+    <dgm:style>
+      <a:lnRef idx="2">
+        <a:scrgbClr r="0" g="0" b="0"/>
+      </a:lnRef>
+      <a:fillRef idx="1">
+        <a:scrgbClr r="0" g="0" b="0"/>
+      </a:fillRef>
+      <a:effectRef idx="0">
+        <a:scrgbClr r="0" g="0" b="0"/>
+      </a:effectRef>
+      <a:fontRef idx="minor">
+        <a:schemeClr val="lt1"/>
+      </a:fontRef>
+    </dgm:style>
+  </dgm:styleLbl>
+  <dgm:styleLbl name="asst1">
+    <dgm:scene3d>
+      <a:camera prst="orthographicFront"/>
+      <a:lightRig rig="threePt" dir="t"/>
+    </dgm:scene3d>
+    <dgm:sp3d/>
+    <dgm:txPr/>
+    <dgm:style>
+      <a:lnRef idx="2">
+        <a:scrgbClr r="0" g="0" b="0"/>
+      </a:lnRef>
+      <a:fillRef idx="1">
+        <a:scrgbClr r="0" g="0" b="0"/>
+      </a:fillRef>
+      <a:effectRef idx="0">
+        <a:scrgbClr r="0" g="0" b="0"/>
+      </a:effectRef>
+      <a:fontRef idx="minor">
+        <a:schemeClr val="lt1"/>
+      </a:fontRef>
+    </dgm:style>
+  </dgm:styleLbl>
+  <dgm:styleLbl name="asst2">
+    <dgm:scene3d>
+      <a:camera prst="orthographicFront"/>
+      <a:lightRig rig="threePt" dir="t"/>
+    </dgm:scene3d>
+    <dgm:sp3d/>
+    <dgm:txPr/>
+    <dgm:style>
+      <a:lnRef idx="2">
+        <a:scrgbClr r="0" g="0" b="0"/>
+      </a:lnRef>
+      <a:fillRef idx="1">
+        <a:scrgbClr r="0" g="0" b="0"/>
+      </a:fillRef>
+      <a:effectRef idx="0">
+        <a:scrgbClr r="0" g="0" b="0"/>
+      </a:effectRef>
+      <a:fontRef idx="minor">
+        <a:schemeClr val="lt1"/>
+      </a:fontRef>
+    </dgm:style>
+  </dgm:styleLbl>
+  <dgm:styleLbl name="asst3">
+    <dgm:scene3d>
+      <a:camera prst="orthographicFront"/>
+      <a:lightRig rig="threePt" dir="t"/>
+    </dgm:scene3d>
+    <dgm:sp3d/>
+    <dgm:txPr/>
+    <dgm:style>
+      <a:lnRef idx="2">
+        <a:scrgbClr r="0" g="0" b="0"/>
+      </a:lnRef>
+      <a:fillRef idx="1">
+        <a:scrgbClr r="0" g="0" b="0"/>
+      </a:fillRef>
+      <a:effectRef idx="0">
+        <a:scrgbClr r="0" g="0" b="0"/>
+      </a:effectRef>
+      <a:fontRef idx="minor">
+        <a:schemeClr val="lt1"/>
+      </a:fontRef>
+    </dgm:style>
+  </dgm:styleLbl>
+  <dgm:styleLbl name="asst4">
+    <dgm:scene3d>
+      <a:camera prst="orthographicFront"/>
+      <a:lightRig rig="threePt" dir="t"/>
+    </dgm:scene3d>
+    <dgm:sp3d/>
+    <dgm:txPr/>
+    <dgm:style>
+      <a:lnRef idx="2">
+        <a:scrgbClr r="0" g="0" b="0"/>
+      </a:lnRef>
+      <a:fillRef idx="1">
+        <a:scrgbClr r="0" g="0" b="0"/>
+      </a:fillRef>
+      <a:effectRef idx="0">
+        <a:scrgbClr r="0" g="0" b="0"/>
+      </a:effectRef>
+      <a:fontRef idx="minor">
+        <a:schemeClr val="lt1"/>
+      </a:fontRef>
+    </dgm:style>
+  </dgm:styleLbl>
+  <dgm:styleLbl name="parChTrans2D1">
+    <dgm:scene3d>
+      <a:camera prst="orthographicFront"/>
+      <a:lightRig rig="threePt" dir="t"/>
+    </dgm:scene3d>
+    <dgm:sp3d/>
+    <dgm:txPr/>
+    <dgm:style>
+      <a:lnRef idx="2">
+        <a:scrgbClr r="0" g="0" b="0"/>
+      </a:lnRef>
+      <a:fillRef idx="1">
+        <a:scrgbClr r="0" g="0" b="0"/>
+      </a:fillRef>
+      <a:effectRef idx="0">
+        <a:scrgbClr r="0" g="0" b="0"/>
+      </a:effectRef>
+      <a:fontRef idx="minor">
+        <a:schemeClr val="lt1"/>
+      </a:fontRef>
+    </dgm:style>
+  </dgm:styleLbl>
+  <dgm:styleLbl name="parChTrans2D2">
+    <dgm:scene3d>
+      <a:camera prst="orthographicFront"/>
+      <a:lightRig rig="threePt" dir="t"/>
+    </dgm:scene3d>
+    <dgm:sp3d/>
+    <dgm:txPr/>
+    <dgm:style>
+      <a:lnRef idx="2">
+        <a:scrgbClr r="0" g="0" b="0"/>
+      </a:lnRef>
+      <a:fillRef idx="1">
+        <a:scrgbClr r="0" g="0" b="0"/>
+      </a:fillRef>
+      <a:effectRef idx="0">
+        <a:scrgbClr r="0" g="0" b="0"/>
+      </a:effectRef>
+      <a:fontRef idx="minor">
+        <a:schemeClr val="lt1"/>
+      </a:fontRef>
+    </dgm:style>
+  </dgm:styleLbl>
+  <dgm:styleLbl name="parChTrans2D3">
+    <dgm:scene3d>
+      <a:camera prst="orthographicFront"/>
+      <a:lightRig rig="threePt" dir="t"/>
+    </dgm:scene3d>
+    <dgm:sp3d/>
+    <dgm:txPr/>
+    <dgm:style>
+      <a:lnRef idx="2">
+        <a:scrgbClr r="0" g="0" b="0"/>
+      </a:lnRef>
+      <a:fillRef idx="1">
+        <a:scrgbClr r="0" g="0" b="0"/>
+      </a:fillRef>
+      <a:effectRef idx="0">
+        <a:scrgbClr r="0" g="0" b="0"/>
+      </a:effectRef>
+      <a:fontRef idx="minor">
+        <a:schemeClr val="lt1"/>
+      </a:fontRef>
+    </dgm:style>
+  </dgm:styleLbl>
+  <dgm:styleLbl name="parChTrans2D4">
+    <dgm:scene3d>
+      <a:camera prst="orthographicFront"/>
+      <a:lightRig rig="threePt" dir="t"/>
+    </dgm:scene3d>
+    <dgm:sp3d/>
+    <dgm:txPr/>
+    <dgm:style>
+      <a:lnRef idx="2">
+        <a:scrgbClr r="0" g="0" b="0"/>
+      </a:lnRef>
+      <a:fillRef idx="1">
+        <a:scrgbClr r="0" g="0" b="0"/>
+      </a:fillRef>
+      <a:effectRef idx="0">
+        <a:scrgbClr r="0" g="0" b="0"/>
+      </a:effectRef>
+      <a:fontRef idx="minor">
+        <a:schemeClr val="lt1"/>
+      </a:fontRef>
+    </dgm:style>
+  </dgm:styleLbl>
+  <dgm:styleLbl name="parChTrans1D1">
+    <dgm:scene3d>
+      <a:camera prst="orthographicFront"/>
+      <a:lightRig rig="threePt" dir="t"/>
+    </dgm:scene3d>
+    <dgm:sp3d/>
+    <dgm:txPr/>
+    <dgm:style>
+      <a:lnRef idx="2">
+        <a:scrgbClr r="0" g="0" b="0"/>
+      </a:lnRef>
+      <a:fillRef idx="0">
+        <a:scrgbClr r="0" g="0" b="0"/>
+      </a:fillRef>
+      <a:effectRef idx="0">
+        <a:scrgbClr r="0" g="0" b="0"/>
+      </a:effectRef>
+      <a:fontRef idx="minor"/>
+    </dgm:style>
+  </dgm:styleLbl>
+  <dgm:styleLbl name="parChTrans1D2">
+    <dgm:scene3d>
+      <a:camera prst="orthographicFront"/>
+      <a:lightRig rig="threePt" dir="t"/>
+    </dgm:scene3d>
+    <dgm:sp3d/>
+    <dgm:txPr/>
+    <dgm:style>
+      <a:lnRef idx="2">
+        <a:scrgbClr r="0" g="0" b="0"/>
+      </a:lnRef>
+      <a:fillRef idx="0">
+        <a:scrgbClr r="0" g="0" b="0"/>
+      </a:fillRef>
+      <a:effectRef idx="0">
+        <a:scrgbClr r="0" g="0" b="0"/>
+      </a:effectRef>
+      <a:fontRef idx="minor"/>
+    </dgm:style>
+  </dgm:styleLbl>
+  <dgm:styleLbl name="parChTrans1D3">
+    <dgm:scene3d>
+      <a:camera prst="orthographicFront"/>
+      <a:lightRig rig="threePt" dir="t"/>
+    </dgm:scene3d>
+    <dgm:sp3d/>
+    <dgm:txPr/>
+    <dgm:style>
+      <a:lnRef idx="2">
+        <a:scrgbClr r="0" g="0" b="0"/>
+      </a:lnRef>
+      <a:fillRef idx="0">
+        <a:scrgbClr r="0" g="0" b="0"/>
+      </a:fillRef>
+      <a:effectRef idx="0">
+        <a:scrgbClr r="0" g="0" b="0"/>
+      </a:effectRef>
+      <a:fontRef idx="minor"/>
+    </dgm:style>
+  </dgm:styleLbl>
+  <dgm:styleLbl name="parChTrans1D4">
+    <dgm:scene3d>
+      <a:camera prst="orthographicFront"/>
+      <a:lightRig rig="threePt" dir="t"/>
+    </dgm:scene3d>
+    <dgm:sp3d/>
+    <dgm:txPr/>
+    <dgm:style>
+      <a:lnRef idx="2">
+        <a:scrgbClr r="0" g="0" b="0"/>
+      </a:lnRef>
+      <a:fillRef idx="0">
+        <a:scrgbClr r="0" g="0" b="0"/>
+      </a:fillRef>
+      <a:effectRef idx="0">
+        <a:scrgbClr r="0" g="0" b="0"/>
+      </a:effectRef>
+      <a:fontRef idx="minor"/>
+    </dgm:style>
+  </dgm:styleLbl>
+  <dgm:styleLbl name="fgAcc1">
+    <dgm:scene3d>
+      <a:camera prst="orthographicFront"/>
+      <a:lightRig rig="threePt" dir="t"/>
+    </dgm:scene3d>
+    <dgm:sp3d/>
+    <dgm:txPr/>
+    <dgm:style>
+      <a:lnRef idx="2">
+        <a:scrgbClr r="0" g="0" b="0"/>
+      </a:lnRef>
+      <a:fillRef idx="1">
+        <a:scrgbClr r="0" g="0" b="0"/>
+      </a:fillRef>
+      <a:effectRef idx="0">
+        <a:scrgbClr r="0" g="0" b="0"/>
+      </a:effectRef>
+      <a:fontRef idx="minor"/>
+    </dgm:style>
+  </dgm:styleLbl>
+  <dgm:styleLbl name="conFgAcc1">
+    <dgm:scene3d>
+      <a:camera prst="orthographicFront"/>
+      <a:lightRig rig="threePt" dir="t"/>
+    </dgm:scene3d>
+    <dgm:sp3d/>
+    <dgm:txPr/>
+    <dgm:style>
+      <a:lnRef idx="2">
+        <a:scrgbClr r="0" g="0" b="0"/>
+      </a:lnRef>
+      <a:fillRef idx="1">
+        <a:scrgbClr r="0" g="0" b="0"/>
+      </a:fillRef>
+      <a:effectRef idx="0">
+        <a:scrgbClr r="0" g="0" b="0"/>
+      </a:effectRef>
+      <a:fontRef idx="minor"/>
+    </dgm:style>
+  </dgm:styleLbl>
+  <dgm:styleLbl name="alignAcc1">
+    <dgm:scene3d>
+      <a:camera prst="orthographicFront"/>
+      <a:lightRig rig="threePt" dir="t"/>
+    </dgm:scene3d>
+    <dgm:sp3d/>
+    <dgm:txPr/>
+    <dgm:style>
+      <a:lnRef idx="2">
+        <a:scrgbClr r="0" g="0" b="0"/>
+      </a:lnRef>
+      <a:fillRef idx="1">
+        <a:scrgbClr r="0" g="0" b="0"/>
+      </a:fillRef>
+      <a:effectRef idx="0">
+        <a:scrgbClr r="0" g="0" b="0"/>
+      </a:effectRef>
+      <a:fontRef idx="minor"/>
+    </dgm:style>
+  </dgm:styleLbl>
+  <dgm:styleLbl name="trAlignAcc1">
+    <dgm:scene3d>
+      <a:camera prst="orthographicFront"/>
+      <a:lightRig rig="threePt" dir="t"/>
+    </dgm:scene3d>
+    <dgm:sp3d/>
+    <dgm:txPr/>
+    <dgm:style>
+      <a:lnRef idx="1">
+        <a:scrgbClr r="0" g="0" b="0"/>
+      </a:lnRef>
+      <a:fillRef idx="1">
+        <a:scrgbClr r="0" g="0" b="0"/>
+      </a:fillRef>
+      <a:effectRef idx="0">
+        <a:scrgbClr r="0" g="0" b="0"/>
+      </a:effectRef>
+      <a:fontRef idx="minor"/>
+    </dgm:style>
+  </dgm:styleLbl>
+  <dgm:styleLbl name="bgAcc1">
+    <dgm:scene3d>
+      <a:camera prst="orthographicFront"/>
+      <a:lightRig rig="threePt" dir="t"/>
+    </dgm:scene3d>
+    <dgm:sp3d/>
+    <dgm:txPr/>
+    <dgm:style>
+      <a:lnRef idx="2">
+        <a:scrgbClr r="0" g="0" b="0"/>
+      </a:lnRef>
+      <a:fillRef idx="1">
+        <a:scrgbClr r="0" g="0" b="0"/>
+      </a:fillRef>
+      <a:effectRef idx="0">
+        <a:scrgbClr r="0" g="0" b="0"/>
+      </a:effectRef>
+      <a:fontRef idx="minor"/>
+    </dgm:style>
+  </dgm:styleLbl>
+  <dgm:styleLbl name="solidFgAcc1">
+    <dgm:scene3d>
+      <a:camera prst="orthographicFront"/>
+      <a:lightRig rig="threePt" dir="t"/>
+    </dgm:scene3d>
+    <dgm:sp3d/>
+    <dgm:txPr/>
+    <dgm:style>
+      <a:lnRef idx="2">
+        <a:scrgbClr r="0" g="0" b="0"/>
+      </a:lnRef>
+      <a:fillRef idx="1">
+        <a:scrgbClr r="0" g="0" b="0"/>
+      </a:fillRef>
+      <a:effectRef idx="0">
+        <a:scrgbClr r="0" g="0" b="0"/>
+      </a:effectRef>
+      <a:fontRef idx="minor"/>
+    </dgm:style>
+  </dgm:styleLbl>
+  <dgm:styleLbl name="solidAlignAcc1">
+    <dgm:scene3d>
+      <a:camera prst="orthographicFront"/>
+      <a:lightRig rig="threePt" dir="t"/>
+    </dgm:scene3d>
+    <dgm:sp3d/>
+    <dgm:txPr/>
+    <dgm:style>
+      <a:lnRef idx="2">
+        <a:scrgbClr r="0" g="0" b="0"/>
+      </a:lnRef>
+      <a:fillRef idx="1">
+        <a:scrgbClr r="0" g="0" b="0"/>
+      </a:fillRef>
+      <a:effectRef idx="0">
+        <a:scrgbClr r="0" g="0" b="0"/>
+      </a:effectRef>
+      <a:fontRef idx="minor"/>
+    </dgm:style>
+  </dgm:styleLbl>
+  <dgm:styleLbl name="solidBgAcc1">
+    <dgm:scene3d>
+      <a:camera prst="orthographicFront"/>
+      <a:lightRig rig="threePt" dir="t"/>
+    </dgm:scene3d>
+    <dgm:sp3d/>
+    <dgm:txPr/>
+    <dgm:style>
+      <a:lnRef idx="2">
+        <a:scrgbClr r="0" g="0" b="0"/>
+      </a:lnRef>
+      <a:fillRef idx="1">
+        <a:scrgbClr r="0" g="0" b="0"/>
+      </a:fillRef>
+      <a:effectRef idx="0">
+        <a:scrgbClr r="0" g="0" b="0"/>
+      </a:effectRef>
+      <a:fontRef idx="minor"/>
+    </dgm:style>
+  </dgm:styleLbl>
+  <dgm:styleLbl name="fgAccFollowNode1">
+    <dgm:scene3d>
+      <a:camera prst="orthographicFront"/>
+      <a:lightRig rig="threePt" dir="t"/>
+    </dgm:scene3d>
+    <dgm:sp3d/>
+    <dgm:txPr/>
+    <dgm:style>
+      <a:lnRef idx="2">
+        <a:scrgbClr r="0" g="0" b="0"/>
+      </a:lnRef>
+      <a:fillRef idx="1">
+        <a:scrgbClr r="0" g="0" b="0"/>
+      </a:fillRef>
+      <a:effectRef idx="0">
+        <a:scrgbClr r="0" g="0" b="0"/>
+      </a:effectRef>
+      <a:fontRef idx="minor"/>
+    </dgm:style>
+  </dgm:styleLbl>
+  <dgm:styleLbl name="alignAccFollowNode1">
+    <dgm:scene3d>
+      <a:camera prst="orthographicFront"/>
+      <a:lightRig rig="threePt" dir="t"/>
+    </dgm:scene3d>
+    <dgm:sp3d/>
+    <dgm:txPr/>
+    <dgm:style>
+      <a:lnRef idx="2">
+        <a:scrgbClr r="0" g="0" b="0"/>
+      </a:lnRef>
+      <a:fillRef idx="1">
+        <a:scrgbClr r="0" g="0" b="0"/>
+      </a:fillRef>
+      <a:effectRef idx="0">
+        <a:scrgbClr r="0" g="0" b="0"/>
+      </a:effectRef>
+      <a:fontRef idx="minor"/>
+    </dgm:style>
+  </dgm:styleLbl>
+  <dgm:styleLbl name="bgAccFollowNode1">
+    <dgm:scene3d>
+      <a:camera prst="orthographicFront"/>
+      <a:lightRig rig="threePt" dir="t"/>
+    </dgm:scene3d>
+    <dgm:sp3d/>
+    <dgm:txPr/>
+    <dgm:style>
+      <a:lnRef idx="2">
+        <a:scrgbClr r="0" g="0" b="0"/>
+      </a:lnRef>
+      <a:fillRef idx="1">
+        <a:scrgbClr r="0" g="0" b="0"/>
+      </a:fillRef>
+      <a:effectRef idx="0">
+        <a:scrgbClr r="0" g="0" b="0"/>
+      </a:effectRef>
+      <a:fontRef idx="minor"/>
+    </dgm:style>
+  </dgm:styleLbl>
+  <dgm:styleLbl name="fgAcc0">
+    <dgm:scene3d>
+      <a:camera prst="orthographicFront"/>
+      <a:lightRig rig="threePt" dir="t"/>
+    </dgm:scene3d>
+    <dgm:sp3d/>
+    <dgm:txPr/>
+    <dgm:style>
+      <a:lnRef idx="2">
+        <a:scrgbClr r="0" g="0" b="0"/>
+      </a:lnRef>
+      <a:fillRef idx="1">
+        <a:scrgbClr r="0" g="0" b="0"/>
+      </a:fillRef>
+      <a:effectRef idx="0">
+        <a:scrgbClr r="0" g="0" b="0"/>
+      </a:effectRef>
+      <a:fontRef idx="minor"/>
+    </dgm:style>
+  </dgm:styleLbl>
+  <dgm:styleLbl name="fgAcc2">
+    <dgm:scene3d>
+      <a:camera prst="orthographicFront"/>
+      <a:lightRig rig="threePt" dir="t"/>
+    </dgm:scene3d>
+    <dgm:sp3d/>
+    <dgm:txPr/>
+    <dgm:style>
+      <a:lnRef idx="2">
+        <a:scrgbClr r="0" g="0" b="0"/>
+      </a:lnRef>
+      <a:fillRef idx="1">
+        <a:scrgbClr r="0" g="0" b="0"/>
+      </a:fillRef>
+      <a:effectRef idx="0">
+        <a:scrgbClr r="0" g="0" b="0"/>
+      </a:effectRef>
+      <a:fontRef idx="minor"/>
+    </dgm:style>
+  </dgm:styleLbl>
+  <dgm:styleLbl name="fgAcc3">
+    <dgm:scene3d>
+      <a:camera prst="orthographicFront"/>
+      <a:lightRig rig="threePt" dir="t"/>
+    </dgm:scene3d>
+    <dgm:sp3d/>
+    <dgm:txPr/>
+    <dgm:style>
+      <a:lnRef idx="2">
+        <a:scrgbClr r="0" g="0" b="0"/>
+      </a:lnRef>
+      <a:fillRef idx="1">
+        <a:scrgbClr r="0" g="0" b="0"/>
+      </a:fillRef>
+      <a:effectRef idx="0">
+        <a:scrgbClr r="0" g="0" b="0"/>
+      </a:effectRef>
+      <a:fontRef idx="minor"/>
+    </dgm:style>
+  </dgm:styleLbl>
+  <dgm:styleLbl name="fgAcc4">
+    <dgm:scene3d>
+      <a:camera prst="orthographicFront"/>
+      <a:lightRig rig="threePt" dir="t"/>
+    </dgm:scene3d>
+    <dgm:sp3d/>
+    <dgm:txPr/>
+    <dgm:style>
+      <a:lnRef idx="2">
+        <a:scrgbClr r="0" g="0" b="0"/>
+      </a:lnRef>
+      <a:fillRef idx="1">
+        <a:scrgbClr r="0" g="0" b="0"/>
+      </a:fillRef>
+      <a:effectRef idx="0">
+        <a:scrgbClr r="0" g="0" b="0"/>
+      </a:effectRef>
+      <a:fontRef idx="minor"/>
+    </dgm:style>
+  </dgm:styleLbl>
+  <dgm:styleLbl name="bgShp">
+    <dgm:scene3d>
+      <a:camera prst="orthographicFront"/>
+      <a:lightRig rig="threePt" dir="t"/>
+    </dgm:scene3d>
+    <dgm:sp3d/>
+    <dgm:txPr/>
+    <dgm:style>
+      <a:lnRef idx="0">
+        <a:scrgbClr r="0" g="0" b="0"/>
+      </a:lnRef>
+      <a:fillRef idx="1">
+        <a:scrgbClr r="0" g="0" b="0"/>
+      </a:fillRef>
+      <a:effectRef idx="0">
+        <a:scrgbClr r="0" g="0" b="0"/>
+      </a:effectRef>
+      <a:fontRef idx="minor"/>
+    </dgm:style>
+  </dgm:styleLbl>
+  <dgm:styleLbl name="dkBgShp">
+    <dgm:scene3d>
+      <a:camera prst="orthographicFront"/>
+      <a:lightRig rig="threePt" dir="t"/>
+    </dgm:scene3d>
+    <dgm:sp3d/>
+    <dgm:txPr/>
+    <dgm:style>
+      <a:lnRef idx="0">
+        <a:scrgbClr r="0" g="0" b="0"/>
+      </a:lnRef>
+      <a:fillRef idx="1">
+        <a:scrgbClr r="0" g="0" b="0"/>
+      </a:fillRef>
+      <a:effectRef idx="0">
+        <a:scrgbClr r="0" g="0" b="0"/>
+      </a:effectRef>
+      <a:fontRef idx="minor"/>
+    </dgm:style>
+  </dgm:styleLbl>
+  <dgm:styleLbl name="trBgShp">
+    <dgm:scene3d>
+      <a:camera prst="orthographicFront"/>
+      <a:lightRig rig="threePt" dir="t"/>
+    </dgm:scene3d>
+    <dgm:sp3d/>
+    <dgm:txPr/>
+    <dgm:style>
+      <a:lnRef idx="0">
+        <a:scrgbClr r="0" g="0" b="0"/>
+      </a:lnRef>
+      <a:fillRef idx="1">
+        <a:scrgbClr r="0" g="0" b="0"/>
+      </a:fillRef>
+      <a:effectRef idx="0">
+        <a:scrgbClr r="0" g="0" b="0"/>
+      </a:effectRef>
+      <a:fontRef idx="minor"/>
+    </dgm:style>
+  </dgm:styleLbl>
+  <dgm:styleLbl name="fgShp">
+    <dgm:scene3d>
+      <a:camera prst="orthographicFront"/>
+      <a:lightRig rig="threePt" dir="t"/>
+    </dgm:scene3d>
+    <dgm:sp3d/>
+    <dgm:txPr/>
+    <dgm:style>
+      <a:lnRef idx="2">
+        <a:scrgbClr r="0" g="0" b="0"/>
+      </a:lnRef>
+      <a:fillRef idx="1">
+        <a:scrgbClr r="0" g="0" b="0"/>
+      </a:fillRef>
+      <a:effectRef idx="0">
+        <a:scrgbClr r="0" g="0" b="0"/>
+      </a:effectRef>
+      <a:fontRef idx="minor"/>
+    </dgm:style>
+  </dgm:styleLbl>
+  <dgm:styleLbl name="revTx">
+    <dgm:scene3d>
+      <a:camera prst="orthographicFront"/>
+      <a:lightRig rig="threePt" dir="t"/>
+    </dgm:scene3d>
+    <dgm:sp3d/>
+    <dgm:txPr/>
+    <dgm:style>
+      <a:lnRef idx="0">
+        <a:scrgbClr r="0" g="0" b="0"/>
+      </a:lnRef>
+      <a:fillRef idx="0">
+        <a:scrgbClr r="0" g="0" b="0"/>
+      </a:fillRef>
+      <a:effectRef idx="0">
+        <a:scrgbClr r="0" g="0" b="0"/>
+      </a:effectRef>
+      <a:fontRef idx="minor"/>
+    </dgm:style>
+  </dgm:styleLbl>
+</dgm:styleDef>
+</file>
+
+<file path=ppt/diagrams/quickStyle2.xml><?xml version="1.0" encoding="utf-8"?>
+<dgm:styleDef xmlns:dgm="http://schemas.openxmlformats.org/drawingml/2006/diagram" xmlns:a="http://schemas.openxmlformats.org/drawingml/2006/main" uniqueId="urn:microsoft.com/office/officeart/2005/8/quickstyle/simple1">
+  <dgm:title val=""/>
+  <dgm:desc val=""/>
+  <dgm:catLst>
+    <dgm:cat type="simple" pri="10100"/>
+  </dgm:catLst>
+  <dgm:scene3d>
+    <a:camera prst="orthographicFront"/>
+    <a:lightRig rig="threePt" dir="t"/>
+  </dgm:scene3d>
+  <dgm:styleLbl name="node0">
+    <dgm:scene3d>
+      <a:camera prst="orthographicFront"/>
+      <a:lightRig rig="threePt" dir="t"/>
+    </dgm:scene3d>
+    <dgm:sp3d/>
+    <dgm:txPr/>
+    <dgm:style>
+      <a:lnRef idx="2">
+        <a:scrgbClr r="0" g="0" b="0"/>
+      </a:lnRef>
+      <a:fillRef idx="1">
+        <a:scrgbClr r="0" g="0" b="0"/>
+      </a:fillRef>
+      <a:effectRef idx="0">
+        <a:scrgbClr r="0" g="0" b="0"/>
+      </a:effectRef>
+      <a:fontRef idx="minor">
+        <a:schemeClr val="lt1"/>
+      </a:fontRef>
+    </dgm:style>
+  </dgm:styleLbl>
+  <dgm:styleLbl name="lnNode1">
+    <dgm:scene3d>
+      <a:camera prst="orthographicFront"/>
+      <a:lightRig rig="threePt" dir="t"/>
+    </dgm:scene3d>
+    <dgm:sp3d/>
+    <dgm:txPr/>
+    <dgm:style>
+      <a:lnRef idx="2">
+        <a:scrgbClr r="0" g="0" b="0"/>
+      </a:lnRef>
+      <a:fillRef idx="1">
+        <a:scrgbClr r="0" g="0" b="0"/>
+      </a:fillRef>
+      <a:effectRef idx="0">
+        <a:scrgbClr r="0" g="0" b="0"/>
+      </a:effectRef>
+      <a:fontRef idx="minor">
+        <a:schemeClr val="lt1"/>
+      </a:fontRef>
+    </dgm:style>
+  </dgm:styleLbl>
+  <dgm:styleLbl name="vennNode1">
+    <dgm:scene3d>
+      <a:camera prst="orthographicFront"/>
+      <a:lightRig rig="threePt" dir="t"/>
+    </dgm:scene3d>
+    <dgm:sp3d/>
+    <dgm:txPr/>
+    <dgm:style>
+      <a:lnRef idx="2">
+        <a:scrgbClr r="0" g="0" b="0"/>
+      </a:lnRef>
+      <a:fillRef idx="1">
+        <a:scrgbClr r="0" g="0" b="0"/>
+      </a:fillRef>
+      <a:effectRef idx="0">
+        <a:scrgbClr r="0" g="0" b="0"/>
+      </a:effectRef>
+      <a:fontRef idx="minor">
+        <a:schemeClr val="tx1"/>
+      </a:fontRef>
+    </dgm:style>
+  </dgm:styleLbl>
+  <dgm:styleLbl name="alignNode1">
+    <dgm:scene3d>
+      <a:camera prst="orthographicFront"/>
+      <a:lightRig rig="threePt" dir="t"/>
+    </dgm:scene3d>
+    <dgm:sp3d/>
+    <dgm:txPr/>
+    <dgm:style>
+      <a:lnRef idx="2">
+        <a:scrgbClr r="0" g="0" b="0"/>
+      </a:lnRef>
+      <a:fillRef idx="1">
+        <a:scrgbClr r="0" g="0" b="0"/>
+      </a:fillRef>
+      <a:effectRef idx="0">
+        <a:scrgbClr r="0" g="0" b="0"/>
+      </a:effectRef>
+      <a:fontRef idx="minor">
+        <a:schemeClr val="lt1"/>
+      </a:fontRef>
+    </dgm:style>
+  </dgm:styleLbl>
+  <dgm:styleLbl name="node1">
+    <dgm:scene3d>
+      <a:camera prst="orthographicFront"/>
+      <a:lightRig rig="threePt" dir="t"/>
+    </dgm:scene3d>
+    <dgm:sp3d/>
+    <dgm:txPr/>
+    <dgm:style>
+      <a:lnRef idx="2">
+        <a:scrgbClr r="0" g="0" b="0"/>
+      </a:lnRef>
+      <a:fillRef idx="1">
+        <a:scrgbClr r="0" g="0" b="0"/>
+      </a:fillRef>
+      <a:effectRef idx="0">
+        <a:scrgbClr r="0" g="0" b="0"/>
+      </a:effectRef>
+      <a:fontRef idx="minor">
+        <a:schemeClr val="lt1"/>
+      </a:fontRef>
+    </dgm:style>
+  </dgm:styleLbl>
+  <dgm:styleLbl name="node2">
+    <dgm:scene3d>
+      <a:camera prst="orthographicFront"/>
+      <a:lightRig rig="threePt" dir="t"/>
+    </dgm:scene3d>
+    <dgm:sp3d/>
+    <dgm:txPr/>
+    <dgm:style>
+      <a:lnRef idx="2">
+        <a:scrgbClr r="0" g="0" b="0"/>
+      </a:lnRef>
+      <a:fillRef idx="1">
+        <a:scrgbClr r="0" g="0" b="0"/>
+      </a:fillRef>
+      <a:effectRef idx="0">
+        <a:scrgbClr r="0" g="0" b="0"/>
+      </a:effectRef>
+      <a:fontRef idx="minor">
+        <a:schemeClr val="lt1"/>
+      </a:fontRef>
+    </dgm:style>
+  </dgm:styleLbl>
+  <dgm:styleLbl name="node3">
+    <dgm:scene3d>
+      <a:camera prst="orthographicFront"/>
+      <a:lightRig rig="threePt" dir="t"/>
+    </dgm:scene3d>
+    <dgm:sp3d/>
+    <dgm:txPr/>
+    <dgm:style>
+      <a:lnRef idx="2">
+        <a:scrgbClr r="0" g="0" b="0"/>
+      </a:lnRef>
+      <a:fillRef idx="1">
+        <a:scrgbClr r="0" g="0" b="0"/>
+      </a:fillRef>
+      <a:effectRef idx="0">
+        <a:scrgbClr r="0" g="0" b="0"/>
+      </a:effectRef>
+      <a:fontRef idx="minor">
+        <a:schemeClr val="lt1"/>
+      </a:fontRef>
+    </dgm:style>
+  </dgm:styleLbl>
+  <dgm:styleLbl name="node4">
+    <dgm:scene3d>
+      <a:camera prst="orthographicFront"/>
+      <a:lightRig rig="threePt" dir="t"/>
+    </dgm:scene3d>
+    <dgm:sp3d/>
+    <dgm:txPr/>
+    <dgm:style>
+      <a:lnRef idx="2">
+        <a:scrgbClr r="0" g="0" b="0"/>
+      </a:lnRef>
+      <a:fillRef idx="1">
+        <a:scrgbClr r="0" g="0" b="0"/>
+      </a:fillRef>
+      <a:effectRef idx="0">
+        <a:scrgbClr r="0" g="0" b="0"/>
+      </a:effectRef>
+      <a:fontRef idx="minor">
+        <a:schemeClr val="lt1"/>
+      </a:fontRef>
+    </dgm:style>
+  </dgm:styleLbl>
+  <dgm:styleLbl name="fgImgPlace1">
+    <dgm:scene3d>
+      <a:camera prst="orthographicFront"/>
+      <a:lightRig rig="threePt" dir="t"/>
+    </dgm:scene3d>
+    <dgm:sp3d/>
+    <dgm:txPr/>
+    <dgm:style>
+      <a:lnRef idx="2">
+        <a:scrgbClr r="0" g="0" b="0"/>
+      </a:lnRef>
+      <a:fillRef idx="1">
+        <a:scrgbClr r="0" g="0" b="0"/>
+      </a:fillRef>
+      <a:effectRef idx="0">
+        <a:scrgbClr r="0" g="0" b="0"/>
+      </a:effectRef>
+      <a:fontRef idx="minor"/>
+    </dgm:style>
+  </dgm:styleLbl>
+  <dgm:styleLbl name="alignImgPlace1">
+    <dgm:scene3d>
+      <a:camera prst="orthographicFront"/>
+      <a:lightRig rig="threePt" dir="t"/>
+    </dgm:scene3d>
+    <dgm:sp3d/>
+    <dgm:txPr/>
+    <dgm:style>
+      <a:lnRef idx="2">
+        <a:scrgbClr r="0" g="0" b="0"/>
+      </a:lnRef>
+      <a:fillRef idx="1">
+        <a:scrgbClr r="0" g="0" b="0"/>
+      </a:fillRef>
+      <a:effectRef idx="0">
+        <a:scrgbClr r="0" g="0" b="0"/>
+      </a:effectRef>
+      <a:fontRef idx="minor"/>
+    </dgm:style>
+  </dgm:styleLbl>
+  <dgm:styleLbl name="bgImgPlace1">
+    <dgm:scene3d>
+      <a:camera prst="orthographicFront"/>
+      <a:lightRig rig="threePt" dir="t"/>
+    </dgm:scene3d>
+    <dgm:sp3d/>
+    <dgm:txPr/>
+    <dgm:style>
+      <a:lnRef idx="2">
+        <a:scrgbClr r="0" g="0" b="0"/>
+      </a:lnRef>
+      <a:fillRef idx="1">
+        <a:scrgbClr r="0" g="0" b="0"/>
+      </a:fillRef>
+      <a:effectRef idx="0">
+        <a:scrgbClr r="0" g="0" b="0"/>
+      </a:effectRef>
+      <a:fontRef idx="minor"/>
+    </dgm:style>
+  </dgm:styleLbl>
+  <dgm:styleLbl name="sibTrans2D1">
+    <dgm:scene3d>
+      <a:camera prst="orthographicFront"/>
+      <a:lightRig rig="threePt" dir="t"/>
+    </dgm:scene3d>
+    <dgm:sp3d/>
+    <dgm:txPr/>
+    <dgm:style>
+      <a:lnRef idx="0">
+        <a:scrgbClr r="0" g="0" b="0"/>
+      </a:lnRef>
+      <a:fillRef idx="1">
+        <a:scrgbClr r="0" g="0" b="0"/>
+      </a:fillRef>
+      <a:effectRef idx="0">
+        <a:scrgbClr r="0" g="0" b="0"/>
+      </a:effectRef>
+      <a:fontRef idx="minor">
+        <a:schemeClr val="lt1"/>
+      </a:fontRef>
+    </dgm:style>
+  </dgm:styleLbl>
+  <dgm:styleLbl name="fgSibTrans2D1">
+    <dgm:scene3d>
+      <a:camera prst="orthographicFront"/>
+      <a:lightRig rig="threePt" dir="t"/>
+    </dgm:scene3d>
+    <dgm:sp3d/>
+    <dgm:txPr/>
+    <dgm:style>
+      <a:lnRef idx="0">
+        <a:scrgbClr r="0" g="0" b="0"/>
+      </a:lnRef>
+      <a:fillRef idx="1">
+        <a:scrgbClr r="0" g="0" b="0"/>
+      </a:fillRef>
+      <a:effectRef idx="0">
+        <a:scrgbClr r="0" g="0" b="0"/>
+      </a:effectRef>
+      <a:fontRef idx="minor">
+        <a:schemeClr val="lt1"/>
+      </a:fontRef>
+    </dgm:style>
+  </dgm:styleLbl>
+  <dgm:styleLbl name="bgSibTrans2D1">
+    <dgm:scene3d>
+      <a:camera prst="orthographicFront"/>
+      <a:lightRig rig="threePt" dir="t"/>
+    </dgm:scene3d>
+    <dgm:sp3d/>
+    <dgm:txPr/>
+    <dgm:style>
+      <a:lnRef idx="0">
+        <a:scrgbClr r="0" g="0" b="0"/>
+      </a:lnRef>
+      <a:fillRef idx="1">
+        <a:scrgbClr r="0" g="0" b="0"/>
+      </a:fillRef>
+      <a:effectRef idx="0">
+        <a:scrgbClr r="0" g="0" b="0"/>
+      </a:effectRef>
+      <a:fontRef idx="minor">
+        <a:schemeClr val="lt1"/>
+      </a:fontRef>
+    </dgm:style>
+  </dgm:styleLbl>
+  <dgm:styleLbl name="sibTrans1D1">
+    <dgm:scene3d>
+      <a:camera prst="orthographicFront"/>
+      <a:lightRig rig="threePt" dir="t"/>
+    </dgm:scene3d>
+    <dgm:sp3d/>
+    <dgm:txPr/>
+    <dgm:style>
+      <a:lnRef idx="1">
+        <a:scrgbClr r="0" g="0" b="0"/>
+      </a:lnRef>
+      <a:fillRef idx="0">
+        <a:scrgbClr r="0" g="0" b="0"/>
+      </a:fillRef>
+      <a:effectRef idx="0">
+        <a:scrgbClr r="0" g="0" b="0"/>
+      </a:effectRef>
+      <a:fontRef idx="minor"/>
+    </dgm:style>
+  </dgm:styleLbl>
+  <dgm:styleLbl name="callout">
+    <dgm:scene3d>
+      <a:camera prst="orthographicFront"/>
+      <a:lightRig rig="threePt" dir="t"/>
+    </dgm:scene3d>
+    <dgm:sp3d/>
+    <dgm:txPr/>
+    <dgm:style>
+      <a:lnRef idx="2">
+        <a:scrgbClr r="0" g="0" b="0"/>
+      </a:lnRef>
+      <a:fillRef idx="1">
+        <a:scrgbClr r="0" g="0" b="0"/>
+      </a:fillRef>
+      <a:effectRef idx="0">
+        <a:scrgbClr r="0" g="0" b="0"/>
+      </a:effectRef>
+      <a:fontRef idx="minor"/>
+    </dgm:style>
+  </dgm:styleLbl>
+  <dgm:styleLbl name="asst0">
+    <dgm:scene3d>
+      <a:camera prst="orthographicFront"/>
+      <a:lightRig rig="threePt" dir="t"/>
+    </dgm:scene3d>
+    <dgm:sp3d/>
+    <dgm:txPr/>
+    <dgm:style>
+      <a:lnRef idx="2">
+        <a:scrgbClr r="0" g="0" b="0"/>
+      </a:lnRef>
+      <a:fillRef idx="1">
+        <a:scrgbClr r="0" g="0" b="0"/>
+      </a:fillRef>
+      <a:effectRef idx="0">
+        <a:scrgbClr r="0" g="0" b="0"/>
+      </a:effectRef>
+      <a:fontRef idx="minor">
+        <a:schemeClr val="lt1"/>
+      </a:fontRef>
+    </dgm:style>
+  </dgm:styleLbl>
+  <dgm:styleLbl name="asst1">
+    <dgm:scene3d>
+      <a:camera prst="orthographicFront"/>
+      <a:lightRig rig="threePt" dir="t"/>
+    </dgm:scene3d>
+    <dgm:sp3d/>
+    <dgm:txPr/>
+    <dgm:style>
+      <a:lnRef idx="2">
+        <a:scrgbClr r="0" g="0" b="0"/>
+      </a:lnRef>
+      <a:fillRef idx="1">
+        <a:scrgbClr r="0" g="0" b="0"/>
+      </a:fillRef>
+      <a:effectRef idx="0">
+        <a:scrgbClr r="0" g="0" b="0"/>
+      </a:effectRef>
+      <a:fontRef idx="minor">
+        <a:schemeClr val="lt1"/>
+      </a:fontRef>
+    </dgm:style>
+  </dgm:styleLbl>
+  <dgm:styleLbl name="asst2">
+    <dgm:scene3d>
+      <a:camera prst="orthographicFront"/>
+      <a:lightRig rig="threePt" dir="t"/>
+    </dgm:scene3d>
+    <dgm:sp3d/>
+    <dgm:txPr/>
+    <dgm:style>
+      <a:lnRef idx="2">
+        <a:scrgbClr r="0" g="0" b="0"/>
+      </a:lnRef>
+      <a:fillRef idx="1">
+        <a:scrgbClr r="0" g="0" b="0"/>
+      </a:fillRef>
+      <a:effectRef idx="0">
+        <a:scrgbClr r="0" g="0" b="0"/>
+      </a:effectRef>
+      <a:fontRef idx="minor">
+        <a:schemeClr val="lt1"/>
+      </a:fontRef>
+    </dgm:style>
+  </dgm:styleLbl>
+  <dgm:styleLbl name="asst3">
+    <dgm:scene3d>
+      <a:camera prst="orthographicFront"/>
+      <a:lightRig rig="threePt" dir="t"/>
+    </dgm:scene3d>
+    <dgm:sp3d/>
+    <dgm:txPr/>
+    <dgm:style>
+      <a:lnRef idx="2">
+        <a:scrgbClr r="0" g="0" b="0"/>
+      </a:lnRef>
+      <a:fillRef idx="1">
+        <a:scrgbClr r="0" g="0" b="0"/>
+      </a:fillRef>
+      <a:effectRef idx="0">
+        <a:scrgbClr r="0" g="0" b="0"/>
+      </a:effectRef>
+      <a:fontRef idx="minor">
+        <a:schemeClr val="lt1"/>
+      </a:fontRef>
+    </dgm:style>
+  </dgm:styleLbl>
+  <dgm:styleLbl name="asst4">
+    <dgm:scene3d>
+      <a:camera prst="orthographicFront"/>
+      <a:lightRig rig="threePt" dir="t"/>
+    </dgm:scene3d>
+    <dgm:sp3d/>
+    <dgm:txPr/>
+    <dgm:style>
+      <a:lnRef idx="2">
+        <a:scrgbClr r="0" g="0" b="0"/>
+      </a:lnRef>
+      <a:fillRef idx="1">
+        <a:scrgbClr r="0" g="0" b="0"/>
+      </a:fillRef>
+      <a:effectRef idx="0">
+        <a:scrgbClr r="0" g="0" b="0"/>
+      </a:effectRef>
+      <a:fontRef idx="minor">
+        <a:schemeClr val="lt1"/>
+      </a:fontRef>
+    </dgm:style>
+  </dgm:styleLbl>
+  <dgm:styleLbl name="parChTrans2D1">
+    <dgm:scene3d>
+      <a:camera prst="orthographicFront"/>
+      <a:lightRig rig="threePt" dir="t"/>
+    </dgm:scene3d>
+    <dgm:sp3d/>
+    <dgm:txPr/>
+    <dgm:style>
+      <a:lnRef idx="2">
+        <a:scrgbClr r="0" g="0" b="0"/>
+      </a:lnRef>
+      <a:fillRef idx="1">
+        <a:scrgbClr r="0" g="0" b="0"/>
+      </a:fillRef>
+      <a:effectRef idx="0">
+        <a:scrgbClr r="0" g="0" b="0"/>
+      </a:effectRef>
+      <a:fontRef idx="minor">
+        <a:schemeClr val="lt1"/>
+      </a:fontRef>
+    </dgm:style>
+  </dgm:styleLbl>
+  <dgm:styleLbl name="parChTrans2D2">
+    <dgm:scene3d>
+      <a:camera prst="orthographicFront"/>
+      <a:lightRig rig="threePt" dir="t"/>
+    </dgm:scene3d>
+    <dgm:sp3d/>
+    <dgm:txPr/>
+    <dgm:style>
+      <a:lnRef idx="2">
+        <a:scrgbClr r="0" g="0" b="0"/>
+      </a:lnRef>
+      <a:fillRef idx="1">
+        <a:scrgbClr r="0" g="0" b="0"/>
+      </a:fillRef>
+      <a:effectRef idx="0">
+        <a:scrgbClr r="0" g="0" b="0"/>
+      </a:effectRef>
+      <a:fontRef idx="minor">
+        <a:schemeClr val="lt1"/>
+      </a:fontRef>
+    </dgm:style>
+  </dgm:styleLbl>
+  <dgm:styleLbl name="parChTrans2D3">
+    <dgm:scene3d>
+      <a:camera prst="orthographicFront"/>
+      <a:lightRig rig="threePt" dir="t"/>
+    </dgm:scene3d>
+    <dgm:sp3d/>
+    <dgm:txPr/>
+    <dgm:style>
+      <a:lnRef idx="2">
+        <a:scrgbClr r="0" g="0" b="0"/>
+      </a:lnRef>
+      <a:fillRef idx="1">
+        <a:scrgbClr r="0" g="0" b="0"/>
+      </a:fillRef>
+      <a:effectRef idx="0">
+        <a:scrgbClr r="0" g="0" b="0"/>
+      </a:effectRef>
+      <a:fontRef idx="minor">
+        <a:schemeClr val="lt1"/>
+      </a:fontRef>
+    </dgm:style>
+  </dgm:styleLbl>
+  <dgm:styleLbl name="parChTrans2D4">
+    <dgm:scene3d>
+      <a:camera prst="orthographicFront"/>
+      <a:lightRig rig="threePt" dir="t"/>
+    </dgm:scene3d>
+    <dgm:sp3d/>
+    <dgm:txPr/>
+    <dgm:style>
+      <a:lnRef idx="2">
+        <a:scrgbClr r="0" g="0" b="0"/>
+      </a:lnRef>
+      <a:fillRef idx="1">
+        <a:scrgbClr r="0" g="0" b="0"/>
+      </a:fillRef>
+      <a:effectRef idx="0">
+        <a:scrgbClr r="0" g="0" b="0"/>
+      </a:effectRef>
+      <a:fontRef idx="minor">
+        <a:schemeClr val="lt1"/>
+      </a:fontRef>
+    </dgm:style>
+  </dgm:styleLbl>
+  <dgm:styleLbl name="parChTrans1D1">
+    <dgm:scene3d>
+      <a:camera prst="orthographicFront"/>
+      <a:lightRig rig="threePt" dir="t"/>
+    </dgm:scene3d>
+    <dgm:sp3d/>
+    <dgm:txPr/>
+    <dgm:style>
+      <a:lnRef idx="2">
+        <a:scrgbClr r="0" g="0" b="0"/>
+      </a:lnRef>
+      <a:fillRef idx="0">
+        <a:scrgbClr r="0" g="0" b="0"/>
+      </a:fillRef>
+      <a:effectRef idx="0">
+        <a:scrgbClr r="0" g="0" b="0"/>
+      </a:effectRef>
+      <a:fontRef idx="minor"/>
+    </dgm:style>
+  </dgm:styleLbl>
+  <dgm:styleLbl name="parChTrans1D2">
+    <dgm:scene3d>
+      <a:camera prst="orthographicFront"/>
+      <a:lightRig rig="threePt" dir="t"/>
+    </dgm:scene3d>
+    <dgm:sp3d/>
+    <dgm:txPr/>
+    <dgm:style>
+      <a:lnRef idx="2">
+        <a:scrgbClr r="0" g="0" b="0"/>
+      </a:lnRef>
+      <a:fillRef idx="0">
+        <a:scrgbClr r="0" g="0" b="0"/>
+      </a:fillRef>
+      <a:effectRef idx="0">
+        <a:scrgbClr r="0" g="0" b="0"/>
+      </a:effectRef>
+      <a:fontRef idx="minor"/>
+    </dgm:style>
+  </dgm:styleLbl>
+  <dgm:styleLbl name="parChTrans1D3">
+    <dgm:scene3d>
+      <a:camera prst="orthographicFront"/>
+      <a:lightRig rig="threePt" dir="t"/>
+    </dgm:scene3d>
+    <dgm:sp3d/>
+    <dgm:txPr/>
+    <dgm:style>
+      <a:lnRef idx="2">
+        <a:scrgbClr r="0" g="0" b="0"/>
+      </a:lnRef>
+      <a:fillRef idx="0">
+        <a:scrgbClr r="0" g="0" b="0"/>
+      </a:fillRef>
+      <a:effectRef idx="0">
+        <a:scrgbClr r="0" g="0" b="0"/>
+      </a:effectRef>
+      <a:fontRef idx="minor"/>
+    </dgm:style>
+  </dgm:styleLbl>
+  <dgm:styleLbl name="parChTrans1D4">
+    <dgm:scene3d>
+      <a:camera prst="orthographicFront"/>
+      <a:lightRig rig="threePt" dir="t"/>
+    </dgm:scene3d>
+    <dgm:sp3d/>
+    <dgm:txPr/>
+    <dgm:style>
+      <a:lnRef idx="2">
+        <a:scrgbClr r="0" g="0" b="0"/>
+      </a:lnRef>
+      <a:fillRef idx="0">
+        <a:scrgbClr r="0" g="0" b="0"/>
+      </a:fillRef>
+      <a:effectRef idx="0">
+        <a:scrgbClr r="0" g="0" b="0"/>
+      </a:effectRef>
+      <a:fontRef idx="minor"/>
+    </dgm:style>
+  </dgm:styleLbl>
+  <dgm:styleLbl name="fgAcc1">
+    <dgm:scene3d>
+      <a:camera prst="orthographicFront"/>
+      <a:lightRig rig="threePt" dir="t"/>
+    </dgm:scene3d>
+    <dgm:sp3d/>
+    <dgm:txPr/>
+    <dgm:style>
+      <a:lnRef idx="2">
+        <a:scrgbClr r="0" g="0" b="0"/>
+      </a:lnRef>
+      <a:fillRef idx="1">
+        <a:scrgbClr r="0" g="0" b="0"/>
+      </a:fillRef>
+      <a:effectRef idx="0">
+        <a:scrgbClr r="0" g="0" b="0"/>
+      </a:effectRef>
+      <a:fontRef idx="minor"/>
+    </dgm:style>
+  </dgm:styleLbl>
+  <dgm:styleLbl name="conFgAcc1">
+    <dgm:scene3d>
+      <a:camera prst="orthographicFront"/>
+      <a:lightRig rig="threePt" dir="t"/>
+    </dgm:scene3d>
+    <dgm:sp3d/>
+    <dgm:txPr/>
+    <dgm:style>
+      <a:lnRef idx="2">
+        <a:scrgbClr r="0" g="0" b="0"/>
+      </a:lnRef>
+      <a:fillRef idx="1">
+        <a:scrgbClr r="0" g="0" b="0"/>
+      </a:fillRef>
+      <a:effectRef idx="0">
+        <a:scrgbClr r="0" g="0" b="0"/>
+      </a:effectRef>
+      <a:fontRef idx="minor"/>
+    </dgm:style>
+  </dgm:styleLbl>
+  <dgm:styleLbl name="alignAcc1">
+    <dgm:scene3d>
+      <a:camera prst="orthographicFront"/>
+      <a:lightRig rig="threePt" dir="t"/>
+    </dgm:scene3d>
+    <dgm:sp3d/>
+    <dgm:txPr/>
+    <dgm:style>
+      <a:lnRef idx="2">
+        <a:scrgbClr r="0" g="0" b="0"/>
+      </a:lnRef>
+      <a:fillRef idx="1">
+        <a:scrgbClr r="0" g="0" b="0"/>
+      </a:fillRef>
+      <a:effectRef idx="0">
+        <a:scrgbClr r="0" g="0" b="0"/>
+      </a:effectRef>
+      <a:fontRef idx="minor"/>
+    </dgm:style>
+  </dgm:styleLbl>
+  <dgm:styleLbl name="trAlignAcc1">
+    <dgm:scene3d>
+      <a:camera prst="orthographicFront"/>
+      <a:lightRig rig="threePt" dir="t"/>
+    </dgm:scene3d>
+    <dgm:sp3d/>
+    <dgm:txPr/>
+    <dgm:style>
+      <a:lnRef idx="1">
+        <a:scrgbClr r="0" g="0" b="0"/>
+      </a:lnRef>
+      <a:fillRef idx="1">
+        <a:scrgbClr r="0" g="0" b="0"/>
+      </a:fillRef>
+      <a:effectRef idx="0">
+        <a:scrgbClr r="0" g="0" b="0"/>
+      </a:effectRef>
+      <a:fontRef idx="minor"/>
+    </dgm:style>
+  </dgm:styleLbl>
+  <dgm:styleLbl name="bgAcc1">
+    <dgm:scene3d>
+      <a:camera prst="orthographicFront"/>
+      <a:lightRig rig="threePt" dir="t"/>
+    </dgm:scene3d>
+    <dgm:sp3d/>
+    <dgm:txPr/>
+    <dgm:style>
+      <a:lnRef idx="2">
+        <a:scrgbClr r="0" g="0" b="0"/>
+      </a:lnRef>
+      <a:fillRef idx="1">
+        <a:scrgbClr r="0" g="0" b="0"/>
+      </a:fillRef>
+      <a:effectRef idx="0">
+        <a:scrgbClr r="0" g="0" b="0"/>
+      </a:effectRef>
+      <a:fontRef idx="minor"/>
+    </dgm:style>
+  </dgm:styleLbl>
+  <dgm:styleLbl name="solidFgAcc1">
+    <dgm:scene3d>
+      <a:camera prst="orthographicFront"/>
+      <a:lightRig rig="threePt" dir="t"/>
+    </dgm:scene3d>
+    <dgm:sp3d/>
+    <dgm:txPr/>
+    <dgm:style>
+      <a:lnRef idx="2">
+        <a:scrgbClr r="0" g="0" b="0"/>
+      </a:lnRef>
+      <a:fillRef idx="1">
+        <a:scrgbClr r="0" g="0" b="0"/>
+      </a:fillRef>
+      <a:effectRef idx="0">
+        <a:scrgbClr r="0" g="0" b="0"/>
+      </a:effectRef>
+      <a:fontRef idx="minor"/>
+    </dgm:style>
+  </dgm:styleLbl>
+  <dgm:styleLbl name="solidAlignAcc1">
+    <dgm:scene3d>
+      <a:camera prst="orthographicFront"/>
+      <a:lightRig rig="threePt" dir="t"/>
+    </dgm:scene3d>
+    <dgm:sp3d/>
+    <dgm:txPr/>
+    <dgm:style>
+      <a:lnRef idx="2">
+        <a:scrgbClr r="0" g="0" b="0"/>
+      </a:lnRef>
+      <a:fillRef idx="1">
+        <a:scrgbClr r="0" g="0" b="0"/>
+      </a:fillRef>
+      <a:effectRef idx="0">
+        <a:scrgbClr r="0" g="0" b="0"/>
+      </a:effectRef>
+      <a:fontRef idx="minor"/>
+    </dgm:style>
+  </dgm:styleLbl>
+  <dgm:styleLbl name="solidBgAcc1">
+    <dgm:scene3d>
+      <a:camera prst="orthographicFront"/>
+      <a:lightRig rig="threePt" dir="t"/>
+    </dgm:scene3d>
+    <dgm:sp3d/>
+    <dgm:txPr/>
+    <dgm:style>
+      <a:lnRef idx="2">
+        <a:scrgbClr r="0" g="0" b="0"/>
+      </a:lnRef>
+      <a:fillRef idx="1">
+        <a:scrgbClr r="0" g="0" b="0"/>
+      </a:fillRef>
+      <a:effectRef idx="0">
+        <a:scrgbClr r="0" g="0" b="0"/>
+      </a:effectRef>
+      <a:fontRef idx="minor"/>
+    </dgm:style>
+  </dgm:styleLbl>
+  <dgm:styleLbl name="fgAccFollowNode1">
+    <dgm:scene3d>
+      <a:camera prst="orthographicFront"/>
+      <a:lightRig rig="threePt" dir="t"/>
+    </dgm:scene3d>
+    <dgm:sp3d/>
+    <dgm:txPr/>
+    <dgm:style>
+      <a:lnRef idx="2">
+        <a:scrgbClr r="0" g="0" b="0"/>
+      </a:lnRef>
+      <a:fillRef idx="1">
+        <a:scrgbClr r="0" g="0" b="0"/>
+      </a:fillRef>
+      <a:effectRef idx="0">
+        <a:scrgbClr r="0" g="0" b="0"/>
+      </a:effectRef>
+      <a:fontRef idx="minor"/>
+    </dgm:style>
+  </dgm:styleLbl>
+  <dgm:styleLbl name="alignAccFollowNode1">
+    <dgm:scene3d>
+      <a:camera prst="orthographicFront"/>
+      <a:lightRig rig="threePt" dir="t"/>
+    </dgm:scene3d>
+    <dgm:sp3d/>
+    <dgm:txPr/>
+    <dgm:style>
+      <a:lnRef idx="2">
+        <a:scrgbClr r="0" g="0" b="0"/>
+      </a:lnRef>
+      <a:fillRef idx="1">
+        <a:scrgbClr r="0" g="0" b="0"/>
+      </a:fillRef>
+      <a:effectRef idx="0">
+        <a:scrgbClr r="0" g="0" b="0"/>
+      </a:effectRef>
+      <a:fontRef idx="minor"/>
+    </dgm:style>
+  </dgm:styleLbl>
+  <dgm:styleLbl name="bgAccFollowNode1">
+    <dgm:scene3d>
+      <a:camera prst="orthographicFront"/>
+      <a:lightRig rig="threePt" dir="t"/>
+    </dgm:scene3d>
+    <dgm:sp3d/>
+    <dgm:txPr/>
+    <dgm:style>
+      <a:lnRef idx="2">
+        <a:scrgbClr r="0" g="0" b="0"/>
+      </a:lnRef>
+      <a:fillRef idx="1">
+        <a:scrgbClr r="0" g="0" b="0"/>
+      </a:fillRef>
+      <a:effectRef idx="0">
+        <a:scrgbClr r="0" g="0" b="0"/>
+      </a:effectRef>
+      <a:fontRef idx="minor"/>
+    </dgm:style>
+  </dgm:styleLbl>
+  <dgm:styleLbl name="fgAcc0">
+    <dgm:scene3d>
+      <a:camera prst="orthographicFront"/>
+      <a:lightRig rig="threePt" dir="t"/>
+    </dgm:scene3d>
+    <dgm:sp3d/>
+    <dgm:txPr/>
+    <dgm:style>
+      <a:lnRef idx="2">
+        <a:scrgbClr r="0" g="0" b="0"/>
+      </a:lnRef>
+      <a:fillRef idx="1">
+        <a:scrgbClr r="0" g="0" b="0"/>
+      </a:fillRef>
+      <a:effectRef idx="0">
+        <a:scrgbClr r="0" g="0" b="0"/>
+      </a:effectRef>
+      <a:fontRef idx="minor"/>
+    </dgm:style>
+  </dgm:styleLbl>
+  <dgm:styleLbl name="fgAcc2">
+    <dgm:scene3d>
+      <a:camera prst="orthographicFront"/>
+      <a:lightRig rig="threePt" dir="t"/>
+    </dgm:scene3d>
+    <dgm:sp3d/>
+    <dgm:txPr/>
+    <dgm:style>
+      <a:lnRef idx="2">
+        <a:scrgbClr r="0" g="0" b="0"/>
+      </a:lnRef>
+      <a:fillRef idx="1">
+        <a:scrgbClr r="0" g="0" b="0"/>
+      </a:fillRef>
+      <a:effectRef idx="0">
+        <a:scrgbClr r="0" g="0" b="0"/>
+      </a:effectRef>
+      <a:fontRef idx="minor"/>
+    </dgm:style>
+  </dgm:styleLbl>
+  <dgm:styleLbl name="fgAcc3">
+    <dgm:scene3d>
+      <a:camera prst="orthographicFront"/>
+      <a:lightRig rig="threePt" dir="t"/>
+    </dgm:scene3d>
+    <dgm:sp3d/>
+    <dgm:txPr/>
+    <dgm:style>
+      <a:lnRef idx="2">
+        <a:scrgbClr r="0" g="0" b="0"/>
+      </a:lnRef>
+      <a:fillRef idx="1">
+        <a:scrgbClr r="0" g="0" b="0"/>
+      </a:fillRef>
+      <a:effectRef idx="0">
+        <a:scrgbClr r="0" g="0" b="0"/>
+      </a:effectRef>
+      <a:fontRef idx="minor"/>
+    </dgm:style>
+  </dgm:styleLbl>
+  <dgm:styleLbl name="fgAcc4">
+    <dgm:scene3d>
+      <a:camera prst="orthographicFront"/>
+      <a:lightRig rig="threePt" dir="t"/>
+    </dgm:scene3d>
+    <dgm:sp3d/>
+    <dgm:txPr/>
+    <dgm:style>
+      <a:lnRef idx="2">
+        <a:scrgbClr r="0" g="0" b="0"/>
+      </a:lnRef>
+      <a:fillRef idx="1">
+        <a:scrgbClr r="0" g="0" b="0"/>
+      </a:fillRef>
+      <a:effectRef idx="0">
+        <a:scrgbClr r="0" g="0" b="0"/>
+      </a:effectRef>
+      <a:fontRef idx="minor"/>
+    </dgm:style>
+  </dgm:styleLbl>
+  <dgm:styleLbl name="bgShp">
+    <dgm:scene3d>
+      <a:camera prst="orthographicFront"/>
+      <a:lightRig rig="threePt" dir="t"/>
+    </dgm:scene3d>
+    <dgm:sp3d/>
+    <dgm:txPr/>
+    <dgm:style>
+      <a:lnRef idx="0">
+        <a:scrgbClr r="0" g="0" b="0"/>
+      </a:lnRef>
+      <a:fillRef idx="1">
+        <a:scrgbClr r="0" g="0" b="0"/>
+      </a:fillRef>
+      <a:effectRef idx="0">
+        <a:scrgbClr r="0" g="0" b="0"/>
+      </a:effectRef>
+      <a:fontRef idx="minor"/>
+    </dgm:style>
+  </dgm:styleLbl>
+  <dgm:styleLbl name="dkBgShp">
+    <dgm:scene3d>
+      <a:camera prst="orthographicFront"/>
+      <a:lightRig rig="threePt" dir="t"/>
+    </dgm:scene3d>
+    <dgm:sp3d/>
+    <dgm:txPr/>
+    <dgm:style>
+      <a:lnRef idx="0">
+        <a:scrgbClr r="0" g="0" b="0"/>
+      </a:lnRef>
+      <a:fillRef idx="1">
+        <a:scrgbClr r="0" g="0" b="0"/>
+      </a:fillRef>
+      <a:effectRef idx="0">
+        <a:scrgbClr r="0" g="0" b="0"/>
+      </a:effectRef>
+      <a:fontRef idx="minor"/>
+    </dgm:style>
+  </dgm:styleLbl>
+  <dgm:styleLbl name="trBgShp">
+    <dgm:scene3d>
+      <a:camera prst="orthographicFront"/>
+      <a:lightRig rig="threePt" dir="t"/>
+    </dgm:scene3d>
+    <dgm:sp3d/>
+    <dgm:txPr/>
+    <dgm:style>
+      <a:lnRef idx="0">
+        <a:scrgbClr r="0" g="0" b="0"/>
+      </a:lnRef>
+      <a:fillRef idx="1">
+        <a:scrgbClr r="0" g="0" b="0"/>
+      </a:fillRef>
+      <a:effectRef idx="0">
+        <a:scrgbClr r="0" g="0" b="0"/>
+      </a:effectRef>
+      <a:fontRef idx="minor"/>
+    </dgm:style>
+  </dgm:styleLbl>
+  <dgm:styleLbl name="fgShp">
+    <dgm:scene3d>
+      <a:camera prst="orthographicFront"/>
+      <a:lightRig rig="threePt" dir="t"/>
+    </dgm:scene3d>
+    <dgm:sp3d/>
+    <dgm:txPr/>
+    <dgm:style>
+      <a:lnRef idx="2">
+        <a:scrgbClr r="0" g="0" b="0"/>
+      </a:lnRef>
+      <a:fillRef idx="1">
+        <a:scrgbClr r="0" g="0" b="0"/>
+      </a:fillRef>
+      <a:effectRef idx="0">
+        <a:scrgbClr r="0" g="0" b="0"/>
+      </a:effectRef>
+      <a:fontRef idx="minor"/>
+    </dgm:style>
+  </dgm:styleLbl>
+  <dgm:styleLbl name="revTx">
+    <dgm:scene3d>
+      <a:camera prst="orthographicFront"/>
+      <a:lightRig rig="threePt" dir="t"/>
+    </dgm:scene3d>
+    <dgm:sp3d/>
+    <dgm:txPr/>
+    <dgm:style>
+      <a:lnRef idx="0">
+        <a:scrgbClr r="0" g="0" b="0"/>
+      </a:lnRef>
+      <a:fillRef idx="0">
+        <a:scrgbClr r="0" g="0" b="0"/>
+      </a:fillRef>
+      <a:effectRef idx="0">
+        <a:scrgbClr r="0" g="0" b="0"/>
+      </a:effectRef>
+      <a:fontRef idx="minor"/>
+    </dgm:style>
+  </dgm:styleLbl>
+</dgm:styleDef>
+</file>
+
 <file path=ppt/notesMasters/notesMaster1.xml><?xml version="1.0" encoding="utf-8"?>
 <p:notesMaster xmlns:a="http://schemas.openxmlformats.org/drawingml/2006/main" xmlns:r="http://schemas.openxmlformats.org/officeDocument/2006/relationships" xmlns:p="http://schemas.openxmlformats.org/presentationml/2006/main">
   <p:cSld>
@@ -227,7 +6251,7 @@
           <a:p>
             <a:fld id="{C6B1AD4F-F5E1-44BF-B2CE-5CC53752312E}" type="datetimeFigureOut">
               <a:rPr lang="fr-FR" smtClean="0"/>
-              <a:t>12/03/2020</a:t>
+              <a:t>13/03/2020</a:t>
             </a:fld>
             <a:endParaRPr lang="fr-FR"/>
           </a:p>
@@ -1384,7 +7408,7 @@
           <a:p>
             <a:fld id="{121086B6-4785-4B02-B45F-69E8EC48AF10}" type="datetime1">
               <a:rPr lang="en-US" smtClean="0"/>
-              <a:t>3/12/2020</a:t>
+              <a:t>3/13/2020</a:t>
             </a:fld>
             <a:endParaRPr lang="en-US" dirty="0"/>
           </a:p>
@@ -1636,7 +7660,7 @@
           <a:p>
             <a:fld id="{23970309-B0F5-496A-AF01-C4F7D7127607}" type="datetime1">
               <a:rPr lang="en-US" smtClean="0"/>
-              <a:t>3/12/2020</a:t>
+              <a:t>3/13/2020</a:t>
             </a:fld>
             <a:endParaRPr lang="en-US" dirty="0"/>
           </a:p>
@@ -1951,7 +7975,7 @@
           <a:p>
             <a:fld id="{BD5A6555-B09D-4DF3-9E24-F95073C0E3C5}" type="datetime1">
               <a:rPr lang="en-US" smtClean="0"/>
-              <a:t>3/12/2020</a:t>
+              <a:t>3/13/2020</a:t>
             </a:fld>
             <a:endParaRPr lang="en-US" dirty="0"/>
           </a:p>
@@ -2293,7 +8317,7 @@
           <a:p>
             <a:fld id="{2718A8E1-1FCB-4D1F-B5F8-40754BB1A44B}" type="datetime1">
               <a:rPr lang="en-US" smtClean="0"/>
-              <a:t>3/12/2020</a:t>
+              <a:t>3/13/2020</a:t>
             </a:fld>
             <a:endParaRPr lang="en-US" dirty="0"/>
           </a:p>
@@ -2608,7 +8632,7 @@
           <a:p>
             <a:fld id="{373D0532-6397-4639-8901-FD8E130F9E79}" type="datetime1">
               <a:rPr lang="en-US" smtClean="0"/>
-              <a:t>3/12/2020</a:t>
+              <a:t>3/13/2020</a:t>
             </a:fld>
             <a:endParaRPr lang="en-US" dirty="0"/>
           </a:p>
@@ -3002,7 +9026,7 @@
           <a:p>
             <a:fld id="{06DAD8E1-DFBA-4FAC-A724-8EA9950C9948}" type="datetime1">
               <a:rPr lang="en-US" smtClean="0"/>
-              <a:t>3/12/2020</a:t>
+              <a:t>3/13/2020</a:t>
             </a:fld>
             <a:endParaRPr lang="en-US" dirty="0"/>
           </a:p>
@@ -3173,7 +9197,7 @@
           <a:p>
             <a:fld id="{6BE363D7-C59B-4AE0-9D13-3E581A6403A6}" type="datetime1">
               <a:rPr lang="en-US" smtClean="0"/>
-              <a:t>3/12/2020</a:t>
+              <a:t>3/13/2020</a:t>
             </a:fld>
             <a:endParaRPr lang="en-US" dirty="0"/>
           </a:p>
@@ -3353,7 +9377,7 @@
           <a:p>
             <a:fld id="{A4B56314-D09A-4343-94DD-6E21C843D93C}" type="datetime1">
               <a:rPr lang="en-US" smtClean="0"/>
-              <a:t>3/12/2020</a:t>
+              <a:t>3/13/2020</a:t>
             </a:fld>
             <a:endParaRPr lang="en-US" dirty="0"/>
           </a:p>
@@ -3530,7 +9554,7 @@
           <a:p>
             <a:fld id="{311F89E6-8346-407F-8976-74A6E6BC9C69}" type="datetime1">
               <a:rPr lang="en-US" smtClean="0"/>
-              <a:t>3/12/2020</a:t>
+              <a:t>3/13/2020</a:t>
             </a:fld>
             <a:endParaRPr lang="en-US" dirty="0"/>
           </a:p>
@@ -3778,7 +9802,7 @@
           <a:p>
             <a:fld id="{F0CAE4E6-96AB-47D8-84F8-C8DEF4A89FA1}" type="datetime1">
               <a:rPr lang="en-US" smtClean="0"/>
-              <a:t>3/12/2020</a:t>
+              <a:t>3/13/2020</a:t>
             </a:fld>
             <a:endParaRPr lang="en-US" dirty="0"/>
           </a:p>
@@ -4011,7 +10035,7 @@
           <a:p>
             <a:fld id="{C74EB724-3B24-4FAF-B85F-8349CE767A12}" type="datetime1">
               <a:rPr lang="en-US" smtClean="0"/>
-              <a:t>3/12/2020</a:t>
+              <a:t>3/13/2020</a:t>
             </a:fld>
             <a:endParaRPr lang="en-US" dirty="0"/>
           </a:p>
@@ -4385,7 +10409,7 @@
           <a:p>
             <a:fld id="{C6E29C2D-42A1-4ACC-8E10-E8732F70073F}" type="datetime1">
               <a:rPr lang="en-US" smtClean="0"/>
-              <a:t>3/12/2020</a:t>
+              <a:t>3/13/2020</a:t>
             </a:fld>
             <a:endParaRPr lang="en-US" dirty="0"/>
           </a:p>
@@ -4509,7 +10533,7 @@
           <a:p>
             <a:fld id="{CAE62921-F2F1-4662-8022-A6B0A50BAE48}" type="datetime1">
               <a:rPr lang="en-US" smtClean="0"/>
-              <a:t>3/12/2020</a:t>
+              <a:t>3/13/2020</a:t>
             </a:fld>
             <a:endParaRPr lang="en-US" dirty="0"/>
           </a:p>
@@ -4605,7 +10629,7 @@
           <a:p>
             <a:fld id="{0BBF48E3-595E-4DAE-88AA-4F167A64EEC9}" type="datetime1">
               <a:rPr lang="en-US" smtClean="0"/>
-              <a:t>3/12/2020</a:t>
+              <a:t>3/13/2020</a:t>
             </a:fld>
             <a:endParaRPr lang="en-US" dirty="0"/>
           </a:p>
@@ -4861,7 +10885,7 @@
           <a:p>
             <a:fld id="{46970350-80C1-41CC-A2C2-E8482DBD7CDF}" type="datetime1">
               <a:rPr lang="en-US" smtClean="0"/>
-              <a:t>3/12/2020</a:t>
+              <a:t>3/13/2020</a:t>
             </a:fld>
             <a:endParaRPr lang="en-US" dirty="0"/>
           </a:p>
@@ -5124,7 +11148,7 @@
           <a:p>
             <a:fld id="{AB97C547-5076-4761-9061-295AB8CD0FD5}" type="datetime1">
               <a:rPr lang="en-US" smtClean="0"/>
-              <a:t>3/12/2020</a:t>
+              <a:t>3/13/2020</a:t>
             </a:fld>
             <a:endParaRPr lang="en-US" dirty="0"/>
           </a:p>
@@ -5868,7 +11892,7 @@
           <a:p>
             <a:fld id="{4BC6ADAC-2FE0-4598-B64E-CE0503A9DF00}" type="datetime1">
               <a:rPr lang="en-US" smtClean="0"/>
-              <a:t>3/12/2020</a:t>
+              <a:t>3/13/2020</a:t>
             </a:fld>
             <a:endParaRPr lang="en-US" dirty="0"/>
           </a:p>
@@ -7891,126 +13915,6 @@
           <p:cNvPr id="2" name="Titre 1">
             <a:extLst>
               <a:ext uri="{FF2B5EF4-FFF2-40B4-BE49-F238E27FC236}">
-                <a16:creationId xmlns:a16="http://schemas.microsoft.com/office/drawing/2014/main" id="{B6090E45-0338-490F-A7CB-9A396C31BDA9}"/>
-              </a:ext>
-            </a:extLst>
-          </p:cNvPr>
-          <p:cNvSpPr>
-            <a:spLocks noGrp="1"/>
-          </p:cNvSpPr>
-          <p:nvPr>
-            <p:ph type="title"/>
-          </p:nvPr>
-        </p:nvSpPr>
-        <p:spPr/>
-        <p:txBody>
-          <a:bodyPr/>
-          <a:lstStyle/>
-          <a:p>
-            <a:r>
-              <a:rPr lang="fr-FR" dirty="0"/>
-              <a:t>Diagramme de séquence</a:t>
-            </a:r>
-          </a:p>
-        </p:txBody>
-      </p:sp>
-      <p:pic>
-        <p:nvPicPr>
-          <p:cNvPr id="5" name="Espace réservé du contenu 4">
-            <a:extLst>
-              <a:ext uri="{FF2B5EF4-FFF2-40B4-BE49-F238E27FC236}">
-                <a16:creationId xmlns:a16="http://schemas.microsoft.com/office/drawing/2014/main" id="{6B529675-99F3-419C-98D2-20E373726325}"/>
-              </a:ext>
-            </a:extLst>
-          </p:cNvPr>
-          <p:cNvPicPr>
-            <a:picLocks noGrp="1" noChangeAspect="1"/>
-          </p:cNvPicPr>
-          <p:nvPr>
-            <p:ph idx="1"/>
-          </p:nvPr>
-        </p:nvPicPr>
-        <p:blipFill>
-          <a:blip r:embed="rId2"/>
-          <a:stretch>
-            <a:fillRect/>
-          </a:stretch>
-        </p:blipFill>
-        <p:spPr>
-          <a:xfrm>
-            <a:off x="1358625" y="2160588"/>
-            <a:ext cx="7234787" cy="3881437"/>
-          </a:xfrm>
-          <a:prstGeom prst="rect">
-            <a:avLst/>
-          </a:prstGeom>
-        </p:spPr>
-      </p:pic>
-      <p:sp>
-        <p:nvSpPr>
-          <p:cNvPr id="4" name="Espace réservé du numéro de diapositive 3">
-            <a:extLst>
-              <a:ext uri="{FF2B5EF4-FFF2-40B4-BE49-F238E27FC236}">
-                <a16:creationId xmlns:a16="http://schemas.microsoft.com/office/drawing/2014/main" id="{51C27953-2B2B-465D-A934-4E56C3122A79}"/>
-              </a:ext>
-            </a:extLst>
-          </p:cNvPr>
-          <p:cNvSpPr>
-            <a:spLocks noGrp="1"/>
-          </p:cNvSpPr>
-          <p:nvPr>
-            <p:ph type="sldNum" sz="quarter" idx="12"/>
-          </p:nvPr>
-        </p:nvSpPr>
-        <p:spPr/>
-        <p:txBody>
-          <a:bodyPr/>
-          <a:lstStyle/>
-          <a:p>
-            <a:fld id="{D57F1E4F-1CFF-5643-939E-217C01CDF565}" type="slidenum">
-              <a:rPr lang="en-US" smtClean="0"/>
-              <a:pPr/>
-              <a:t>10</a:t>
-            </a:fld>
-            <a:endParaRPr lang="en-US" dirty="0"/>
-          </a:p>
-        </p:txBody>
-      </p:sp>
-    </p:spTree>
-    <p:extLst>
-      <p:ext uri="{BB962C8B-B14F-4D97-AF65-F5344CB8AC3E}">
-        <p14:creationId xmlns:p14="http://schemas.microsoft.com/office/powerpoint/2010/main" val="349222349"/>
-      </p:ext>
-    </p:extLst>
-  </p:cSld>
-  <p:clrMapOvr>
-    <a:masterClrMapping/>
-  </p:clrMapOvr>
-</p:sld>
-</file>
-
-<file path=ppt/slides/slide11.xml><?xml version="1.0" encoding="utf-8"?>
-<p:sld xmlns:a="http://schemas.openxmlformats.org/drawingml/2006/main" xmlns:r="http://schemas.openxmlformats.org/officeDocument/2006/relationships" xmlns:p="http://schemas.openxmlformats.org/presentationml/2006/main">
-  <p:cSld>
-    <p:spTree>
-      <p:nvGrpSpPr>
-        <p:cNvPr id="1" name=""/>
-        <p:cNvGrpSpPr/>
-        <p:nvPr/>
-      </p:nvGrpSpPr>
-      <p:grpSpPr>
-        <a:xfrm>
-          <a:off x="0" y="0"/>
-          <a:ext cx="0" cy="0"/>
-          <a:chOff x="0" y="0"/>
-          <a:chExt cx="0" cy="0"/>
-        </a:xfrm>
-      </p:grpSpPr>
-      <p:sp>
-        <p:nvSpPr>
-          <p:cNvPr id="2" name="Titre 1">
-            <a:extLst>
-              <a:ext uri="{FF2B5EF4-FFF2-40B4-BE49-F238E27FC236}">
                 <a16:creationId xmlns:a16="http://schemas.microsoft.com/office/drawing/2014/main" id="{53FD9546-A9DC-44BB-8E2E-1DB691F7B233}"/>
               </a:ext>
             </a:extLst>
@@ -8063,7 +13967,7 @@
             <a:fld id="{D57F1E4F-1CFF-5643-939E-217C01CDF565}" type="slidenum">
               <a:rPr lang="en-US" smtClean="0"/>
               <a:pPr/>
-              <a:t>11</a:t>
+              <a:t>10</a:t>
             </a:fld>
             <a:endParaRPr lang="en-US" dirty="0"/>
           </a:p>
@@ -9738,7 +15642,7 @@
 </p:sld>
 </file>
 
-<file path=ppt/slides/slide12.xml><?xml version="1.0" encoding="utf-8"?>
+<file path=ppt/slides/slide11.xml><?xml version="1.0" encoding="utf-8"?>
 <p:sld xmlns:a="http://schemas.openxmlformats.org/drawingml/2006/main" xmlns:r="http://schemas.openxmlformats.org/officeDocument/2006/relationships" xmlns:p="http://schemas.openxmlformats.org/presentationml/2006/main">
   <p:cSld>
     <p:spTree>
@@ -9812,7 +15716,7 @@
             <a:fld id="{D57F1E4F-1CFF-5643-939E-217C01CDF565}" type="slidenum">
               <a:rPr lang="en-US" smtClean="0"/>
               <a:pPr/>
-              <a:t>12</a:t>
+              <a:t>11</a:t>
             </a:fld>
             <a:endParaRPr lang="en-US" dirty="0"/>
           </a:p>
@@ -9846,44 +15750,8 @@
         </p:blipFill>
         <p:spPr>
           <a:xfrm>
-            <a:off x="487955" y="2211931"/>
+            <a:off x="370216" y="2196205"/>
             <a:ext cx="4326812" cy="4354570"/>
-          </a:xfrm>
-          <a:prstGeom prst="rect">
-            <a:avLst/>
-          </a:prstGeom>
-        </p:spPr>
-      </p:pic>
-      <p:pic>
-        <p:nvPicPr>
-          <p:cNvPr id="6" name="Image 5" descr="Une image contenant capture d’écran&#10;&#10;Description générée automatiquement">
-            <a:extLst>
-              <a:ext uri="{FF2B5EF4-FFF2-40B4-BE49-F238E27FC236}">
-                <a16:creationId xmlns:a16="http://schemas.microsoft.com/office/drawing/2014/main" id="{82080357-7619-4DBC-9A7D-59E930391685}"/>
-              </a:ext>
-            </a:extLst>
-          </p:cNvPr>
-          <p:cNvPicPr>
-            <a:picLocks noChangeAspect="1"/>
-          </p:cNvPicPr>
-          <p:nvPr/>
-        </p:nvPicPr>
-        <p:blipFill>
-          <a:blip r:embed="rId3">
-            <a:extLst>
-              <a:ext uri="{28A0092B-C50C-407E-A947-70E740481C1C}">
-                <a14:useLocalDpi xmlns:a14="http://schemas.microsoft.com/office/drawing/2010/main" val="0"/>
-              </a:ext>
-            </a:extLst>
-          </a:blip>
-          <a:stretch>
-            <a:fillRect/>
-          </a:stretch>
-        </p:blipFill>
-        <p:spPr>
-          <a:xfrm>
-            <a:off x="5354517" y="2495111"/>
-            <a:ext cx="4045436" cy="3657579"/>
           </a:xfrm>
           <a:prstGeom prst="rect">
             <a:avLst/>
@@ -11109,7 +16977,7 @@
         </p:nvSpPr>
         <p:spPr>
           <a:xfrm>
-            <a:off x="11384190" y="31269"/>
+            <a:off x="11370846" y="31750"/>
             <a:ext cx="564118" cy="542925"/>
           </a:xfrm>
           <a:prstGeom prst="ellipse">
@@ -11192,7 +17060,7 @@
         </p:nvSpPr>
         <p:spPr>
           <a:xfrm>
-            <a:off x="11384190" y="2877786"/>
+            <a:off x="11370846" y="2867892"/>
             <a:ext cx="564118" cy="542925"/>
           </a:xfrm>
           <a:prstGeom prst="ellipse">
@@ -11261,6 +17129,41 @@
           </a:p>
         </p:txBody>
       </p:sp>
+      <p:pic>
+        <p:nvPicPr>
+          <p:cNvPr id="10" name="Image 9" descr="Une image contenant capture d’écran&#10;&#10;Description générée automatiquement">
+            <a:extLst>
+              <a:ext uri="{FF2B5EF4-FFF2-40B4-BE49-F238E27FC236}">
+                <a16:creationId xmlns:a16="http://schemas.microsoft.com/office/drawing/2014/main" id="{EF0D4E4D-9E2B-43D1-B1CC-CA62ACE5E94A}"/>
+              </a:ext>
+            </a:extLst>
+          </p:cNvPr>
+          <p:cNvPicPr>
+            <a:picLocks noChangeAspect="1"/>
+          </p:cNvPicPr>
+          <p:nvPr/>
+        </p:nvPicPr>
+        <p:blipFill rotWithShape="1">
+          <a:blip r:embed="rId3">
+            <a:extLst>
+              <a:ext uri="{28A0092B-C50C-407E-A947-70E740481C1C}">
+                <a14:useLocalDpi xmlns:a14="http://schemas.microsoft.com/office/drawing/2010/main" val="0"/>
+              </a:ext>
+            </a:extLst>
+          </a:blip>
+          <a:srcRect r="37754" b="46358"/>
+          <a:stretch/>
+        </p:blipFill>
+        <p:spPr>
+          <a:xfrm>
+            <a:off x="4912359" y="2248194"/>
+            <a:ext cx="5227903" cy="3378972"/>
+          </a:xfrm>
+          <a:prstGeom prst="rect">
+            <a:avLst/>
+          </a:prstGeom>
+        </p:spPr>
+      </p:pic>
     </p:spTree>
     <p:extLst>
       <p:ext uri="{BB962C8B-B14F-4D97-AF65-F5344CB8AC3E}">
@@ -11286,7 +17189,7 @@
 </p:sld>
 </file>
 
-<file path=ppt/slides/slide13.xml><?xml version="1.0" encoding="utf-8"?>
+<file path=ppt/slides/slide12.xml><?xml version="1.0" encoding="utf-8"?>
 <p:sld xmlns:a="http://schemas.openxmlformats.org/drawingml/2006/main" xmlns:r="http://schemas.openxmlformats.org/officeDocument/2006/relationships" xmlns:p="http://schemas.openxmlformats.org/presentationml/2006/main">
   <p:cSld>
     <p:bg>
@@ -12786,36 +18689,6 @@
           </a:p>
         </p:txBody>
       </p:sp>
-      <p:pic>
-        <p:nvPicPr>
-          <p:cNvPr id="5" name="Image 4">
-            <a:extLst>
-              <a:ext uri="{FF2B5EF4-FFF2-40B4-BE49-F238E27FC236}">
-                <a16:creationId xmlns:a16="http://schemas.microsoft.com/office/drawing/2014/main" id="{1CB8BEF8-E3CD-43DA-AA4E-2482688C8439}"/>
-              </a:ext>
-            </a:extLst>
-          </p:cNvPr>
-          <p:cNvPicPr>
-            <a:picLocks noChangeAspect="1"/>
-          </p:cNvPicPr>
-          <p:nvPr/>
-        </p:nvPicPr>
-        <p:blipFill>
-          <a:blip r:embed="rId2"/>
-          <a:stretch>
-            <a:fillRect/>
-          </a:stretch>
-        </p:blipFill>
-        <p:spPr>
-          <a:xfrm>
-            <a:off x="494508" y="1338242"/>
-            <a:ext cx="8266233" cy="3614758"/>
-          </a:xfrm>
-          <a:prstGeom prst="rect">
-            <a:avLst/>
-          </a:prstGeom>
-        </p:spPr>
-      </p:pic>
       <p:sp>
         <p:nvSpPr>
           <p:cNvPr id="4" name="Espace réservé du numéro de diapositive 3">
@@ -12860,7 +18733,7 @@
                   <a:spcPts val="600"/>
                 </a:spcAft>
               </a:pPr>
-              <a:t>13</a:t>
+              <a:t>12</a:t>
             </a:fld>
             <a:endParaRPr lang="en-US">
               <a:solidFill>
@@ -14206,6 +20079,36 @@
           </a:p>
         </p:txBody>
       </p:sp>
+      <p:pic>
+        <p:nvPicPr>
+          <p:cNvPr id="3" name="Image 2">
+            <a:extLst>
+              <a:ext uri="{FF2B5EF4-FFF2-40B4-BE49-F238E27FC236}">
+                <a16:creationId xmlns:a16="http://schemas.microsoft.com/office/drawing/2014/main" id="{4D187120-DC97-47A7-8C84-39E820937185}"/>
+              </a:ext>
+            </a:extLst>
+          </p:cNvPr>
+          <p:cNvPicPr>
+            <a:picLocks noChangeAspect="1"/>
+          </p:cNvPicPr>
+          <p:nvPr/>
+        </p:nvPicPr>
+        <p:blipFill>
+          <a:blip r:embed="rId2"/>
+          <a:stretch>
+            <a:fillRect/>
+          </a:stretch>
+        </p:blipFill>
+        <p:spPr>
+          <a:xfrm>
+            <a:off x="480969" y="468060"/>
+            <a:ext cx="7180460" cy="5887403"/>
+          </a:xfrm>
+          <a:prstGeom prst="rect">
+            <a:avLst/>
+          </a:prstGeom>
+        </p:spPr>
+      </p:pic>
     </p:spTree>
     <p:extLst>
       <p:ext uri="{BB962C8B-B14F-4D97-AF65-F5344CB8AC3E}">
@@ -14231,7 +20134,7 @@
 </p:sld>
 </file>
 
-<file path=ppt/slides/slide14.xml><?xml version="1.0" encoding="utf-8"?>
+<file path=ppt/slides/slide13.xml><?xml version="1.0" encoding="utf-8"?>
 <p:sld xmlns:a="http://schemas.openxmlformats.org/drawingml/2006/main" xmlns:r="http://schemas.openxmlformats.org/officeDocument/2006/relationships" xmlns:p="http://schemas.openxmlformats.org/presentationml/2006/main">
   <p:cSld>
     <p:bg>
@@ -15775,7 +21678,7 @@
                   <a:spcPts val="600"/>
                 </a:spcAft>
               </a:pPr>
-              <a:t>14</a:t>
+              <a:t>13</a:t>
             </a:fld>
             <a:endParaRPr lang="en-US">
               <a:solidFill>
@@ -17198,6 +23101,126 @@
       </p:transition>
     </mc:Fallback>
   </mc:AlternateContent>
+</p:sld>
+</file>
+
+<file path=ppt/slides/slide14.xml><?xml version="1.0" encoding="utf-8"?>
+<p:sld xmlns:a="http://schemas.openxmlformats.org/drawingml/2006/main" xmlns:r="http://schemas.openxmlformats.org/officeDocument/2006/relationships" xmlns:p="http://schemas.openxmlformats.org/presentationml/2006/main">
+  <p:cSld>
+    <p:spTree>
+      <p:nvGrpSpPr>
+        <p:cNvPr id="1" name=""/>
+        <p:cNvGrpSpPr/>
+        <p:nvPr/>
+      </p:nvGrpSpPr>
+      <p:grpSpPr>
+        <a:xfrm>
+          <a:off x="0" y="0"/>
+          <a:ext cx="0" cy="0"/>
+          <a:chOff x="0" y="0"/>
+          <a:chExt cx="0" cy="0"/>
+        </a:xfrm>
+      </p:grpSpPr>
+      <p:sp>
+        <p:nvSpPr>
+          <p:cNvPr id="2" name="Titre 1">
+            <a:extLst>
+              <a:ext uri="{FF2B5EF4-FFF2-40B4-BE49-F238E27FC236}">
+                <a16:creationId xmlns:a16="http://schemas.microsoft.com/office/drawing/2014/main" id="{B6090E45-0338-490F-A7CB-9A396C31BDA9}"/>
+              </a:ext>
+            </a:extLst>
+          </p:cNvPr>
+          <p:cNvSpPr>
+            <a:spLocks noGrp="1"/>
+          </p:cNvSpPr>
+          <p:nvPr>
+            <p:ph type="title"/>
+          </p:nvPr>
+        </p:nvSpPr>
+        <p:spPr/>
+        <p:txBody>
+          <a:bodyPr/>
+          <a:lstStyle/>
+          <a:p>
+            <a:r>
+              <a:rPr lang="fr-FR" dirty="0"/>
+              <a:t>Diagramme de séquence</a:t>
+            </a:r>
+          </a:p>
+        </p:txBody>
+      </p:sp>
+      <p:pic>
+        <p:nvPicPr>
+          <p:cNvPr id="5" name="Espace réservé du contenu 4">
+            <a:extLst>
+              <a:ext uri="{FF2B5EF4-FFF2-40B4-BE49-F238E27FC236}">
+                <a16:creationId xmlns:a16="http://schemas.microsoft.com/office/drawing/2014/main" id="{6B529675-99F3-419C-98D2-20E373726325}"/>
+              </a:ext>
+            </a:extLst>
+          </p:cNvPr>
+          <p:cNvPicPr>
+            <a:picLocks noGrp="1" noChangeAspect="1"/>
+          </p:cNvPicPr>
+          <p:nvPr>
+            <p:ph idx="1"/>
+          </p:nvPr>
+        </p:nvPicPr>
+        <p:blipFill>
+          <a:blip r:embed="rId2"/>
+          <a:stretch>
+            <a:fillRect/>
+          </a:stretch>
+        </p:blipFill>
+        <p:spPr>
+          <a:xfrm>
+            <a:off x="1358625" y="2160588"/>
+            <a:ext cx="7234787" cy="3881437"/>
+          </a:xfrm>
+          <a:prstGeom prst="rect">
+            <a:avLst/>
+          </a:prstGeom>
+        </p:spPr>
+      </p:pic>
+      <p:sp>
+        <p:nvSpPr>
+          <p:cNvPr id="4" name="Espace réservé du numéro de diapositive 3">
+            <a:extLst>
+              <a:ext uri="{FF2B5EF4-FFF2-40B4-BE49-F238E27FC236}">
+                <a16:creationId xmlns:a16="http://schemas.microsoft.com/office/drawing/2014/main" id="{51C27953-2B2B-465D-A934-4E56C3122A79}"/>
+              </a:ext>
+            </a:extLst>
+          </p:cNvPr>
+          <p:cNvSpPr>
+            <a:spLocks noGrp="1"/>
+          </p:cNvSpPr>
+          <p:nvPr>
+            <p:ph type="sldNum" sz="quarter" idx="12"/>
+          </p:nvPr>
+        </p:nvSpPr>
+        <p:spPr/>
+        <p:txBody>
+          <a:bodyPr/>
+          <a:lstStyle/>
+          <a:p>
+            <a:fld id="{D57F1E4F-1CFF-5643-939E-217C01CDF565}" type="slidenum">
+              <a:rPr lang="en-US" smtClean="0"/>
+              <a:pPr/>
+              <a:t>14</a:t>
+            </a:fld>
+            <a:endParaRPr lang="en-US" dirty="0"/>
+          </a:p>
+        </p:txBody>
+      </p:sp>
+    </p:spTree>
+    <p:extLst>
+      <p:ext uri="{BB962C8B-B14F-4D97-AF65-F5344CB8AC3E}">
+        <p14:creationId xmlns:p14="http://schemas.microsoft.com/office/powerpoint/2010/main" val="349222349"/>
+      </p:ext>
+    </p:extLst>
+  </p:cSld>
+  <p:clrMapOvr>
+    <a:masterClrMapping/>
+  </p:clrMapOvr>
 </p:sld>
 </file>
 
@@ -24618,31 +30641,6 @@
       </p:sp>
       <p:sp>
         <p:nvSpPr>
-          <p:cNvPr id="3" name="Espace réservé du contenu 2">
-            <a:extLst>
-              <a:ext uri="{FF2B5EF4-FFF2-40B4-BE49-F238E27FC236}">
-                <a16:creationId xmlns:a16="http://schemas.microsoft.com/office/drawing/2014/main" id="{42799B24-06F4-4CEE-8547-D3FE3DC3AAD5}"/>
-              </a:ext>
-            </a:extLst>
-          </p:cNvPr>
-          <p:cNvSpPr>
-            <a:spLocks noGrp="1"/>
-          </p:cNvSpPr>
-          <p:nvPr>
-            <p:ph idx="1"/>
-          </p:nvPr>
-        </p:nvSpPr>
-        <p:spPr/>
-        <p:txBody>
-          <a:bodyPr/>
-          <a:lstStyle/>
-          <a:p>
-            <a:endParaRPr lang="fr-FR"/>
-          </a:p>
-        </p:txBody>
-      </p:sp>
-      <p:sp>
-        <p:nvSpPr>
           <p:cNvPr id="4" name="Espace réservé du numéro de diapositive 3">
             <a:extLst>
               <a:ext uri="{FF2B5EF4-FFF2-40B4-BE49-F238E27FC236}">
@@ -29658,37 +35656,6 @@
       </p:sp>
       <p:sp>
         <p:nvSpPr>
-          <p:cNvPr id="3" name="Espace réservé du contenu 2">
-            <a:extLst>
-              <a:ext uri="{FF2B5EF4-FFF2-40B4-BE49-F238E27FC236}">
-                <a16:creationId xmlns:a16="http://schemas.microsoft.com/office/drawing/2014/main" id="{0BCCBBD0-4093-44C4-BBA5-93AFE9F32C85}"/>
-              </a:ext>
-            </a:extLst>
-          </p:cNvPr>
-          <p:cNvSpPr>
-            <a:spLocks noGrp="1"/>
-          </p:cNvSpPr>
-          <p:nvPr>
-            <p:ph idx="1"/>
-          </p:nvPr>
-        </p:nvSpPr>
-        <p:spPr/>
-        <p:txBody>
-          <a:bodyPr/>
-          <a:lstStyle/>
-          <a:p>
-            <a:r>
-              <a:rPr lang="fr-FR" dirty="0"/>
-              <a:t>Arduino -&gt;</a:t>
-            </a:r>
-          </a:p>
-          <a:p>
-            <a:endParaRPr lang="fr-FR" dirty="0"/>
-          </a:p>
-        </p:txBody>
-      </p:sp>
-      <p:sp>
-        <p:nvSpPr>
           <p:cNvPr id="4" name="Espace réservé du numéro de diapositive 3">
             <a:extLst>
               <a:ext uri="{FF2B5EF4-FFF2-40B4-BE49-F238E27FC236}">
@@ -29717,6 +35684,437 @@
           </a:p>
         </p:txBody>
       </p:sp>
+      <p:sp>
+        <p:nvSpPr>
+          <p:cNvPr id="5" name="Espace réservé du numéro de diapositive 3">
+            <a:extLst>
+              <a:ext uri="{FF2B5EF4-FFF2-40B4-BE49-F238E27FC236}">
+                <a16:creationId xmlns:a16="http://schemas.microsoft.com/office/drawing/2014/main" id="{63BD183C-A058-41E5-85DF-D56BE8951142}"/>
+              </a:ext>
+            </a:extLst>
+          </p:cNvPr>
+          <p:cNvSpPr txBox="1">
+            <a:spLocks/>
+          </p:cNvSpPr>
+          <p:nvPr/>
+        </p:nvSpPr>
+        <p:spPr>
+          <a:xfrm>
+            <a:off x="8590663" y="6041362"/>
+            <a:ext cx="683339" cy="365125"/>
+          </a:xfrm>
+          <a:prstGeom prst="rect">
+            <a:avLst/>
+          </a:prstGeom>
+        </p:spPr>
+        <p:txBody>
+          <a:bodyPr vert="horz" lIns="91440" tIns="45720" rIns="91440" bIns="45720" rtlCol="0" anchor="ctr"/>
+          <a:lstStyle>
+            <a:defPPr>
+              <a:defRPr lang="fr-FR"/>
+            </a:defPPr>
+            <a:lvl1pPr marL="0" algn="r" defTabSz="914400" rtl="0" eaLnBrk="1" latinLnBrk="0" hangingPunct="1">
+              <a:defRPr sz="900" kern="1200">
+                <a:solidFill>
+                  <a:schemeClr val="accent1"/>
+                </a:solidFill>
+                <a:latin typeface="+mn-lt"/>
+                <a:ea typeface="+mn-ea"/>
+                <a:cs typeface="+mn-cs"/>
+              </a:defRPr>
+            </a:lvl1pPr>
+            <a:lvl2pPr marL="457200" algn="l" defTabSz="914400" rtl="0" eaLnBrk="1" latinLnBrk="0" hangingPunct="1">
+              <a:defRPr sz="1800" kern="1200">
+                <a:solidFill>
+                  <a:schemeClr val="tx1"/>
+                </a:solidFill>
+                <a:latin typeface="+mn-lt"/>
+                <a:ea typeface="+mn-ea"/>
+                <a:cs typeface="+mn-cs"/>
+              </a:defRPr>
+            </a:lvl2pPr>
+            <a:lvl3pPr marL="914400" algn="l" defTabSz="914400" rtl="0" eaLnBrk="1" latinLnBrk="0" hangingPunct="1">
+              <a:defRPr sz="1800" kern="1200">
+                <a:solidFill>
+                  <a:schemeClr val="tx1"/>
+                </a:solidFill>
+                <a:latin typeface="+mn-lt"/>
+                <a:ea typeface="+mn-ea"/>
+                <a:cs typeface="+mn-cs"/>
+              </a:defRPr>
+            </a:lvl3pPr>
+            <a:lvl4pPr marL="1371600" algn="l" defTabSz="914400" rtl="0" eaLnBrk="1" latinLnBrk="0" hangingPunct="1">
+              <a:defRPr sz="1800" kern="1200">
+                <a:solidFill>
+                  <a:schemeClr val="tx1"/>
+                </a:solidFill>
+                <a:latin typeface="+mn-lt"/>
+                <a:ea typeface="+mn-ea"/>
+                <a:cs typeface="+mn-cs"/>
+              </a:defRPr>
+            </a:lvl4pPr>
+            <a:lvl5pPr marL="1828800" algn="l" defTabSz="914400" rtl="0" eaLnBrk="1" latinLnBrk="0" hangingPunct="1">
+              <a:defRPr sz="1800" kern="1200">
+                <a:solidFill>
+                  <a:schemeClr val="tx1"/>
+                </a:solidFill>
+                <a:latin typeface="+mn-lt"/>
+                <a:ea typeface="+mn-ea"/>
+                <a:cs typeface="+mn-cs"/>
+              </a:defRPr>
+            </a:lvl5pPr>
+            <a:lvl6pPr marL="2286000" algn="l" defTabSz="914400" rtl="0" eaLnBrk="1" latinLnBrk="0" hangingPunct="1">
+              <a:defRPr sz="1800" kern="1200">
+                <a:solidFill>
+                  <a:schemeClr val="tx1"/>
+                </a:solidFill>
+                <a:latin typeface="+mn-lt"/>
+                <a:ea typeface="+mn-ea"/>
+                <a:cs typeface="+mn-cs"/>
+              </a:defRPr>
+            </a:lvl6pPr>
+            <a:lvl7pPr marL="2743200" algn="l" defTabSz="914400" rtl="0" eaLnBrk="1" latinLnBrk="0" hangingPunct="1">
+              <a:defRPr sz="1800" kern="1200">
+                <a:solidFill>
+                  <a:schemeClr val="tx1"/>
+                </a:solidFill>
+                <a:latin typeface="+mn-lt"/>
+                <a:ea typeface="+mn-ea"/>
+                <a:cs typeface="+mn-cs"/>
+              </a:defRPr>
+            </a:lvl7pPr>
+            <a:lvl8pPr marL="3200400" algn="l" defTabSz="914400" rtl="0" eaLnBrk="1" latinLnBrk="0" hangingPunct="1">
+              <a:defRPr sz="1800" kern="1200">
+                <a:solidFill>
+                  <a:schemeClr val="tx1"/>
+                </a:solidFill>
+                <a:latin typeface="+mn-lt"/>
+                <a:ea typeface="+mn-ea"/>
+                <a:cs typeface="+mn-cs"/>
+              </a:defRPr>
+            </a:lvl8pPr>
+            <a:lvl9pPr marL="3657600" algn="l" defTabSz="914400" rtl="0" eaLnBrk="1" latinLnBrk="0" hangingPunct="1">
+              <a:defRPr sz="1800" kern="1200">
+                <a:solidFill>
+                  <a:schemeClr val="tx1"/>
+                </a:solidFill>
+                <a:latin typeface="+mn-lt"/>
+                <a:ea typeface="+mn-ea"/>
+                <a:cs typeface="+mn-cs"/>
+              </a:defRPr>
+            </a:lvl9pPr>
+          </a:lstStyle>
+          <a:p>
+            <a:fld id="{D57F1E4F-1CFF-5643-939E-217C01CDF565}" type="slidenum">
+              <a:rPr lang="en-US" smtClean="0"/>
+              <a:pPr/>
+              <a:t>20</a:t>
+            </a:fld>
+            <a:endParaRPr lang="en-US" dirty="0"/>
+          </a:p>
+        </p:txBody>
+      </p:sp>
+      <p:graphicFrame>
+        <p:nvGraphicFramePr>
+          <p:cNvPr id="6" name="Diagramme 5">
+            <a:extLst>
+              <a:ext uri="{FF2B5EF4-FFF2-40B4-BE49-F238E27FC236}">
+                <a16:creationId xmlns:a16="http://schemas.microsoft.com/office/drawing/2014/main" id="{28AFD43A-0885-481D-8C13-4BBDD6A75E16}"/>
+              </a:ext>
+            </a:extLst>
+          </p:cNvPr>
+          <p:cNvGraphicFramePr/>
+          <p:nvPr>
+            <p:extLst>
+              <p:ext uri="{D42A27DB-BD31-4B8C-83A1-F6EECF244321}">
+                <p14:modId xmlns:p14="http://schemas.microsoft.com/office/powerpoint/2010/main" val="3355713721"/>
+              </p:ext>
+            </p:extLst>
+          </p:nvPr>
+        </p:nvGraphicFramePr>
+        <p:xfrm>
+          <a:off x="275208" y="1538343"/>
+          <a:ext cx="9614515" cy="4868144"/>
+        </p:xfrm>
+        <a:graphic>
+          <a:graphicData uri="http://schemas.openxmlformats.org/drawingml/2006/diagram">
+            <dgm:relIds xmlns:dgm="http://schemas.openxmlformats.org/drawingml/2006/diagram" xmlns:r="http://schemas.openxmlformats.org/officeDocument/2006/relationships" r:dm="rId2" r:lo="rId3" r:qs="rId4" r:cs="rId5"/>
+          </a:graphicData>
+        </a:graphic>
+      </p:graphicFrame>
+      <p:pic>
+        <p:nvPicPr>
+          <p:cNvPr id="9" name="Image 8">
+            <a:extLst>
+              <a:ext uri="{FF2B5EF4-FFF2-40B4-BE49-F238E27FC236}">
+                <a16:creationId xmlns:a16="http://schemas.microsoft.com/office/drawing/2014/main" id="{0AE32BC5-DA99-450D-99F0-0835D0D08675}"/>
+              </a:ext>
+            </a:extLst>
+          </p:cNvPr>
+          <p:cNvPicPr>
+            <a:picLocks noChangeAspect="1"/>
+          </p:cNvPicPr>
+          <p:nvPr/>
+        </p:nvPicPr>
+        <p:blipFill>
+          <a:blip r:embed="rId7"/>
+          <a:stretch>
+            <a:fillRect/>
+          </a:stretch>
+        </p:blipFill>
+        <p:spPr>
+          <a:xfrm>
+            <a:off x="6096000" y="2219418"/>
+            <a:ext cx="1446982" cy="1871111"/>
+          </a:xfrm>
+          <a:prstGeom prst="rect">
+            <a:avLst/>
+          </a:prstGeom>
+        </p:spPr>
+      </p:pic>
+      <p:grpSp>
+        <p:nvGrpSpPr>
+          <p:cNvPr id="13" name="Groupe 12">
+            <a:extLst>
+              <a:ext uri="{FF2B5EF4-FFF2-40B4-BE49-F238E27FC236}">
+                <a16:creationId xmlns:a16="http://schemas.microsoft.com/office/drawing/2014/main" id="{A47157C7-C2A9-4566-9F7E-35BE691994C0}"/>
+              </a:ext>
+            </a:extLst>
+          </p:cNvPr>
+          <p:cNvGrpSpPr/>
+          <p:nvPr/>
+        </p:nvGrpSpPr>
+        <p:grpSpPr>
+          <a:xfrm>
+            <a:off x="4587098" y="2298262"/>
+            <a:ext cx="4003565" cy="4132587"/>
+            <a:chOff x="1817230" y="2606665"/>
+            <a:chExt cx="4003565" cy="4132587"/>
+          </a:xfrm>
+        </p:grpSpPr>
+        <p:sp>
+          <p:nvSpPr>
+            <p:cNvPr id="14" name="Rectangle 13">
+              <a:extLst>
+                <a:ext uri="{FF2B5EF4-FFF2-40B4-BE49-F238E27FC236}">
+                  <a16:creationId xmlns:a16="http://schemas.microsoft.com/office/drawing/2014/main" id="{BA1EEAD6-1223-4D98-9F51-4064DDE62974}"/>
+                </a:ext>
+              </a:extLst>
+            </p:cNvPr>
+            <p:cNvSpPr/>
+            <p:nvPr/>
+          </p:nvSpPr>
+          <p:spPr>
+            <a:xfrm>
+              <a:off x="1817230" y="2606665"/>
+              <a:ext cx="3017804" cy="2261476"/>
+            </a:xfrm>
+            <a:prstGeom prst="rect">
+              <a:avLst/>
+            </a:prstGeom>
+          </p:spPr>
+          <p:style>
+            <a:lnRef idx="0">
+              <a:schemeClr val="dk1">
+                <a:alpha val="0"/>
+                <a:hueOff val="0"/>
+                <a:satOff val="0"/>
+                <a:lumOff val="0"/>
+                <a:alphaOff val="0"/>
+              </a:schemeClr>
+            </a:lnRef>
+            <a:fillRef idx="0">
+              <a:schemeClr val="lt1">
+                <a:alpha val="0"/>
+                <a:hueOff val="0"/>
+                <a:satOff val="0"/>
+                <a:lumOff val="0"/>
+                <a:alphaOff val="0"/>
+              </a:schemeClr>
+            </a:fillRef>
+            <a:effectRef idx="0">
+              <a:schemeClr val="lt1">
+                <a:alpha val="0"/>
+                <a:hueOff val="0"/>
+                <a:satOff val="0"/>
+                <a:lumOff val="0"/>
+                <a:alphaOff val="0"/>
+              </a:schemeClr>
+            </a:effectRef>
+            <a:fontRef idx="minor">
+              <a:schemeClr val="tx1">
+                <a:hueOff val="0"/>
+                <a:satOff val="0"/>
+                <a:lumOff val="0"/>
+                <a:alphaOff val="0"/>
+              </a:schemeClr>
+            </a:fontRef>
+          </p:style>
+        </p:sp>
+        <p:sp>
+          <p:nvSpPr>
+            <p:cNvPr id="15" name="ZoneTexte 14">
+              <a:extLst>
+                <a:ext uri="{FF2B5EF4-FFF2-40B4-BE49-F238E27FC236}">
+                  <a16:creationId xmlns:a16="http://schemas.microsoft.com/office/drawing/2014/main" id="{D38472A9-B551-4BFC-A137-5A75455568E3}"/>
+                </a:ext>
+              </a:extLst>
+            </p:cNvPr>
+            <p:cNvSpPr txBox="1"/>
+            <p:nvPr/>
+          </p:nvSpPr>
+          <p:spPr>
+            <a:xfrm>
+              <a:off x="2802991" y="4477776"/>
+              <a:ext cx="3017804" cy="2261476"/>
+            </a:xfrm>
+            <a:prstGeom prst="rect">
+              <a:avLst/>
+            </a:prstGeom>
+          </p:spPr>
+          <p:style>
+            <a:lnRef idx="0">
+              <a:scrgbClr r="0" g="0" b="0"/>
+            </a:lnRef>
+            <a:fillRef idx="0">
+              <a:scrgbClr r="0" g="0" b="0"/>
+            </a:fillRef>
+            <a:effectRef idx="0">
+              <a:scrgbClr r="0" g="0" b="0"/>
+            </a:effectRef>
+            <a:fontRef idx="minor">
+              <a:schemeClr val="tx1">
+                <a:hueOff val="0"/>
+                <a:satOff val="0"/>
+                <a:lumOff val="0"/>
+                <a:alphaOff val="0"/>
+              </a:schemeClr>
+            </a:fontRef>
+          </p:style>
+          <p:txBody>
+            <a:bodyPr spcFirstLastPara="0" vert="horz" wrap="square" lIns="45720" tIns="45720" rIns="45720" bIns="45720" numCol="1" spcCol="1270" anchor="t" anchorCtr="0">
+              <a:noAutofit/>
+            </a:bodyPr>
+            <a:lstStyle/>
+            <a:p>
+              <a:pPr marL="171450" lvl="1" indent="-171450" algn="l" defTabSz="800100">
+                <a:lnSpc>
+                  <a:spcPct val="90000"/>
+                </a:lnSpc>
+                <a:spcBef>
+                  <a:spcPct val="0"/>
+                </a:spcBef>
+                <a:spcAft>
+                  <a:spcPct val="15000"/>
+                </a:spcAft>
+                <a:buChar char="•"/>
+              </a:pPr>
+              <a:r>
+                <a:rPr lang="fr-FR" dirty="0">
+                  <a:solidFill>
+                    <a:prstClr val="black">
+                      <a:hueOff val="0"/>
+                      <a:satOff val="0"/>
+                      <a:lumOff val="0"/>
+                      <a:alphaOff val="0"/>
+                    </a:prstClr>
+                  </a:solidFill>
+                  <a:latin typeface="Trebuchet MS" panose="020B0603020202020204"/>
+                  <a:ea typeface="+mn-ea"/>
+                  <a:cs typeface="+mn-cs"/>
+                </a:rPr>
+                <a:t>Langage proche du c et c++.</a:t>
+              </a:r>
+            </a:p>
+            <a:p>
+              <a:pPr marL="171450" lvl="1" indent="-171450" algn="l" defTabSz="800100">
+                <a:lnSpc>
+                  <a:spcPct val="90000"/>
+                </a:lnSpc>
+                <a:spcBef>
+                  <a:spcPct val="0"/>
+                </a:spcBef>
+                <a:spcAft>
+                  <a:spcPct val="15000"/>
+                </a:spcAft>
+                <a:buChar char="•"/>
+              </a:pPr>
+              <a:r>
+                <a:rPr lang="fr-FR" sz="1800" kern="1200" dirty="0">
+                  <a:solidFill>
+                    <a:prstClr val="black">
+                      <a:hueOff val="0"/>
+                      <a:satOff val="0"/>
+                      <a:lumOff val="0"/>
+                      <a:alphaOff val="0"/>
+                    </a:prstClr>
+                  </a:solidFill>
+                  <a:latin typeface="Trebuchet MS" panose="020B0603020202020204"/>
+                </a:rPr>
+                <a:t>Facile d’utilisation.</a:t>
+              </a:r>
+              <a:endParaRPr lang="fr-FR" sz="1800" kern="1200" dirty="0">
+                <a:solidFill>
+                  <a:prstClr val="black">
+                    <a:hueOff val="0"/>
+                    <a:satOff val="0"/>
+                    <a:lumOff val="0"/>
+                    <a:alphaOff val="0"/>
+                  </a:prstClr>
+                </a:solidFill>
+                <a:latin typeface="Trebuchet MS" panose="020B0603020202020204"/>
+                <a:ea typeface="+mn-ea"/>
+                <a:cs typeface="+mn-cs"/>
+              </a:endParaRPr>
+            </a:p>
+            <a:p>
+              <a:pPr marL="285750" lvl="1" indent="-285750" algn="l" defTabSz="1600200">
+                <a:lnSpc>
+                  <a:spcPct val="90000"/>
+                </a:lnSpc>
+                <a:spcBef>
+                  <a:spcPct val="0"/>
+                </a:spcBef>
+                <a:spcAft>
+                  <a:spcPct val="15000"/>
+                </a:spcAft>
+                <a:buChar char="•"/>
+              </a:pPr>
+              <a:endParaRPr lang="fr-FR" sz="3600" kern="1200" dirty="0"/>
+            </a:p>
+          </p:txBody>
+        </p:sp>
+      </p:grpSp>
+      <p:pic>
+        <p:nvPicPr>
+          <p:cNvPr id="16" name="Image 15">
+            <a:extLst>
+              <a:ext uri="{FF2B5EF4-FFF2-40B4-BE49-F238E27FC236}">
+                <a16:creationId xmlns:a16="http://schemas.microsoft.com/office/drawing/2014/main" id="{DB886566-C79E-43FD-AF00-A535659320FA}"/>
+              </a:ext>
+            </a:extLst>
+          </p:cNvPr>
+          <p:cNvPicPr>
+            <a:picLocks noChangeAspect="1"/>
+          </p:cNvPicPr>
+          <p:nvPr/>
+        </p:nvPicPr>
+        <p:blipFill>
+          <a:blip r:embed="rId8"/>
+          <a:stretch>
+            <a:fillRect/>
+          </a:stretch>
+        </p:blipFill>
+        <p:spPr>
+          <a:xfrm>
+            <a:off x="2275789" y="2365970"/>
+            <a:ext cx="2104008" cy="1578006"/>
+          </a:xfrm>
+          <a:prstGeom prst="rect">
+            <a:avLst/>
+          </a:prstGeom>
+        </p:spPr>
+      </p:pic>
     </p:spTree>
     <p:extLst>
       <p:ext uri="{BB962C8B-B14F-4D97-AF65-F5344CB8AC3E}">
@@ -46140,35 +52538,6 @@
           </a:p>
         </p:txBody>
       </p:sp>
-      <p:pic>
-        <p:nvPicPr>
-          <p:cNvPr id="5" name="Image 4">
-            <a:extLst>
-              <a:ext uri="{FF2B5EF4-FFF2-40B4-BE49-F238E27FC236}">
-                <a16:creationId xmlns:a16="http://schemas.microsoft.com/office/drawing/2014/main" id="{C7EC2FB1-11D9-4ACD-A947-060F97F918D5}"/>
-              </a:ext>
-            </a:extLst>
-          </p:cNvPr>
-          <p:cNvPicPr>
-            <a:picLocks noChangeAspect="1"/>
-          </p:cNvPicPr>
-          <p:nvPr/>
-        </p:nvPicPr>
-        <p:blipFill rotWithShape="1">
-          <a:blip r:embed="rId2"/>
-          <a:srcRect b="23247"/>
-          <a:stretch/>
-        </p:blipFill>
-        <p:spPr>
-          <a:xfrm>
-            <a:off x="761278" y="1586642"/>
-            <a:ext cx="8512724" cy="4661758"/>
-          </a:xfrm>
-          <a:prstGeom prst="rect">
-            <a:avLst/>
-          </a:prstGeom>
-        </p:spPr>
-      </p:pic>
       <p:sp>
         <p:nvSpPr>
           <p:cNvPr id="21" name="ZoneTexte 20">
@@ -47427,6 +53796,35 @@
           </a:p>
         </p:txBody>
       </p:sp>
+      <p:pic>
+        <p:nvPicPr>
+          <p:cNvPr id="22" name="Image 21">
+            <a:extLst>
+              <a:ext uri="{FF2B5EF4-FFF2-40B4-BE49-F238E27FC236}">
+                <a16:creationId xmlns:a16="http://schemas.microsoft.com/office/drawing/2014/main" id="{5C713DEA-31BA-4D2F-8350-15532BD2A2A2}"/>
+              </a:ext>
+            </a:extLst>
+          </p:cNvPr>
+          <p:cNvPicPr>
+            <a:picLocks noChangeAspect="1"/>
+          </p:cNvPicPr>
+          <p:nvPr/>
+        </p:nvPicPr>
+        <p:blipFill rotWithShape="1">
+          <a:blip r:embed="rId2"/>
+          <a:srcRect t="2475"/>
+          <a:stretch/>
+        </p:blipFill>
+        <p:spPr>
+          <a:xfrm>
+            <a:off x="243692" y="1975514"/>
+            <a:ext cx="10147955" cy="2144901"/>
+          </a:xfrm>
+          <a:prstGeom prst="rect">
+            <a:avLst/>
+          </a:prstGeom>
+        </p:spPr>
+      </p:pic>
     </p:spTree>
     <p:extLst>
       <p:ext uri="{BB962C8B-B14F-4D97-AF65-F5344CB8AC3E}">
@@ -47485,7 +53883,12 @@
             <p:ph type="title"/>
           </p:nvPr>
         </p:nvSpPr>
-        <p:spPr/>
+        <p:spPr>
+          <a:xfrm>
+            <a:off x="700561" y="76882"/>
+            <a:ext cx="8596668" cy="1320800"/>
+          </a:xfrm>
+        </p:spPr>
         <p:txBody>
           <a:bodyPr/>
           <a:lstStyle/>
@@ -47497,38 +53900,6 @@
           </a:p>
         </p:txBody>
       </p:sp>
-      <p:pic>
-        <p:nvPicPr>
-          <p:cNvPr id="5" name="Espace réservé du contenu 4">
-            <a:extLst>
-              <a:ext uri="{FF2B5EF4-FFF2-40B4-BE49-F238E27FC236}">
-                <a16:creationId xmlns:a16="http://schemas.microsoft.com/office/drawing/2014/main" id="{EF77D662-0A49-4BEF-8F5C-28115956C66C}"/>
-              </a:ext>
-            </a:extLst>
-          </p:cNvPr>
-          <p:cNvPicPr>
-            <a:picLocks noGrp="1" noChangeAspect="1"/>
-          </p:cNvPicPr>
-          <p:nvPr>
-            <p:ph idx="1"/>
-          </p:nvPr>
-        </p:nvPicPr>
-        <p:blipFill>
-          <a:blip r:embed="rId2"/>
-          <a:stretch>
-            <a:fillRect/>
-          </a:stretch>
-        </p:blipFill>
-        <p:spPr>
-          <a:xfrm>
-            <a:off x="504127" y="2163408"/>
-            <a:ext cx="8596312" cy="2997973"/>
-          </a:xfrm>
-          <a:prstGeom prst="rect">
-            <a:avLst/>
-          </a:prstGeom>
-        </p:spPr>
-      </p:pic>
       <p:sp>
         <p:nvSpPr>
           <p:cNvPr id="4" name="Espace réservé du numéro de diapositive 3">
@@ -48817,6 +55188,67 @@
           </a:p>
         </p:txBody>
       </p:sp>
+      <p:pic>
+        <p:nvPicPr>
+          <p:cNvPr id="11" name="Espace réservé du contenu 10">
+            <a:extLst>
+              <a:ext uri="{FF2B5EF4-FFF2-40B4-BE49-F238E27FC236}">
+                <a16:creationId xmlns:a16="http://schemas.microsoft.com/office/drawing/2014/main" id="{5EB7C58B-A88A-4762-AD1C-41BA92022030}"/>
+              </a:ext>
+            </a:extLst>
+          </p:cNvPr>
+          <p:cNvPicPr>
+            <a:picLocks noGrp="1" noChangeAspect="1"/>
+          </p:cNvPicPr>
+          <p:nvPr>
+            <p:ph idx="1"/>
+          </p:nvPr>
+        </p:nvPicPr>
+        <p:blipFill>
+          <a:blip r:embed="rId2"/>
+          <a:stretch>
+            <a:fillRect/>
+          </a:stretch>
+        </p:blipFill>
+        <p:spPr>
+          <a:xfrm>
+            <a:off x="632374" y="707897"/>
+            <a:ext cx="7836924" cy="4988137"/>
+          </a:xfrm>
+          <a:prstGeom prst="rect">
+            <a:avLst/>
+          </a:prstGeom>
+        </p:spPr>
+      </p:pic>
+      <p:pic>
+        <p:nvPicPr>
+          <p:cNvPr id="10" name="Image 9">
+            <a:extLst>
+              <a:ext uri="{FF2B5EF4-FFF2-40B4-BE49-F238E27FC236}">
+                <a16:creationId xmlns:a16="http://schemas.microsoft.com/office/drawing/2014/main" id="{A21C7E1E-1DCF-44A3-AC0E-9339ADD39297}"/>
+              </a:ext>
+            </a:extLst>
+          </p:cNvPr>
+          <p:cNvPicPr>
+            <a:picLocks noChangeAspect="1"/>
+          </p:cNvPicPr>
+          <p:nvPr/>
+        </p:nvPicPr>
+        <p:blipFill rotWithShape="1">
+          <a:blip r:embed="rId3"/>
+          <a:srcRect r="12648"/>
+          <a:stretch/>
+        </p:blipFill>
+        <p:spPr>
+          <a:xfrm>
+            <a:off x="700561" y="5696034"/>
+            <a:ext cx="7652826" cy="1016371"/>
+          </a:xfrm>
+          <a:prstGeom prst="rect">
+            <a:avLst/>
+          </a:prstGeom>
+        </p:spPr>
+      </p:pic>
     </p:spTree>
     <p:extLst>
       <p:ext uri="{BB962C8B-B14F-4D97-AF65-F5344CB8AC3E}">
@@ -50572,72 +57004,6 @@
       </p:sp>
       <p:sp>
         <p:nvSpPr>
-          <p:cNvPr id="3" name="Espace réservé du contenu 2">
-            <a:extLst>
-              <a:ext uri="{FF2B5EF4-FFF2-40B4-BE49-F238E27FC236}">
-                <a16:creationId xmlns:a16="http://schemas.microsoft.com/office/drawing/2014/main" id="{FD410F9A-54D3-4540-B988-A0438D2771E9}"/>
-              </a:ext>
-            </a:extLst>
-          </p:cNvPr>
-          <p:cNvSpPr>
-            <a:spLocks noGrp="1"/>
-          </p:cNvSpPr>
-          <p:nvPr>
-            <p:ph idx="1"/>
-          </p:nvPr>
-        </p:nvSpPr>
-        <p:spPr/>
-        <p:txBody>
-          <a:bodyPr/>
-          <a:lstStyle/>
-          <a:p>
-            <a:r>
-              <a:rPr lang="fr-FR" dirty="0" err="1"/>
-              <a:t>Netbeans</a:t>
-            </a:r>
-            <a:r>
-              <a:rPr lang="fr-FR" dirty="0"/>
-              <a:t> -&gt;Simple, intuitif et gratuit. </a:t>
-            </a:r>
-            <a:r>
-              <a:rPr lang="fr-FR" dirty="0" err="1"/>
-              <a:t>multiplatforme</a:t>
-            </a:r>
-            <a:endParaRPr lang="fr-FR" dirty="0"/>
-          </a:p>
-          <a:p>
-            <a:pPr fontAlgn="ctr"/>
-            <a:r>
-              <a:rPr lang="fr-FR" dirty="0" err="1"/>
-              <a:t>Mysql</a:t>
-            </a:r>
-            <a:r>
-              <a:rPr lang="fr-FR" dirty="0"/>
-              <a:t> -&gt; </a:t>
-            </a:r>
-            <a:r>
-              <a:rPr lang="fr-FR" b="1" dirty="0"/>
-              <a:t>Open Source, Facile, rapide et performant, Cross Platform, Sécurité des données</a:t>
-            </a:r>
-            <a:endParaRPr lang="fr-FR" dirty="0"/>
-          </a:p>
-          <a:p>
-            <a:r>
-              <a:rPr lang="fr-FR" dirty="0" err="1"/>
-              <a:t>Wampserver</a:t>
-            </a:r>
-            <a:r>
-              <a:rPr lang="fr-FR" dirty="0"/>
-              <a:t>-&gt;</a:t>
-            </a:r>
-          </a:p>
-          <a:p>
-            <a:endParaRPr lang="fr-FR" dirty="0"/>
-          </a:p>
-        </p:txBody>
-      </p:sp>
-      <p:sp>
-        <p:nvSpPr>
           <p:cNvPr id="4" name="Espace réservé du numéro de diapositive 3">
             <a:extLst>
               <a:ext uri="{FF2B5EF4-FFF2-40B4-BE49-F238E27FC236}">
@@ -50652,7 +57018,12 @@
             <p:ph type="sldNum" sz="quarter" idx="12"/>
           </p:nvPr>
         </p:nvSpPr>
-        <p:spPr/>
+        <p:spPr>
+          <a:xfrm>
+            <a:off x="8590663" y="6041362"/>
+            <a:ext cx="683339" cy="365125"/>
+          </a:xfrm>
+        </p:spPr>
         <p:txBody>
           <a:bodyPr/>
           <a:lstStyle/>
@@ -50666,6 +57037,93 @@
           </a:p>
         </p:txBody>
       </p:sp>
+      <p:graphicFrame>
+        <p:nvGraphicFramePr>
+          <p:cNvPr id="5" name="Diagramme 4">
+            <a:extLst>
+              <a:ext uri="{FF2B5EF4-FFF2-40B4-BE49-F238E27FC236}">
+                <a16:creationId xmlns:a16="http://schemas.microsoft.com/office/drawing/2014/main" id="{F23C7A9F-D974-4D7C-9907-921647CAF361}"/>
+              </a:ext>
+            </a:extLst>
+          </p:cNvPr>
+          <p:cNvGraphicFramePr/>
+          <p:nvPr>
+            <p:extLst>
+              <p:ext uri="{D42A27DB-BD31-4B8C-83A1-F6EECF244321}">
+                <p14:modId xmlns:p14="http://schemas.microsoft.com/office/powerpoint/2010/main" val="3221945662"/>
+              </p:ext>
+            </p:extLst>
+          </p:nvPr>
+        </p:nvGraphicFramePr>
+        <p:xfrm>
+          <a:off x="1037699" y="1538343"/>
+          <a:ext cx="7928747" cy="4400818"/>
+        </p:xfrm>
+        <a:graphic>
+          <a:graphicData uri="http://schemas.openxmlformats.org/drawingml/2006/diagram">
+            <dgm:relIds xmlns:dgm="http://schemas.openxmlformats.org/drawingml/2006/diagram" xmlns:r="http://schemas.openxmlformats.org/officeDocument/2006/relationships" r:dm="rId2" r:lo="rId3" r:qs="rId4" r:cs="rId5"/>
+          </a:graphicData>
+        </a:graphic>
+      </p:graphicFrame>
+      <p:pic>
+        <p:nvPicPr>
+          <p:cNvPr id="8" name="Image 7">
+            <a:extLst>
+              <a:ext uri="{FF2B5EF4-FFF2-40B4-BE49-F238E27FC236}">
+                <a16:creationId xmlns:a16="http://schemas.microsoft.com/office/drawing/2014/main" id="{590DEE37-B982-4039-BE9B-AB3657E3EEF8}"/>
+              </a:ext>
+            </a:extLst>
+          </p:cNvPr>
+          <p:cNvPicPr>
+            <a:picLocks noChangeAspect="1"/>
+          </p:cNvPicPr>
+          <p:nvPr/>
+        </p:nvPicPr>
+        <p:blipFill>
+          <a:blip r:embed="rId7"/>
+          <a:stretch>
+            <a:fillRect/>
+          </a:stretch>
+        </p:blipFill>
+        <p:spPr>
+          <a:xfrm>
+            <a:off x="5562139" y="2593790"/>
+            <a:ext cx="1999798" cy="835210"/>
+          </a:xfrm>
+          <a:prstGeom prst="rect">
+            <a:avLst/>
+          </a:prstGeom>
+        </p:spPr>
+      </p:pic>
+      <p:pic>
+        <p:nvPicPr>
+          <p:cNvPr id="9" name="Image 8">
+            <a:extLst>
+              <a:ext uri="{FF2B5EF4-FFF2-40B4-BE49-F238E27FC236}">
+                <a16:creationId xmlns:a16="http://schemas.microsoft.com/office/drawing/2014/main" id="{DD826399-0FBD-4347-92BF-D4693B02357E}"/>
+              </a:ext>
+            </a:extLst>
+          </p:cNvPr>
+          <p:cNvPicPr>
+            <a:picLocks noChangeAspect="1"/>
+          </p:cNvPicPr>
+          <p:nvPr/>
+        </p:nvPicPr>
+        <p:blipFill rotWithShape="1">
+          <a:blip r:embed="rId8"/>
+          <a:srcRect l="14602" r="10750"/>
+          <a:stretch/>
+        </p:blipFill>
+        <p:spPr>
+          <a:xfrm>
+            <a:off x="2415183" y="2501192"/>
+            <a:ext cx="1999798" cy="835210"/>
+          </a:xfrm>
+          <a:prstGeom prst="rect">
+            <a:avLst/>
+          </a:prstGeom>
+        </p:spPr>
+      </p:pic>
     </p:spTree>
     <p:extLst>
       <p:ext uri="{BB962C8B-B14F-4D97-AF65-F5344CB8AC3E}">

--- a/Cyril/Diapositives/Projet Théléton REVUE 2.pptx
+++ b/Cyril/Diapositives/Projet Théléton REVUE 2.pptx
@@ -13596,7 +13596,7 @@
                 <a:ea typeface="+mn-ea"/>
                 <a:cs typeface="+mn-cs"/>
               </a:rPr>
-              <a:t>Revue de projet n°1</a:t>
+              <a:t>Revue de projet n°2</a:t>
             </a:r>
           </a:p>
           <a:p>
@@ -13856,7 +13856,24 @@
                 <a:ea typeface="+mn-ea"/>
                 <a:cs typeface="+mn-cs"/>
               </a:rPr>
-              <a:t>GUIGAND Nathan -- MONVOISIN Guillaume -- DOHIN Cyril</a:t>
+              <a:t>GUIGAND Nathan -- MONVOISIN Guillaume -- </a:t>
+            </a:r>
+            <a:r>
+              <a:rPr kumimoji="0" lang="fr-FR" sz="1600" b="0" i="0" u="none" strike="noStrike" kern="1200" cap="none" spc="0" normalizeH="0" baseline="0" noProof="0" dirty="0">
+                <a:ln>
+                  <a:noFill/>
+                </a:ln>
+                <a:solidFill>
+                  <a:srgbClr val="A31257"/>
+                </a:solidFill>
+                <a:effectLst/>
+                <a:uLnTx/>
+                <a:uFillTx/>
+                <a:latin typeface="Eras Medium ITC" panose="020B0602030504020804" pitchFamily="34" charset="0"/>
+                <a:ea typeface="+mn-ea"/>
+                <a:cs typeface="+mn-cs"/>
+              </a:rPr>
+              <a:t>DOHIN Cyril</a:t>
             </a:r>
           </a:p>
         </p:txBody>
@@ -24645,35 +24662,6 @@
           </a:p>
         </p:txBody>
       </p:sp>
-      <p:pic>
-        <p:nvPicPr>
-          <p:cNvPr id="5" name="Image 4">
-            <a:extLst>
-              <a:ext uri="{FF2B5EF4-FFF2-40B4-BE49-F238E27FC236}">
-                <a16:creationId xmlns:a16="http://schemas.microsoft.com/office/drawing/2014/main" id="{C154446B-8FA0-409D-A59B-0E2EC4D51CFE}"/>
-              </a:ext>
-            </a:extLst>
-          </p:cNvPr>
-          <p:cNvPicPr>
-            <a:picLocks noChangeAspect="1"/>
-          </p:cNvPicPr>
-          <p:nvPr/>
-        </p:nvPicPr>
-        <p:blipFill rotWithShape="1">
-          <a:blip r:embed="rId2"/>
-          <a:srcRect l="6569" r="4564"/>
-          <a:stretch/>
-        </p:blipFill>
-        <p:spPr>
-          <a:xfrm>
-            <a:off x="1014760" y="2192358"/>
-            <a:ext cx="8396869" cy="2228850"/>
-          </a:xfrm>
-          <a:prstGeom prst="rect">
-            <a:avLst/>
-          </a:prstGeom>
-        </p:spPr>
-      </p:pic>
       <p:sp>
         <p:nvSpPr>
           <p:cNvPr id="22" name="ZoneTexte 21">
@@ -25975,6 +25963,41 @@
           </a:p>
         </p:txBody>
       </p:sp>
+      <p:pic>
+        <p:nvPicPr>
+          <p:cNvPr id="6" name="Image 5" descr="Une image contenant assis, signe&#10;&#10;Description générée automatiquement">
+            <a:extLst>
+              <a:ext uri="{FF2B5EF4-FFF2-40B4-BE49-F238E27FC236}">
+                <a16:creationId xmlns:a16="http://schemas.microsoft.com/office/drawing/2014/main" id="{AC566C59-D180-4E2D-B005-E68C609991A5}"/>
+              </a:ext>
+            </a:extLst>
+          </p:cNvPr>
+          <p:cNvPicPr>
+            <a:picLocks noChangeAspect="1"/>
+          </p:cNvPicPr>
+          <p:nvPr/>
+        </p:nvPicPr>
+        <p:blipFill rotWithShape="1">
+          <a:blip r:embed="rId2">
+            <a:extLst>
+              <a:ext uri="{28A0092B-C50C-407E-A947-70E740481C1C}">
+                <a14:useLocalDpi xmlns:a14="http://schemas.microsoft.com/office/drawing/2010/main" val="0"/>
+              </a:ext>
+            </a:extLst>
+          </a:blip>
+          <a:srcRect l="1" r="897" b="60112"/>
+          <a:stretch/>
+        </p:blipFill>
+        <p:spPr>
+          <a:xfrm>
+            <a:off x="1189912" y="1919543"/>
+            <a:ext cx="7988677" cy="2189854"/>
+          </a:xfrm>
+          <a:prstGeom prst="rect">
+            <a:avLst/>
+          </a:prstGeom>
+        </p:spPr>
+      </p:pic>
     </p:spTree>
     <p:extLst>
       <p:ext uri="{BB962C8B-B14F-4D97-AF65-F5344CB8AC3E}">
@@ -29554,13 +29577,13 @@
   <p:clrMapOvr>
     <a:masterClrMapping/>
   </p:clrMapOvr>
-  <mc:AlternateContent xmlns:mc="http://schemas.openxmlformats.org/markup-compatibility/2006">
-    <mc:Choice xmlns:p159="http://schemas.microsoft.com/office/powerpoint/2015/09/main" Requires="p159">
+  <mc:AlternateContent xmlns:mc="http://schemas.openxmlformats.org/markup-compatibility/2006" xmlns:p159="http://schemas.microsoft.com/office/powerpoint/2015/09/main">
+    <mc:Choice Requires="p159">
       <p:transition xmlns:p14="http://schemas.microsoft.com/office/powerpoint/2010/main" spd="slow" p14:dur="2000">
         <p159:morph option="byObject"/>
       </p:transition>
     </mc:Choice>
-    <mc:Fallback>
+    <mc:Fallback xmlns="">
       <p:transition spd="slow">
         <p:fade/>
       </p:transition>
@@ -42020,13 +42043,13 @@
   <p:clrMapOvr>
     <a:masterClrMapping/>
   </p:clrMapOvr>
-  <mc:AlternateContent xmlns:mc="http://schemas.openxmlformats.org/markup-compatibility/2006">
-    <mc:Choice xmlns:p159="http://schemas.microsoft.com/office/powerpoint/2015/09/main" Requires="p159">
+  <mc:AlternateContent xmlns:mc="http://schemas.openxmlformats.org/markup-compatibility/2006" xmlns:p159="http://schemas.microsoft.com/office/powerpoint/2015/09/main">
+    <mc:Choice Requires="p159">
       <p:transition xmlns:p14="http://schemas.microsoft.com/office/powerpoint/2010/main" spd="slow" p14:dur="2000">
         <p159:morph option="byObject"/>
       </p:transition>
     </mc:Choice>
-    <mc:Fallback>
+    <mc:Fallback xmlns="">
       <p:transition spd="slow">
         <p:fade/>
       </p:transition>
@@ -55573,13 +55596,13 @@
   <p:clrMapOvr>
     <a:masterClrMapping/>
   </p:clrMapOvr>
-  <mc:AlternateContent xmlns:mc="http://schemas.openxmlformats.org/markup-compatibility/2006">
-    <mc:Choice xmlns:p159="http://schemas.microsoft.com/office/powerpoint/2015/09/main" Requires="p159">
+  <mc:AlternateContent xmlns:mc="http://schemas.openxmlformats.org/markup-compatibility/2006" xmlns:p159="http://schemas.microsoft.com/office/powerpoint/2015/09/main">
+    <mc:Choice Requires="p159">
       <p:transition xmlns:p14="http://schemas.microsoft.com/office/powerpoint/2010/main" spd="slow" p14:dur="2000">
         <p159:morph option="byObject"/>
       </p:transition>
     </mc:Choice>
-    <mc:Fallback>
+    <mc:Fallback xmlns="">
       <p:transition spd="slow">
         <p:fade/>
       </p:transition>

--- a/Cyril/Diapositives/Projet Théléton REVUE 2.pptx
+++ b/Cyril/Diapositives/Projet Théléton REVUE 2.pptx
@@ -227,7 +227,7 @@
           <a:p>
             <a:fld id="{C6B1AD4F-F5E1-44BF-B2CE-5CC53752312E}" type="datetimeFigureOut">
               <a:rPr lang="fr-FR" smtClean="0"/>
-              <a:t>12/03/2020</a:t>
+              <a:t>16/03/2020</a:t>
             </a:fld>
             <a:endParaRPr lang="fr-FR"/>
           </a:p>
@@ -1384,7 +1384,7 @@
           <a:p>
             <a:fld id="{121086B6-4785-4B02-B45F-69E8EC48AF10}" type="datetime1">
               <a:rPr lang="en-US" smtClean="0"/>
-              <a:t>3/12/2020</a:t>
+              <a:t>3/16/2020</a:t>
             </a:fld>
             <a:endParaRPr lang="en-US" dirty="0"/>
           </a:p>
@@ -1636,7 +1636,7 @@
           <a:p>
             <a:fld id="{23970309-B0F5-496A-AF01-C4F7D7127607}" type="datetime1">
               <a:rPr lang="en-US" smtClean="0"/>
-              <a:t>3/12/2020</a:t>
+              <a:t>3/16/2020</a:t>
             </a:fld>
             <a:endParaRPr lang="en-US" dirty="0"/>
           </a:p>
@@ -1951,7 +1951,7 @@
           <a:p>
             <a:fld id="{BD5A6555-B09D-4DF3-9E24-F95073C0E3C5}" type="datetime1">
               <a:rPr lang="en-US" smtClean="0"/>
-              <a:t>3/12/2020</a:t>
+              <a:t>3/16/2020</a:t>
             </a:fld>
             <a:endParaRPr lang="en-US" dirty="0"/>
           </a:p>
@@ -2293,7 +2293,7 @@
           <a:p>
             <a:fld id="{2718A8E1-1FCB-4D1F-B5F8-40754BB1A44B}" type="datetime1">
               <a:rPr lang="en-US" smtClean="0"/>
-              <a:t>3/12/2020</a:t>
+              <a:t>3/16/2020</a:t>
             </a:fld>
             <a:endParaRPr lang="en-US" dirty="0"/>
           </a:p>
@@ -2608,7 +2608,7 @@
           <a:p>
             <a:fld id="{373D0532-6397-4639-8901-FD8E130F9E79}" type="datetime1">
               <a:rPr lang="en-US" smtClean="0"/>
-              <a:t>3/12/2020</a:t>
+              <a:t>3/16/2020</a:t>
             </a:fld>
             <a:endParaRPr lang="en-US" dirty="0"/>
           </a:p>
@@ -3002,7 +3002,7 @@
           <a:p>
             <a:fld id="{06DAD8E1-DFBA-4FAC-A724-8EA9950C9948}" type="datetime1">
               <a:rPr lang="en-US" smtClean="0"/>
-              <a:t>3/12/2020</a:t>
+              <a:t>3/16/2020</a:t>
             </a:fld>
             <a:endParaRPr lang="en-US" dirty="0"/>
           </a:p>
@@ -3173,7 +3173,7 @@
           <a:p>
             <a:fld id="{6BE363D7-C59B-4AE0-9D13-3E581A6403A6}" type="datetime1">
               <a:rPr lang="en-US" smtClean="0"/>
-              <a:t>3/12/2020</a:t>
+              <a:t>3/16/2020</a:t>
             </a:fld>
             <a:endParaRPr lang="en-US" dirty="0"/>
           </a:p>
@@ -3353,7 +3353,7 @@
           <a:p>
             <a:fld id="{A4B56314-D09A-4343-94DD-6E21C843D93C}" type="datetime1">
               <a:rPr lang="en-US" smtClean="0"/>
-              <a:t>3/12/2020</a:t>
+              <a:t>3/16/2020</a:t>
             </a:fld>
             <a:endParaRPr lang="en-US" dirty="0"/>
           </a:p>
@@ -3530,7 +3530,7 @@
           <a:p>
             <a:fld id="{311F89E6-8346-407F-8976-74A6E6BC9C69}" type="datetime1">
               <a:rPr lang="en-US" smtClean="0"/>
-              <a:t>3/12/2020</a:t>
+              <a:t>3/16/2020</a:t>
             </a:fld>
             <a:endParaRPr lang="en-US" dirty="0"/>
           </a:p>
@@ -3778,7 +3778,7 @@
           <a:p>
             <a:fld id="{F0CAE4E6-96AB-47D8-84F8-C8DEF4A89FA1}" type="datetime1">
               <a:rPr lang="en-US" smtClean="0"/>
-              <a:t>3/12/2020</a:t>
+              <a:t>3/16/2020</a:t>
             </a:fld>
             <a:endParaRPr lang="en-US" dirty="0"/>
           </a:p>
@@ -4011,7 +4011,7 @@
           <a:p>
             <a:fld id="{C74EB724-3B24-4FAF-B85F-8349CE767A12}" type="datetime1">
               <a:rPr lang="en-US" smtClean="0"/>
-              <a:t>3/12/2020</a:t>
+              <a:t>3/16/2020</a:t>
             </a:fld>
             <a:endParaRPr lang="en-US" dirty="0"/>
           </a:p>
@@ -4385,7 +4385,7 @@
           <a:p>
             <a:fld id="{C6E29C2D-42A1-4ACC-8E10-E8732F70073F}" type="datetime1">
               <a:rPr lang="en-US" smtClean="0"/>
-              <a:t>3/12/2020</a:t>
+              <a:t>3/16/2020</a:t>
             </a:fld>
             <a:endParaRPr lang="en-US" dirty="0"/>
           </a:p>
@@ -4509,7 +4509,7 @@
           <a:p>
             <a:fld id="{CAE62921-F2F1-4662-8022-A6B0A50BAE48}" type="datetime1">
               <a:rPr lang="en-US" smtClean="0"/>
-              <a:t>3/12/2020</a:t>
+              <a:t>3/16/2020</a:t>
             </a:fld>
             <a:endParaRPr lang="en-US" dirty="0"/>
           </a:p>
@@ -4605,7 +4605,7 @@
           <a:p>
             <a:fld id="{0BBF48E3-595E-4DAE-88AA-4F167A64EEC9}" type="datetime1">
               <a:rPr lang="en-US" smtClean="0"/>
-              <a:t>3/12/2020</a:t>
+              <a:t>3/16/2020</a:t>
             </a:fld>
             <a:endParaRPr lang="en-US" dirty="0"/>
           </a:p>
@@ -4861,7 +4861,7 @@
           <a:p>
             <a:fld id="{46970350-80C1-41CC-A2C2-E8482DBD7CDF}" type="datetime1">
               <a:rPr lang="en-US" smtClean="0"/>
-              <a:t>3/12/2020</a:t>
+              <a:t>3/16/2020</a:t>
             </a:fld>
             <a:endParaRPr lang="en-US" dirty="0"/>
           </a:p>
@@ -5124,7 +5124,7 @@
           <a:p>
             <a:fld id="{AB97C547-5076-4761-9061-295AB8CD0FD5}" type="datetime1">
               <a:rPr lang="en-US" smtClean="0"/>
-              <a:t>3/12/2020</a:t>
+              <a:t>3/16/2020</a:t>
             </a:fld>
             <a:endParaRPr lang="en-US" dirty="0"/>
           </a:p>
@@ -5868,7 +5868,7 @@
           <a:p>
             <a:fld id="{4BC6ADAC-2FE0-4598-B64E-CE0503A9DF00}" type="datetime1">
               <a:rPr lang="en-US" smtClean="0"/>
-              <a:t>3/12/2020</a:t>
+              <a:t>3/16/2020</a:t>
             </a:fld>
             <a:endParaRPr lang="en-US" dirty="0"/>
           </a:p>
